--- a/slides_new.pptx
+++ b/slides_new.pptx
@@ -5,7 +5,7 @@
     <p:sldMasterId id="2147483648" r:id="rId1"/>
   </p:sldMasterIdLst>
   <p:notesMasterIdLst>
-    <p:notesMasterId r:id="rId26"/>
+    <p:notesMasterId r:id="rId35"/>
   </p:notesMasterIdLst>
   <p:sldIdLst>
     <p:sldId id="256" r:id="rId2"/>
@@ -32,6 +32,15 @@
     <p:sldId id="278" r:id="rId23"/>
     <p:sldId id="367" r:id="rId24"/>
     <p:sldId id="368" r:id="rId25"/>
+    <p:sldId id="369" r:id="rId26"/>
+    <p:sldId id="370" r:id="rId27"/>
+    <p:sldId id="371" r:id="rId28"/>
+    <p:sldId id="372" r:id="rId29"/>
+    <p:sldId id="373" r:id="rId30"/>
+    <p:sldId id="374" r:id="rId31"/>
+    <p:sldId id="375" r:id="rId32"/>
+    <p:sldId id="376" r:id="rId33"/>
+    <p:sldId id="377" r:id="rId34"/>
   </p:sldIdLst>
   <p:sldSz cx="12192000" cy="6858000"/>
   <p:notesSz cx="6858000" cy="9144000"/>
@@ -231,7 +240,7 @@
           <a:p>
             <a:fld id="{CE93C8FA-2864-4B0A-8ADE-EA5F69F8CD2F}" type="datetimeFigureOut">
               <a:rPr lang="ru-RU" smtClean="0"/>
-              <a:t>26.07.2023</a:t>
+              <a:t>27.07.2023</a:t>
             </a:fld>
             <a:endParaRPr lang="ru-RU"/>
           </a:p>
@@ -41429,6 +41438,4755 @@
 </p:sld>
 </file>
 
+<file path=ppt/slides/slide25.xml><?xml version="1.0" encoding="utf-8"?>
+<p:sld xmlns:a="http://schemas.openxmlformats.org/drawingml/2006/main" xmlns:r="http://schemas.openxmlformats.org/officeDocument/2006/relationships" xmlns:p="http://schemas.openxmlformats.org/presentationml/2006/main">
+  <p:cSld>
+    <p:spTree>
+      <p:nvGrpSpPr>
+        <p:cNvPr id="1" name=""/>
+        <p:cNvGrpSpPr/>
+        <p:nvPr/>
+      </p:nvGrpSpPr>
+      <p:grpSpPr>
+        <a:xfrm>
+          <a:off x="0" y="0"/>
+          <a:ext cx="0" cy="0"/>
+          <a:chOff x="0" y="0"/>
+          <a:chExt cx="0" cy="0"/>
+        </a:xfrm>
+      </p:grpSpPr>
+      <p:sp>
+        <p:nvSpPr>
+          <p:cNvPr id="2" name="Title 1">
+            <a:extLst>
+              <a:ext uri="{FF2B5EF4-FFF2-40B4-BE49-F238E27FC236}">
+                <a16:creationId xmlns:a16="http://schemas.microsoft.com/office/drawing/2014/main" id="{C59FC7EE-640F-450F-8010-85A8624563EE}"/>
+              </a:ext>
+            </a:extLst>
+          </p:cNvPr>
+          <p:cNvSpPr>
+            <a:spLocks noGrp="1"/>
+          </p:cNvSpPr>
+          <p:nvPr>
+            <p:ph type="ctrTitle"/>
+          </p:nvPr>
+        </p:nvSpPr>
+        <p:spPr/>
+        <p:txBody>
+          <a:bodyPr/>
+          <a:lstStyle/>
+          <a:p>
+            <a:r>
+              <a:rPr lang="ru-RU" dirty="0"/>
+              <a:t>Третий подход — </a:t>
+            </a:r>
+            <a:r>
+              <a:rPr lang="en-US" dirty="0"/>
+              <a:t>type</a:t>
+            </a:r>
+            <a:r>
+              <a:rPr lang="ru-RU" dirty="0"/>
+              <a:t> </a:t>
+            </a:r>
+            <a:r>
+              <a:rPr lang="en-US" dirty="0"/>
+              <a:t>erasure </a:t>
+            </a:r>
+            <a:endParaRPr lang="ru-RU" dirty="0"/>
+          </a:p>
+        </p:txBody>
+      </p:sp>
+      <p:sp>
+        <p:nvSpPr>
+          <p:cNvPr id="3" name="Footer Placeholder 2">
+            <a:extLst>
+              <a:ext uri="{FF2B5EF4-FFF2-40B4-BE49-F238E27FC236}">
+                <a16:creationId xmlns:a16="http://schemas.microsoft.com/office/drawing/2014/main" id="{0378390E-563C-4287-8CD0-46451E18ADFA}"/>
+              </a:ext>
+            </a:extLst>
+          </p:cNvPr>
+          <p:cNvSpPr>
+            <a:spLocks noGrp="1"/>
+          </p:cNvSpPr>
+          <p:nvPr>
+            <p:ph type="ftr" sz="quarter" idx="11"/>
+          </p:nvPr>
+        </p:nvSpPr>
+        <p:spPr/>
+        <p:txBody>
+          <a:bodyPr/>
+          <a:lstStyle/>
+          <a:p>
+            <a:endParaRPr lang="ru-RU" dirty="0"/>
+          </a:p>
+        </p:txBody>
+      </p:sp>
+      <p:sp>
+        <p:nvSpPr>
+          <p:cNvPr id="4" name="Slide Number Placeholder 3">
+            <a:extLst>
+              <a:ext uri="{FF2B5EF4-FFF2-40B4-BE49-F238E27FC236}">
+                <a16:creationId xmlns:a16="http://schemas.microsoft.com/office/drawing/2014/main" id="{7AA69920-5F7D-4DB3-9B1A-7F3D67B1A658}"/>
+              </a:ext>
+            </a:extLst>
+          </p:cNvPr>
+          <p:cNvSpPr>
+            <a:spLocks noGrp="1"/>
+          </p:cNvSpPr>
+          <p:nvPr>
+            <p:ph type="sldNum" sz="quarter" idx="12"/>
+          </p:nvPr>
+        </p:nvSpPr>
+        <p:spPr/>
+        <p:txBody>
+          <a:bodyPr/>
+          <a:lstStyle/>
+          <a:p>
+            <a:fld id="{8DE7FA1B-F957-4F22-889A-E25B642749EF}" type="slidenum">
+              <a:rPr lang="ru-RU" smtClean="0"/>
+              <a:pPr/>
+              <a:t>25</a:t>
+            </a:fld>
+            <a:endParaRPr lang="ru-RU" dirty="0"/>
+          </a:p>
+        </p:txBody>
+      </p:sp>
+      <p:sp>
+        <p:nvSpPr>
+          <p:cNvPr id="5" name="Subtitle 4">
+            <a:extLst>
+              <a:ext uri="{FF2B5EF4-FFF2-40B4-BE49-F238E27FC236}">
+                <a16:creationId xmlns:a16="http://schemas.microsoft.com/office/drawing/2014/main" id="{7F99643D-2DAF-4490-89C0-4C559E556707}"/>
+              </a:ext>
+            </a:extLst>
+          </p:cNvPr>
+          <p:cNvSpPr>
+            <a:spLocks noGrp="1"/>
+          </p:cNvSpPr>
+          <p:nvPr>
+            <p:ph type="subTitle" idx="1"/>
+          </p:nvPr>
+        </p:nvSpPr>
+        <p:spPr/>
+        <p:txBody>
+          <a:bodyPr/>
+          <a:lstStyle/>
+          <a:p>
+            <a:endParaRPr lang="ru-RU" dirty="0"/>
+          </a:p>
+        </p:txBody>
+      </p:sp>
+      <p:sp>
+        <p:nvSpPr>
+          <p:cNvPr id="6" name="Content Placeholder 5">
+            <a:extLst>
+              <a:ext uri="{FF2B5EF4-FFF2-40B4-BE49-F238E27FC236}">
+                <a16:creationId xmlns:a16="http://schemas.microsoft.com/office/drawing/2014/main" id="{C8E9B292-90A5-472D-9F3E-D50ACAF3F2F2}"/>
+              </a:ext>
+            </a:extLst>
+          </p:cNvPr>
+          <p:cNvSpPr>
+            <a:spLocks noGrp="1"/>
+          </p:cNvSpPr>
+          <p:nvPr>
+            <p:ph idx="59"/>
+          </p:nvPr>
+        </p:nvSpPr>
+        <p:spPr/>
+        <p:txBody>
+          <a:bodyPr/>
+          <a:lstStyle/>
+          <a:p>
+            <a:r>
+              <a:rPr lang="ru-RU" dirty="0"/>
+              <a:t>03</a:t>
+            </a:r>
+            <a:r>
+              <a:rPr lang="ru-RU" dirty="0">
+                <a:solidFill>
+                  <a:srgbClr val="C00000"/>
+                </a:solidFill>
+              </a:rPr>
+              <a:t>;</a:t>
+            </a:r>
+          </a:p>
+        </p:txBody>
+      </p:sp>
+    </p:spTree>
+    <p:extLst>
+      <p:ext uri="{BB962C8B-B14F-4D97-AF65-F5344CB8AC3E}">
+        <p14:creationId xmlns:p14="http://schemas.microsoft.com/office/powerpoint/2010/main" val="2144384471"/>
+      </p:ext>
+    </p:extLst>
+  </p:cSld>
+  <p:clrMapOvr>
+    <a:masterClrMapping/>
+  </p:clrMapOvr>
+</p:sld>
+</file>
+
+<file path=ppt/slides/slide26.xml><?xml version="1.0" encoding="utf-8"?>
+<p:sld xmlns:a="http://schemas.openxmlformats.org/drawingml/2006/main" xmlns:r="http://schemas.openxmlformats.org/officeDocument/2006/relationships" xmlns:p="http://schemas.openxmlformats.org/presentationml/2006/main">
+  <p:cSld>
+    <p:spTree>
+      <p:nvGrpSpPr>
+        <p:cNvPr id="1" name=""/>
+        <p:cNvGrpSpPr/>
+        <p:nvPr/>
+      </p:nvGrpSpPr>
+      <p:grpSpPr>
+        <a:xfrm>
+          <a:off x="0" y="0"/>
+          <a:ext cx="0" cy="0"/>
+          <a:chOff x="0" y="0"/>
+          <a:chExt cx="0" cy="0"/>
+        </a:xfrm>
+      </p:grpSpPr>
+      <p:sp>
+        <p:nvSpPr>
+          <p:cNvPr id="2" name="Footer Placeholder 1">
+            <a:extLst>
+              <a:ext uri="{FF2B5EF4-FFF2-40B4-BE49-F238E27FC236}">
+                <a16:creationId xmlns:a16="http://schemas.microsoft.com/office/drawing/2014/main" id="{5675CE17-31F9-4974-90DD-A77C8B88A67D}"/>
+              </a:ext>
+            </a:extLst>
+          </p:cNvPr>
+          <p:cNvSpPr>
+            <a:spLocks noGrp="1"/>
+          </p:cNvSpPr>
+          <p:nvPr>
+            <p:ph type="ftr" sz="quarter" idx="11"/>
+          </p:nvPr>
+        </p:nvSpPr>
+        <p:spPr/>
+        <p:txBody>
+          <a:bodyPr/>
+          <a:lstStyle/>
+          <a:p>
+            <a:endParaRPr lang="ru-RU" dirty="0"/>
+          </a:p>
+        </p:txBody>
+      </p:sp>
+      <p:sp>
+        <p:nvSpPr>
+          <p:cNvPr id="3" name="Slide Number Placeholder 2">
+            <a:extLst>
+              <a:ext uri="{FF2B5EF4-FFF2-40B4-BE49-F238E27FC236}">
+                <a16:creationId xmlns:a16="http://schemas.microsoft.com/office/drawing/2014/main" id="{52637604-7EA7-409D-AC49-622CD1007C8A}"/>
+              </a:ext>
+            </a:extLst>
+          </p:cNvPr>
+          <p:cNvSpPr>
+            <a:spLocks noGrp="1"/>
+          </p:cNvSpPr>
+          <p:nvPr>
+            <p:ph type="sldNum" sz="quarter" idx="12"/>
+          </p:nvPr>
+        </p:nvSpPr>
+        <p:spPr/>
+        <p:txBody>
+          <a:bodyPr/>
+          <a:lstStyle/>
+          <a:p>
+            <a:fld id="{8DE7FA1B-F957-4F22-889A-E25B642749EF}" type="slidenum">
+              <a:rPr lang="ru-RU" smtClean="0"/>
+              <a:pPr/>
+              <a:t>26</a:t>
+            </a:fld>
+            <a:endParaRPr lang="ru-RU" dirty="0"/>
+          </a:p>
+        </p:txBody>
+      </p:sp>
+      <p:sp>
+        <p:nvSpPr>
+          <p:cNvPr id="4" name="Title 3">
+            <a:extLst>
+              <a:ext uri="{FF2B5EF4-FFF2-40B4-BE49-F238E27FC236}">
+                <a16:creationId xmlns:a16="http://schemas.microsoft.com/office/drawing/2014/main" id="{379A3C10-3754-442D-B4C4-01185B860F29}"/>
+              </a:ext>
+            </a:extLst>
+          </p:cNvPr>
+          <p:cNvSpPr>
+            <a:spLocks noGrp="1"/>
+          </p:cNvSpPr>
+          <p:nvPr>
+            <p:ph type="ctrTitle"/>
+          </p:nvPr>
+        </p:nvSpPr>
+        <p:spPr/>
+        <p:txBody>
+          <a:bodyPr>
+            <a:normAutofit fontScale="90000"/>
+          </a:bodyPr>
+          <a:lstStyle/>
+          <a:p>
+            <a:r>
+              <a:rPr lang="ru-RU" dirty="0"/>
+              <a:t>Третий подход — </a:t>
+            </a:r>
+            <a:r>
+              <a:rPr lang="en-US" dirty="0"/>
+              <a:t>type erasure</a:t>
+            </a:r>
+            <a:endParaRPr lang="ru-RU" dirty="0"/>
+          </a:p>
+        </p:txBody>
+      </p:sp>
+      <p:sp>
+        <p:nvSpPr>
+          <p:cNvPr id="5" name="Content Placeholder 4">
+            <a:extLst>
+              <a:ext uri="{FF2B5EF4-FFF2-40B4-BE49-F238E27FC236}">
+                <a16:creationId xmlns:a16="http://schemas.microsoft.com/office/drawing/2014/main" id="{8FEE1776-3E26-48B1-9427-0FA4940C8C88}"/>
+              </a:ext>
+            </a:extLst>
+          </p:cNvPr>
+          <p:cNvSpPr>
+            <a:spLocks noGrp="1"/>
+          </p:cNvSpPr>
+          <p:nvPr>
+            <p:ph idx="23"/>
+          </p:nvPr>
+        </p:nvSpPr>
+        <p:spPr/>
+        <p:txBody>
+          <a:bodyPr/>
+          <a:lstStyle/>
+          <a:p>
+            <a:r>
+              <a:rPr lang="ru-RU" sz="2400" dirty="0">
+                <a:solidFill>
+                  <a:srgbClr val="000000"/>
+                </a:solidFill>
+                <a:latin typeface="YS Display Medium" pitchFamily="34" charset="0"/>
+              </a:rPr>
+              <a:t>Хотим сохранять значения разных типов в одну переменную — используем </a:t>
+            </a:r>
+            <a:r>
+              <a:rPr lang="en-US" sz="2400" dirty="0">
+                <a:solidFill>
+                  <a:srgbClr val="000000"/>
+                </a:solidFill>
+                <a:latin typeface="YS Display Medium" pitchFamily="34" charset="0"/>
+              </a:rPr>
+              <a:t>type erasure</a:t>
+            </a:r>
+            <a:endParaRPr lang="ru-RU" sz="2400" dirty="0">
+              <a:solidFill>
+                <a:srgbClr val="000000"/>
+              </a:solidFill>
+              <a:latin typeface="YS Display Medium" pitchFamily="34" charset="0"/>
+            </a:endParaRPr>
+          </a:p>
+          <a:p>
+            <a:r>
+              <a:rPr lang="ru-RU" dirty="0">
+                <a:solidFill>
+                  <a:srgbClr val="000000"/>
+                </a:solidFill>
+                <a:latin typeface="YS Display Medium" pitchFamily="34" charset="0"/>
+              </a:rPr>
+              <a:t>Меняем </a:t>
+            </a:r>
+            <a:r>
+              <a:rPr lang="en-US" dirty="0">
+                <a:solidFill>
+                  <a:srgbClr val="000000"/>
+                </a:solidFill>
+                <a:latin typeface="YS Display Medium" pitchFamily="34" charset="0"/>
+              </a:rPr>
+              <a:t>compile time </a:t>
+            </a:r>
+            <a:r>
+              <a:rPr lang="ru-RU" dirty="0">
+                <a:solidFill>
+                  <a:srgbClr val="000000"/>
+                </a:solidFill>
+                <a:latin typeface="YS Display Medium" pitchFamily="34" charset="0"/>
+              </a:rPr>
+              <a:t>полиморфизм на </a:t>
+            </a:r>
+            <a:r>
+              <a:rPr lang="en-US" dirty="0">
+                <a:solidFill>
+                  <a:srgbClr val="000000"/>
+                </a:solidFill>
+                <a:latin typeface="YS Display Medium" pitchFamily="34" charset="0"/>
+              </a:rPr>
+              <a:t>runtime </a:t>
+            </a:r>
+            <a:r>
+              <a:rPr lang="ru-RU" dirty="0">
+                <a:solidFill>
+                  <a:srgbClr val="000000"/>
+                </a:solidFill>
+                <a:latin typeface="YS Display Medium" pitchFamily="34" charset="0"/>
+              </a:rPr>
+              <a:t>полиморфизм с виртуальными методами</a:t>
+            </a:r>
+          </a:p>
+          <a:p>
+            <a:r>
+              <a:rPr lang="ru-RU" sz="2400" dirty="0">
+                <a:solidFill>
+                  <a:srgbClr val="000000"/>
+                </a:solidFill>
+                <a:latin typeface="YS Display Medium" pitchFamily="34" charset="0"/>
+              </a:rPr>
+              <a:t>Тогда подвыражение можно будет со</a:t>
+            </a:r>
+            <a:r>
+              <a:rPr lang="ru-RU" dirty="0">
+                <a:solidFill>
+                  <a:srgbClr val="000000"/>
+                </a:solidFill>
+                <a:latin typeface="YS Display Medium" pitchFamily="34" charset="0"/>
+              </a:rPr>
+              <a:t>хранять в </a:t>
+            </a:r>
+            <a:r>
+              <a:rPr lang="en-US" dirty="0" err="1">
+                <a:solidFill>
+                  <a:srgbClr val="000000"/>
+                </a:solidFill>
+                <a:latin typeface="YS Display Medium" pitchFamily="34" charset="0"/>
+              </a:rPr>
+              <a:t>shared_ptr</a:t>
+            </a:r>
+            <a:endParaRPr lang="en-US" sz="2400" dirty="0"/>
+          </a:p>
+        </p:txBody>
+      </p:sp>
+    </p:spTree>
+    <p:extLst>
+      <p:ext uri="{BB962C8B-B14F-4D97-AF65-F5344CB8AC3E}">
+        <p14:creationId xmlns:p14="http://schemas.microsoft.com/office/powerpoint/2010/main" val="171004990"/>
+      </p:ext>
+    </p:extLst>
+  </p:cSld>
+  <p:clrMapOvr>
+    <a:masterClrMapping/>
+  </p:clrMapOvr>
+</p:sld>
+</file>
+
+<file path=ppt/slides/slide27.xml><?xml version="1.0" encoding="utf-8"?>
+<p:sld xmlns:a="http://schemas.openxmlformats.org/drawingml/2006/main" xmlns:r="http://schemas.openxmlformats.org/officeDocument/2006/relationships" xmlns:p="http://schemas.openxmlformats.org/presentationml/2006/main">
+  <p:cSld>
+    <p:spTree>
+      <p:nvGrpSpPr>
+        <p:cNvPr id="1" name=""/>
+        <p:cNvGrpSpPr/>
+        <p:nvPr/>
+      </p:nvGrpSpPr>
+      <p:grpSpPr>
+        <a:xfrm>
+          <a:off x="0" y="0"/>
+          <a:ext cx="0" cy="0"/>
+          <a:chOff x="0" y="0"/>
+          <a:chExt cx="0" cy="0"/>
+        </a:xfrm>
+      </p:grpSpPr>
+      <p:sp>
+        <p:nvSpPr>
+          <p:cNvPr id="2" name="Footer Placeholder 1">
+            <a:extLst>
+              <a:ext uri="{FF2B5EF4-FFF2-40B4-BE49-F238E27FC236}">
+                <a16:creationId xmlns:a16="http://schemas.microsoft.com/office/drawing/2014/main" id="{71D5D624-1AA6-4945-BD4E-150CD1DE4D9C}"/>
+              </a:ext>
+            </a:extLst>
+          </p:cNvPr>
+          <p:cNvSpPr>
+            <a:spLocks noGrp="1"/>
+          </p:cNvSpPr>
+          <p:nvPr>
+            <p:ph type="ftr" sz="quarter" idx="11"/>
+          </p:nvPr>
+        </p:nvSpPr>
+        <p:spPr/>
+        <p:txBody>
+          <a:bodyPr/>
+          <a:lstStyle/>
+          <a:p>
+            <a:endParaRPr lang="ru-RU" dirty="0"/>
+          </a:p>
+        </p:txBody>
+      </p:sp>
+      <p:sp>
+        <p:nvSpPr>
+          <p:cNvPr id="3" name="Slide Number Placeholder 2">
+            <a:extLst>
+              <a:ext uri="{FF2B5EF4-FFF2-40B4-BE49-F238E27FC236}">
+                <a16:creationId xmlns:a16="http://schemas.microsoft.com/office/drawing/2014/main" id="{DD3EA27F-D800-4246-A59D-21AC713B42A5}"/>
+              </a:ext>
+            </a:extLst>
+          </p:cNvPr>
+          <p:cNvSpPr>
+            <a:spLocks noGrp="1"/>
+          </p:cNvSpPr>
+          <p:nvPr>
+            <p:ph type="sldNum" sz="quarter" idx="12"/>
+          </p:nvPr>
+        </p:nvSpPr>
+        <p:spPr/>
+        <p:txBody>
+          <a:bodyPr/>
+          <a:lstStyle/>
+          <a:p>
+            <a:fld id="{8DE7FA1B-F957-4F22-889A-E25B642749EF}" type="slidenum">
+              <a:rPr lang="ru-RU" smtClean="0"/>
+              <a:pPr/>
+              <a:t>27</a:t>
+            </a:fld>
+            <a:endParaRPr lang="ru-RU" dirty="0"/>
+          </a:p>
+        </p:txBody>
+      </p:sp>
+      <p:sp>
+        <p:nvSpPr>
+          <p:cNvPr id="4" name="Content Placeholder 3">
+            <a:extLst>
+              <a:ext uri="{FF2B5EF4-FFF2-40B4-BE49-F238E27FC236}">
+                <a16:creationId xmlns:a16="http://schemas.microsoft.com/office/drawing/2014/main" id="{73FA2DE6-4D72-4752-9D2F-4411C2E144A9}"/>
+              </a:ext>
+            </a:extLst>
+          </p:cNvPr>
+          <p:cNvSpPr>
+            <a:spLocks noGrp="1"/>
+          </p:cNvSpPr>
+          <p:nvPr>
+            <p:ph idx="25"/>
+          </p:nvPr>
+        </p:nvSpPr>
+        <p:spPr>
+          <a:xfrm>
+            <a:off x="371474" y="1559790"/>
+            <a:ext cx="11449051" cy="5298209"/>
+          </a:xfrm>
+        </p:spPr>
+        <p:txBody>
+          <a:bodyPr>
+            <a:noAutofit/>
+          </a:bodyPr>
+          <a:lstStyle/>
+          <a:p>
+            <a:r>
+              <a:rPr lang="en-US" sz="2000" b="0" dirty="0">
+                <a:solidFill>
+                  <a:srgbClr val="0000FF"/>
+                </a:solidFill>
+                <a:effectLst/>
+                <a:latin typeface="Consolas" panose="020B0609020204030204" pitchFamily="49" charset="0"/>
+              </a:rPr>
+              <a:t>template</a:t>
+            </a:r>
+            <a:r>
+              <a:rPr lang="en-US" sz="2000" b="0" dirty="0">
+                <a:solidFill>
+                  <a:srgbClr val="3B3B3B"/>
+                </a:solidFill>
+                <a:effectLst/>
+                <a:latin typeface="Consolas" panose="020B0609020204030204" pitchFamily="49" charset="0"/>
+              </a:rPr>
+              <a:t> &lt;</a:t>
+            </a:r>
+            <a:r>
+              <a:rPr lang="en-US" sz="2000" b="0" dirty="0" err="1">
+                <a:solidFill>
+                  <a:srgbClr val="0000FF"/>
+                </a:solidFill>
+                <a:effectLst/>
+                <a:latin typeface="Consolas" panose="020B0609020204030204" pitchFamily="49" charset="0"/>
+              </a:rPr>
+              <a:t>typename</a:t>
+            </a:r>
+            <a:r>
+              <a:rPr lang="en-US" sz="2000" b="0" dirty="0">
+                <a:solidFill>
+                  <a:srgbClr val="3B3B3B"/>
+                </a:solidFill>
+                <a:effectLst/>
+                <a:latin typeface="Consolas" panose="020B0609020204030204" pitchFamily="49" charset="0"/>
+              </a:rPr>
+              <a:t> </a:t>
+            </a:r>
+            <a:r>
+              <a:rPr lang="en-US" sz="2000" b="0" dirty="0">
+                <a:solidFill>
+                  <a:srgbClr val="267F99"/>
+                </a:solidFill>
+                <a:effectLst/>
+                <a:latin typeface="Consolas" panose="020B0609020204030204" pitchFamily="49" charset="0"/>
+              </a:rPr>
+              <a:t>T</a:t>
+            </a:r>
+            <a:r>
+              <a:rPr lang="en-US" sz="2000" b="0" dirty="0">
+                <a:solidFill>
+                  <a:srgbClr val="3B3B3B"/>
+                </a:solidFill>
+                <a:effectLst/>
+                <a:latin typeface="Consolas" panose="020B0609020204030204" pitchFamily="49" charset="0"/>
+              </a:rPr>
+              <a:t>&gt; </a:t>
+            </a:r>
+            <a:r>
+              <a:rPr lang="en-US" sz="2000" b="0" dirty="0">
+                <a:solidFill>
+                  <a:srgbClr val="0000FF"/>
+                </a:solidFill>
+                <a:effectLst/>
+                <a:latin typeface="Consolas" panose="020B0609020204030204" pitchFamily="49" charset="0"/>
+              </a:rPr>
+              <a:t>class</a:t>
+            </a:r>
+            <a:r>
+              <a:rPr lang="en-US" sz="2000" b="0" dirty="0">
+                <a:solidFill>
+                  <a:srgbClr val="3B3B3B"/>
+                </a:solidFill>
+                <a:effectLst/>
+                <a:latin typeface="Consolas" panose="020B0609020204030204" pitchFamily="49" charset="0"/>
+              </a:rPr>
+              <a:t> </a:t>
+            </a:r>
+            <a:r>
+              <a:rPr lang="en-US" sz="2000" b="0" dirty="0">
+                <a:solidFill>
+                  <a:srgbClr val="267F99"/>
+                </a:solidFill>
+                <a:effectLst/>
+                <a:latin typeface="Consolas" panose="020B0609020204030204" pitchFamily="49" charset="0"/>
+              </a:rPr>
+              <a:t>Expression</a:t>
+            </a:r>
+            <a:r>
+              <a:rPr lang="en-US" sz="2000" b="0" dirty="0">
+                <a:solidFill>
+                  <a:srgbClr val="3B3B3B"/>
+                </a:solidFill>
+                <a:effectLst/>
+                <a:latin typeface="Consolas" panose="020B0609020204030204" pitchFamily="49" charset="0"/>
+              </a:rPr>
+              <a:t> {</a:t>
+            </a:r>
+          </a:p>
+          <a:p>
+            <a:r>
+              <a:rPr lang="en-US" sz="2000" b="0" dirty="0">
+                <a:solidFill>
+                  <a:srgbClr val="0000FF"/>
+                </a:solidFill>
+                <a:effectLst/>
+                <a:latin typeface="Consolas" panose="020B0609020204030204" pitchFamily="49" charset="0"/>
+              </a:rPr>
+              <a:t>public:</a:t>
+            </a:r>
+            <a:endParaRPr lang="en-US" sz="2000" b="0" dirty="0">
+              <a:solidFill>
+                <a:srgbClr val="3B3B3B"/>
+              </a:solidFill>
+              <a:effectLst/>
+              <a:latin typeface="Consolas" panose="020B0609020204030204" pitchFamily="49" charset="0"/>
+            </a:endParaRPr>
+          </a:p>
+          <a:p>
+            <a:r>
+              <a:rPr lang="en-US" sz="2000" b="0" dirty="0">
+                <a:solidFill>
+                  <a:srgbClr val="3B3B3B"/>
+                </a:solidFill>
+                <a:effectLst/>
+                <a:latin typeface="Consolas" panose="020B0609020204030204" pitchFamily="49" charset="0"/>
+              </a:rPr>
+              <a:t>  </a:t>
+            </a:r>
+            <a:r>
+              <a:rPr lang="en-US" sz="2000" b="0" dirty="0">
+                <a:solidFill>
+                  <a:srgbClr val="0000FF"/>
+                </a:solidFill>
+                <a:effectLst/>
+                <a:latin typeface="Consolas" panose="020B0609020204030204" pitchFamily="49" charset="0"/>
+              </a:rPr>
+              <a:t>virtual</a:t>
+            </a:r>
+            <a:r>
+              <a:rPr lang="en-US" sz="2000" b="0" dirty="0">
+                <a:solidFill>
+                  <a:srgbClr val="3B3B3B"/>
+                </a:solidFill>
+                <a:effectLst/>
+                <a:latin typeface="Consolas" panose="020B0609020204030204" pitchFamily="49" charset="0"/>
+              </a:rPr>
+              <a:t> </a:t>
+            </a:r>
+            <a:r>
+              <a:rPr lang="en-US" sz="2000" b="0" dirty="0">
+                <a:solidFill>
+                  <a:srgbClr val="795E26"/>
+                </a:solidFill>
+                <a:effectLst/>
+                <a:latin typeface="Consolas" panose="020B0609020204030204" pitchFamily="49" charset="0"/>
+              </a:rPr>
+              <a:t>~Expression</a:t>
+            </a:r>
+            <a:r>
+              <a:rPr lang="en-US" sz="2000" b="0" dirty="0">
+                <a:solidFill>
+                  <a:srgbClr val="3B3B3B"/>
+                </a:solidFill>
+                <a:effectLst/>
+                <a:latin typeface="Consolas" panose="020B0609020204030204" pitchFamily="49" charset="0"/>
+              </a:rPr>
+              <a:t>() </a:t>
+            </a:r>
+            <a:r>
+              <a:rPr lang="en-US" sz="2000" b="0" dirty="0">
+                <a:solidFill>
+                  <a:srgbClr val="000000"/>
+                </a:solidFill>
+                <a:effectLst/>
+                <a:latin typeface="Consolas" panose="020B0609020204030204" pitchFamily="49" charset="0"/>
+              </a:rPr>
+              <a:t>=</a:t>
+            </a:r>
+            <a:r>
+              <a:rPr lang="en-US" sz="2000" b="0" dirty="0">
+                <a:solidFill>
+                  <a:srgbClr val="3B3B3B"/>
+                </a:solidFill>
+                <a:effectLst/>
+                <a:latin typeface="Consolas" panose="020B0609020204030204" pitchFamily="49" charset="0"/>
+              </a:rPr>
+              <a:t> </a:t>
+            </a:r>
+            <a:r>
+              <a:rPr lang="en-US" sz="2000" b="0" dirty="0">
+                <a:solidFill>
+                  <a:srgbClr val="0000FF"/>
+                </a:solidFill>
+                <a:effectLst/>
+                <a:latin typeface="Consolas" panose="020B0609020204030204" pitchFamily="49" charset="0"/>
+              </a:rPr>
+              <a:t>default</a:t>
+            </a:r>
+            <a:r>
+              <a:rPr lang="en-US" sz="2000" b="0" dirty="0">
+                <a:solidFill>
+                  <a:srgbClr val="3B3B3B"/>
+                </a:solidFill>
+                <a:effectLst/>
+                <a:latin typeface="Consolas" panose="020B0609020204030204" pitchFamily="49" charset="0"/>
+              </a:rPr>
+              <a:t>;</a:t>
+            </a:r>
+          </a:p>
+          <a:p>
+            <a:endParaRPr lang="en-US" sz="2000" b="0" dirty="0">
+              <a:solidFill>
+                <a:srgbClr val="3B3B3B"/>
+              </a:solidFill>
+              <a:effectLst/>
+              <a:latin typeface="Consolas" panose="020B0609020204030204" pitchFamily="49" charset="0"/>
+            </a:endParaRPr>
+          </a:p>
+          <a:p>
+            <a:r>
+              <a:rPr lang="en-US" sz="2000" b="0" dirty="0">
+                <a:solidFill>
+                  <a:srgbClr val="3B3B3B"/>
+                </a:solidFill>
+                <a:effectLst/>
+                <a:latin typeface="Consolas" panose="020B0609020204030204" pitchFamily="49" charset="0"/>
+              </a:rPr>
+              <a:t>  </a:t>
+            </a:r>
+            <a:r>
+              <a:rPr lang="en-US" sz="2000" b="0" dirty="0">
+                <a:solidFill>
+                  <a:srgbClr val="0000FF"/>
+                </a:solidFill>
+                <a:effectLst/>
+                <a:latin typeface="Consolas" panose="020B0609020204030204" pitchFamily="49" charset="0"/>
+              </a:rPr>
+              <a:t>virtual</a:t>
+            </a:r>
+            <a:r>
+              <a:rPr lang="en-US" sz="2000" b="0" dirty="0">
+                <a:solidFill>
+                  <a:srgbClr val="3B3B3B"/>
+                </a:solidFill>
+                <a:effectLst/>
+                <a:latin typeface="Consolas" panose="020B0609020204030204" pitchFamily="49" charset="0"/>
+              </a:rPr>
+              <a:t> </a:t>
+            </a:r>
+            <a:r>
+              <a:rPr lang="en-US" sz="2000" b="0" dirty="0">
+                <a:solidFill>
+                  <a:srgbClr val="267F99"/>
+                </a:solidFill>
+                <a:effectLst/>
+                <a:latin typeface="Consolas" panose="020B0609020204030204" pitchFamily="49" charset="0"/>
+              </a:rPr>
+              <a:t>T</a:t>
+            </a:r>
+            <a:r>
+              <a:rPr lang="en-US" sz="2000" b="0" dirty="0">
+                <a:solidFill>
+                  <a:srgbClr val="3B3B3B"/>
+                </a:solidFill>
+                <a:effectLst/>
+                <a:latin typeface="Consolas" panose="020B0609020204030204" pitchFamily="49" charset="0"/>
+              </a:rPr>
+              <a:t> </a:t>
+            </a:r>
+            <a:r>
+              <a:rPr lang="en-US" sz="2000" b="0" dirty="0">
+                <a:solidFill>
+                  <a:srgbClr val="795E26"/>
+                </a:solidFill>
+                <a:effectLst/>
+                <a:latin typeface="Consolas" panose="020B0609020204030204" pitchFamily="49" charset="0"/>
+              </a:rPr>
+              <a:t>Evaluate</a:t>
+            </a:r>
+            <a:r>
+              <a:rPr lang="en-US" sz="2000" b="0" dirty="0">
+                <a:solidFill>
+                  <a:srgbClr val="3B3B3B"/>
+                </a:solidFill>
+                <a:effectLst/>
+                <a:latin typeface="Consolas" panose="020B0609020204030204" pitchFamily="49" charset="0"/>
+              </a:rPr>
+              <a:t>() </a:t>
+            </a:r>
+            <a:r>
+              <a:rPr lang="en-US" sz="2000" b="0" dirty="0">
+                <a:solidFill>
+                  <a:srgbClr val="0000FF"/>
+                </a:solidFill>
+                <a:effectLst/>
+                <a:latin typeface="Consolas" panose="020B0609020204030204" pitchFamily="49" charset="0"/>
+              </a:rPr>
+              <a:t>const</a:t>
+            </a:r>
+            <a:r>
+              <a:rPr lang="en-US" sz="2000" b="0" dirty="0">
+                <a:solidFill>
+                  <a:srgbClr val="3B3B3B"/>
+                </a:solidFill>
+                <a:effectLst/>
+                <a:latin typeface="Consolas" panose="020B0609020204030204" pitchFamily="49" charset="0"/>
+              </a:rPr>
+              <a:t> </a:t>
+            </a:r>
+            <a:r>
+              <a:rPr lang="en-US" sz="2000" b="0" dirty="0">
+                <a:solidFill>
+                  <a:srgbClr val="000000"/>
+                </a:solidFill>
+                <a:effectLst/>
+                <a:latin typeface="Consolas" panose="020B0609020204030204" pitchFamily="49" charset="0"/>
+              </a:rPr>
+              <a:t>=</a:t>
+            </a:r>
+            <a:r>
+              <a:rPr lang="en-US" sz="2000" b="0" dirty="0">
+                <a:solidFill>
+                  <a:srgbClr val="3B3B3B"/>
+                </a:solidFill>
+                <a:effectLst/>
+                <a:latin typeface="Consolas" panose="020B0609020204030204" pitchFamily="49" charset="0"/>
+              </a:rPr>
+              <a:t> </a:t>
+            </a:r>
+            <a:r>
+              <a:rPr lang="en-US" sz="2000" b="0" dirty="0">
+                <a:solidFill>
+                  <a:srgbClr val="098658"/>
+                </a:solidFill>
+                <a:effectLst/>
+                <a:latin typeface="Consolas" panose="020B0609020204030204" pitchFamily="49" charset="0"/>
+              </a:rPr>
+              <a:t>0</a:t>
+            </a:r>
+            <a:r>
+              <a:rPr lang="en-US" sz="2000" b="0" dirty="0">
+                <a:solidFill>
+                  <a:srgbClr val="3B3B3B"/>
+                </a:solidFill>
+                <a:effectLst/>
+                <a:latin typeface="Consolas" panose="020B0609020204030204" pitchFamily="49" charset="0"/>
+              </a:rPr>
+              <a:t>;</a:t>
+            </a:r>
+          </a:p>
+          <a:p>
+            <a:r>
+              <a:rPr lang="en-US" sz="2000" b="0" dirty="0">
+                <a:solidFill>
+                  <a:srgbClr val="3B3B3B"/>
+                </a:solidFill>
+                <a:effectLst/>
+                <a:latin typeface="Consolas" panose="020B0609020204030204" pitchFamily="49" charset="0"/>
+              </a:rPr>
+              <a:t>  </a:t>
+            </a:r>
+            <a:r>
+              <a:rPr lang="en-US" sz="2000" b="0" dirty="0">
+                <a:solidFill>
+                  <a:srgbClr val="0000FF"/>
+                </a:solidFill>
+                <a:effectLst/>
+                <a:latin typeface="Consolas" panose="020B0609020204030204" pitchFamily="49" charset="0"/>
+              </a:rPr>
+              <a:t>virtual</a:t>
+            </a:r>
+            <a:r>
+              <a:rPr lang="en-US" sz="2000" b="0" dirty="0">
+                <a:solidFill>
+                  <a:srgbClr val="3B3B3B"/>
+                </a:solidFill>
+                <a:effectLst/>
+                <a:latin typeface="Consolas" panose="020B0609020204030204" pitchFamily="49" charset="0"/>
+              </a:rPr>
+              <a:t> </a:t>
+            </a:r>
+            <a:r>
+              <a:rPr lang="en-US" sz="2000" b="0" dirty="0">
+                <a:solidFill>
+                  <a:srgbClr val="0000FF"/>
+                </a:solidFill>
+                <a:effectLst/>
+                <a:latin typeface="Consolas" panose="020B0609020204030204" pitchFamily="49" charset="0"/>
+              </a:rPr>
+              <a:t>void</a:t>
+            </a:r>
+            <a:r>
+              <a:rPr lang="en-US" sz="2000" b="0" dirty="0">
+                <a:solidFill>
+                  <a:srgbClr val="3B3B3B"/>
+                </a:solidFill>
+                <a:effectLst/>
+                <a:latin typeface="Consolas" panose="020B0609020204030204" pitchFamily="49" charset="0"/>
+              </a:rPr>
+              <a:t> </a:t>
+            </a:r>
+            <a:r>
+              <a:rPr lang="en-US" sz="2000" b="0" dirty="0" err="1">
+                <a:solidFill>
+                  <a:srgbClr val="795E26"/>
+                </a:solidFill>
+                <a:effectLst/>
+                <a:latin typeface="Consolas" panose="020B0609020204030204" pitchFamily="49" charset="0"/>
+              </a:rPr>
+              <a:t>FillVariablesTo</a:t>
+            </a:r>
+            <a:r>
+              <a:rPr lang="en-US" sz="2000" b="0" dirty="0">
+                <a:solidFill>
+                  <a:srgbClr val="3B3B3B"/>
+                </a:solidFill>
+                <a:effectLst/>
+                <a:latin typeface="Consolas" panose="020B0609020204030204" pitchFamily="49" charset="0"/>
+              </a:rPr>
+              <a:t>(</a:t>
+            </a:r>
+          </a:p>
+          <a:p>
+            <a:r>
+              <a:rPr lang="en-US" sz="2000" b="0" dirty="0">
+                <a:solidFill>
+                  <a:srgbClr val="3B3B3B"/>
+                </a:solidFill>
+                <a:effectLst/>
+                <a:latin typeface="Consolas" panose="020B0609020204030204" pitchFamily="49" charset="0"/>
+              </a:rPr>
+              <a:t>      </a:t>
+            </a:r>
+            <a:r>
+              <a:rPr lang="en-US" sz="2000" b="0" dirty="0">
+                <a:solidFill>
+                  <a:srgbClr val="267F99"/>
+                </a:solidFill>
+                <a:effectLst/>
+                <a:latin typeface="Consolas" panose="020B0609020204030204" pitchFamily="49" charset="0"/>
+              </a:rPr>
+              <a:t>std</a:t>
+            </a:r>
+            <a:r>
+              <a:rPr lang="en-US" sz="2000" b="0" dirty="0">
+                <a:solidFill>
+                  <a:srgbClr val="3B3B3B"/>
+                </a:solidFill>
+                <a:effectLst/>
+                <a:latin typeface="Consolas" panose="020B0609020204030204" pitchFamily="49" charset="0"/>
+              </a:rPr>
+              <a:t>::</a:t>
+            </a:r>
+            <a:r>
+              <a:rPr lang="en-US" sz="2000" b="0" dirty="0" err="1">
+                <a:solidFill>
+                  <a:srgbClr val="267F99"/>
+                </a:solidFill>
+                <a:effectLst/>
+                <a:latin typeface="Consolas" panose="020B0609020204030204" pitchFamily="49" charset="0"/>
+              </a:rPr>
+              <a:t>unordered_map</a:t>
+            </a:r>
+            <a:r>
+              <a:rPr lang="en-US" sz="2000" b="0" dirty="0">
+                <a:solidFill>
+                  <a:srgbClr val="3B3B3B"/>
+                </a:solidFill>
+                <a:effectLst/>
+                <a:latin typeface="Consolas" panose="020B0609020204030204" pitchFamily="49" charset="0"/>
+              </a:rPr>
+              <a:t>&lt;</a:t>
+            </a:r>
+            <a:r>
+              <a:rPr lang="en-US" sz="2000" b="0" dirty="0">
+                <a:solidFill>
+                  <a:srgbClr val="267F99"/>
+                </a:solidFill>
+                <a:effectLst/>
+                <a:latin typeface="Consolas" panose="020B0609020204030204" pitchFamily="49" charset="0"/>
+              </a:rPr>
+              <a:t>std</a:t>
+            </a:r>
+            <a:r>
+              <a:rPr lang="en-US" sz="2000" b="0" dirty="0">
+                <a:solidFill>
+                  <a:srgbClr val="3B3B3B"/>
+                </a:solidFill>
+                <a:effectLst/>
+                <a:latin typeface="Consolas" panose="020B0609020204030204" pitchFamily="49" charset="0"/>
+              </a:rPr>
+              <a:t>::</a:t>
+            </a:r>
+            <a:r>
+              <a:rPr lang="en-US" sz="2000" b="0" dirty="0">
+                <a:solidFill>
+                  <a:srgbClr val="267F99"/>
+                </a:solidFill>
+                <a:effectLst/>
+                <a:latin typeface="Consolas" panose="020B0609020204030204" pitchFamily="49" charset="0"/>
+              </a:rPr>
+              <a:t>string</a:t>
+            </a:r>
+            <a:r>
+              <a:rPr lang="en-US" sz="2000" b="0" dirty="0">
+                <a:solidFill>
+                  <a:srgbClr val="3B3B3B"/>
+                </a:solidFill>
+                <a:effectLst/>
+                <a:latin typeface="Consolas" panose="020B0609020204030204" pitchFamily="49" charset="0"/>
+              </a:rPr>
+              <a:t>, </a:t>
+            </a:r>
+            <a:r>
+              <a:rPr lang="en-US" sz="2000" b="0" dirty="0">
+                <a:solidFill>
+                  <a:srgbClr val="267F99"/>
+                </a:solidFill>
+                <a:effectLst/>
+                <a:latin typeface="Consolas" panose="020B0609020204030204" pitchFamily="49" charset="0"/>
+              </a:rPr>
+              <a:t>std</a:t>
+            </a:r>
+            <a:r>
+              <a:rPr lang="en-US" sz="2000" b="0" dirty="0">
+                <a:solidFill>
+                  <a:srgbClr val="3B3B3B"/>
+                </a:solidFill>
+                <a:effectLst/>
+                <a:latin typeface="Consolas" panose="020B0609020204030204" pitchFamily="49" charset="0"/>
+              </a:rPr>
+              <a:t>::</a:t>
+            </a:r>
+            <a:r>
+              <a:rPr lang="en-US" sz="2000" b="0" dirty="0">
+                <a:solidFill>
+                  <a:srgbClr val="267F99"/>
+                </a:solidFill>
+                <a:effectLst/>
+                <a:latin typeface="Consolas" panose="020B0609020204030204" pitchFamily="49" charset="0"/>
+              </a:rPr>
+              <a:t>string</a:t>
+            </a:r>
+            <a:r>
+              <a:rPr lang="en-US" sz="2000" b="0" dirty="0">
+                <a:solidFill>
+                  <a:srgbClr val="3B3B3B"/>
+                </a:solidFill>
+                <a:effectLst/>
+                <a:latin typeface="Consolas" panose="020B0609020204030204" pitchFamily="49" charset="0"/>
+              </a:rPr>
+              <a:t>&gt;</a:t>
+            </a:r>
+            <a:r>
+              <a:rPr lang="en-US" sz="2000" b="0" dirty="0">
+                <a:solidFill>
+                  <a:srgbClr val="0000FF"/>
+                </a:solidFill>
+                <a:effectLst/>
+                <a:latin typeface="Consolas" panose="020B0609020204030204" pitchFamily="49" charset="0"/>
+              </a:rPr>
+              <a:t>&amp;</a:t>
+            </a:r>
+            <a:r>
+              <a:rPr lang="en-US" sz="2000" b="0" dirty="0">
+                <a:solidFill>
+                  <a:srgbClr val="3B3B3B"/>
+                </a:solidFill>
+                <a:effectLst/>
+                <a:latin typeface="Consolas" panose="020B0609020204030204" pitchFamily="49" charset="0"/>
+              </a:rPr>
+              <a:t> </a:t>
+            </a:r>
+            <a:r>
+              <a:rPr lang="en-US" sz="2000" b="0" dirty="0">
+                <a:solidFill>
+                  <a:srgbClr val="001080"/>
+                </a:solidFill>
+                <a:effectLst/>
+                <a:latin typeface="Consolas" panose="020B0609020204030204" pitchFamily="49" charset="0"/>
+              </a:rPr>
+              <a:t>variables</a:t>
+            </a:r>
+            <a:r>
+              <a:rPr lang="en-US" sz="2000" b="0" dirty="0">
+                <a:solidFill>
+                  <a:srgbClr val="3B3B3B"/>
+                </a:solidFill>
+                <a:effectLst/>
+                <a:latin typeface="Consolas" panose="020B0609020204030204" pitchFamily="49" charset="0"/>
+              </a:rPr>
+              <a:t>) </a:t>
+            </a:r>
+            <a:r>
+              <a:rPr lang="en-US" sz="2000" b="0" dirty="0">
+                <a:solidFill>
+                  <a:srgbClr val="0000FF"/>
+                </a:solidFill>
+                <a:effectLst/>
+                <a:latin typeface="Consolas" panose="020B0609020204030204" pitchFamily="49" charset="0"/>
+              </a:rPr>
+              <a:t>const</a:t>
+            </a:r>
+            <a:r>
+              <a:rPr lang="en-US" sz="2000" b="0" dirty="0">
+                <a:solidFill>
+                  <a:srgbClr val="3B3B3B"/>
+                </a:solidFill>
+                <a:effectLst/>
+                <a:latin typeface="Consolas" panose="020B0609020204030204" pitchFamily="49" charset="0"/>
+              </a:rPr>
+              <a:t> </a:t>
+            </a:r>
+            <a:r>
+              <a:rPr lang="en-US" sz="2000" b="0" dirty="0">
+                <a:solidFill>
+                  <a:srgbClr val="000000"/>
+                </a:solidFill>
+                <a:effectLst/>
+                <a:latin typeface="Consolas" panose="020B0609020204030204" pitchFamily="49" charset="0"/>
+              </a:rPr>
+              <a:t>=</a:t>
+            </a:r>
+            <a:r>
+              <a:rPr lang="en-US" sz="2000" b="0" dirty="0">
+                <a:solidFill>
+                  <a:srgbClr val="3B3B3B"/>
+                </a:solidFill>
+                <a:effectLst/>
+                <a:latin typeface="Consolas" panose="020B0609020204030204" pitchFamily="49" charset="0"/>
+              </a:rPr>
+              <a:t> </a:t>
+            </a:r>
+            <a:r>
+              <a:rPr lang="en-US" sz="2000" b="0" dirty="0">
+                <a:solidFill>
+                  <a:srgbClr val="098658"/>
+                </a:solidFill>
+                <a:effectLst/>
+                <a:latin typeface="Consolas" panose="020B0609020204030204" pitchFamily="49" charset="0"/>
+              </a:rPr>
+              <a:t>0</a:t>
+            </a:r>
+            <a:r>
+              <a:rPr lang="en-US" sz="2000" b="0" dirty="0">
+                <a:solidFill>
+                  <a:srgbClr val="3B3B3B"/>
+                </a:solidFill>
+                <a:effectLst/>
+                <a:latin typeface="Consolas" panose="020B0609020204030204" pitchFamily="49" charset="0"/>
+              </a:rPr>
+              <a:t>;</a:t>
+            </a:r>
+          </a:p>
+          <a:p>
+            <a:r>
+              <a:rPr lang="en-US" sz="2000" b="0" dirty="0">
+                <a:solidFill>
+                  <a:srgbClr val="3B3B3B"/>
+                </a:solidFill>
+                <a:effectLst/>
+                <a:latin typeface="Consolas" panose="020B0609020204030204" pitchFamily="49" charset="0"/>
+              </a:rPr>
+              <a:t>  </a:t>
+            </a:r>
+            <a:r>
+              <a:rPr lang="en-US" sz="2000" b="0" dirty="0">
+                <a:solidFill>
+                  <a:srgbClr val="0000FF"/>
+                </a:solidFill>
+                <a:effectLst/>
+                <a:latin typeface="Consolas" panose="020B0609020204030204" pitchFamily="49" charset="0"/>
+              </a:rPr>
+              <a:t>virtual</a:t>
+            </a:r>
+            <a:r>
+              <a:rPr lang="en-US" sz="2000" b="0" dirty="0">
+                <a:solidFill>
+                  <a:srgbClr val="3B3B3B"/>
+                </a:solidFill>
+                <a:effectLst/>
+                <a:latin typeface="Consolas" panose="020B0609020204030204" pitchFamily="49" charset="0"/>
+              </a:rPr>
+              <a:t> </a:t>
+            </a:r>
+            <a:r>
+              <a:rPr lang="en-US" sz="2000" b="0" dirty="0">
+                <a:solidFill>
+                  <a:srgbClr val="0000FF"/>
+                </a:solidFill>
+                <a:effectLst/>
+                <a:latin typeface="Consolas" panose="020B0609020204030204" pitchFamily="49" charset="0"/>
+              </a:rPr>
+              <a:t>void</a:t>
+            </a:r>
+            <a:r>
+              <a:rPr lang="en-US" sz="2000" b="0" dirty="0">
+                <a:solidFill>
+                  <a:srgbClr val="3B3B3B"/>
+                </a:solidFill>
+                <a:effectLst/>
+                <a:latin typeface="Consolas" panose="020B0609020204030204" pitchFamily="49" charset="0"/>
+              </a:rPr>
+              <a:t> </a:t>
+            </a:r>
+            <a:r>
+              <a:rPr lang="en-US" sz="2000" b="0" dirty="0" err="1">
+                <a:solidFill>
+                  <a:srgbClr val="795E26"/>
+                </a:solidFill>
+                <a:effectLst/>
+                <a:latin typeface="Consolas" panose="020B0609020204030204" pitchFamily="49" charset="0"/>
+              </a:rPr>
+              <a:t>FillFormulaTo</a:t>
+            </a:r>
+            <a:r>
+              <a:rPr lang="en-US" sz="2000" b="0" dirty="0">
+                <a:solidFill>
+                  <a:srgbClr val="3B3B3B"/>
+                </a:solidFill>
+                <a:effectLst/>
+                <a:latin typeface="Consolas" panose="020B0609020204030204" pitchFamily="49" charset="0"/>
+              </a:rPr>
+              <a:t>(</a:t>
+            </a:r>
+            <a:r>
+              <a:rPr lang="en-US" sz="2000" b="0" dirty="0">
+                <a:solidFill>
+                  <a:srgbClr val="267F99"/>
+                </a:solidFill>
+                <a:effectLst/>
+                <a:latin typeface="Consolas" panose="020B0609020204030204" pitchFamily="49" charset="0"/>
+              </a:rPr>
+              <a:t>std</a:t>
+            </a:r>
+            <a:r>
+              <a:rPr lang="en-US" sz="2000" b="0" dirty="0">
+                <a:solidFill>
+                  <a:srgbClr val="3B3B3B"/>
+                </a:solidFill>
+                <a:effectLst/>
+                <a:latin typeface="Consolas" panose="020B0609020204030204" pitchFamily="49" charset="0"/>
+              </a:rPr>
+              <a:t>::</a:t>
+            </a:r>
+            <a:r>
+              <a:rPr lang="en-US" sz="2000" b="0" dirty="0" err="1">
+                <a:solidFill>
+                  <a:srgbClr val="267F99"/>
+                </a:solidFill>
+                <a:effectLst/>
+                <a:latin typeface="Consolas" panose="020B0609020204030204" pitchFamily="49" charset="0"/>
+              </a:rPr>
+              <a:t>ostream</a:t>
+            </a:r>
+            <a:r>
+              <a:rPr lang="en-US" sz="2000" b="0" dirty="0">
+                <a:solidFill>
+                  <a:srgbClr val="0000FF"/>
+                </a:solidFill>
+                <a:effectLst/>
+                <a:latin typeface="Consolas" panose="020B0609020204030204" pitchFamily="49" charset="0"/>
+              </a:rPr>
+              <a:t>&amp;</a:t>
+            </a:r>
+            <a:r>
+              <a:rPr lang="en-US" sz="2000" b="0" dirty="0">
+                <a:solidFill>
+                  <a:srgbClr val="3B3B3B"/>
+                </a:solidFill>
+                <a:effectLst/>
+                <a:latin typeface="Consolas" panose="020B0609020204030204" pitchFamily="49" charset="0"/>
+              </a:rPr>
+              <a:t> </a:t>
+            </a:r>
+            <a:r>
+              <a:rPr lang="en-US" sz="2000" b="0" dirty="0">
+                <a:solidFill>
+                  <a:srgbClr val="001080"/>
+                </a:solidFill>
+                <a:effectLst/>
+                <a:latin typeface="Consolas" panose="020B0609020204030204" pitchFamily="49" charset="0"/>
+              </a:rPr>
+              <a:t>output</a:t>
+            </a:r>
+            <a:r>
+              <a:rPr lang="en-US" sz="2000" b="0" dirty="0">
+                <a:solidFill>
+                  <a:srgbClr val="3B3B3B"/>
+                </a:solidFill>
+                <a:effectLst/>
+                <a:latin typeface="Consolas" panose="020B0609020204030204" pitchFamily="49" charset="0"/>
+              </a:rPr>
+              <a:t>) </a:t>
+            </a:r>
+            <a:r>
+              <a:rPr lang="en-US" sz="2000" b="0" dirty="0">
+                <a:solidFill>
+                  <a:srgbClr val="0000FF"/>
+                </a:solidFill>
+                <a:effectLst/>
+                <a:latin typeface="Consolas" panose="020B0609020204030204" pitchFamily="49" charset="0"/>
+              </a:rPr>
+              <a:t>const</a:t>
+            </a:r>
+            <a:r>
+              <a:rPr lang="en-US" sz="2000" b="0" dirty="0">
+                <a:solidFill>
+                  <a:srgbClr val="3B3B3B"/>
+                </a:solidFill>
+                <a:effectLst/>
+                <a:latin typeface="Consolas" panose="020B0609020204030204" pitchFamily="49" charset="0"/>
+              </a:rPr>
+              <a:t> </a:t>
+            </a:r>
+            <a:r>
+              <a:rPr lang="en-US" sz="2000" b="0" dirty="0">
+                <a:solidFill>
+                  <a:srgbClr val="000000"/>
+                </a:solidFill>
+                <a:effectLst/>
+                <a:latin typeface="Consolas" panose="020B0609020204030204" pitchFamily="49" charset="0"/>
+              </a:rPr>
+              <a:t>=</a:t>
+            </a:r>
+            <a:r>
+              <a:rPr lang="en-US" sz="2000" b="0" dirty="0">
+                <a:solidFill>
+                  <a:srgbClr val="3B3B3B"/>
+                </a:solidFill>
+                <a:effectLst/>
+                <a:latin typeface="Consolas" panose="020B0609020204030204" pitchFamily="49" charset="0"/>
+              </a:rPr>
+              <a:t> </a:t>
+            </a:r>
+            <a:r>
+              <a:rPr lang="en-US" sz="2000" b="0" dirty="0">
+                <a:solidFill>
+                  <a:srgbClr val="098658"/>
+                </a:solidFill>
+                <a:effectLst/>
+                <a:latin typeface="Consolas" panose="020B0609020204030204" pitchFamily="49" charset="0"/>
+              </a:rPr>
+              <a:t>0</a:t>
+            </a:r>
+            <a:r>
+              <a:rPr lang="en-US" sz="2000" b="0" dirty="0">
+                <a:solidFill>
+                  <a:srgbClr val="3B3B3B"/>
+                </a:solidFill>
+                <a:effectLst/>
+                <a:latin typeface="Consolas" panose="020B0609020204030204" pitchFamily="49" charset="0"/>
+              </a:rPr>
+              <a:t>;</a:t>
+            </a:r>
+          </a:p>
+          <a:p>
+            <a:br>
+              <a:rPr lang="en-US" sz="2000" b="0" dirty="0">
+                <a:solidFill>
+                  <a:srgbClr val="3B3B3B"/>
+                </a:solidFill>
+                <a:effectLst/>
+                <a:latin typeface="Consolas" panose="020B0609020204030204" pitchFamily="49" charset="0"/>
+              </a:rPr>
+            </a:br>
+            <a:r>
+              <a:rPr lang="en-US" sz="2000" b="0" dirty="0">
+                <a:solidFill>
+                  <a:srgbClr val="3B3B3B"/>
+                </a:solidFill>
+                <a:effectLst/>
+                <a:latin typeface="Consolas" panose="020B0609020204030204" pitchFamily="49" charset="0"/>
+              </a:rPr>
+              <a:t>  </a:t>
+            </a:r>
+            <a:r>
+              <a:rPr lang="en-US" sz="2000" b="0" dirty="0">
+                <a:solidFill>
+                  <a:srgbClr val="267F99"/>
+                </a:solidFill>
+                <a:effectLst/>
+                <a:latin typeface="Consolas" panose="020B0609020204030204" pitchFamily="49" charset="0"/>
+              </a:rPr>
+              <a:t>std</a:t>
+            </a:r>
+            <a:r>
+              <a:rPr lang="en-US" sz="2000" b="0" dirty="0">
+                <a:solidFill>
+                  <a:srgbClr val="3B3B3B"/>
+                </a:solidFill>
+                <a:effectLst/>
+                <a:latin typeface="Consolas" panose="020B0609020204030204" pitchFamily="49" charset="0"/>
+              </a:rPr>
+              <a:t>::</a:t>
+            </a:r>
+            <a:r>
+              <a:rPr lang="en-US" sz="2000" b="0" dirty="0" err="1">
+                <a:solidFill>
+                  <a:srgbClr val="267F99"/>
+                </a:solidFill>
+                <a:effectLst/>
+                <a:latin typeface="Consolas" panose="020B0609020204030204" pitchFamily="49" charset="0"/>
+              </a:rPr>
+              <a:t>unordered_map</a:t>
+            </a:r>
+            <a:r>
+              <a:rPr lang="en-US" sz="2000" b="0" dirty="0">
+                <a:solidFill>
+                  <a:srgbClr val="3B3B3B"/>
+                </a:solidFill>
+                <a:effectLst/>
+                <a:latin typeface="Consolas" panose="020B0609020204030204" pitchFamily="49" charset="0"/>
+              </a:rPr>
+              <a:t>&lt;</a:t>
+            </a:r>
+            <a:r>
+              <a:rPr lang="en-US" sz="2000" b="0" dirty="0">
+                <a:solidFill>
+                  <a:srgbClr val="267F99"/>
+                </a:solidFill>
+                <a:effectLst/>
+                <a:latin typeface="Consolas" panose="020B0609020204030204" pitchFamily="49" charset="0"/>
+              </a:rPr>
+              <a:t>std</a:t>
+            </a:r>
+            <a:r>
+              <a:rPr lang="en-US" sz="2000" b="0" dirty="0">
+                <a:solidFill>
+                  <a:srgbClr val="3B3B3B"/>
+                </a:solidFill>
+                <a:effectLst/>
+                <a:latin typeface="Consolas" panose="020B0609020204030204" pitchFamily="49" charset="0"/>
+              </a:rPr>
+              <a:t>::</a:t>
+            </a:r>
+            <a:r>
+              <a:rPr lang="en-US" sz="2000" b="0" dirty="0">
+                <a:solidFill>
+                  <a:srgbClr val="267F99"/>
+                </a:solidFill>
+                <a:effectLst/>
+                <a:latin typeface="Consolas" panose="020B0609020204030204" pitchFamily="49" charset="0"/>
+              </a:rPr>
+              <a:t>string</a:t>
+            </a:r>
+            <a:r>
+              <a:rPr lang="en-US" sz="2000" b="0" dirty="0">
+                <a:solidFill>
+                  <a:srgbClr val="3B3B3B"/>
+                </a:solidFill>
+                <a:effectLst/>
+                <a:latin typeface="Consolas" panose="020B0609020204030204" pitchFamily="49" charset="0"/>
+              </a:rPr>
+              <a:t>, </a:t>
+            </a:r>
+            <a:r>
+              <a:rPr lang="en-US" sz="2000" b="0" dirty="0">
+                <a:solidFill>
+                  <a:srgbClr val="267F99"/>
+                </a:solidFill>
+                <a:effectLst/>
+                <a:latin typeface="Consolas" panose="020B0609020204030204" pitchFamily="49" charset="0"/>
+              </a:rPr>
+              <a:t>std</a:t>
+            </a:r>
+            <a:r>
+              <a:rPr lang="en-US" sz="2000" b="0" dirty="0">
+                <a:solidFill>
+                  <a:srgbClr val="3B3B3B"/>
+                </a:solidFill>
+                <a:effectLst/>
+                <a:latin typeface="Consolas" panose="020B0609020204030204" pitchFamily="49" charset="0"/>
+              </a:rPr>
+              <a:t>::</a:t>
+            </a:r>
+            <a:r>
+              <a:rPr lang="en-US" sz="2000" b="0" dirty="0">
+                <a:solidFill>
+                  <a:srgbClr val="267F99"/>
+                </a:solidFill>
+                <a:effectLst/>
+                <a:latin typeface="Consolas" panose="020B0609020204030204" pitchFamily="49" charset="0"/>
+              </a:rPr>
+              <a:t>string</a:t>
+            </a:r>
+            <a:r>
+              <a:rPr lang="en-US" sz="2000" b="0" dirty="0">
+                <a:solidFill>
+                  <a:srgbClr val="3B3B3B"/>
+                </a:solidFill>
+                <a:effectLst/>
+                <a:latin typeface="Consolas" panose="020B0609020204030204" pitchFamily="49" charset="0"/>
+              </a:rPr>
+              <a:t>&gt; </a:t>
+            </a:r>
+            <a:r>
+              <a:rPr lang="en-US" sz="2000" b="0" dirty="0" err="1">
+                <a:solidFill>
+                  <a:srgbClr val="795E26"/>
+                </a:solidFill>
+                <a:effectLst/>
+                <a:latin typeface="Consolas" panose="020B0609020204030204" pitchFamily="49" charset="0"/>
+              </a:rPr>
+              <a:t>GetVariables</a:t>
+            </a:r>
+            <a:r>
+              <a:rPr lang="en-US" sz="2000" b="0" dirty="0">
+                <a:solidFill>
+                  <a:srgbClr val="3B3B3B"/>
+                </a:solidFill>
+                <a:effectLst/>
+                <a:latin typeface="Consolas" panose="020B0609020204030204" pitchFamily="49" charset="0"/>
+              </a:rPr>
+              <a:t>() </a:t>
+            </a:r>
+            <a:r>
+              <a:rPr lang="en-US" sz="2000" b="0" dirty="0">
+                <a:solidFill>
+                  <a:srgbClr val="0000FF"/>
+                </a:solidFill>
+                <a:effectLst/>
+                <a:latin typeface="Consolas" panose="020B0609020204030204" pitchFamily="49" charset="0"/>
+              </a:rPr>
+              <a:t>const</a:t>
+            </a:r>
+            <a:r>
+              <a:rPr lang="en-US" sz="2000" b="0" dirty="0">
+                <a:solidFill>
+                  <a:srgbClr val="3B3B3B"/>
+                </a:solidFill>
+                <a:effectLst/>
+                <a:latin typeface="Consolas" panose="020B0609020204030204" pitchFamily="49" charset="0"/>
+              </a:rPr>
+              <a:t>;</a:t>
+            </a:r>
+          </a:p>
+          <a:p>
+            <a:r>
+              <a:rPr lang="en-US" sz="2000" b="0" dirty="0">
+                <a:solidFill>
+                  <a:srgbClr val="3B3B3B"/>
+                </a:solidFill>
+                <a:effectLst/>
+                <a:latin typeface="Consolas" panose="020B0609020204030204" pitchFamily="49" charset="0"/>
+              </a:rPr>
+              <a:t>  </a:t>
+            </a:r>
+            <a:r>
+              <a:rPr lang="en-US" sz="2000" b="0" dirty="0">
+                <a:solidFill>
+                  <a:srgbClr val="267F99"/>
+                </a:solidFill>
+                <a:effectLst/>
+                <a:latin typeface="Consolas" panose="020B0609020204030204" pitchFamily="49" charset="0"/>
+              </a:rPr>
+              <a:t>std</a:t>
+            </a:r>
+            <a:r>
+              <a:rPr lang="en-US" sz="2000" b="0" dirty="0">
+                <a:solidFill>
+                  <a:srgbClr val="3B3B3B"/>
+                </a:solidFill>
+                <a:effectLst/>
+                <a:latin typeface="Consolas" panose="020B0609020204030204" pitchFamily="49" charset="0"/>
+              </a:rPr>
+              <a:t>::</a:t>
+            </a:r>
+            <a:r>
+              <a:rPr lang="en-US" sz="2000" b="0" dirty="0">
+                <a:solidFill>
+                  <a:srgbClr val="267F99"/>
+                </a:solidFill>
+                <a:effectLst/>
+                <a:latin typeface="Consolas" panose="020B0609020204030204" pitchFamily="49" charset="0"/>
+              </a:rPr>
+              <a:t>string</a:t>
+            </a:r>
+            <a:r>
+              <a:rPr lang="en-US" sz="2000" b="0" dirty="0">
+                <a:solidFill>
+                  <a:srgbClr val="3B3B3B"/>
+                </a:solidFill>
+                <a:effectLst/>
+                <a:latin typeface="Consolas" panose="020B0609020204030204" pitchFamily="49" charset="0"/>
+              </a:rPr>
+              <a:t> </a:t>
+            </a:r>
+            <a:r>
+              <a:rPr lang="en-US" sz="2000" b="0" dirty="0" err="1">
+                <a:solidFill>
+                  <a:srgbClr val="795E26"/>
+                </a:solidFill>
+                <a:effectLst/>
+                <a:latin typeface="Consolas" panose="020B0609020204030204" pitchFamily="49" charset="0"/>
+              </a:rPr>
+              <a:t>GetFormula</a:t>
+            </a:r>
+            <a:r>
+              <a:rPr lang="en-US" sz="2000" b="0" dirty="0">
+                <a:solidFill>
+                  <a:srgbClr val="3B3B3B"/>
+                </a:solidFill>
+                <a:effectLst/>
+                <a:latin typeface="Consolas" panose="020B0609020204030204" pitchFamily="49" charset="0"/>
+              </a:rPr>
+              <a:t>() </a:t>
+            </a:r>
+            <a:r>
+              <a:rPr lang="en-US" sz="2000" b="0" dirty="0">
+                <a:solidFill>
+                  <a:srgbClr val="0000FF"/>
+                </a:solidFill>
+                <a:effectLst/>
+                <a:latin typeface="Consolas" panose="020B0609020204030204" pitchFamily="49" charset="0"/>
+              </a:rPr>
+              <a:t>const</a:t>
+            </a:r>
+            <a:r>
+              <a:rPr lang="en-US" sz="2000" b="0" dirty="0">
+                <a:solidFill>
+                  <a:srgbClr val="3B3B3B"/>
+                </a:solidFill>
+                <a:effectLst/>
+                <a:latin typeface="Consolas" panose="020B0609020204030204" pitchFamily="49" charset="0"/>
+              </a:rPr>
+              <a:t>;</a:t>
+            </a:r>
+          </a:p>
+          <a:p>
+            <a:r>
+              <a:rPr lang="en-US" sz="2000" b="0" dirty="0">
+                <a:solidFill>
+                  <a:srgbClr val="3B3B3B"/>
+                </a:solidFill>
+                <a:effectLst/>
+                <a:latin typeface="Consolas" panose="020B0609020204030204" pitchFamily="49" charset="0"/>
+              </a:rPr>
+              <a:t>  </a:t>
+            </a:r>
+            <a:r>
+              <a:rPr lang="en-US" sz="2000" b="0" dirty="0">
+                <a:solidFill>
+                  <a:srgbClr val="AF00DB"/>
+                </a:solidFill>
+                <a:effectLst/>
+                <a:latin typeface="Consolas" panose="020B0609020204030204" pitchFamily="49" charset="0"/>
+              </a:rPr>
+              <a:t>operator</a:t>
+            </a:r>
+            <a:r>
+              <a:rPr lang="en-US" sz="2000" b="0" dirty="0">
+                <a:solidFill>
+                  <a:srgbClr val="3B3B3B"/>
+                </a:solidFill>
+                <a:effectLst/>
+                <a:latin typeface="Consolas" panose="020B0609020204030204" pitchFamily="49" charset="0"/>
+              </a:rPr>
+              <a:t> </a:t>
+            </a:r>
+            <a:r>
+              <a:rPr lang="en-US" sz="2000" b="0" dirty="0">
+                <a:solidFill>
+                  <a:srgbClr val="267F99"/>
+                </a:solidFill>
+                <a:effectLst/>
+                <a:latin typeface="Consolas" panose="020B0609020204030204" pitchFamily="49" charset="0"/>
+              </a:rPr>
+              <a:t>Estimated</a:t>
+            </a:r>
+            <a:r>
+              <a:rPr lang="en-US" sz="2000" b="0" dirty="0">
+                <a:solidFill>
+                  <a:srgbClr val="3B3B3B"/>
+                </a:solidFill>
+                <a:effectLst/>
+                <a:latin typeface="Consolas" panose="020B0609020204030204" pitchFamily="49" charset="0"/>
+              </a:rPr>
+              <a:t>() </a:t>
+            </a:r>
+            <a:r>
+              <a:rPr lang="en-US" sz="2000" b="0" dirty="0">
+                <a:solidFill>
+                  <a:srgbClr val="0000FF"/>
+                </a:solidFill>
+                <a:effectLst/>
+                <a:latin typeface="Consolas" panose="020B0609020204030204" pitchFamily="49" charset="0"/>
+              </a:rPr>
+              <a:t>const</a:t>
+            </a:r>
+            <a:r>
+              <a:rPr lang="en-US" sz="2000" b="0" dirty="0">
+                <a:solidFill>
+                  <a:srgbClr val="3B3B3B"/>
+                </a:solidFill>
+                <a:effectLst/>
+                <a:latin typeface="Consolas" panose="020B0609020204030204" pitchFamily="49" charset="0"/>
+              </a:rPr>
+              <a:t>;</a:t>
+            </a:r>
+          </a:p>
+          <a:p>
+            <a:r>
+              <a:rPr lang="en-US" sz="2000" b="0" dirty="0">
+                <a:solidFill>
+                  <a:srgbClr val="3B3B3B"/>
+                </a:solidFill>
+                <a:effectLst/>
+                <a:latin typeface="Consolas" panose="020B0609020204030204" pitchFamily="49" charset="0"/>
+              </a:rPr>
+              <a:t>};</a:t>
+            </a:r>
+          </a:p>
+          <a:p>
+            <a:br>
+              <a:rPr lang="en-US" sz="2000" b="0" dirty="0">
+                <a:solidFill>
+                  <a:srgbClr val="3B3B3B"/>
+                </a:solidFill>
+                <a:effectLst/>
+                <a:latin typeface="Consolas" panose="020B0609020204030204" pitchFamily="49" charset="0"/>
+              </a:rPr>
+            </a:br>
+            <a:endParaRPr lang="en-US" sz="2000" b="0" dirty="0">
+              <a:solidFill>
+                <a:srgbClr val="3B3B3B"/>
+              </a:solidFill>
+              <a:effectLst/>
+              <a:latin typeface="Consolas" panose="020B0609020204030204" pitchFamily="49" charset="0"/>
+            </a:endParaRPr>
+          </a:p>
+        </p:txBody>
+      </p:sp>
+      <p:sp>
+        <p:nvSpPr>
+          <p:cNvPr id="5" name="Title 4">
+            <a:extLst>
+              <a:ext uri="{FF2B5EF4-FFF2-40B4-BE49-F238E27FC236}">
+                <a16:creationId xmlns:a16="http://schemas.microsoft.com/office/drawing/2014/main" id="{30B4B9EE-1A92-40C3-9E86-1FE65FC01D2B}"/>
+              </a:ext>
+            </a:extLst>
+          </p:cNvPr>
+          <p:cNvSpPr>
+            <a:spLocks noGrp="1"/>
+          </p:cNvSpPr>
+          <p:nvPr>
+            <p:ph type="ctrTitle"/>
+          </p:nvPr>
+        </p:nvSpPr>
+        <p:spPr/>
+        <p:txBody>
+          <a:bodyPr>
+            <a:normAutofit fontScale="90000"/>
+          </a:bodyPr>
+          <a:lstStyle/>
+          <a:p>
+            <a:r>
+              <a:rPr lang="ru-RU" dirty="0"/>
+              <a:t>Третий подход — реализация</a:t>
+            </a:r>
+          </a:p>
+        </p:txBody>
+      </p:sp>
+    </p:spTree>
+    <p:extLst>
+      <p:ext uri="{BB962C8B-B14F-4D97-AF65-F5344CB8AC3E}">
+        <p14:creationId xmlns:p14="http://schemas.microsoft.com/office/powerpoint/2010/main" val="124782897"/>
+      </p:ext>
+    </p:extLst>
+  </p:cSld>
+  <p:clrMapOvr>
+    <a:masterClrMapping/>
+  </p:clrMapOvr>
+</p:sld>
+</file>
+
+<file path=ppt/slides/slide28.xml><?xml version="1.0" encoding="utf-8"?>
+<p:sld xmlns:a="http://schemas.openxmlformats.org/drawingml/2006/main" xmlns:r="http://schemas.openxmlformats.org/officeDocument/2006/relationships" xmlns:p="http://schemas.openxmlformats.org/presentationml/2006/main">
+  <p:cSld>
+    <p:spTree>
+      <p:nvGrpSpPr>
+        <p:cNvPr id="1" name=""/>
+        <p:cNvGrpSpPr/>
+        <p:nvPr/>
+      </p:nvGrpSpPr>
+      <p:grpSpPr>
+        <a:xfrm>
+          <a:off x="0" y="0"/>
+          <a:ext cx="0" cy="0"/>
+          <a:chOff x="0" y="0"/>
+          <a:chExt cx="0" cy="0"/>
+        </a:xfrm>
+      </p:grpSpPr>
+      <p:sp>
+        <p:nvSpPr>
+          <p:cNvPr id="2" name="Footer Placeholder 1">
+            <a:extLst>
+              <a:ext uri="{FF2B5EF4-FFF2-40B4-BE49-F238E27FC236}">
+                <a16:creationId xmlns:a16="http://schemas.microsoft.com/office/drawing/2014/main" id="{71D5D624-1AA6-4945-BD4E-150CD1DE4D9C}"/>
+              </a:ext>
+            </a:extLst>
+          </p:cNvPr>
+          <p:cNvSpPr>
+            <a:spLocks noGrp="1"/>
+          </p:cNvSpPr>
+          <p:nvPr>
+            <p:ph type="ftr" sz="quarter" idx="11"/>
+          </p:nvPr>
+        </p:nvSpPr>
+        <p:spPr/>
+        <p:txBody>
+          <a:bodyPr/>
+          <a:lstStyle/>
+          <a:p>
+            <a:endParaRPr lang="ru-RU" dirty="0"/>
+          </a:p>
+        </p:txBody>
+      </p:sp>
+      <p:sp>
+        <p:nvSpPr>
+          <p:cNvPr id="3" name="Slide Number Placeholder 2">
+            <a:extLst>
+              <a:ext uri="{FF2B5EF4-FFF2-40B4-BE49-F238E27FC236}">
+                <a16:creationId xmlns:a16="http://schemas.microsoft.com/office/drawing/2014/main" id="{DD3EA27F-D800-4246-A59D-21AC713B42A5}"/>
+              </a:ext>
+            </a:extLst>
+          </p:cNvPr>
+          <p:cNvSpPr>
+            <a:spLocks noGrp="1"/>
+          </p:cNvSpPr>
+          <p:nvPr>
+            <p:ph type="sldNum" sz="quarter" idx="12"/>
+          </p:nvPr>
+        </p:nvSpPr>
+        <p:spPr/>
+        <p:txBody>
+          <a:bodyPr/>
+          <a:lstStyle/>
+          <a:p>
+            <a:fld id="{8DE7FA1B-F957-4F22-889A-E25B642749EF}" type="slidenum">
+              <a:rPr lang="ru-RU" smtClean="0"/>
+              <a:pPr/>
+              <a:t>28</a:t>
+            </a:fld>
+            <a:endParaRPr lang="ru-RU" dirty="0"/>
+          </a:p>
+        </p:txBody>
+      </p:sp>
+      <p:sp>
+        <p:nvSpPr>
+          <p:cNvPr id="4" name="Content Placeholder 3">
+            <a:extLst>
+              <a:ext uri="{FF2B5EF4-FFF2-40B4-BE49-F238E27FC236}">
+                <a16:creationId xmlns:a16="http://schemas.microsoft.com/office/drawing/2014/main" id="{73FA2DE6-4D72-4752-9D2F-4411C2E144A9}"/>
+              </a:ext>
+            </a:extLst>
+          </p:cNvPr>
+          <p:cNvSpPr>
+            <a:spLocks noGrp="1"/>
+          </p:cNvSpPr>
+          <p:nvPr>
+            <p:ph idx="25"/>
+          </p:nvPr>
+        </p:nvSpPr>
+        <p:spPr>
+          <a:xfrm>
+            <a:off x="371474" y="287216"/>
+            <a:ext cx="11449051" cy="6570784"/>
+          </a:xfrm>
+        </p:spPr>
+        <p:txBody>
+          <a:bodyPr>
+            <a:noAutofit/>
+          </a:bodyPr>
+          <a:lstStyle/>
+          <a:p>
+            <a:r>
+              <a:rPr lang="en-US" sz="2000" b="0" dirty="0">
+                <a:solidFill>
+                  <a:srgbClr val="0000FF"/>
+                </a:solidFill>
+                <a:effectLst/>
+                <a:latin typeface="Consolas" panose="020B0609020204030204" pitchFamily="49" charset="0"/>
+              </a:rPr>
+              <a:t>template</a:t>
+            </a:r>
+            <a:r>
+              <a:rPr lang="en-US" sz="2000" b="0" dirty="0">
+                <a:solidFill>
+                  <a:srgbClr val="3B3B3B"/>
+                </a:solidFill>
+                <a:effectLst/>
+                <a:latin typeface="Consolas" panose="020B0609020204030204" pitchFamily="49" charset="0"/>
+              </a:rPr>
+              <a:t> &lt;</a:t>
+            </a:r>
+            <a:r>
+              <a:rPr lang="en-US" sz="2000" b="0" dirty="0" err="1">
+                <a:solidFill>
+                  <a:srgbClr val="0000FF"/>
+                </a:solidFill>
+                <a:effectLst/>
+                <a:latin typeface="Consolas" panose="020B0609020204030204" pitchFamily="49" charset="0"/>
+              </a:rPr>
+              <a:t>typename</a:t>
+            </a:r>
+            <a:r>
+              <a:rPr lang="en-US" sz="2000" b="0" dirty="0">
+                <a:solidFill>
+                  <a:srgbClr val="3B3B3B"/>
+                </a:solidFill>
+                <a:effectLst/>
+                <a:latin typeface="Consolas" panose="020B0609020204030204" pitchFamily="49" charset="0"/>
+              </a:rPr>
+              <a:t> </a:t>
+            </a:r>
+            <a:r>
+              <a:rPr lang="en-US" sz="2000" b="0" dirty="0">
+                <a:solidFill>
+                  <a:srgbClr val="267F99"/>
+                </a:solidFill>
+                <a:effectLst/>
+                <a:latin typeface="Consolas" panose="020B0609020204030204" pitchFamily="49" charset="0"/>
+              </a:rPr>
+              <a:t>T</a:t>
+            </a:r>
+            <a:r>
+              <a:rPr lang="en-US" sz="2000" b="0" dirty="0">
+                <a:solidFill>
+                  <a:srgbClr val="3B3B3B"/>
+                </a:solidFill>
+                <a:effectLst/>
+                <a:latin typeface="Consolas" panose="020B0609020204030204" pitchFamily="49" charset="0"/>
+              </a:rPr>
+              <a:t>&gt;</a:t>
+            </a:r>
+          </a:p>
+          <a:p>
+            <a:r>
+              <a:rPr lang="en-US" sz="2000" b="0" dirty="0">
+                <a:solidFill>
+                  <a:srgbClr val="267F99"/>
+                </a:solidFill>
+                <a:effectLst/>
+                <a:latin typeface="Consolas" panose="020B0609020204030204" pitchFamily="49" charset="0"/>
+              </a:rPr>
+              <a:t>std</a:t>
+            </a:r>
+            <a:r>
+              <a:rPr lang="en-US" sz="2000" b="0" dirty="0">
+                <a:solidFill>
+                  <a:srgbClr val="3B3B3B"/>
+                </a:solidFill>
+                <a:effectLst/>
+                <a:latin typeface="Consolas" panose="020B0609020204030204" pitchFamily="49" charset="0"/>
+              </a:rPr>
+              <a:t>::</a:t>
+            </a:r>
+            <a:r>
+              <a:rPr lang="en-US" sz="2000" b="0" dirty="0" err="1">
+                <a:solidFill>
+                  <a:srgbClr val="267F99"/>
+                </a:solidFill>
+                <a:effectLst/>
+                <a:latin typeface="Consolas" panose="020B0609020204030204" pitchFamily="49" charset="0"/>
+              </a:rPr>
+              <a:t>unordered_map</a:t>
+            </a:r>
+            <a:r>
+              <a:rPr lang="en-US" sz="2000" b="0" dirty="0">
+                <a:solidFill>
+                  <a:srgbClr val="3B3B3B"/>
+                </a:solidFill>
+                <a:effectLst/>
+                <a:latin typeface="Consolas" panose="020B0609020204030204" pitchFamily="49" charset="0"/>
+              </a:rPr>
+              <a:t>&lt;</a:t>
+            </a:r>
+            <a:r>
+              <a:rPr lang="en-US" sz="2000" b="0" dirty="0">
+                <a:solidFill>
+                  <a:srgbClr val="267F99"/>
+                </a:solidFill>
+                <a:effectLst/>
+                <a:latin typeface="Consolas" panose="020B0609020204030204" pitchFamily="49" charset="0"/>
+              </a:rPr>
+              <a:t>std</a:t>
+            </a:r>
+            <a:r>
+              <a:rPr lang="en-US" sz="2000" b="0" dirty="0">
+                <a:solidFill>
+                  <a:srgbClr val="3B3B3B"/>
+                </a:solidFill>
+                <a:effectLst/>
+                <a:latin typeface="Consolas" panose="020B0609020204030204" pitchFamily="49" charset="0"/>
+              </a:rPr>
+              <a:t>::</a:t>
+            </a:r>
+            <a:r>
+              <a:rPr lang="en-US" sz="2000" b="0" dirty="0">
+                <a:solidFill>
+                  <a:srgbClr val="267F99"/>
+                </a:solidFill>
+                <a:effectLst/>
+                <a:latin typeface="Consolas" panose="020B0609020204030204" pitchFamily="49" charset="0"/>
+              </a:rPr>
+              <a:t>string</a:t>
+            </a:r>
+            <a:r>
+              <a:rPr lang="en-US" sz="2000" b="0" dirty="0">
+                <a:solidFill>
+                  <a:srgbClr val="3B3B3B"/>
+                </a:solidFill>
+                <a:effectLst/>
+                <a:latin typeface="Consolas" panose="020B0609020204030204" pitchFamily="49" charset="0"/>
+              </a:rPr>
+              <a:t>, </a:t>
+            </a:r>
+            <a:r>
+              <a:rPr lang="en-US" sz="2000" b="0" dirty="0">
+                <a:solidFill>
+                  <a:srgbClr val="267F99"/>
+                </a:solidFill>
+                <a:effectLst/>
+                <a:latin typeface="Consolas" panose="020B0609020204030204" pitchFamily="49" charset="0"/>
+              </a:rPr>
+              <a:t>std</a:t>
+            </a:r>
+            <a:r>
+              <a:rPr lang="en-US" sz="2000" b="0" dirty="0">
+                <a:solidFill>
+                  <a:srgbClr val="3B3B3B"/>
+                </a:solidFill>
+                <a:effectLst/>
+                <a:latin typeface="Consolas" panose="020B0609020204030204" pitchFamily="49" charset="0"/>
+              </a:rPr>
+              <a:t>::</a:t>
+            </a:r>
+            <a:r>
+              <a:rPr lang="en-US" sz="2000" b="0" dirty="0">
+                <a:solidFill>
+                  <a:srgbClr val="267F99"/>
+                </a:solidFill>
+                <a:effectLst/>
+                <a:latin typeface="Consolas" panose="020B0609020204030204" pitchFamily="49" charset="0"/>
+              </a:rPr>
+              <a:t>string</a:t>
+            </a:r>
+            <a:r>
+              <a:rPr lang="en-US" sz="2000" b="0" dirty="0">
+                <a:solidFill>
+                  <a:srgbClr val="3B3B3B"/>
+                </a:solidFill>
+                <a:effectLst/>
+                <a:latin typeface="Consolas" panose="020B0609020204030204" pitchFamily="49" charset="0"/>
+              </a:rPr>
+              <a:t>&gt; </a:t>
+            </a:r>
+            <a:r>
+              <a:rPr lang="en-US" sz="2000" b="0" dirty="0">
+                <a:solidFill>
+                  <a:srgbClr val="267F99"/>
+                </a:solidFill>
+                <a:effectLst/>
+                <a:latin typeface="Consolas" panose="020B0609020204030204" pitchFamily="49" charset="0"/>
+              </a:rPr>
+              <a:t>Expression</a:t>
+            </a:r>
+            <a:r>
+              <a:rPr lang="en-US" sz="2000" b="0" dirty="0">
+                <a:solidFill>
+                  <a:srgbClr val="3B3B3B"/>
+                </a:solidFill>
+                <a:effectLst/>
+                <a:latin typeface="Consolas" panose="020B0609020204030204" pitchFamily="49" charset="0"/>
+              </a:rPr>
+              <a:t>&lt;</a:t>
+            </a:r>
+            <a:r>
+              <a:rPr lang="en-US" sz="2000" b="0" dirty="0">
+                <a:solidFill>
+                  <a:srgbClr val="267F99"/>
+                </a:solidFill>
+                <a:effectLst/>
+                <a:latin typeface="Consolas" panose="020B0609020204030204" pitchFamily="49" charset="0"/>
+              </a:rPr>
+              <a:t>T</a:t>
+            </a:r>
+            <a:r>
+              <a:rPr lang="en-US" sz="2000" b="0" dirty="0">
+                <a:solidFill>
+                  <a:srgbClr val="3B3B3B"/>
+                </a:solidFill>
+                <a:effectLst/>
+                <a:latin typeface="Consolas" panose="020B0609020204030204" pitchFamily="49" charset="0"/>
+              </a:rPr>
+              <a:t>&gt;::</a:t>
+            </a:r>
+            <a:r>
+              <a:rPr lang="en-US" sz="2000" b="0" dirty="0" err="1">
+                <a:solidFill>
+                  <a:srgbClr val="795E26"/>
+                </a:solidFill>
+                <a:effectLst/>
+                <a:latin typeface="Consolas" panose="020B0609020204030204" pitchFamily="49" charset="0"/>
+              </a:rPr>
+              <a:t>GetVariables</a:t>
+            </a:r>
+            <a:r>
+              <a:rPr lang="en-US" sz="2000" b="0" dirty="0">
+                <a:solidFill>
+                  <a:srgbClr val="3B3B3B"/>
+                </a:solidFill>
+                <a:effectLst/>
+                <a:latin typeface="Consolas" panose="020B0609020204030204" pitchFamily="49" charset="0"/>
+              </a:rPr>
+              <a:t>()</a:t>
+            </a:r>
+          </a:p>
+          <a:p>
+            <a:r>
+              <a:rPr lang="en-US" sz="2000" b="0" dirty="0">
+                <a:solidFill>
+                  <a:srgbClr val="3B3B3B"/>
+                </a:solidFill>
+                <a:effectLst/>
+                <a:latin typeface="Consolas" panose="020B0609020204030204" pitchFamily="49" charset="0"/>
+              </a:rPr>
+              <a:t>    </a:t>
+            </a:r>
+            <a:r>
+              <a:rPr lang="en-US" sz="2000" b="0" dirty="0">
+                <a:solidFill>
+                  <a:srgbClr val="0000FF"/>
+                </a:solidFill>
+                <a:effectLst/>
+                <a:latin typeface="Consolas" panose="020B0609020204030204" pitchFamily="49" charset="0"/>
+              </a:rPr>
+              <a:t>const</a:t>
+            </a:r>
+            <a:r>
+              <a:rPr lang="en-US" sz="2000" b="0" dirty="0">
+                <a:solidFill>
+                  <a:srgbClr val="3B3B3B"/>
+                </a:solidFill>
+                <a:effectLst/>
+                <a:latin typeface="Consolas" panose="020B0609020204030204" pitchFamily="49" charset="0"/>
+              </a:rPr>
+              <a:t> {</a:t>
+            </a:r>
+          </a:p>
+          <a:p>
+            <a:r>
+              <a:rPr lang="en-US" sz="2000" b="0" dirty="0">
+                <a:solidFill>
+                  <a:srgbClr val="3B3B3B"/>
+                </a:solidFill>
+                <a:effectLst/>
+                <a:latin typeface="Consolas" panose="020B0609020204030204" pitchFamily="49" charset="0"/>
+              </a:rPr>
+              <a:t>  </a:t>
+            </a:r>
+            <a:r>
+              <a:rPr lang="en-US" sz="2000" b="0" dirty="0">
+                <a:solidFill>
+                  <a:srgbClr val="267F99"/>
+                </a:solidFill>
+                <a:effectLst/>
+                <a:latin typeface="Consolas" panose="020B0609020204030204" pitchFamily="49" charset="0"/>
+              </a:rPr>
+              <a:t>std</a:t>
+            </a:r>
+            <a:r>
+              <a:rPr lang="en-US" sz="2000" b="0" dirty="0">
+                <a:solidFill>
+                  <a:srgbClr val="3B3B3B"/>
+                </a:solidFill>
+                <a:effectLst/>
+                <a:latin typeface="Consolas" panose="020B0609020204030204" pitchFamily="49" charset="0"/>
+              </a:rPr>
+              <a:t>::</a:t>
+            </a:r>
+            <a:r>
+              <a:rPr lang="en-US" sz="2000" b="0" dirty="0" err="1">
+                <a:solidFill>
+                  <a:srgbClr val="267F99"/>
+                </a:solidFill>
+                <a:effectLst/>
+                <a:latin typeface="Consolas" panose="020B0609020204030204" pitchFamily="49" charset="0"/>
+              </a:rPr>
+              <a:t>unordered_map</a:t>
+            </a:r>
+            <a:r>
+              <a:rPr lang="en-US" sz="2000" b="0" dirty="0">
+                <a:solidFill>
+                  <a:srgbClr val="000000"/>
+                </a:solidFill>
+                <a:effectLst/>
+                <a:latin typeface="Consolas" panose="020B0609020204030204" pitchFamily="49" charset="0"/>
+              </a:rPr>
+              <a:t>&lt;</a:t>
+            </a:r>
+            <a:r>
+              <a:rPr lang="en-US" sz="2000" b="0" dirty="0">
+                <a:solidFill>
+                  <a:srgbClr val="267F99"/>
+                </a:solidFill>
+                <a:effectLst/>
+                <a:latin typeface="Consolas" panose="020B0609020204030204" pitchFamily="49" charset="0"/>
+              </a:rPr>
+              <a:t>std</a:t>
+            </a:r>
+            <a:r>
+              <a:rPr lang="en-US" sz="2000" b="0" dirty="0">
+                <a:solidFill>
+                  <a:srgbClr val="3B3B3B"/>
+                </a:solidFill>
+                <a:effectLst/>
+                <a:latin typeface="Consolas" panose="020B0609020204030204" pitchFamily="49" charset="0"/>
+              </a:rPr>
+              <a:t>::</a:t>
+            </a:r>
+            <a:r>
+              <a:rPr lang="en-US" sz="2000" b="0" dirty="0">
+                <a:solidFill>
+                  <a:srgbClr val="267F99"/>
+                </a:solidFill>
+                <a:effectLst/>
+                <a:latin typeface="Consolas" panose="020B0609020204030204" pitchFamily="49" charset="0"/>
+              </a:rPr>
+              <a:t>string</a:t>
+            </a:r>
+            <a:r>
+              <a:rPr lang="en-US" sz="2000" b="0" dirty="0">
+                <a:solidFill>
+                  <a:srgbClr val="3B3B3B"/>
+                </a:solidFill>
+                <a:effectLst/>
+                <a:latin typeface="Consolas" panose="020B0609020204030204" pitchFamily="49" charset="0"/>
+              </a:rPr>
+              <a:t>, </a:t>
+            </a:r>
+            <a:r>
+              <a:rPr lang="en-US" sz="2000" b="0" dirty="0">
+                <a:solidFill>
+                  <a:srgbClr val="267F99"/>
+                </a:solidFill>
+                <a:effectLst/>
+                <a:latin typeface="Consolas" panose="020B0609020204030204" pitchFamily="49" charset="0"/>
+              </a:rPr>
+              <a:t>std</a:t>
+            </a:r>
+            <a:r>
+              <a:rPr lang="en-US" sz="2000" b="0" dirty="0">
+                <a:solidFill>
+                  <a:srgbClr val="3B3B3B"/>
+                </a:solidFill>
+                <a:effectLst/>
+                <a:latin typeface="Consolas" panose="020B0609020204030204" pitchFamily="49" charset="0"/>
+              </a:rPr>
+              <a:t>::</a:t>
+            </a:r>
+            <a:r>
+              <a:rPr lang="en-US" sz="2000" b="0" dirty="0">
+                <a:solidFill>
+                  <a:srgbClr val="267F99"/>
+                </a:solidFill>
+                <a:effectLst/>
+                <a:latin typeface="Consolas" panose="020B0609020204030204" pitchFamily="49" charset="0"/>
+              </a:rPr>
+              <a:t>string</a:t>
+            </a:r>
+            <a:r>
+              <a:rPr lang="en-US" sz="2000" b="0" dirty="0">
+                <a:solidFill>
+                  <a:srgbClr val="000000"/>
+                </a:solidFill>
+                <a:effectLst/>
+                <a:latin typeface="Consolas" panose="020B0609020204030204" pitchFamily="49" charset="0"/>
+              </a:rPr>
+              <a:t>&gt;</a:t>
+            </a:r>
+            <a:r>
+              <a:rPr lang="en-US" sz="2000" b="0" dirty="0">
+                <a:solidFill>
+                  <a:srgbClr val="3B3B3B"/>
+                </a:solidFill>
+                <a:effectLst/>
+                <a:latin typeface="Consolas" panose="020B0609020204030204" pitchFamily="49" charset="0"/>
+              </a:rPr>
+              <a:t> </a:t>
+            </a:r>
+            <a:r>
+              <a:rPr lang="en-US" sz="2000" b="0" dirty="0">
+                <a:solidFill>
+                  <a:srgbClr val="001080"/>
+                </a:solidFill>
+                <a:effectLst/>
+                <a:latin typeface="Consolas" panose="020B0609020204030204" pitchFamily="49" charset="0"/>
+              </a:rPr>
+              <a:t>variables</a:t>
+            </a:r>
+            <a:r>
+              <a:rPr lang="en-US" sz="2000" b="0" dirty="0">
+                <a:solidFill>
+                  <a:srgbClr val="3B3B3B"/>
+                </a:solidFill>
+                <a:effectLst/>
+                <a:latin typeface="Consolas" panose="020B0609020204030204" pitchFamily="49" charset="0"/>
+              </a:rPr>
+              <a:t>;</a:t>
+            </a:r>
+          </a:p>
+          <a:p>
+            <a:r>
+              <a:rPr lang="en-US" sz="2000" b="0" dirty="0">
+                <a:solidFill>
+                  <a:srgbClr val="3B3B3B"/>
+                </a:solidFill>
+                <a:effectLst/>
+                <a:latin typeface="Consolas" panose="020B0609020204030204" pitchFamily="49" charset="0"/>
+              </a:rPr>
+              <a:t>  </a:t>
+            </a:r>
+            <a:r>
+              <a:rPr lang="en-US" sz="2000" b="0" dirty="0" err="1">
+                <a:solidFill>
+                  <a:srgbClr val="795E26"/>
+                </a:solidFill>
+                <a:effectLst/>
+                <a:latin typeface="Consolas" panose="020B0609020204030204" pitchFamily="49" charset="0"/>
+              </a:rPr>
+              <a:t>FillVariablesTo</a:t>
+            </a:r>
+            <a:r>
+              <a:rPr lang="en-US" sz="2000" b="0" dirty="0">
+                <a:solidFill>
+                  <a:srgbClr val="3B3B3B"/>
+                </a:solidFill>
+                <a:effectLst/>
+                <a:latin typeface="Consolas" panose="020B0609020204030204" pitchFamily="49" charset="0"/>
+              </a:rPr>
+              <a:t>(</a:t>
+            </a:r>
+            <a:r>
+              <a:rPr lang="en-US" sz="2000" b="0" dirty="0">
+                <a:solidFill>
+                  <a:srgbClr val="001080"/>
+                </a:solidFill>
+                <a:effectLst/>
+                <a:latin typeface="Consolas" panose="020B0609020204030204" pitchFamily="49" charset="0"/>
+              </a:rPr>
+              <a:t>variables</a:t>
+            </a:r>
+            <a:r>
+              <a:rPr lang="en-US" sz="2000" b="0" dirty="0">
+                <a:solidFill>
+                  <a:srgbClr val="3B3B3B"/>
+                </a:solidFill>
+                <a:effectLst/>
+                <a:latin typeface="Consolas" panose="020B0609020204030204" pitchFamily="49" charset="0"/>
+              </a:rPr>
+              <a:t>);</a:t>
+            </a:r>
+          </a:p>
+          <a:p>
+            <a:r>
+              <a:rPr lang="en-US" sz="2000" b="0" dirty="0">
+                <a:solidFill>
+                  <a:srgbClr val="3B3B3B"/>
+                </a:solidFill>
+                <a:effectLst/>
+                <a:latin typeface="Consolas" panose="020B0609020204030204" pitchFamily="49" charset="0"/>
+              </a:rPr>
+              <a:t>  </a:t>
+            </a:r>
+            <a:r>
+              <a:rPr lang="en-US" sz="2000" b="0" dirty="0">
+                <a:solidFill>
+                  <a:srgbClr val="AF00DB"/>
+                </a:solidFill>
+                <a:effectLst/>
+                <a:latin typeface="Consolas" panose="020B0609020204030204" pitchFamily="49" charset="0"/>
+              </a:rPr>
+              <a:t>return</a:t>
+            </a:r>
+            <a:r>
+              <a:rPr lang="en-US" sz="2000" b="0" dirty="0">
+                <a:solidFill>
+                  <a:srgbClr val="3B3B3B"/>
+                </a:solidFill>
+                <a:effectLst/>
+                <a:latin typeface="Consolas" panose="020B0609020204030204" pitchFamily="49" charset="0"/>
+              </a:rPr>
+              <a:t> </a:t>
+            </a:r>
+            <a:r>
+              <a:rPr lang="en-US" sz="2000" b="0" dirty="0">
+                <a:solidFill>
+                  <a:srgbClr val="001080"/>
+                </a:solidFill>
+                <a:effectLst/>
+                <a:latin typeface="Consolas" panose="020B0609020204030204" pitchFamily="49" charset="0"/>
+              </a:rPr>
+              <a:t>variables</a:t>
+            </a:r>
+            <a:r>
+              <a:rPr lang="en-US" sz="2000" b="0" dirty="0">
+                <a:solidFill>
+                  <a:srgbClr val="3B3B3B"/>
+                </a:solidFill>
+                <a:effectLst/>
+                <a:latin typeface="Consolas" panose="020B0609020204030204" pitchFamily="49" charset="0"/>
+              </a:rPr>
+              <a:t>;</a:t>
+            </a:r>
+          </a:p>
+          <a:p>
+            <a:r>
+              <a:rPr lang="en-US" sz="2000" b="0" dirty="0">
+                <a:solidFill>
+                  <a:srgbClr val="3B3B3B"/>
+                </a:solidFill>
+                <a:effectLst/>
+                <a:latin typeface="Consolas" panose="020B0609020204030204" pitchFamily="49" charset="0"/>
+              </a:rPr>
+              <a:t>}</a:t>
+            </a:r>
+          </a:p>
+          <a:p>
+            <a:br>
+              <a:rPr lang="en-US" sz="2000" b="0" dirty="0">
+                <a:solidFill>
+                  <a:srgbClr val="3B3B3B"/>
+                </a:solidFill>
+                <a:effectLst/>
+                <a:latin typeface="Consolas" panose="020B0609020204030204" pitchFamily="49" charset="0"/>
+              </a:rPr>
+            </a:br>
+            <a:r>
+              <a:rPr lang="en-US" sz="2000" b="0" dirty="0">
+                <a:solidFill>
+                  <a:srgbClr val="0000FF"/>
+                </a:solidFill>
+                <a:effectLst/>
+                <a:latin typeface="Consolas" panose="020B0609020204030204" pitchFamily="49" charset="0"/>
+              </a:rPr>
+              <a:t>template</a:t>
+            </a:r>
+            <a:r>
+              <a:rPr lang="en-US" sz="2000" b="0" dirty="0">
+                <a:solidFill>
+                  <a:srgbClr val="3B3B3B"/>
+                </a:solidFill>
+                <a:effectLst/>
+                <a:latin typeface="Consolas" panose="020B0609020204030204" pitchFamily="49" charset="0"/>
+              </a:rPr>
+              <a:t> &lt;</a:t>
+            </a:r>
+            <a:r>
+              <a:rPr lang="en-US" sz="2000" b="0" dirty="0" err="1">
+                <a:solidFill>
+                  <a:srgbClr val="0000FF"/>
+                </a:solidFill>
+                <a:effectLst/>
+                <a:latin typeface="Consolas" panose="020B0609020204030204" pitchFamily="49" charset="0"/>
+              </a:rPr>
+              <a:t>typename</a:t>
+            </a:r>
+            <a:r>
+              <a:rPr lang="en-US" sz="2000" b="0" dirty="0">
+                <a:solidFill>
+                  <a:srgbClr val="3B3B3B"/>
+                </a:solidFill>
+                <a:effectLst/>
+                <a:latin typeface="Consolas" panose="020B0609020204030204" pitchFamily="49" charset="0"/>
+              </a:rPr>
+              <a:t> </a:t>
+            </a:r>
+            <a:r>
+              <a:rPr lang="en-US" sz="2000" b="0" dirty="0">
+                <a:solidFill>
+                  <a:srgbClr val="267F99"/>
+                </a:solidFill>
+                <a:effectLst/>
+                <a:latin typeface="Consolas" panose="020B0609020204030204" pitchFamily="49" charset="0"/>
+              </a:rPr>
+              <a:t>T</a:t>
+            </a:r>
+            <a:r>
+              <a:rPr lang="en-US" sz="2000" b="0" dirty="0">
+                <a:solidFill>
+                  <a:srgbClr val="3B3B3B"/>
+                </a:solidFill>
+                <a:effectLst/>
+                <a:latin typeface="Consolas" panose="020B0609020204030204" pitchFamily="49" charset="0"/>
+              </a:rPr>
+              <a:t>&gt;</a:t>
+            </a:r>
+          </a:p>
+          <a:p>
+            <a:r>
+              <a:rPr lang="en-US" sz="2000" b="0" dirty="0">
+                <a:solidFill>
+                  <a:srgbClr val="267F99"/>
+                </a:solidFill>
+                <a:effectLst/>
+                <a:latin typeface="Consolas" panose="020B0609020204030204" pitchFamily="49" charset="0"/>
+              </a:rPr>
+              <a:t>std</a:t>
+            </a:r>
+            <a:r>
+              <a:rPr lang="en-US" sz="2000" b="0" dirty="0">
+                <a:solidFill>
+                  <a:srgbClr val="3B3B3B"/>
+                </a:solidFill>
+                <a:effectLst/>
+                <a:latin typeface="Consolas" panose="020B0609020204030204" pitchFamily="49" charset="0"/>
+              </a:rPr>
+              <a:t>::</a:t>
+            </a:r>
+            <a:r>
+              <a:rPr lang="en-US" sz="2000" b="0" dirty="0">
+                <a:solidFill>
+                  <a:srgbClr val="267F99"/>
+                </a:solidFill>
+                <a:effectLst/>
+                <a:latin typeface="Consolas" panose="020B0609020204030204" pitchFamily="49" charset="0"/>
+              </a:rPr>
+              <a:t>string</a:t>
+            </a:r>
+            <a:r>
+              <a:rPr lang="en-US" sz="2000" b="0" dirty="0">
+                <a:solidFill>
+                  <a:srgbClr val="3B3B3B"/>
+                </a:solidFill>
+                <a:effectLst/>
+                <a:latin typeface="Consolas" panose="020B0609020204030204" pitchFamily="49" charset="0"/>
+              </a:rPr>
+              <a:t> </a:t>
+            </a:r>
+            <a:r>
+              <a:rPr lang="en-US" sz="2000" b="0" dirty="0">
+                <a:solidFill>
+                  <a:srgbClr val="267F99"/>
+                </a:solidFill>
+                <a:effectLst/>
+                <a:latin typeface="Consolas" panose="020B0609020204030204" pitchFamily="49" charset="0"/>
+              </a:rPr>
+              <a:t>Expression</a:t>
+            </a:r>
+            <a:r>
+              <a:rPr lang="en-US" sz="2000" b="0" dirty="0">
+                <a:solidFill>
+                  <a:srgbClr val="3B3B3B"/>
+                </a:solidFill>
+                <a:effectLst/>
+                <a:latin typeface="Consolas" panose="020B0609020204030204" pitchFamily="49" charset="0"/>
+              </a:rPr>
+              <a:t>&lt;</a:t>
+            </a:r>
+            <a:r>
+              <a:rPr lang="en-US" sz="2000" b="0" dirty="0">
+                <a:solidFill>
+                  <a:srgbClr val="267F99"/>
+                </a:solidFill>
+                <a:effectLst/>
+                <a:latin typeface="Consolas" panose="020B0609020204030204" pitchFamily="49" charset="0"/>
+              </a:rPr>
+              <a:t>T</a:t>
+            </a:r>
+            <a:r>
+              <a:rPr lang="en-US" sz="2000" b="0" dirty="0">
+                <a:solidFill>
+                  <a:srgbClr val="3B3B3B"/>
+                </a:solidFill>
+                <a:effectLst/>
+                <a:latin typeface="Consolas" panose="020B0609020204030204" pitchFamily="49" charset="0"/>
+              </a:rPr>
+              <a:t>&gt;::</a:t>
+            </a:r>
+            <a:r>
+              <a:rPr lang="en-US" sz="2000" b="0" dirty="0" err="1">
+                <a:solidFill>
+                  <a:srgbClr val="795E26"/>
+                </a:solidFill>
+                <a:effectLst/>
+                <a:latin typeface="Consolas" panose="020B0609020204030204" pitchFamily="49" charset="0"/>
+              </a:rPr>
+              <a:t>GetFormula</a:t>
+            </a:r>
+            <a:r>
+              <a:rPr lang="en-US" sz="2000" b="0" dirty="0">
+                <a:solidFill>
+                  <a:srgbClr val="3B3B3B"/>
+                </a:solidFill>
+                <a:effectLst/>
+                <a:latin typeface="Consolas" panose="020B0609020204030204" pitchFamily="49" charset="0"/>
+              </a:rPr>
+              <a:t>() </a:t>
+            </a:r>
+            <a:r>
+              <a:rPr lang="en-US" sz="2000" b="0" dirty="0">
+                <a:solidFill>
+                  <a:srgbClr val="0000FF"/>
+                </a:solidFill>
+                <a:effectLst/>
+                <a:latin typeface="Consolas" panose="020B0609020204030204" pitchFamily="49" charset="0"/>
+              </a:rPr>
+              <a:t>const</a:t>
+            </a:r>
+            <a:r>
+              <a:rPr lang="en-US" sz="2000" b="0" dirty="0">
+                <a:solidFill>
+                  <a:srgbClr val="3B3B3B"/>
+                </a:solidFill>
+                <a:effectLst/>
+                <a:latin typeface="Consolas" panose="020B0609020204030204" pitchFamily="49" charset="0"/>
+              </a:rPr>
+              <a:t> {</a:t>
+            </a:r>
+          </a:p>
+          <a:p>
+            <a:r>
+              <a:rPr lang="en-US" sz="2000" b="0" dirty="0">
+                <a:solidFill>
+                  <a:srgbClr val="3B3B3B"/>
+                </a:solidFill>
+                <a:effectLst/>
+                <a:latin typeface="Consolas" panose="020B0609020204030204" pitchFamily="49" charset="0"/>
+              </a:rPr>
+              <a:t>  </a:t>
+            </a:r>
+            <a:r>
+              <a:rPr lang="en-US" sz="2000" b="0" dirty="0">
+                <a:solidFill>
+                  <a:srgbClr val="267F99"/>
+                </a:solidFill>
+                <a:effectLst/>
+                <a:latin typeface="Consolas" panose="020B0609020204030204" pitchFamily="49" charset="0"/>
+              </a:rPr>
+              <a:t>std</a:t>
+            </a:r>
+            <a:r>
+              <a:rPr lang="en-US" sz="2000" b="0" dirty="0">
+                <a:solidFill>
+                  <a:srgbClr val="3B3B3B"/>
+                </a:solidFill>
+                <a:effectLst/>
+                <a:latin typeface="Consolas" panose="020B0609020204030204" pitchFamily="49" charset="0"/>
+              </a:rPr>
+              <a:t>::</a:t>
+            </a:r>
+            <a:r>
+              <a:rPr lang="en-US" sz="2000" b="0" dirty="0" err="1">
+                <a:solidFill>
+                  <a:srgbClr val="267F99"/>
+                </a:solidFill>
+                <a:effectLst/>
+                <a:latin typeface="Consolas" panose="020B0609020204030204" pitchFamily="49" charset="0"/>
+              </a:rPr>
+              <a:t>ostringstream</a:t>
+            </a:r>
+            <a:r>
+              <a:rPr lang="en-US" sz="2000" b="0" dirty="0">
+                <a:solidFill>
+                  <a:srgbClr val="3B3B3B"/>
+                </a:solidFill>
+                <a:effectLst/>
+                <a:latin typeface="Consolas" panose="020B0609020204030204" pitchFamily="49" charset="0"/>
+              </a:rPr>
+              <a:t> </a:t>
+            </a:r>
+            <a:r>
+              <a:rPr lang="en-US" sz="2000" b="0" dirty="0">
+                <a:solidFill>
+                  <a:srgbClr val="001080"/>
+                </a:solidFill>
+                <a:effectLst/>
+                <a:latin typeface="Consolas" panose="020B0609020204030204" pitchFamily="49" charset="0"/>
+              </a:rPr>
+              <a:t>output</a:t>
+            </a:r>
+            <a:r>
+              <a:rPr lang="en-US" sz="2000" b="0" dirty="0">
+                <a:solidFill>
+                  <a:srgbClr val="3B3B3B"/>
+                </a:solidFill>
+                <a:effectLst/>
+                <a:latin typeface="Consolas" panose="020B0609020204030204" pitchFamily="49" charset="0"/>
+              </a:rPr>
+              <a:t>;</a:t>
+            </a:r>
+          </a:p>
+          <a:p>
+            <a:r>
+              <a:rPr lang="en-US" sz="2000" b="0" dirty="0">
+                <a:solidFill>
+                  <a:srgbClr val="3B3B3B"/>
+                </a:solidFill>
+                <a:effectLst/>
+                <a:latin typeface="Consolas" panose="020B0609020204030204" pitchFamily="49" charset="0"/>
+              </a:rPr>
+              <a:t>  </a:t>
+            </a:r>
+            <a:r>
+              <a:rPr lang="en-US" sz="2000" b="0" dirty="0" err="1">
+                <a:solidFill>
+                  <a:srgbClr val="795E26"/>
+                </a:solidFill>
+                <a:effectLst/>
+                <a:latin typeface="Consolas" panose="020B0609020204030204" pitchFamily="49" charset="0"/>
+              </a:rPr>
+              <a:t>FillFormulaTo</a:t>
+            </a:r>
+            <a:r>
+              <a:rPr lang="en-US" sz="2000" b="0" dirty="0">
+                <a:solidFill>
+                  <a:srgbClr val="3B3B3B"/>
+                </a:solidFill>
+                <a:effectLst/>
+                <a:latin typeface="Consolas" panose="020B0609020204030204" pitchFamily="49" charset="0"/>
+              </a:rPr>
+              <a:t>(</a:t>
+            </a:r>
+            <a:r>
+              <a:rPr lang="en-US" sz="2000" b="0" dirty="0">
+                <a:solidFill>
+                  <a:srgbClr val="001080"/>
+                </a:solidFill>
+                <a:effectLst/>
+                <a:latin typeface="Consolas" panose="020B0609020204030204" pitchFamily="49" charset="0"/>
+              </a:rPr>
+              <a:t>output</a:t>
+            </a:r>
+            <a:r>
+              <a:rPr lang="en-US" sz="2000" b="0" dirty="0">
+                <a:solidFill>
+                  <a:srgbClr val="3B3B3B"/>
+                </a:solidFill>
+                <a:effectLst/>
+                <a:latin typeface="Consolas" panose="020B0609020204030204" pitchFamily="49" charset="0"/>
+              </a:rPr>
+              <a:t>);</a:t>
+            </a:r>
+          </a:p>
+          <a:p>
+            <a:r>
+              <a:rPr lang="en-US" sz="2000" b="0" dirty="0">
+                <a:solidFill>
+                  <a:srgbClr val="3B3B3B"/>
+                </a:solidFill>
+                <a:effectLst/>
+                <a:latin typeface="Consolas" panose="020B0609020204030204" pitchFamily="49" charset="0"/>
+              </a:rPr>
+              <a:t>  </a:t>
+            </a:r>
+            <a:r>
+              <a:rPr lang="en-US" sz="2000" b="0" dirty="0">
+                <a:solidFill>
+                  <a:srgbClr val="AF00DB"/>
+                </a:solidFill>
+                <a:effectLst/>
+                <a:latin typeface="Consolas" panose="020B0609020204030204" pitchFamily="49" charset="0"/>
+              </a:rPr>
+              <a:t>return</a:t>
+            </a:r>
+            <a:r>
+              <a:rPr lang="en-US" sz="2000" b="0" dirty="0">
+                <a:solidFill>
+                  <a:srgbClr val="3B3B3B"/>
+                </a:solidFill>
+                <a:effectLst/>
+                <a:latin typeface="Consolas" panose="020B0609020204030204" pitchFamily="49" charset="0"/>
+              </a:rPr>
+              <a:t> </a:t>
+            </a:r>
+            <a:r>
+              <a:rPr lang="en-US" sz="2000" b="0" dirty="0" err="1">
+                <a:solidFill>
+                  <a:srgbClr val="001080"/>
+                </a:solidFill>
+                <a:effectLst/>
+                <a:latin typeface="Consolas" panose="020B0609020204030204" pitchFamily="49" charset="0"/>
+              </a:rPr>
+              <a:t>output</a:t>
+            </a:r>
+            <a:r>
+              <a:rPr lang="en-US" sz="2000" b="0" dirty="0" err="1">
+                <a:solidFill>
+                  <a:srgbClr val="3B3B3B"/>
+                </a:solidFill>
+                <a:effectLst/>
+                <a:latin typeface="Consolas" panose="020B0609020204030204" pitchFamily="49" charset="0"/>
+              </a:rPr>
+              <a:t>.</a:t>
+            </a:r>
+            <a:r>
+              <a:rPr lang="en-US" sz="2000" b="0" dirty="0" err="1">
+                <a:solidFill>
+                  <a:srgbClr val="795E26"/>
+                </a:solidFill>
+                <a:effectLst/>
+                <a:latin typeface="Consolas" panose="020B0609020204030204" pitchFamily="49" charset="0"/>
+              </a:rPr>
+              <a:t>str</a:t>
+            </a:r>
+            <a:r>
+              <a:rPr lang="en-US" sz="2000" b="0" dirty="0">
+                <a:solidFill>
+                  <a:srgbClr val="3B3B3B"/>
+                </a:solidFill>
+                <a:effectLst/>
+                <a:latin typeface="Consolas" panose="020B0609020204030204" pitchFamily="49" charset="0"/>
+              </a:rPr>
+              <a:t>();</a:t>
+            </a:r>
+          </a:p>
+          <a:p>
+            <a:r>
+              <a:rPr lang="en-US" sz="2000" b="0" dirty="0">
+                <a:solidFill>
+                  <a:srgbClr val="3B3B3B"/>
+                </a:solidFill>
+                <a:effectLst/>
+                <a:latin typeface="Consolas" panose="020B0609020204030204" pitchFamily="49" charset="0"/>
+              </a:rPr>
+              <a:t>}</a:t>
+            </a:r>
+          </a:p>
+        </p:txBody>
+      </p:sp>
+    </p:spTree>
+    <p:extLst>
+      <p:ext uri="{BB962C8B-B14F-4D97-AF65-F5344CB8AC3E}">
+        <p14:creationId xmlns:p14="http://schemas.microsoft.com/office/powerpoint/2010/main" val="2219682769"/>
+      </p:ext>
+    </p:extLst>
+  </p:cSld>
+  <p:clrMapOvr>
+    <a:masterClrMapping/>
+  </p:clrMapOvr>
+  <p:transition spd="slow">
+    <p:push dir="u"/>
+  </p:transition>
+</p:sld>
+</file>
+
+<file path=ppt/slides/slide29.xml><?xml version="1.0" encoding="utf-8"?>
+<p:sld xmlns:a="http://schemas.openxmlformats.org/drawingml/2006/main" xmlns:r="http://schemas.openxmlformats.org/officeDocument/2006/relationships" xmlns:p="http://schemas.openxmlformats.org/presentationml/2006/main">
+  <p:cSld>
+    <p:spTree>
+      <p:nvGrpSpPr>
+        <p:cNvPr id="1" name=""/>
+        <p:cNvGrpSpPr/>
+        <p:nvPr/>
+      </p:nvGrpSpPr>
+      <p:grpSpPr>
+        <a:xfrm>
+          <a:off x="0" y="0"/>
+          <a:ext cx="0" cy="0"/>
+          <a:chOff x="0" y="0"/>
+          <a:chExt cx="0" cy="0"/>
+        </a:xfrm>
+      </p:grpSpPr>
+      <p:sp>
+        <p:nvSpPr>
+          <p:cNvPr id="2" name="Footer Placeholder 1">
+            <a:extLst>
+              <a:ext uri="{FF2B5EF4-FFF2-40B4-BE49-F238E27FC236}">
+                <a16:creationId xmlns:a16="http://schemas.microsoft.com/office/drawing/2014/main" id="{71D5D624-1AA6-4945-BD4E-150CD1DE4D9C}"/>
+              </a:ext>
+            </a:extLst>
+          </p:cNvPr>
+          <p:cNvSpPr>
+            <a:spLocks noGrp="1"/>
+          </p:cNvSpPr>
+          <p:nvPr>
+            <p:ph type="ftr" sz="quarter" idx="11"/>
+          </p:nvPr>
+        </p:nvSpPr>
+        <p:spPr/>
+        <p:txBody>
+          <a:bodyPr/>
+          <a:lstStyle/>
+          <a:p>
+            <a:endParaRPr lang="ru-RU" dirty="0"/>
+          </a:p>
+        </p:txBody>
+      </p:sp>
+      <p:sp>
+        <p:nvSpPr>
+          <p:cNvPr id="3" name="Slide Number Placeholder 2">
+            <a:extLst>
+              <a:ext uri="{FF2B5EF4-FFF2-40B4-BE49-F238E27FC236}">
+                <a16:creationId xmlns:a16="http://schemas.microsoft.com/office/drawing/2014/main" id="{DD3EA27F-D800-4246-A59D-21AC713B42A5}"/>
+              </a:ext>
+            </a:extLst>
+          </p:cNvPr>
+          <p:cNvSpPr>
+            <a:spLocks noGrp="1"/>
+          </p:cNvSpPr>
+          <p:nvPr>
+            <p:ph type="sldNum" sz="quarter" idx="12"/>
+          </p:nvPr>
+        </p:nvSpPr>
+        <p:spPr/>
+        <p:txBody>
+          <a:bodyPr/>
+          <a:lstStyle/>
+          <a:p>
+            <a:fld id="{8DE7FA1B-F957-4F22-889A-E25B642749EF}" type="slidenum">
+              <a:rPr lang="ru-RU" smtClean="0"/>
+              <a:pPr/>
+              <a:t>29</a:t>
+            </a:fld>
+            <a:endParaRPr lang="ru-RU" dirty="0"/>
+          </a:p>
+        </p:txBody>
+      </p:sp>
+      <p:sp>
+        <p:nvSpPr>
+          <p:cNvPr id="4" name="Content Placeholder 3">
+            <a:extLst>
+              <a:ext uri="{FF2B5EF4-FFF2-40B4-BE49-F238E27FC236}">
+                <a16:creationId xmlns:a16="http://schemas.microsoft.com/office/drawing/2014/main" id="{73FA2DE6-4D72-4752-9D2F-4411C2E144A9}"/>
+              </a:ext>
+            </a:extLst>
+          </p:cNvPr>
+          <p:cNvSpPr>
+            <a:spLocks noGrp="1"/>
+          </p:cNvSpPr>
+          <p:nvPr>
+            <p:ph idx="25"/>
+          </p:nvPr>
+        </p:nvSpPr>
+        <p:spPr>
+          <a:xfrm>
+            <a:off x="371474" y="287216"/>
+            <a:ext cx="11449051" cy="6570784"/>
+          </a:xfrm>
+        </p:spPr>
+        <p:txBody>
+          <a:bodyPr>
+            <a:noAutofit/>
+          </a:bodyPr>
+          <a:lstStyle/>
+          <a:p>
+            <a:r>
+              <a:rPr lang="en-US" sz="2000" b="0" dirty="0">
+                <a:solidFill>
+                  <a:srgbClr val="0000FF"/>
+                </a:solidFill>
+                <a:effectLst/>
+                <a:latin typeface="Consolas" panose="020B0609020204030204" pitchFamily="49" charset="0"/>
+              </a:rPr>
+              <a:t>template</a:t>
+            </a:r>
+            <a:r>
+              <a:rPr lang="en-US" sz="2000" b="0" dirty="0">
+                <a:solidFill>
+                  <a:srgbClr val="3B3B3B"/>
+                </a:solidFill>
+                <a:effectLst/>
+                <a:latin typeface="Consolas" panose="020B0609020204030204" pitchFamily="49" charset="0"/>
+              </a:rPr>
+              <a:t> &lt;</a:t>
+            </a:r>
+            <a:r>
+              <a:rPr lang="en-US" sz="2000" b="0" dirty="0" err="1">
+                <a:solidFill>
+                  <a:srgbClr val="0000FF"/>
+                </a:solidFill>
+                <a:effectLst/>
+                <a:latin typeface="Consolas" panose="020B0609020204030204" pitchFamily="49" charset="0"/>
+              </a:rPr>
+              <a:t>typename</a:t>
+            </a:r>
+            <a:r>
+              <a:rPr lang="en-US" sz="2000" b="0" dirty="0">
+                <a:solidFill>
+                  <a:srgbClr val="3B3B3B"/>
+                </a:solidFill>
+                <a:effectLst/>
+                <a:latin typeface="Consolas" panose="020B0609020204030204" pitchFamily="49" charset="0"/>
+              </a:rPr>
+              <a:t> </a:t>
+            </a:r>
+            <a:r>
+              <a:rPr lang="en-US" sz="2000" b="0" dirty="0">
+                <a:solidFill>
+                  <a:srgbClr val="267F99"/>
+                </a:solidFill>
+                <a:effectLst/>
+                <a:latin typeface="Consolas" panose="020B0609020204030204" pitchFamily="49" charset="0"/>
+              </a:rPr>
+              <a:t>T</a:t>
+            </a:r>
+            <a:r>
+              <a:rPr lang="en-US" sz="2000" b="0" dirty="0">
+                <a:solidFill>
+                  <a:srgbClr val="3B3B3B"/>
+                </a:solidFill>
+                <a:effectLst/>
+                <a:latin typeface="Consolas" panose="020B0609020204030204" pitchFamily="49" charset="0"/>
+              </a:rPr>
+              <a:t>&gt; </a:t>
+            </a:r>
+            <a:r>
+              <a:rPr lang="en-US" sz="2000" b="0" dirty="0">
+                <a:solidFill>
+                  <a:srgbClr val="0000FF"/>
+                </a:solidFill>
+                <a:effectLst/>
+                <a:latin typeface="Consolas" panose="020B0609020204030204" pitchFamily="49" charset="0"/>
+              </a:rPr>
+              <a:t>struct</a:t>
+            </a:r>
+            <a:r>
+              <a:rPr lang="en-US" sz="2000" b="0" dirty="0">
+                <a:solidFill>
+                  <a:srgbClr val="3B3B3B"/>
+                </a:solidFill>
+                <a:effectLst/>
+                <a:latin typeface="Consolas" panose="020B0609020204030204" pitchFamily="49" charset="0"/>
+              </a:rPr>
+              <a:t> </a:t>
+            </a:r>
+            <a:r>
+              <a:rPr lang="en-US" sz="2000" b="0" dirty="0">
+                <a:solidFill>
+                  <a:srgbClr val="267F99"/>
+                </a:solidFill>
+                <a:effectLst/>
+                <a:latin typeface="Consolas" panose="020B0609020204030204" pitchFamily="49" charset="0"/>
+              </a:rPr>
+              <a:t>Value</a:t>
+            </a:r>
+            <a:r>
+              <a:rPr lang="en-US" sz="2000" b="0" dirty="0">
+                <a:solidFill>
+                  <a:srgbClr val="3B3B3B"/>
+                </a:solidFill>
+                <a:effectLst/>
+                <a:latin typeface="Consolas" panose="020B0609020204030204" pitchFamily="49" charset="0"/>
+              </a:rPr>
+              <a:t> : </a:t>
+            </a:r>
+            <a:r>
+              <a:rPr lang="en-US" sz="2000" b="0" dirty="0">
+                <a:solidFill>
+                  <a:srgbClr val="267F99"/>
+                </a:solidFill>
+                <a:effectLst/>
+                <a:latin typeface="Consolas" panose="020B0609020204030204" pitchFamily="49" charset="0"/>
+              </a:rPr>
+              <a:t>Expression</a:t>
+            </a:r>
+            <a:r>
+              <a:rPr lang="en-US" sz="2000" b="0" dirty="0">
+                <a:solidFill>
+                  <a:srgbClr val="3B3B3B"/>
+                </a:solidFill>
+                <a:effectLst/>
+                <a:latin typeface="Consolas" panose="020B0609020204030204" pitchFamily="49" charset="0"/>
+              </a:rPr>
+              <a:t>&lt;</a:t>
+            </a:r>
+            <a:r>
+              <a:rPr lang="en-US" sz="2000" b="0" dirty="0">
+                <a:solidFill>
+                  <a:srgbClr val="267F99"/>
+                </a:solidFill>
+                <a:effectLst/>
+                <a:latin typeface="Consolas" panose="020B0609020204030204" pitchFamily="49" charset="0"/>
+              </a:rPr>
+              <a:t>T</a:t>
+            </a:r>
+            <a:r>
+              <a:rPr lang="en-US" sz="2000" b="0" dirty="0">
+                <a:solidFill>
+                  <a:srgbClr val="3B3B3B"/>
+                </a:solidFill>
+                <a:effectLst/>
+                <a:latin typeface="Consolas" panose="020B0609020204030204" pitchFamily="49" charset="0"/>
+              </a:rPr>
+              <a:t>&gt; {</a:t>
+            </a:r>
+          </a:p>
+          <a:p>
+            <a:r>
+              <a:rPr lang="en-US" sz="2000" b="0" dirty="0">
+                <a:solidFill>
+                  <a:srgbClr val="3B3B3B"/>
+                </a:solidFill>
+                <a:effectLst/>
+                <a:latin typeface="Consolas" panose="020B0609020204030204" pitchFamily="49" charset="0"/>
+              </a:rPr>
+              <a:t>  </a:t>
+            </a:r>
+            <a:r>
+              <a:rPr lang="en-US" sz="2000" b="0" dirty="0">
+                <a:solidFill>
+                  <a:srgbClr val="0000FF"/>
+                </a:solidFill>
+                <a:effectLst/>
+                <a:latin typeface="Consolas" panose="020B0609020204030204" pitchFamily="49" charset="0"/>
+              </a:rPr>
+              <a:t>const</a:t>
+            </a:r>
+            <a:r>
+              <a:rPr lang="en-US" sz="2000" b="0" dirty="0">
+                <a:solidFill>
+                  <a:srgbClr val="3B3B3B"/>
+                </a:solidFill>
+                <a:effectLst/>
+                <a:latin typeface="Consolas" panose="020B0609020204030204" pitchFamily="49" charset="0"/>
+              </a:rPr>
+              <a:t> </a:t>
+            </a:r>
+            <a:r>
+              <a:rPr lang="en-US" sz="2000" b="0" dirty="0">
+                <a:solidFill>
+                  <a:srgbClr val="267F99"/>
+                </a:solidFill>
+                <a:effectLst/>
+                <a:latin typeface="Consolas" panose="020B0609020204030204" pitchFamily="49" charset="0"/>
+              </a:rPr>
+              <a:t>T</a:t>
+            </a:r>
+            <a:r>
+              <a:rPr lang="en-US" sz="2000" b="0" dirty="0">
+                <a:solidFill>
+                  <a:srgbClr val="000000"/>
+                </a:solidFill>
+                <a:effectLst/>
+                <a:latin typeface="Consolas" panose="020B0609020204030204" pitchFamily="49" charset="0"/>
+              </a:rPr>
+              <a:t>&amp;</a:t>
+            </a:r>
+            <a:r>
+              <a:rPr lang="en-US" sz="2000" b="0" dirty="0">
+                <a:solidFill>
+                  <a:srgbClr val="3B3B3B"/>
+                </a:solidFill>
+                <a:effectLst/>
+                <a:latin typeface="Consolas" panose="020B0609020204030204" pitchFamily="49" charset="0"/>
+              </a:rPr>
+              <a:t> </a:t>
+            </a:r>
+            <a:r>
+              <a:rPr lang="en-US" sz="2000" b="0" dirty="0">
+                <a:solidFill>
+                  <a:srgbClr val="001080"/>
+                </a:solidFill>
+                <a:effectLst/>
+                <a:latin typeface="Consolas" panose="020B0609020204030204" pitchFamily="49" charset="0"/>
+              </a:rPr>
+              <a:t>value</a:t>
+            </a:r>
+            <a:r>
+              <a:rPr lang="en-US" sz="2000" b="0" dirty="0">
+                <a:solidFill>
+                  <a:srgbClr val="3B3B3B"/>
+                </a:solidFill>
+                <a:effectLst/>
+                <a:latin typeface="Consolas" panose="020B0609020204030204" pitchFamily="49" charset="0"/>
+              </a:rPr>
+              <a:t>;</a:t>
+            </a:r>
+          </a:p>
+          <a:p>
+            <a:r>
+              <a:rPr lang="en-US" sz="2000" b="0" dirty="0">
+                <a:solidFill>
+                  <a:srgbClr val="3B3B3B"/>
+                </a:solidFill>
+                <a:effectLst/>
+                <a:latin typeface="Consolas" panose="020B0609020204030204" pitchFamily="49" charset="0"/>
+              </a:rPr>
+              <a:t>  </a:t>
+            </a:r>
+            <a:r>
+              <a:rPr lang="en-US" sz="2000" b="0" dirty="0">
+                <a:solidFill>
+                  <a:srgbClr val="267F99"/>
+                </a:solidFill>
+                <a:effectLst/>
+                <a:latin typeface="Consolas" panose="020B0609020204030204" pitchFamily="49" charset="0"/>
+              </a:rPr>
+              <a:t>std</a:t>
+            </a:r>
+            <a:r>
+              <a:rPr lang="en-US" sz="2000" b="0" dirty="0">
+                <a:solidFill>
+                  <a:srgbClr val="3B3B3B"/>
+                </a:solidFill>
+                <a:effectLst/>
+                <a:latin typeface="Consolas" panose="020B0609020204030204" pitchFamily="49" charset="0"/>
+              </a:rPr>
+              <a:t>::</a:t>
+            </a:r>
+            <a:r>
+              <a:rPr lang="en-US" sz="2000" b="0" dirty="0">
+                <a:solidFill>
+                  <a:srgbClr val="267F99"/>
+                </a:solidFill>
+                <a:effectLst/>
+                <a:latin typeface="Consolas" panose="020B0609020204030204" pitchFamily="49" charset="0"/>
+              </a:rPr>
+              <a:t>string</a:t>
+            </a:r>
+            <a:r>
+              <a:rPr lang="en-US" sz="2000" b="0" dirty="0">
+                <a:solidFill>
+                  <a:srgbClr val="3B3B3B"/>
+                </a:solidFill>
+                <a:effectLst/>
+                <a:latin typeface="Consolas" panose="020B0609020204030204" pitchFamily="49" charset="0"/>
+              </a:rPr>
+              <a:t> </a:t>
+            </a:r>
+            <a:r>
+              <a:rPr lang="en-US" sz="2000" b="0" dirty="0">
+                <a:solidFill>
+                  <a:srgbClr val="001080"/>
+                </a:solidFill>
+                <a:effectLst/>
+                <a:latin typeface="Consolas" panose="020B0609020204030204" pitchFamily="49" charset="0"/>
+              </a:rPr>
+              <a:t>name</a:t>
+            </a:r>
+            <a:r>
+              <a:rPr lang="en-US" sz="2000" b="0" dirty="0">
+                <a:solidFill>
+                  <a:srgbClr val="3B3B3B"/>
+                </a:solidFill>
+                <a:effectLst/>
+                <a:latin typeface="Consolas" panose="020B0609020204030204" pitchFamily="49" charset="0"/>
+              </a:rPr>
+              <a:t>;</a:t>
+            </a:r>
+          </a:p>
+          <a:p>
+            <a:br>
+              <a:rPr lang="en-US" sz="2000" b="0" dirty="0">
+                <a:solidFill>
+                  <a:srgbClr val="3B3B3B"/>
+                </a:solidFill>
+                <a:effectLst/>
+                <a:latin typeface="Consolas" panose="020B0609020204030204" pitchFamily="49" charset="0"/>
+              </a:rPr>
+            </a:br>
+            <a:r>
+              <a:rPr lang="en-US" sz="2000" b="0" dirty="0">
+                <a:solidFill>
+                  <a:srgbClr val="3B3B3B"/>
+                </a:solidFill>
+                <a:effectLst/>
+                <a:latin typeface="Consolas" panose="020B0609020204030204" pitchFamily="49" charset="0"/>
+              </a:rPr>
+              <a:t>  </a:t>
+            </a:r>
+            <a:r>
+              <a:rPr lang="en-US" sz="2000" b="0" dirty="0">
+                <a:solidFill>
+                  <a:srgbClr val="795E26"/>
+                </a:solidFill>
+                <a:effectLst/>
+                <a:latin typeface="Consolas" panose="020B0609020204030204" pitchFamily="49" charset="0"/>
+              </a:rPr>
+              <a:t>Value</a:t>
+            </a:r>
+            <a:r>
+              <a:rPr lang="en-US" sz="2000" b="0" dirty="0">
+                <a:solidFill>
+                  <a:srgbClr val="3B3B3B"/>
+                </a:solidFill>
+                <a:effectLst/>
+                <a:latin typeface="Consolas" panose="020B0609020204030204" pitchFamily="49" charset="0"/>
+              </a:rPr>
+              <a:t>(</a:t>
+            </a:r>
+            <a:r>
+              <a:rPr lang="en-US" sz="2000" b="0" dirty="0">
+                <a:solidFill>
+                  <a:srgbClr val="0000FF"/>
+                </a:solidFill>
+                <a:effectLst/>
+                <a:latin typeface="Consolas" panose="020B0609020204030204" pitchFamily="49" charset="0"/>
+              </a:rPr>
+              <a:t>const</a:t>
+            </a:r>
+            <a:r>
+              <a:rPr lang="en-US" sz="2000" b="0" dirty="0">
+                <a:solidFill>
+                  <a:srgbClr val="3B3B3B"/>
+                </a:solidFill>
+                <a:effectLst/>
+                <a:latin typeface="Consolas" panose="020B0609020204030204" pitchFamily="49" charset="0"/>
+              </a:rPr>
+              <a:t> </a:t>
+            </a:r>
+            <a:r>
+              <a:rPr lang="en-US" sz="2000" b="0" dirty="0">
+                <a:solidFill>
+                  <a:srgbClr val="267F99"/>
+                </a:solidFill>
+                <a:effectLst/>
+                <a:latin typeface="Consolas" panose="020B0609020204030204" pitchFamily="49" charset="0"/>
+              </a:rPr>
+              <a:t>T</a:t>
+            </a:r>
+            <a:r>
+              <a:rPr lang="en-US" sz="2000" b="0" dirty="0">
+                <a:solidFill>
+                  <a:srgbClr val="0000FF"/>
+                </a:solidFill>
+                <a:effectLst/>
+                <a:latin typeface="Consolas" panose="020B0609020204030204" pitchFamily="49" charset="0"/>
+              </a:rPr>
+              <a:t>&amp;</a:t>
+            </a:r>
+            <a:r>
+              <a:rPr lang="en-US" sz="2000" b="0" dirty="0">
+                <a:solidFill>
+                  <a:srgbClr val="3B3B3B"/>
+                </a:solidFill>
+                <a:effectLst/>
+                <a:latin typeface="Consolas" panose="020B0609020204030204" pitchFamily="49" charset="0"/>
+              </a:rPr>
+              <a:t> </a:t>
+            </a:r>
+            <a:r>
+              <a:rPr lang="en-US" sz="2000" b="0" dirty="0">
+                <a:solidFill>
+                  <a:srgbClr val="001080"/>
+                </a:solidFill>
+                <a:effectLst/>
+                <a:latin typeface="Consolas" panose="020B0609020204030204" pitchFamily="49" charset="0"/>
+              </a:rPr>
+              <a:t>value</a:t>
+            </a:r>
+            <a:r>
+              <a:rPr lang="en-US" sz="2000" b="0" dirty="0">
+                <a:solidFill>
+                  <a:srgbClr val="3B3B3B"/>
+                </a:solidFill>
+                <a:effectLst/>
+                <a:latin typeface="Consolas" panose="020B0609020204030204" pitchFamily="49" charset="0"/>
+              </a:rPr>
+              <a:t>, </a:t>
+            </a:r>
+            <a:r>
+              <a:rPr lang="en-US" sz="2000" b="0" dirty="0">
+                <a:solidFill>
+                  <a:srgbClr val="267F99"/>
+                </a:solidFill>
+                <a:effectLst/>
+                <a:latin typeface="Consolas" panose="020B0609020204030204" pitchFamily="49" charset="0"/>
+              </a:rPr>
+              <a:t>std</a:t>
+            </a:r>
+            <a:r>
+              <a:rPr lang="en-US" sz="2000" b="0" dirty="0">
+                <a:solidFill>
+                  <a:srgbClr val="3B3B3B"/>
+                </a:solidFill>
+                <a:effectLst/>
+                <a:latin typeface="Consolas" panose="020B0609020204030204" pitchFamily="49" charset="0"/>
+              </a:rPr>
+              <a:t>::</a:t>
+            </a:r>
+            <a:r>
+              <a:rPr lang="en-US" sz="2000" b="0" dirty="0" err="1">
+                <a:solidFill>
+                  <a:srgbClr val="267F99"/>
+                </a:solidFill>
+                <a:effectLst/>
+                <a:latin typeface="Consolas" panose="020B0609020204030204" pitchFamily="49" charset="0"/>
+              </a:rPr>
+              <a:t>string_view</a:t>
+            </a:r>
+            <a:r>
+              <a:rPr lang="en-US" sz="2000" b="0" dirty="0">
+                <a:solidFill>
+                  <a:srgbClr val="3B3B3B"/>
+                </a:solidFill>
+                <a:effectLst/>
+                <a:latin typeface="Consolas" panose="020B0609020204030204" pitchFamily="49" charset="0"/>
+              </a:rPr>
+              <a:t> </a:t>
+            </a:r>
+            <a:r>
+              <a:rPr lang="en-US" sz="2000" b="0" dirty="0">
+                <a:solidFill>
+                  <a:srgbClr val="001080"/>
+                </a:solidFill>
+                <a:effectLst/>
+                <a:latin typeface="Consolas" panose="020B0609020204030204" pitchFamily="49" charset="0"/>
+              </a:rPr>
+              <a:t>name</a:t>
+            </a:r>
+            <a:r>
+              <a:rPr lang="en-US" sz="2000" b="0" dirty="0">
+                <a:solidFill>
+                  <a:srgbClr val="3B3B3B"/>
+                </a:solidFill>
+                <a:effectLst/>
+                <a:latin typeface="Consolas" panose="020B0609020204030204" pitchFamily="49" charset="0"/>
+              </a:rPr>
+              <a:t>) : </a:t>
+            </a:r>
+            <a:r>
+              <a:rPr lang="en-US" sz="2000" b="0" dirty="0">
+                <a:solidFill>
+                  <a:srgbClr val="001080"/>
+                </a:solidFill>
+                <a:effectLst/>
+                <a:latin typeface="Consolas" panose="020B0609020204030204" pitchFamily="49" charset="0"/>
+              </a:rPr>
+              <a:t>value</a:t>
+            </a:r>
+            <a:r>
+              <a:rPr lang="en-US" sz="2000" b="0" dirty="0">
+                <a:solidFill>
+                  <a:srgbClr val="3B3B3B"/>
+                </a:solidFill>
+                <a:effectLst/>
+                <a:latin typeface="Consolas" panose="020B0609020204030204" pitchFamily="49" charset="0"/>
+              </a:rPr>
+              <a:t>(</a:t>
+            </a:r>
+            <a:r>
+              <a:rPr lang="en-US" sz="2000" b="0" dirty="0">
+                <a:solidFill>
+                  <a:srgbClr val="001080"/>
+                </a:solidFill>
+                <a:effectLst/>
+                <a:latin typeface="Consolas" panose="020B0609020204030204" pitchFamily="49" charset="0"/>
+              </a:rPr>
+              <a:t>value</a:t>
+            </a:r>
+            <a:r>
+              <a:rPr lang="en-US" sz="2000" b="0" dirty="0">
+                <a:solidFill>
+                  <a:srgbClr val="3B3B3B"/>
+                </a:solidFill>
+                <a:effectLst/>
+                <a:latin typeface="Consolas" panose="020B0609020204030204" pitchFamily="49" charset="0"/>
+              </a:rPr>
+              <a:t>), </a:t>
+            </a:r>
+            <a:r>
+              <a:rPr lang="en-US" sz="2000" b="0" dirty="0">
+                <a:solidFill>
+                  <a:srgbClr val="001080"/>
+                </a:solidFill>
+                <a:effectLst/>
+                <a:latin typeface="Consolas" panose="020B0609020204030204" pitchFamily="49" charset="0"/>
+              </a:rPr>
+              <a:t>name</a:t>
+            </a:r>
+            <a:r>
+              <a:rPr lang="en-US" sz="2000" b="0" dirty="0">
+                <a:solidFill>
+                  <a:srgbClr val="3B3B3B"/>
+                </a:solidFill>
+                <a:effectLst/>
+                <a:latin typeface="Consolas" panose="020B0609020204030204" pitchFamily="49" charset="0"/>
+              </a:rPr>
+              <a:t>(</a:t>
+            </a:r>
+            <a:r>
+              <a:rPr lang="en-US" sz="2000" b="0" dirty="0">
+                <a:solidFill>
+                  <a:srgbClr val="001080"/>
+                </a:solidFill>
+                <a:effectLst/>
+                <a:latin typeface="Consolas" panose="020B0609020204030204" pitchFamily="49" charset="0"/>
+              </a:rPr>
+              <a:t>name</a:t>
+            </a:r>
+            <a:r>
+              <a:rPr lang="en-US" sz="2000" b="0" dirty="0">
+                <a:solidFill>
+                  <a:srgbClr val="3B3B3B"/>
+                </a:solidFill>
+                <a:effectLst/>
+                <a:latin typeface="Consolas" panose="020B0609020204030204" pitchFamily="49" charset="0"/>
+              </a:rPr>
+              <a:t>) {}</a:t>
+            </a:r>
+          </a:p>
+          <a:p>
+            <a:br>
+              <a:rPr lang="en-US" sz="2000" b="0" dirty="0">
+                <a:solidFill>
+                  <a:srgbClr val="3B3B3B"/>
+                </a:solidFill>
+                <a:effectLst/>
+                <a:latin typeface="Consolas" panose="020B0609020204030204" pitchFamily="49" charset="0"/>
+              </a:rPr>
+            </a:br>
+            <a:r>
+              <a:rPr lang="en-US" sz="2000" b="0" dirty="0">
+                <a:solidFill>
+                  <a:srgbClr val="3B3B3B"/>
+                </a:solidFill>
+                <a:effectLst/>
+                <a:latin typeface="Consolas" panose="020B0609020204030204" pitchFamily="49" charset="0"/>
+              </a:rPr>
+              <a:t>  </a:t>
+            </a:r>
+            <a:r>
+              <a:rPr lang="en-US" sz="2000" b="0" dirty="0">
+                <a:solidFill>
+                  <a:srgbClr val="267F99"/>
+                </a:solidFill>
+                <a:effectLst/>
+                <a:latin typeface="Consolas" panose="020B0609020204030204" pitchFamily="49" charset="0"/>
+              </a:rPr>
+              <a:t>T</a:t>
+            </a:r>
+            <a:r>
+              <a:rPr lang="en-US" sz="2000" b="0" dirty="0">
+                <a:solidFill>
+                  <a:srgbClr val="3B3B3B"/>
+                </a:solidFill>
+                <a:effectLst/>
+                <a:latin typeface="Consolas" panose="020B0609020204030204" pitchFamily="49" charset="0"/>
+              </a:rPr>
+              <a:t> </a:t>
+            </a:r>
+            <a:r>
+              <a:rPr lang="en-US" sz="2000" b="0" dirty="0">
+                <a:solidFill>
+                  <a:srgbClr val="795E26"/>
+                </a:solidFill>
+                <a:effectLst/>
+                <a:latin typeface="Consolas" panose="020B0609020204030204" pitchFamily="49" charset="0"/>
+              </a:rPr>
+              <a:t>Evaluate</a:t>
+            </a:r>
+            <a:r>
+              <a:rPr lang="en-US" sz="2000" b="0" dirty="0">
+                <a:solidFill>
+                  <a:srgbClr val="3B3B3B"/>
+                </a:solidFill>
+                <a:effectLst/>
+                <a:latin typeface="Consolas" panose="020B0609020204030204" pitchFamily="49" charset="0"/>
+              </a:rPr>
+              <a:t>() </a:t>
+            </a:r>
+            <a:r>
+              <a:rPr lang="en-US" sz="2000" b="0" dirty="0">
+                <a:solidFill>
+                  <a:srgbClr val="0000FF"/>
+                </a:solidFill>
+                <a:effectLst/>
+                <a:latin typeface="Consolas" panose="020B0609020204030204" pitchFamily="49" charset="0"/>
+              </a:rPr>
+              <a:t>const</a:t>
+            </a:r>
+            <a:r>
+              <a:rPr lang="en-US" sz="2000" b="0" dirty="0">
+                <a:solidFill>
+                  <a:srgbClr val="3B3B3B"/>
+                </a:solidFill>
+                <a:effectLst/>
+                <a:latin typeface="Consolas" panose="020B0609020204030204" pitchFamily="49" charset="0"/>
+              </a:rPr>
+              <a:t> </a:t>
+            </a:r>
+            <a:r>
+              <a:rPr lang="en-US" sz="2000" b="0" dirty="0">
+                <a:solidFill>
+                  <a:srgbClr val="0000FF"/>
+                </a:solidFill>
+                <a:effectLst/>
+                <a:latin typeface="Consolas" panose="020B0609020204030204" pitchFamily="49" charset="0"/>
+              </a:rPr>
+              <a:t>override</a:t>
+            </a:r>
+            <a:r>
+              <a:rPr lang="en-US" sz="2000" b="0" dirty="0">
+                <a:solidFill>
+                  <a:srgbClr val="3B3B3B"/>
+                </a:solidFill>
+                <a:effectLst/>
+                <a:latin typeface="Consolas" panose="020B0609020204030204" pitchFamily="49" charset="0"/>
+              </a:rPr>
+              <a:t> { </a:t>
+            </a:r>
+            <a:r>
+              <a:rPr lang="en-US" sz="2000" b="0" dirty="0">
+                <a:solidFill>
+                  <a:srgbClr val="AF00DB"/>
+                </a:solidFill>
+                <a:effectLst/>
+                <a:latin typeface="Consolas" panose="020B0609020204030204" pitchFamily="49" charset="0"/>
+              </a:rPr>
+              <a:t>return</a:t>
+            </a:r>
+            <a:r>
+              <a:rPr lang="en-US" sz="2000" b="0" dirty="0">
+                <a:solidFill>
+                  <a:srgbClr val="3B3B3B"/>
+                </a:solidFill>
+                <a:effectLst/>
+                <a:latin typeface="Consolas" panose="020B0609020204030204" pitchFamily="49" charset="0"/>
+              </a:rPr>
+              <a:t> </a:t>
+            </a:r>
+            <a:r>
+              <a:rPr lang="en-US" sz="2000" b="0" dirty="0">
+                <a:solidFill>
+                  <a:srgbClr val="001080"/>
+                </a:solidFill>
+                <a:effectLst/>
+                <a:latin typeface="Consolas" panose="020B0609020204030204" pitchFamily="49" charset="0"/>
+              </a:rPr>
+              <a:t>value</a:t>
+            </a:r>
+            <a:r>
+              <a:rPr lang="en-US" sz="2000" b="0" dirty="0">
+                <a:solidFill>
+                  <a:srgbClr val="3B3B3B"/>
+                </a:solidFill>
+                <a:effectLst/>
+                <a:latin typeface="Consolas" panose="020B0609020204030204" pitchFamily="49" charset="0"/>
+              </a:rPr>
+              <a:t>; }</a:t>
+            </a:r>
+          </a:p>
+          <a:p>
+            <a:r>
+              <a:rPr lang="en-US" sz="2000" b="0" dirty="0">
+                <a:solidFill>
+                  <a:srgbClr val="3B3B3B"/>
+                </a:solidFill>
+                <a:effectLst/>
+                <a:latin typeface="Consolas" panose="020B0609020204030204" pitchFamily="49" charset="0"/>
+              </a:rPr>
+              <a:t>  </a:t>
+            </a:r>
+            <a:r>
+              <a:rPr lang="en-US" sz="2000" b="0" dirty="0">
+                <a:solidFill>
+                  <a:srgbClr val="0000FF"/>
+                </a:solidFill>
+                <a:effectLst/>
+                <a:latin typeface="Consolas" panose="020B0609020204030204" pitchFamily="49" charset="0"/>
+              </a:rPr>
+              <a:t>void</a:t>
+            </a:r>
+            <a:r>
+              <a:rPr lang="en-US" sz="2000" b="0" dirty="0">
+                <a:solidFill>
+                  <a:srgbClr val="3B3B3B"/>
+                </a:solidFill>
+                <a:effectLst/>
+                <a:latin typeface="Consolas" panose="020B0609020204030204" pitchFamily="49" charset="0"/>
+              </a:rPr>
+              <a:t> </a:t>
+            </a:r>
+            <a:r>
+              <a:rPr lang="en-US" sz="2000" b="0" dirty="0" err="1">
+                <a:solidFill>
+                  <a:srgbClr val="795E26"/>
+                </a:solidFill>
+                <a:effectLst/>
+                <a:latin typeface="Consolas" panose="020B0609020204030204" pitchFamily="49" charset="0"/>
+              </a:rPr>
+              <a:t>FillVariablesTo</a:t>
+            </a:r>
+            <a:r>
+              <a:rPr lang="en-US" sz="2000" b="0" dirty="0">
+                <a:solidFill>
+                  <a:srgbClr val="3B3B3B"/>
+                </a:solidFill>
+                <a:effectLst/>
+                <a:latin typeface="Consolas" panose="020B0609020204030204" pitchFamily="49" charset="0"/>
+              </a:rPr>
+              <a:t>(</a:t>
+            </a:r>
+          </a:p>
+          <a:p>
+            <a:r>
+              <a:rPr lang="en-US" sz="2000" b="0" dirty="0">
+                <a:solidFill>
+                  <a:srgbClr val="3B3B3B"/>
+                </a:solidFill>
+                <a:effectLst/>
+                <a:latin typeface="Consolas" panose="020B0609020204030204" pitchFamily="49" charset="0"/>
+              </a:rPr>
+              <a:t>      </a:t>
+            </a:r>
+            <a:r>
+              <a:rPr lang="en-US" sz="2000" b="0" dirty="0">
+                <a:solidFill>
+                  <a:srgbClr val="267F99"/>
+                </a:solidFill>
+                <a:effectLst/>
+                <a:latin typeface="Consolas" panose="020B0609020204030204" pitchFamily="49" charset="0"/>
+              </a:rPr>
+              <a:t>std</a:t>
+            </a:r>
+            <a:r>
+              <a:rPr lang="en-US" sz="2000" b="0" dirty="0">
+                <a:solidFill>
+                  <a:srgbClr val="3B3B3B"/>
+                </a:solidFill>
+                <a:effectLst/>
+                <a:latin typeface="Consolas" panose="020B0609020204030204" pitchFamily="49" charset="0"/>
+              </a:rPr>
+              <a:t>::</a:t>
+            </a:r>
+            <a:r>
+              <a:rPr lang="en-US" sz="2000" b="0" dirty="0" err="1">
+                <a:solidFill>
+                  <a:srgbClr val="267F99"/>
+                </a:solidFill>
+                <a:effectLst/>
+                <a:latin typeface="Consolas" panose="020B0609020204030204" pitchFamily="49" charset="0"/>
+              </a:rPr>
+              <a:t>unordered_map</a:t>
+            </a:r>
+            <a:r>
+              <a:rPr lang="en-US" sz="2000" b="0" dirty="0">
+                <a:solidFill>
+                  <a:srgbClr val="3B3B3B"/>
+                </a:solidFill>
+                <a:effectLst/>
+                <a:latin typeface="Consolas" panose="020B0609020204030204" pitchFamily="49" charset="0"/>
+              </a:rPr>
+              <a:t>&lt;</a:t>
+            </a:r>
+            <a:r>
+              <a:rPr lang="en-US" sz="2000" b="0" dirty="0">
+                <a:solidFill>
+                  <a:srgbClr val="267F99"/>
+                </a:solidFill>
+                <a:effectLst/>
+                <a:latin typeface="Consolas" panose="020B0609020204030204" pitchFamily="49" charset="0"/>
+              </a:rPr>
+              <a:t>std</a:t>
+            </a:r>
+            <a:r>
+              <a:rPr lang="en-US" sz="2000" b="0" dirty="0">
+                <a:solidFill>
+                  <a:srgbClr val="3B3B3B"/>
+                </a:solidFill>
+                <a:effectLst/>
+                <a:latin typeface="Consolas" panose="020B0609020204030204" pitchFamily="49" charset="0"/>
+              </a:rPr>
+              <a:t>::</a:t>
+            </a:r>
+            <a:r>
+              <a:rPr lang="en-US" sz="2000" b="0" dirty="0">
+                <a:solidFill>
+                  <a:srgbClr val="267F99"/>
+                </a:solidFill>
+                <a:effectLst/>
+                <a:latin typeface="Consolas" panose="020B0609020204030204" pitchFamily="49" charset="0"/>
+              </a:rPr>
+              <a:t>string</a:t>
+            </a:r>
+            <a:r>
+              <a:rPr lang="en-US" sz="2000" b="0" dirty="0">
+                <a:solidFill>
+                  <a:srgbClr val="3B3B3B"/>
+                </a:solidFill>
+                <a:effectLst/>
+                <a:latin typeface="Consolas" panose="020B0609020204030204" pitchFamily="49" charset="0"/>
+              </a:rPr>
+              <a:t>, </a:t>
+            </a:r>
+            <a:r>
+              <a:rPr lang="en-US" sz="2000" b="0" dirty="0">
+                <a:solidFill>
+                  <a:srgbClr val="267F99"/>
+                </a:solidFill>
+                <a:effectLst/>
+                <a:latin typeface="Consolas" panose="020B0609020204030204" pitchFamily="49" charset="0"/>
+              </a:rPr>
+              <a:t>std</a:t>
+            </a:r>
+            <a:r>
+              <a:rPr lang="en-US" sz="2000" b="0" dirty="0">
+                <a:solidFill>
+                  <a:srgbClr val="3B3B3B"/>
+                </a:solidFill>
+                <a:effectLst/>
+                <a:latin typeface="Consolas" panose="020B0609020204030204" pitchFamily="49" charset="0"/>
+              </a:rPr>
+              <a:t>::</a:t>
+            </a:r>
+            <a:r>
+              <a:rPr lang="en-US" sz="2000" b="0" dirty="0">
+                <a:solidFill>
+                  <a:srgbClr val="267F99"/>
+                </a:solidFill>
+                <a:effectLst/>
+                <a:latin typeface="Consolas" panose="020B0609020204030204" pitchFamily="49" charset="0"/>
+              </a:rPr>
+              <a:t>string</a:t>
+            </a:r>
+            <a:r>
+              <a:rPr lang="en-US" sz="2000" b="0" dirty="0">
+                <a:solidFill>
+                  <a:srgbClr val="3B3B3B"/>
+                </a:solidFill>
+                <a:effectLst/>
+                <a:latin typeface="Consolas" panose="020B0609020204030204" pitchFamily="49" charset="0"/>
+              </a:rPr>
+              <a:t>&gt;</a:t>
+            </a:r>
+            <a:r>
+              <a:rPr lang="en-US" sz="2000" b="0" dirty="0">
+                <a:solidFill>
+                  <a:srgbClr val="0000FF"/>
+                </a:solidFill>
+                <a:effectLst/>
+                <a:latin typeface="Consolas" panose="020B0609020204030204" pitchFamily="49" charset="0"/>
+              </a:rPr>
+              <a:t>&amp;</a:t>
+            </a:r>
+            <a:r>
+              <a:rPr lang="en-US" sz="2000" b="0" dirty="0">
+                <a:solidFill>
+                  <a:srgbClr val="3B3B3B"/>
+                </a:solidFill>
+                <a:effectLst/>
+                <a:latin typeface="Consolas" panose="020B0609020204030204" pitchFamily="49" charset="0"/>
+              </a:rPr>
+              <a:t> </a:t>
+            </a:r>
+            <a:r>
+              <a:rPr lang="en-US" sz="2000" b="0" dirty="0">
+                <a:solidFill>
+                  <a:srgbClr val="001080"/>
+                </a:solidFill>
+                <a:effectLst/>
+                <a:latin typeface="Consolas" panose="020B0609020204030204" pitchFamily="49" charset="0"/>
+              </a:rPr>
+              <a:t>variables</a:t>
+            </a:r>
+            <a:r>
+              <a:rPr lang="en-US" sz="2000" b="0" dirty="0">
+                <a:solidFill>
+                  <a:srgbClr val="3B3B3B"/>
+                </a:solidFill>
+                <a:effectLst/>
+                <a:latin typeface="Consolas" panose="020B0609020204030204" pitchFamily="49" charset="0"/>
+              </a:rPr>
+              <a:t>) </a:t>
+            </a:r>
+            <a:r>
+              <a:rPr lang="en-US" sz="2000" b="0" dirty="0">
+                <a:solidFill>
+                  <a:srgbClr val="0000FF"/>
+                </a:solidFill>
+                <a:effectLst/>
+                <a:latin typeface="Consolas" panose="020B0609020204030204" pitchFamily="49" charset="0"/>
+              </a:rPr>
+              <a:t>const</a:t>
+            </a:r>
+            <a:r>
+              <a:rPr lang="en-US" sz="2000" b="0" dirty="0">
+                <a:solidFill>
+                  <a:srgbClr val="3B3B3B"/>
+                </a:solidFill>
+                <a:effectLst/>
+                <a:latin typeface="Consolas" panose="020B0609020204030204" pitchFamily="49" charset="0"/>
+              </a:rPr>
+              <a:t> </a:t>
+            </a:r>
+            <a:r>
+              <a:rPr lang="en-US" sz="2000" b="0" dirty="0">
+                <a:solidFill>
+                  <a:srgbClr val="0000FF"/>
+                </a:solidFill>
+                <a:effectLst/>
+                <a:latin typeface="Consolas" panose="020B0609020204030204" pitchFamily="49" charset="0"/>
+              </a:rPr>
+              <a:t>override</a:t>
+            </a:r>
+            <a:r>
+              <a:rPr lang="en-US" sz="2000" b="0" dirty="0">
+                <a:solidFill>
+                  <a:srgbClr val="3B3B3B"/>
+                </a:solidFill>
+                <a:effectLst/>
+                <a:latin typeface="Consolas" panose="020B0609020204030204" pitchFamily="49" charset="0"/>
+              </a:rPr>
+              <a:t> {</a:t>
+            </a:r>
+          </a:p>
+          <a:p>
+            <a:r>
+              <a:rPr lang="en-US" sz="2000" b="0" dirty="0">
+                <a:solidFill>
+                  <a:srgbClr val="3B3B3B"/>
+                </a:solidFill>
+                <a:effectLst/>
+                <a:latin typeface="Consolas" panose="020B0609020204030204" pitchFamily="49" charset="0"/>
+              </a:rPr>
+              <a:t>    </a:t>
+            </a:r>
+            <a:r>
+              <a:rPr lang="en-US" sz="2000" b="0" dirty="0">
+                <a:solidFill>
+                  <a:srgbClr val="001080"/>
+                </a:solidFill>
+                <a:effectLst/>
+                <a:latin typeface="Consolas" panose="020B0609020204030204" pitchFamily="49" charset="0"/>
+              </a:rPr>
+              <a:t>variables</a:t>
+            </a:r>
+            <a:r>
+              <a:rPr lang="en-US" sz="2000" b="0" dirty="0">
+                <a:solidFill>
+                  <a:srgbClr val="795E26"/>
+                </a:solidFill>
+                <a:effectLst/>
+                <a:latin typeface="Consolas" panose="020B0609020204030204" pitchFamily="49" charset="0"/>
+              </a:rPr>
+              <a:t>[</a:t>
+            </a:r>
+            <a:r>
+              <a:rPr lang="en-US" sz="2000" b="0" dirty="0">
+                <a:solidFill>
+                  <a:srgbClr val="001080"/>
+                </a:solidFill>
+                <a:effectLst/>
+                <a:latin typeface="Consolas" panose="020B0609020204030204" pitchFamily="49" charset="0"/>
+              </a:rPr>
+              <a:t>name</a:t>
+            </a:r>
+            <a:r>
+              <a:rPr lang="en-US" sz="2000" b="0" dirty="0">
+                <a:solidFill>
+                  <a:srgbClr val="795E26"/>
+                </a:solidFill>
+                <a:effectLst/>
+                <a:latin typeface="Consolas" panose="020B0609020204030204" pitchFamily="49" charset="0"/>
+              </a:rPr>
+              <a:t>]</a:t>
+            </a:r>
+            <a:r>
+              <a:rPr lang="en-US" sz="2000" b="0" dirty="0">
+                <a:solidFill>
+                  <a:srgbClr val="3B3B3B"/>
+                </a:solidFill>
+                <a:effectLst/>
+                <a:latin typeface="Consolas" panose="020B0609020204030204" pitchFamily="49" charset="0"/>
+              </a:rPr>
+              <a:t> </a:t>
+            </a:r>
+            <a:r>
+              <a:rPr lang="en-US" sz="2000" b="0" dirty="0">
+                <a:solidFill>
+                  <a:srgbClr val="000000"/>
+                </a:solidFill>
+                <a:effectLst/>
+                <a:latin typeface="Consolas" panose="020B0609020204030204" pitchFamily="49" charset="0"/>
+              </a:rPr>
+              <a:t>=</a:t>
+            </a:r>
+            <a:r>
+              <a:rPr lang="en-US" sz="2000" b="0" dirty="0">
+                <a:solidFill>
+                  <a:srgbClr val="3B3B3B"/>
+                </a:solidFill>
+                <a:effectLst/>
+                <a:latin typeface="Consolas" panose="020B0609020204030204" pitchFamily="49" charset="0"/>
+              </a:rPr>
+              <a:t> </a:t>
+            </a:r>
+            <a:r>
+              <a:rPr lang="en-US" sz="2000" b="0" dirty="0" err="1">
+                <a:solidFill>
+                  <a:srgbClr val="795E26"/>
+                </a:solidFill>
+                <a:effectLst/>
+                <a:latin typeface="Consolas" panose="020B0609020204030204" pitchFamily="49" charset="0"/>
+              </a:rPr>
+              <a:t>ToString</a:t>
+            </a:r>
+            <a:r>
+              <a:rPr lang="en-US" sz="2000" b="0" dirty="0">
+                <a:solidFill>
+                  <a:srgbClr val="3B3B3B"/>
+                </a:solidFill>
+                <a:effectLst/>
+                <a:latin typeface="Consolas" panose="020B0609020204030204" pitchFamily="49" charset="0"/>
+              </a:rPr>
+              <a:t>(</a:t>
+            </a:r>
+            <a:r>
+              <a:rPr lang="en-US" sz="2000" b="0" dirty="0">
+                <a:solidFill>
+                  <a:srgbClr val="001080"/>
+                </a:solidFill>
+                <a:effectLst/>
+                <a:latin typeface="Consolas" panose="020B0609020204030204" pitchFamily="49" charset="0"/>
+              </a:rPr>
+              <a:t>value</a:t>
+            </a:r>
+            <a:r>
+              <a:rPr lang="en-US" sz="2000" b="0" dirty="0">
+                <a:solidFill>
+                  <a:srgbClr val="3B3B3B"/>
+                </a:solidFill>
+                <a:effectLst/>
+                <a:latin typeface="Consolas" panose="020B0609020204030204" pitchFamily="49" charset="0"/>
+              </a:rPr>
+              <a:t>);</a:t>
+            </a:r>
+          </a:p>
+          <a:p>
+            <a:r>
+              <a:rPr lang="en-US" sz="2000" b="0" dirty="0">
+                <a:solidFill>
+                  <a:srgbClr val="3B3B3B"/>
+                </a:solidFill>
+                <a:effectLst/>
+                <a:latin typeface="Consolas" panose="020B0609020204030204" pitchFamily="49" charset="0"/>
+              </a:rPr>
+              <a:t>  }</a:t>
+            </a:r>
+          </a:p>
+          <a:p>
+            <a:r>
+              <a:rPr lang="en-US" sz="2000" b="0" dirty="0">
+                <a:solidFill>
+                  <a:srgbClr val="3B3B3B"/>
+                </a:solidFill>
+                <a:effectLst/>
+                <a:latin typeface="Consolas" panose="020B0609020204030204" pitchFamily="49" charset="0"/>
+              </a:rPr>
+              <a:t>  </a:t>
+            </a:r>
+            <a:r>
+              <a:rPr lang="en-US" sz="2000" b="0" dirty="0">
+                <a:solidFill>
+                  <a:srgbClr val="0000FF"/>
+                </a:solidFill>
+                <a:effectLst/>
+                <a:latin typeface="Consolas" panose="020B0609020204030204" pitchFamily="49" charset="0"/>
+              </a:rPr>
+              <a:t>void</a:t>
+            </a:r>
+            <a:r>
+              <a:rPr lang="en-US" sz="2000" b="0" dirty="0">
+                <a:solidFill>
+                  <a:srgbClr val="3B3B3B"/>
+                </a:solidFill>
+                <a:effectLst/>
+                <a:latin typeface="Consolas" panose="020B0609020204030204" pitchFamily="49" charset="0"/>
+              </a:rPr>
+              <a:t> </a:t>
+            </a:r>
+            <a:r>
+              <a:rPr lang="en-US" sz="2000" b="0" dirty="0" err="1">
+                <a:solidFill>
+                  <a:srgbClr val="795E26"/>
+                </a:solidFill>
+                <a:effectLst/>
+                <a:latin typeface="Consolas" panose="020B0609020204030204" pitchFamily="49" charset="0"/>
+              </a:rPr>
+              <a:t>FillFormulaTo</a:t>
+            </a:r>
+            <a:r>
+              <a:rPr lang="en-US" sz="2000" b="0" dirty="0">
+                <a:solidFill>
+                  <a:srgbClr val="3B3B3B"/>
+                </a:solidFill>
+                <a:effectLst/>
+                <a:latin typeface="Consolas" panose="020B0609020204030204" pitchFamily="49" charset="0"/>
+              </a:rPr>
+              <a:t>(</a:t>
+            </a:r>
+            <a:r>
+              <a:rPr lang="en-US" sz="2000" b="0" dirty="0">
+                <a:solidFill>
+                  <a:srgbClr val="267F99"/>
+                </a:solidFill>
+                <a:effectLst/>
+                <a:latin typeface="Consolas" panose="020B0609020204030204" pitchFamily="49" charset="0"/>
+              </a:rPr>
+              <a:t>std</a:t>
+            </a:r>
+            <a:r>
+              <a:rPr lang="en-US" sz="2000" b="0" dirty="0">
+                <a:solidFill>
+                  <a:srgbClr val="3B3B3B"/>
+                </a:solidFill>
+                <a:effectLst/>
+                <a:latin typeface="Consolas" panose="020B0609020204030204" pitchFamily="49" charset="0"/>
+              </a:rPr>
+              <a:t>::</a:t>
+            </a:r>
+            <a:r>
+              <a:rPr lang="en-US" sz="2000" b="0" dirty="0" err="1">
+                <a:solidFill>
+                  <a:srgbClr val="267F99"/>
+                </a:solidFill>
+                <a:effectLst/>
+                <a:latin typeface="Consolas" panose="020B0609020204030204" pitchFamily="49" charset="0"/>
+              </a:rPr>
+              <a:t>ostream</a:t>
+            </a:r>
+            <a:r>
+              <a:rPr lang="en-US" sz="2000" b="0" dirty="0">
+                <a:solidFill>
+                  <a:srgbClr val="0000FF"/>
+                </a:solidFill>
+                <a:effectLst/>
+                <a:latin typeface="Consolas" panose="020B0609020204030204" pitchFamily="49" charset="0"/>
+              </a:rPr>
+              <a:t>&amp;</a:t>
+            </a:r>
+            <a:r>
+              <a:rPr lang="en-US" sz="2000" b="0" dirty="0">
+                <a:solidFill>
+                  <a:srgbClr val="3B3B3B"/>
+                </a:solidFill>
+                <a:effectLst/>
+                <a:latin typeface="Consolas" panose="020B0609020204030204" pitchFamily="49" charset="0"/>
+              </a:rPr>
+              <a:t> </a:t>
+            </a:r>
+            <a:r>
+              <a:rPr lang="en-US" sz="2000" b="0" dirty="0">
+                <a:solidFill>
+                  <a:srgbClr val="001080"/>
+                </a:solidFill>
+                <a:effectLst/>
+                <a:latin typeface="Consolas" panose="020B0609020204030204" pitchFamily="49" charset="0"/>
+              </a:rPr>
+              <a:t>output</a:t>
+            </a:r>
+            <a:r>
+              <a:rPr lang="en-US" sz="2000" b="0" dirty="0">
+                <a:solidFill>
+                  <a:srgbClr val="3B3B3B"/>
+                </a:solidFill>
+                <a:effectLst/>
+                <a:latin typeface="Consolas" panose="020B0609020204030204" pitchFamily="49" charset="0"/>
+              </a:rPr>
+              <a:t>) </a:t>
+            </a:r>
+            <a:r>
+              <a:rPr lang="en-US" sz="2000" b="0" dirty="0">
+                <a:solidFill>
+                  <a:srgbClr val="0000FF"/>
+                </a:solidFill>
+                <a:effectLst/>
+                <a:latin typeface="Consolas" panose="020B0609020204030204" pitchFamily="49" charset="0"/>
+              </a:rPr>
+              <a:t>const</a:t>
+            </a:r>
+            <a:r>
+              <a:rPr lang="en-US" sz="2000" b="0" dirty="0">
+                <a:solidFill>
+                  <a:srgbClr val="3B3B3B"/>
+                </a:solidFill>
+                <a:effectLst/>
+                <a:latin typeface="Consolas" panose="020B0609020204030204" pitchFamily="49" charset="0"/>
+              </a:rPr>
+              <a:t> </a:t>
+            </a:r>
+            <a:r>
+              <a:rPr lang="en-US" sz="2000" b="0" dirty="0">
+                <a:solidFill>
+                  <a:srgbClr val="0000FF"/>
+                </a:solidFill>
+                <a:effectLst/>
+                <a:latin typeface="Consolas" panose="020B0609020204030204" pitchFamily="49" charset="0"/>
+              </a:rPr>
+              <a:t>override</a:t>
+            </a:r>
+            <a:r>
+              <a:rPr lang="en-US" sz="2000" b="0" dirty="0">
+                <a:solidFill>
+                  <a:srgbClr val="3B3B3B"/>
+                </a:solidFill>
+                <a:effectLst/>
+                <a:latin typeface="Consolas" panose="020B0609020204030204" pitchFamily="49" charset="0"/>
+              </a:rPr>
+              <a:t> { </a:t>
+            </a:r>
+            <a:r>
+              <a:rPr lang="en-US" sz="2000" b="0" dirty="0">
+                <a:solidFill>
+                  <a:srgbClr val="001080"/>
+                </a:solidFill>
+                <a:effectLst/>
+                <a:latin typeface="Consolas" panose="020B0609020204030204" pitchFamily="49" charset="0"/>
+              </a:rPr>
+              <a:t>output</a:t>
+            </a:r>
+            <a:r>
+              <a:rPr lang="en-US" sz="2000" b="0" dirty="0">
+                <a:solidFill>
+                  <a:srgbClr val="3B3B3B"/>
+                </a:solidFill>
+                <a:effectLst/>
+                <a:latin typeface="Consolas" panose="020B0609020204030204" pitchFamily="49" charset="0"/>
+              </a:rPr>
+              <a:t> </a:t>
+            </a:r>
+            <a:r>
+              <a:rPr lang="en-US" sz="2000" b="0" dirty="0">
+                <a:solidFill>
+                  <a:srgbClr val="795E26"/>
+                </a:solidFill>
+                <a:effectLst/>
+                <a:latin typeface="Consolas" panose="020B0609020204030204" pitchFamily="49" charset="0"/>
+              </a:rPr>
+              <a:t>&lt;&lt;</a:t>
+            </a:r>
+            <a:r>
+              <a:rPr lang="en-US" sz="2000" b="0" dirty="0">
+                <a:solidFill>
+                  <a:srgbClr val="3B3B3B"/>
+                </a:solidFill>
+                <a:effectLst/>
+                <a:latin typeface="Consolas" panose="020B0609020204030204" pitchFamily="49" charset="0"/>
+              </a:rPr>
+              <a:t> </a:t>
+            </a:r>
+            <a:r>
+              <a:rPr lang="en-US" sz="2000" b="0" dirty="0">
+                <a:solidFill>
+                  <a:srgbClr val="001080"/>
+                </a:solidFill>
+                <a:effectLst/>
+                <a:latin typeface="Consolas" panose="020B0609020204030204" pitchFamily="49" charset="0"/>
+              </a:rPr>
+              <a:t>name</a:t>
+            </a:r>
+            <a:r>
+              <a:rPr lang="en-US" sz="2000" b="0" dirty="0">
+                <a:solidFill>
+                  <a:srgbClr val="3B3B3B"/>
+                </a:solidFill>
+                <a:effectLst/>
+                <a:latin typeface="Consolas" panose="020B0609020204030204" pitchFamily="49" charset="0"/>
+              </a:rPr>
+              <a:t>; }</a:t>
+            </a:r>
+          </a:p>
+          <a:p>
+            <a:r>
+              <a:rPr lang="en-US" sz="2000" b="0" dirty="0">
+                <a:solidFill>
+                  <a:srgbClr val="3B3B3B"/>
+                </a:solidFill>
+                <a:effectLst/>
+                <a:latin typeface="Consolas" panose="020B0609020204030204" pitchFamily="49" charset="0"/>
+              </a:rPr>
+              <a:t>};</a:t>
+            </a:r>
+            <a:endParaRPr lang="en-US" sz="2000" dirty="0">
+              <a:solidFill>
+                <a:srgbClr val="0000FF"/>
+              </a:solidFill>
+              <a:latin typeface="Consolas" panose="020B0609020204030204" pitchFamily="49" charset="0"/>
+            </a:endParaRPr>
+          </a:p>
+          <a:p>
+            <a:r>
+              <a:rPr lang="en-US" sz="2000" b="0" dirty="0">
+                <a:solidFill>
+                  <a:srgbClr val="0000FF"/>
+                </a:solidFill>
+                <a:effectLst/>
+                <a:latin typeface="Consolas" panose="020B0609020204030204" pitchFamily="49" charset="0"/>
+              </a:rPr>
+              <a:t>template</a:t>
+            </a:r>
+            <a:r>
+              <a:rPr lang="en-US" sz="2000" b="0" dirty="0">
+                <a:solidFill>
+                  <a:srgbClr val="3B3B3B"/>
+                </a:solidFill>
+                <a:effectLst/>
+                <a:latin typeface="Consolas" panose="020B0609020204030204" pitchFamily="49" charset="0"/>
+              </a:rPr>
+              <a:t> &lt;</a:t>
+            </a:r>
+            <a:r>
+              <a:rPr lang="en-US" sz="2000" b="0" dirty="0" err="1">
+                <a:solidFill>
+                  <a:srgbClr val="0000FF"/>
+                </a:solidFill>
+                <a:effectLst/>
+                <a:latin typeface="Consolas" panose="020B0609020204030204" pitchFamily="49" charset="0"/>
+              </a:rPr>
+              <a:t>typename</a:t>
+            </a:r>
+            <a:r>
+              <a:rPr lang="en-US" sz="2000" b="0" dirty="0">
+                <a:solidFill>
+                  <a:srgbClr val="3B3B3B"/>
+                </a:solidFill>
+                <a:effectLst/>
+                <a:latin typeface="Consolas" panose="020B0609020204030204" pitchFamily="49" charset="0"/>
+              </a:rPr>
+              <a:t> </a:t>
+            </a:r>
+            <a:r>
+              <a:rPr lang="en-US" sz="2000" b="0" dirty="0">
+                <a:solidFill>
+                  <a:srgbClr val="267F99"/>
+                </a:solidFill>
+                <a:effectLst/>
+                <a:latin typeface="Consolas" panose="020B0609020204030204" pitchFamily="49" charset="0"/>
+              </a:rPr>
+              <a:t>T</a:t>
+            </a:r>
+            <a:r>
+              <a:rPr lang="en-US" sz="2000" b="0" dirty="0">
+                <a:solidFill>
+                  <a:srgbClr val="3B3B3B"/>
+                </a:solidFill>
+                <a:effectLst/>
+                <a:latin typeface="Consolas" panose="020B0609020204030204" pitchFamily="49" charset="0"/>
+              </a:rPr>
+              <a:t>&gt; </a:t>
+            </a:r>
+            <a:r>
+              <a:rPr lang="en-US" sz="2000" b="0" dirty="0">
+                <a:solidFill>
+                  <a:srgbClr val="0000FF"/>
+                </a:solidFill>
+                <a:effectLst/>
+                <a:latin typeface="Consolas" panose="020B0609020204030204" pitchFamily="49" charset="0"/>
+              </a:rPr>
+              <a:t>auto</a:t>
+            </a:r>
+            <a:r>
+              <a:rPr lang="en-US" sz="2000" b="0" dirty="0">
+                <a:solidFill>
+                  <a:srgbClr val="3B3B3B"/>
+                </a:solidFill>
+                <a:effectLst/>
+                <a:latin typeface="Consolas" panose="020B0609020204030204" pitchFamily="49" charset="0"/>
+              </a:rPr>
+              <a:t> </a:t>
+            </a:r>
+            <a:r>
+              <a:rPr lang="en-US" sz="2000" b="0" dirty="0" err="1">
+                <a:solidFill>
+                  <a:srgbClr val="795E26"/>
+                </a:solidFill>
+                <a:effectLst/>
+                <a:latin typeface="Consolas" panose="020B0609020204030204" pitchFamily="49" charset="0"/>
+              </a:rPr>
+              <a:t>MakeValue</a:t>
+            </a:r>
+            <a:r>
+              <a:rPr lang="en-US" sz="2000" b="0" dirty="0">
+                <a:solidFill>
+                  <a:srgbClr val="3B3B3B"/>
+                </a:solidFill>
+                <a:effectLst/>
+                <a:latin typeface="Consolas" panose="020B0609020204030204" pitchFamily="49" charset="0"/>
+              </a:rPr>
+              <a:t>(</a:t>
+            </a:r>
+            <a:r>
+              <a:rPr lang="en-US" sz="2000" b="0" dirty="0">
+                <a:solidFill>
+                  <a:srgbClr val="0000FF"/>
+                </a:solidFill>
+                <a:effectLst/>
+                <a:latin typeface="Consolas" panose="020B0609020204030204" pitchFamily="49" charset="0"/>
+              </a:rPr>
+              <a:t>const</a:t>
+            </a:r>
+            <a:r>
+              <a:rPr lang="en-US" sz="2000" b="0" dirty="0">
+                <a:solidFill>
+                  <a:srgbClr val="3B3B3B"/>
+                </a:solidFill>
+                <a:effectLst/>
+                <a:latin typeface="Consolas" panose="020B0609020204030204" pitchFamily="49" charset="0"/>
+              </a:rPr>
+              <a:t> </a:t>
+            </a:r>
+            <a:r>
+              <a:rPr lang="en-US" sz="2000" b="0" dirty="0">
+                <a:solidFill>
+                  <a:srgbClr val="267F99"/>
+                </a:solidFill>
+                <a:effectLst/>
+                <a:latin typeface="Consolas" panose="020B0609020204030204" pitchFamily="49" charset="0"/>
+              </a:rPr>
+              <a:t>T</a:t>
+            </a:r>
+            <a:r>
+              <a:rPr lang="en-US" sz="2000" b="0" dirty="0">
+                <a:solidFill>
+                  <a:srgbClr val="0000FF"/>
+                </a:solidFill>
+                <a:effectLst/>
+                <a:latin typeface="Consolas" panose="020B0609020204030204" pitchFamily="49" charset="0"/>
+              </a:rPr>
+              <a:t>&amp;</a:t>
+            </a:r>
+            <a:r>
+              <a:rPr lang="en-US" sz="2000" b="0" dirty="0">
+                <a:solidFill>
+                  <a:srgbClr val="3B3B3B"/>
+                </a:solidFill>
+                <a:effectLst/>
+                <a:latin typeface="Consolas" panose="020B0609020204030204" pitchFamily="49" charset="0"/>
+              </a:rPr>
+              <a:t> </a:t>
+            </a:r>
+            <a:r>
+              <a:rPr lang="en-US" sz="2000" b="0" dirty="0">
+                <a:solidFill>
+                  <a:srgbClr val="001080"/>
+                </a:solidFill>
+                <a:effectLst/>
+                <a:latin typeface="Consolas" panose="020B0609020204030204" pitchFamily="49" charset="0"/>
+              </a:rPr>
+              <a:t>x</a:t>
+            </a:r>
+            <a:r>
+              <a:rPr lang="en-US" sz="2000" b="0" dirty="0">
+                <a:solidFill>
+                  <a:srgbClr val="3B3B3B"/>
+                </a:solidFill>
+                <a:effectLst/>
+                <a:latin typeface="Consolas" panose="020B0609020204030204" pitchFamily="49" charset="0"/>
+              </a:rPr>
+              <a:t>, </a:t>
+            </a:r>
+            <a:r>
+              <a:rPr lang="en-US" sz="2000" b="0" dirty="0">
+                <a:solidFill>
+                  <a:srgbClr val="267F99"/>
+                </a:solidFill>
+                <a:effectLst/>
+                <a:latin typeface="Consolas" panose="020B0609020204030204" pitchFamily="49" charset="0"/>
+              </a:rPr>
+              <a:t>std</a:t>
+            </a:r>
+            <a:r>
+              <a:rPr lang="en-US" sz="2000" b="0" dirty="0">
+                <a:solidFill>
+                  <a:srgbClr val="3B3B3B"/>
+                </a:solidFill>
+                <a:effectLst/>
+                <a:latin typeface="Consolas" panose="020B0609020204030204" pitchFamily="49" charset="0"/>
+              </a:rPr>
+              <a:t>::</a:t>
+            </a:r>
+            <a:r>
+              <a:rPr lang="en-US" sz="2000" b="0" dirty="0" err="1">
+                <a:solidFill>
+                  <a:srgbClr val="267F99"/>
+                </a:solidFill>
+                <a:effectLst/>
+                <a:latin typeface="Consolas" panose="020B0609020204030204" pitchFamily="49" charset="0"/>
+              </a:rPr>
+              <a:t>string_view</a:t>
+            </a:r>
+            <a:r>
+              <a:rPr lang="en-US" sz="2000" b="0" dirty="0">
+                <a:solidFill>
+                  <a:srgbClr val="3B3B3B"/>
+                </a:solidFill>
+                <a:effectLst/>
+                <a:latin typeface="Consolas" panose="020B0609020204030204" pitchFamily="49" charset="0"/>
+              </a:rPr>
+              <a:t> </a:t>
+            </a:r>
+            <a:r>
+              <a:rPr lang="en-US" sz="2000" b="0" dirty="0">
+                <a:solidFill>
+                  <a:srgbClr val="001080"/>
+                </a:solidFill>
+                <a:effectLst/>
+                <a:latin typeface="Consolas" panose="020B0609020204030204" pitchFamily="49" charset="0"/>
+              </a:rPr>
+              <a:t>name</a:t>
+            </a:r>
+            <a:r>
+              <a:rPr lang="en-US" sz="2000" b="0" dirty="0">
+                <a:solidFill>
+                  <a:srgbClr val="3B3B3B"/>
+                </a:solidFill>
+                <a:effectLst/>
+                <a:latin typeface="Consolas" panose="020B0609020204030204" pitchFamily="49" charset="0"/>
+              </a:rPr>
+              <a:t>) {</a:t>
+            </a:r>
+          </a:p>
+          <a:p>
+            <a:r>
+              <a:rPr lang="en-US" sz="2000" b="0" dirty="0">
+                <a:solidFill>
+                  <a:srgbClr val="3B3B3B"/>
+                </a:solidFill>
+                <a:effectLst/>
+                <a:latin typeface="Consolas" panose="020B0609020204030204" pitchFamily="49" charset="0"/>
+              </a:rPr>
+              <a:t>  </a:t>
+            </a:r>
+            <a:r>
+              <a:rPr lang="en-US" sz="2000" b="0" dirty="0">
+                <a:solidFill>
+                  <a:srgbClr val="AF00DB"/>
+                </a:solidFill>
+                <a:effectLst/>
+                <a:latin typeface="Consolas" panose="020B0609020204030204" pitchFamily="49" charset="0"/>
+              </a:rPr>
+              <a:t>return</a:t>
+            </a:r>
+            <a:r>
+              <a:rPr lang="en-US" sz="2000" b="0" dirty="0">
+                <a:solidFill>
+                  <a:srgbClr val="3B3B3B"/>
+                </a:solidFill>
+                <a:effectLst/>
+                <a:latin typeface="Consolas" panose="020B0609020204030204" pitchFamily="49" charset="0"/>
+              </a:rPr>
+              <a:t> </a:t>
+            </a:r>
+            <a:r>
+              <a:rPr lang="en-US" sz="2000" b="0" dirty="0">
+                <a:solidFill>
+                  <a:srgbClr val="267F99"/>
+                </a:solidFill>
+                <a:effectLst/>
+                <a:latin typeface="Consolas" panose="020B0609020204030204" pitchFamily="49" charset="0"/>
+              </a:rPr>
+              <a:t>std</a:t>
+            </a:r>
+            <a:r>
+              <a:rPr lang="en-US" sz="2000" b="0" dirty="0">
+                <a:solidFill>
+                  <a:srgbClr val="3B3B3B"/>
+                </a:solidFill>
+                <a:effectLst/>
+                <a:latin typeface="Consolas" panose="020B0609020204030204" pitchFamily="49" charset="0"/>
+              </a:rPr>
+              <a:t>::</a:t>
+            </a:r>
+            <a:r>
+              <a:rPr lang="en-US" sz="2000" b="0" dirty="0" err="1">
+                <a:solidFill>
+                  <a:srgbClr val="795E26"/>
+                </a:solidFill>
+                <a:effectLst/>
+                <a:latin typeface="Consolas" panose="020B0609020204030204" pitchFamily="49" charset="0"/>
+              </a:rPr>
+              <a:t>make_shared</a:t>
+            </a:r>
+            <a:r>
+              <a:rPr lang="en-US" sz="2000" b="0" dirty="0">
+                <a:solidFill>
+                  <a:srgbClr val="3B3B3B"/>
+                </a:solidFill>
+                <a:effectLst/>
+                <a:latin typeface="Consolas" panose="020B0609020204030204" pitchFamily="49" charset="0"/>
+              </a:rPr>
+              <a:t>&lt;</a:t>
+            </a:r>
+            <a:r>
+              <a:rPr lang="en-US" sz="2000" b="0" dirty="0">
+                <a:solidFill>
+                  <a:srgbClr val="267F99"/>
+                </a:solidFill>
+                <a:effectLst/>
+                <a:latin typeface="Consolas" panose="020B0609020204030204" pitchFamily="49" charset="0"/>
+              </a:rPr>
+              <a:t>Value</a:t>
+            </a:r>
+            <a:r>
+              <a:rPr lang="en-US" sz="2000" b="0" dirty="0">
+                <a:solidFill>
+                  <a:srgbClr val="3B3B3B"/>
+                </a:solidFill>
+                <a:effectLst/>
+                <a:latin typeface="Consolas" panose="020B0609020204030204" pitchFamily="49" charset="0"/>
+              </a:rPr>
+              <a:t>&lt;</a:t>
+            </a:r>
+            <a:r>
+              <a:rPr lang="en-US" sz="2000" b="0" dirty="0">
+                <a:solidFill>
+                  <a:srgbClr val="267F99"/>
+                </a:solidFill>
+                <a:effectLst/>
+                <a:latin typeface="Consolas" panose="020B0609020204030204" pitchFamily="49" charset="0"/>
+              </a:rPr>
+              <a:t>T</a:t>
+            </a:r>
+            <a:r>
+              <a:rPr lang="en-US" sz="2000" b="0" dirty="0">
+                <a:solidFill>
+                  <a:srgbClr val="3B3B3B"/>
+                </a:solidFill>
+                <a:effectLst/>
+                <a:latin typeface="Consolas" panose="020B0609020204030204" pitchFamily="49" charset="0"/>
+              </a:rPr>
+              <a:t>&gt;&gt;(</a:t>
+            </a:r>
+            <a:r>
+              <a:rPr lang="en-US" sz="2000" b="0" dirty="0">
+                <a:solidFill>
+                  <a:srgbClr val="001080"/>
+                </a:solidFill>
+                <a:effectLst/>
+                <a:latin typeface="Consolas" panose="020B0609020204030204" pitchFamily="49" charset="0"/>
+              </a:rPr>
+              <a:t>x</a:t>
+            </a:r>
+            <a:r>
+              <a:rPr lang="en-US" sz="2000" b="0" dirty="0">
+                <a:solidFill>
+                  <a:srgbClr val="3B3B3B"/>
+                </a:solidFill>
+                <a:effectLst/>
+                <a:latin typeface="Consolas" panose="020B0609020204030204" pitchFamily="49" charset="0"/>
+              </a:rPr>
+              <a:t>, </a:t>
+            </a:r>
+            <a:r>
+              <a:rPr lang="en-US" sz="2000" b="0" dirty="0">
+                <a:solidFill>
+                  <a:srgbClr val="001080"/>
+                </a:solidFill>
+                <a:effectLst/>
+                <a:latin typeface="Consolas" panose="020B0609020204030204" pitchFamily="49" charset="0"/>
+              </a:rPr>
+              <a:t>name</a:t>
+            </a:r>
+            <a:r>
+              <a:rPr lang="en-US" sz="2000" b="0" dirty="0">
+                <a:solidFill>
+                  <a:srgbClr val="3B3B3B"/>
+                </a:solidFill>
+                <a:effectLst/>
+                <a:latin typeface="Consolas" panose="020B0609020204030204" pitchFamily="49" charset="0"/>
+              </a:rPr>
+              <a:t>);</a:t>
+            </a:r>
+          </a:p>
+          <a:p>
+            <a:r>
+              <a:rPr lang="en-US" sz="2000" b="0" dirty="0">
+                <a:solidFill>
+                  <a:srgbClr val="3B3B3B"/>
+                </a:solidFill>
+                <a:effectLst/>
+                <a:latin typeface="Consolas" panose="020B0609020204030204" pitchFamily="49" charset="0"/>
+              </a:rPr>
+              <a:t>}</a:t>
+            </a:r>
+          </a:p>
+          <a:p>
+            <a:br>
+              <a:rPr lang="en-US" sz="2000" b="0" dirty="0">
+                <a:solidFill>
+                  <a:srgbClr val="3B3B3B"/>
+                </a:solidFill>
+                <a:effectLst/>
+                <a:latin typeface="Consolas" panose="020B0609020204030204" pitchFamily="49" charset="0"/>
+              </a:rPr>
+            </a:br>
+            <a:endParaRPr lang="en-US" sz="2000" b="0" dirty="0">
+              <a:solidFill>
+                <a:srgbClr val="3B3B3B"/>
+              </a:solidFill>
+              <a:effectLst/>
+              <a:latin typeface="Consolas" panose="020B0609020204030204" pitchFamily="49" charset="0"/>
+            </a:endParaRPr>
+          </a:p>
+          <a:p>
+            <a:endParaRPr lang="en-US" sz="2000" b="0" dirty="0">
+              <a:solidFill>
+                <a:srgbClr val="3B3B3B"/>
+              </a:solidFill>
+              <a:effectLst/>
+              <a:latin typeface="Consolas" panose="020B0609020204030204" pitchFamily="49" charset="0"/>
+            </a:endParaRPr>
+          </a:p>
+        </p:txBody>
+      </p:sp>
+    </p:spTree>
+    <p:extLst>
+      <p:ext uri="{BB962C8B-B14F-4D97-AF65-F5344CB8AC3E}">
+        <p14:creationId xmlns:p14="http://schemas.microsoft.com/office/powerpoint/2010/main" val="2279941760"/>
+      </p:ext>
+    </p:extLst>
+  </p:cSld>
+  <p:clrMapOvr>
+    <a:masterClrMapping/>
+  </p:clrMapOvr>
+  <p:transition spd="slow">
+    <p:push dir="u"/>
+  </p:transition>
+</p:sld>
+</file>
+
 <file path=ppt/slides/slide3.xml><?xml version="1.0" encoding="utf-8"?>
 <p:sld xmlns:a="http://schemas.openxmlformats.org/drawingml/2006/main" xmlns:r="http://schemas.openxmlformats.org/officeDocument/2006/relationships" xmlns:p="http://schemas.openxmlformats.org/presentationml/2006/main">
   <p:cSld>
@@ -41627,6 +46385,5057 @@
   <p:clrMapOvr>
     <a:masterClrMapping/>
   </p:clrMapOvr>
+</p:sld>
+</file>
+
+<file path=ppt/slides/slide30.xml><?xml version="1.0" encoding="utf-8"?>
+<p:sld xmlns:a="http://schemas.openxmlformats.org/drawingml/2006/main" xmlns:r="http://schemas.openxmlformats.org/officeDocument/2006/relationships" xmlns:p="http://schemas.openxmlformats.org/presentationml/2006/main">
+  <p:cSld>
+    <p:spTree>
+      <p:nvGrpSpPr>
+        <p:cNvPr id="1" name=""/>
+        <p:cNvGrpSpPr/>
+        <p:nvPr/>
+      </p:nvGrpSpPr>
+      <p:grpSpPr>
+        <a:xfrm>
+          <a:off x="0" y="0"/>
+          <a:ext cx="0" cy="0"/>
+          <a:chOff x="0" y="0"/>
+          <a:chExt cx="0" cy="0"/>
+        </a:xfrm>
+      </p:grpSpPr>
+      <p:sp>
+        <p:nvSpPr>
+          <p:cNvPr id="2" name="Footer Placeholder 1">
+            <a:extLst>
+              <a:ext uri="{FF2B5EF4-FFF2-40B4-BE49-F238E27FC236}">
+                <a16:creationId xmlns:a16="http://schemas.microsoft.com/office/drawing/2014/main" id="{71D5D624-1AA6-4945-BD4E-150CD1DE4D9C}"/>
+              </a:ext>
+            </a:extLst>
+          </p:cNvPr>
+          <p:cNvSpPr>
+            <a:spLocks noGrp="1"/>
+          </p:cNvSpPr>
+          <p:nvPr>
+            <p:ph type="ftr" sz="quarter" idx="11"/>
+          </p:nvPr>
+        </p:nvSpPr>
+        <p:spPr/>
+        <p:txBody>
+          <a:bodyPr/>
+          <a:lstStyle/>
+          <a:p>
+            <a:endParaRPr lang="ru-RU" dirty="0"/>
+          </a:p>
+        </p:txBody>
+      </p:sp>
+      <p:sp>
+        <p:nvSpPr>
+          <p:cNvPr id="3" name="Slide Number Placeholder 2">
+            <a:extLst>
+              <a:ext uri="{FF2B5EF4-FFF2-40B4-BE49-F238E27FC236}">
+                <a16:creationId xmlns:a16="http://schemas.microsoft.com/office/drawing/2014/main" id="{DD3EA27F-D800-4246-A59D-21AC713B42A5}"/>
+              </a:ext>
+            </a:extLst>
+          </p:cNvPr>
+          <p:cNvSpPr>
+            <a:spLocks noGrp="1"/>
+          </p:cNvSpPr>
+          <p:nvPr>
+            <p:ph type="sldNum" sz="quarter" idx="12"/>
+          </p:nvPr>
+        </p:nvSpPr>
+        <p:spPr/>
+        <p:txBody>
+          <a:bodyPr/>
+          <a:lstStyle/>
+          <a:p>
+            <a:fld id="{8DE7FA1B-F957-4F22-889A-E25B642749EF}" type="slidenum">
+              <a:rPr lang="ru-RU" smtClean="0"/>
+              <a:pPr/>
+              <a:t>30</a:t>
+            </a:fld>
+            <a:endParaRPr lang="ru-RU" dirty="0"/>
+          </a:p>
+        </p:txBody>
+      </p:sp>
+      <p:sp>
+        <p:nvSpPr>
+          <p:cNvPr id="4" name="Content Placeholder 3">
+            <a:extLst>
+              <a:ext uri="{FF2B5EF4-FFF2-40B4-BE49-F238E27FC236}">
+                <a16:creationId xmlns:a16="http://schemas.microsoft.com/office/drawing/2014/main" id="{73FA2DE6-4D72-4752-9D2F-4411C2E144A9}"/>
+              </a:ext>
+            </a:extLst>
+          </p:cNvPr>
+          <p:cNvSpPr>
+            <a:spLocks noGrp="1"/>
+          </p:cNvSpPr>
+          <p:nvPr>
+            <p:ph idx="25"/>
+          </p:nvPr>
+        </p:nvSpPr>
+        <p:spPr>
+          <a:xfrm>
+            <a:off x="371474" y="287216"/>
+            <a:ext cx="11449051" cy="6570784"/>
+          </a:xfrm>
+        </p:spPr>
+        <p:txBody>
+          <a:bodyPr>
+            <a:noAutofit/>
+          </a:bodyPr>
+          <a:lstStyle/>
+          <a:p>
+            <a:r>
+              <a:rPr lang="en-US" sz="2000" b="0" dirty="0">
+                <a:solidFill>
+                  <a:srgbClr val="0000FF"/>
+                </a:solidFill>
+                <a:effectLst/>
+                <a:latin typeface="Consolas" panose="020B0609020204030204" pitchFamily="49" charset="0"/>
+              </a:rPr>
+              <a:t>template</a:t>
+            </a:r>
+            <a:r>
+              <a:rPr lang="en-US" sz="2000" b="0" dirty="0">
+                <a:solidFill>
+                  <a:srgbClr val="3B3B3B"/>
+                </a:solidFill>
+                <a:effectLst/>
+                <a:latin typeface="Consolas" panose="020B0609020204030204" pitchFamily="49" charset="0"/>
+              </a:rPr>
+              <a:t> &lt;</a:t>
+            </a:r>
+            <a:r>
+              <a:rPr lang="en-US" sz="2000" b="0" dirty="0" err="1">
+                <a:solidFill>
+                  <a:srgbClr val="0000FF"/>
+                </a:solidFill>
+                <a:effectLst/>
+                <a:latin typeface="Consolas" panose="020B0609020204030204" pitchFamily="49" charset="0"/>
+              </a:rPr>
+              <a:t>typename</a:t>
+            </a:r>
+            <a:r>
+              <a:rPr lang="en-US" sz="2000" b="0" dirty="0">
+                <a:solidFill>
+                  <a:srgbClr val="3B3B3B"/>
+                </a:solidFill>
+                <a:effectLst/>
+                <a:latin typeface="Consolas" panose="020B0609020204030204" pitchFamily="49" charset="0"/>
+              </a:rPr>
+              <a:t> </a:t>
+            </a:r>
+            <a:r>
+              <a:rPr lang="en-US" sz="2000" b="0" dirty="0">
+                <a:solidFill>
+                  <a:srgbClr val="267F99"/>
+                </a:solidFill>
+                <a:effectLst/>
+                <a:latin typeface="Consolas" panose="020B0609020204030204" pitchFamily="49" charset="0"/>
+              </a:rPr>
+              <a:t>T</a:t>
+            </a:r>
+            <a:r>
+              <a:rPr lang="en-US" sz="2000" b="0" dirty="0">
+                <a:solidFill>
+                  <a:srgbClr val="3B3B3B"/>
+                </a:solidFill>
+                <a:effectLst/>
+                <a:latin typeface="Consolas" panose="020B0609020204030204" pitchFamily="49" charset="0"/>
+              </a:rPr>
+              <a:t>, </a:t>
+            </a:r>
+            <a:r>
+              <a:rPr lang="en-US" sz="2000" b="0" dirty="0" err="1">
+                <a:solidFill>
+                  <a:srgbClr val="0000FF"/>
+                </a:solidFill>
+                <a:effectLst/>
+                <a:latin typeface="Consolas" panose="020B0609020204030204" pitchFamily="49" charset="0"/>
+              </a:rPr>
+              <a:t>typename</a:t>
+            </a:r>
+            <a:r>
+              <a:rPr lang="en-US" sz="2000" b="0" dirty="0">
+                <a:solidFill>
+                  <a:srgbClr val="3B3B3B"/>
+                </a:solidFill>
+                <a:effectLst/>
+                <a:latin typeface="Consolas" panose="020B0609020204030204" pitchFamily="49" charset="0"/>
+              </a:rPr>
+              <a:t> </a:t>
+            </a:r>
+            <a:r>
+              <a:rPr lang="en-US" sz="2000" b="0" dirty="0">
+                <a:solidFill>
+                  <a:srgbClr val="267F99"/>
+                </a:solidFill>
+                <a:effectLst/>
+                <a:latin typeface="Consolas" panose="020B0609020204030204" pitchFamily="49" charset="0"/>
+              </a:rPr>
+              <a:t>U</a:t>
+            </a:r>
+            <a:r>
+              <a:rPr lang="en-US" sz="2000" b="0" dirty="0">
+                <a:solidFill>
+                  <a:srgbClr val="3B3B3B"/>
+                </a:solidFill>
+                <a:effectLst/>
+                <a:latin typeface="Consolas" panose="020B0609020204030204" pitchFamily="49" charset="0"/>
+              </a:rPr>
+              <a:t>, </a:t>
+            </a:r>
+            <a:r>
+              <a:rPr lang="en-US" sz="2000" b="0" dirty="0" err="1">
+                <a:solidFill>
+                  <a:srgbClr val="0000FF"/>
+                </a:solidFill>
+                <a:effectLst/>
+                <a:latin typeface="Consolas" panose="020B0609020204030204" pitchFamily="49" charset="0"/>
+              </a:rPr>
+              <a:t>typename</a:t>
+            </a:r>
+            <a:r>
+              <a:rPr lang="en-US" sz="2000" b="0" dirty="0">
+                <a:solidFill>
+                  <a:srgbClr val="3B3B3B"/>
+                </a:solidFill>
+                <a:effectLst/>
+                <a:latin typeface="Consolas" panose="020B0609020204030204" pitchFamily="49" charset="0"/>
+              </a:rPr>
+              <a:t> </a:t>
+            </a:r>
+            <a:r>
+              <a:rPr lang="en-US" sz="2000" b="0" dirty="0" err="1">
+                <a:solidFill>
+                  <a:srgbClr val="267F99"/>
+                </a:solidFill>
+                <a:effectLst/>
+                <a:latin typeface="Consolas" panose="020B0609020204030204" pitchFamily="49" charset="0"/>
+              </a:rPr>
+              <a:t>OpType</a:t>
+            </a:r>
+            <a:r>
+              <a:rPr lang="en-US" sz="2000" b="0" dirty="0">
+                <a:solidFill>
+                  <a:srgbClr val="3B3B3B"/>
+                </a:solidFill>
+                <a:effectLst/>
+                <a:latin typeface="Consolas" panose="020B0609020204030204" pitchFamily="49" charset="0"/>
+              </a:rPr>
+              <a:t>&gt;</a:t>
+            </a:r>
+          </a:p>
+          <a:p>
+            <a:r>
+              <a:rPr lang="en-US" sz="2000" b="0" dirty="0">
+                <a:solidFill>
+                  <a:srgbClr val="0000FF"/>
+                </a:solidFill>
+                <a:effectLst/>
+                <a:latin typeface="Consolas" panose="020B0609020204030204" pitchFamily="49" charset="0"/>
+              </a:rPr>
+              <a:t>class</a:t>
+            </a:r>
+            <a:r>
+              <a:rPr lang="en-US" sz="2000" b="0" dirty="0">
+                <a:solidFill>
+                  <a:srgbClr val="3B3B3B"/>
+                </a:solidFill>
+                <a:effectLst/>
+                <a:latin typeface="Consolas" panose="020B0609020204030204" pitchFamily="49" charset="0"/>
+              </a:rPr>
+              <a:t> </a:t>
+            </a:r>
+            <a:r>
+              <a:rPr lang="en-US" sz="2000" b="0" dirty="0" err="1">
+                <a:solidFill>
+                  <a:srgbClr val="267F99"/>
+                </a:solidFill>
+                <a:effectLst/>
+                <a:latin typeface="Consolas" panose="020B0609020204030204" pitchFamily="49" charset="0"/>
+              </a:rPr>
+              <a:t>BinaryOp</a:t>
+            </a:r>
+            <a:r>
+              <a:rPr lang="en-US" sz="2000" b="0" dirty="0">
+                <a:solidFill>
+                  <a:srgbClr val="3B3B3B"/>
+                </a:solidFill>
+                <a:effectLst/>
+                <a:latin typeface="Consolas" panose="020B0609020204030204" pitchFamily="49" charset="0"/>
+              </a:rPr>
+              <a:t> : </a:t>
+            </a:r>
+            <a:r>
+              <a:rPr lang="en-US" sz="2000" b="0" dirty="0">
+                <a:solidFill>
+                  <a:srgbClr val="0000FF"/>
+                </a:solidFill>
+                <a:effectLst/>
+                <a:latin typeface="Consolas" panose="020B0609020204030204" pitchFamily="49" charset="0"/>
+              </a:rPr>
+              <a:t>public</a:t>
+            </a:r>
+            <a:r>
+              <a:rPr lang="en-US" sz="2000" b="0" dirty="0">
+                <a:solidFill>
+                  <a:srgbClr val="3B3B3B"/>
+                </a:solidFill>
+                <a:effectLst/>
+                <a:latin typeface="Consolas" panose="020B0609020204030204" pitchFamily="49" charset="0"/>
+              </a:rPr>
+              <a:t> </a:t>
+            </a:r>
+            <a:r>
+              <a:rPr lang="en-US" sz="2000" b="0" dirty="0">
+                <a:solidFill>
+                  <a:srgbClr val="267F99"/>
+                </a:solidFill>
+                <a:effectLst/>
+                <a:latin typeface="Consolas" panose="020B0609020204030204" pitchFamily="49" charset="0"/>
+              </a:rPr>
+              <a:t>Expression</a:t>
+            </a:r>
+            <a:r>
+              <a:rPr lang="en-US" sz="2000" b="0" dirty="0">
+                <a:solidFill>
+                  <a:srgbClr val="3B3B3B"/>
+                </a:solidFill>
+                <a:effectLst/>
+                <a:latin typeface="Consolas" panose="020B0609020204030204" pitchFamily="49" charset="0"/>
+              </a:rPr>
+              <a:t>&lt;</a:t>
+            </a:r>
+            <a:r>
+              <a:rPr lang="en-US" sz="2000" b="0" dirty="0" err="1">
+                <a:solidFill>
+                  <a:srgbClr val="267F99"/>
+                </a:solidFill>
+                <a:effectLst/>
+                <a:latin typeface="Consolas" panose="020B0609020204030204" pitchFamily="49" charset="0"/>
+              </a:rPr>
+              <a:t>OpType</a:t>
+            </a:r>
+            <a:r>
+              <a:rPr lang="en-US" sz="2000" b="0" dirty="0">
+                <a:solidFill>
+                  <a:srgbClr val="3B3B3B"/>
+                </a:solidFill>
+                <a:effectLst/>
+                <a:latin typeface="Consolas" panose="020B0609020204030204" pitchFamily="49" charset="0"/>
+              </a:rPr>
+              <a:t>&gt; {</a:t>
+            </a:r>
+          </a:p>
+          <a:p>
+            <a:r>
+              <a:rPr lang="en-US" sz="2000" b="0" dirty="0">
+                <a:solidFill>
+                  <a:srgbClr val="0000FF"/>
+                </a:solidFill>
+                <a:effectLst/>
+                <a:latin typeface="Consolas" panose="020B0609020204030204" pitchFamily="49" charset="0"/>
+              </a:rPr>
+              <a:t>protected:</a:t>
+            </a:r>
+            <a:endParaRPr lang="en-US" sz="2000" b="0" dirty="0">
+              <a:solidFill>
+                <a:srgbClr val="3B3B3B"/>
+              </a:solidFill>
+              <a:effectLst/>
+              <a:latin typeface="Consolas" panose="020B0609020204030204" pitchFamily="49" charset="0"/>
+            </a:endParaRPr>
+          </a:p>
+          <a:p>
+            <a:r>
+              <a:rPr lang="en-US" sz="2000" b="0" dirty="0">
+                <a:solidFill>
+                  <a:srgbClr val="3B3B3B"/>
+                </a:solidFill>
+                <a:effectLst/>
+                <a:latin typeface="Consolas" panose="020B0609020204030204" pitchFamily="49" charset="0"/>
+              </a:rPr>
+              <a:t>  </a:t>
+            </a:r>
+            <a:r>
+              <a:rPr lang="en-US" sz="2000" b="0" dirty="0" err="1">
+                <a:solidFill>
+                  <a:srgbClr val="267F99"/>
+                </a:solidFill>
+                <a:effectLst/>
+                <a:latin typeface="Consolas" panose="020B0609020204030204" pitchFamily="49" charset="0"/>
+              </a:rPr>
+              <a:t>shared_ptr</a:t>
+            </a:r>
+            <a:r>
+              <a:rPr lang="en-US" sz="2000" b="0" dirty="0">
+                <a:solidFill>
+                  <a:srgbClr val="000000"/>
+                </a:solidFill>
+                <a:effectLst/>
+                <a:latin typeface="Consolas" panose="020B0609020204030204" pitchFamily="49" charset="0"/>
+              </a:rPr>
+              <a:t>&lt;</a:t>
+            </a:r>
+            <a:r>
+              <a:rPr lang="en-US" sz="2000" b="0" dirty="0">
+                <a:solidFill>
+                  <a:srgbClr val="267F99"/>
+                </a:solidFill>
+                <a:effectLst/>
+                <a:latin typeface="Consolas" panose="020B0609020204030204" pitchFamily="49" charset="0"/>
+              </a:rPr>
+              <a:t>Expression</a:t>
+            </a:r>
+            <a:r>
+              <a:rPr lang="en-US" sz="2000" b="0" dirty="0">
+                <a:solidFill>
+                  <a:srgbClr val="000000"/>
+                </a:solidFill>
+                <a:effectLst/>
+                <a:latin typeface="Consolas" panose="020B0609020204030204" pitchFamily="49" charset="0"/>
+              </a:rPr>
+              <a:t>&lt;</a:t>
+            </a:r>
+            <a:r>
+              <a:rPr lang="en-US" sz="2000" b="0" dirty="0">
+                <a:solidFill>
+                  <a:srgbClr val="267F99"/>
+                </a:solidFill>
+                <a:effectLst/>
+                <a:latin typeface="Consolas" panose="020B0609020204030204" pitchFamily="49" charset="0"/>
+              </a:rPr>
+              <a:t>T</a:t>
+            </a:r>
+            <a:r>
+              <a:rPr lang="en-US" sz="2000" b="0" dirty="0">
+                <a:solidFill>
+                  <a:srgbClr val="000000"/>
+                </a:solidFill>
+                <a:effectLst/>
+                <a:latin typeface="Consolas" panose="020B0609020204030204" pitchFamily="49" charset="0"/>
+              </a:rPr>
+              <a:t>&gt;&gt;</a:t>
+            </a:r>
+            <a:r>
+              <a:rPr lang="en-US" sz="2000" b="0" dirty="0">
+                <a:solidFill>
+                  <a:srgbClr val="3B3B3B"/>
+                </a:solidFill>
+                <a:effectLst/>
+                <a:latin typeface="Consolas" panose="020B0609020204030204" pitchFamily="49" charset="0"/>
+              </a:rPr>
+              <a:t> </a:t>
+            </a:r>
+            <a:r>
+              <a:rPr lang="en-US" sz="2000" b="0" dirty="0" err="1">
+                <a:solidFill>
+                  <a:srgbClr val="001080"/>
+                </a:solidFill>
+                <a:effectLst/>
+                <a:latin typeface="Consolas" panose="020B0609020204030204" pitchFamily="49" charset="0"/>
+              </a:rPr>
+              <a:t>lhs</a:t>
+            </a:r>
+            <a:r>
+              <a:rPr lang="en-US" sz="2000" b="0" dirty="0">
+                <a:solidFill>
+                  <a:srgbClr val="001080"/>
+                </a:solidFill>
+                <a:effectLst/>
+                <a:latin typeface="Consolas" panose="020B0609020204030204" pitchFamily="49" charset="0"/>
+              </a:rPr>
+              <a:t>_</a:t>
+            </a:r>
+            <a:r>
+              <a:rPr lang="en-US" sz="2000" b="0" dirty="0">
+                <a:solidFill>
+                  <a:srgbClr val="3B3B3B"/>
+                </a:solidFill>
+                <a:effectLst/>
+                <a:latin typeface="Consolas" panose="020B0609020204030204" pitchFamily="49" charset="0"/>
+              </a:rPr>
+              <a:t>;</a:t>
+            </a:r>
+          </a:p>
+          <a:p>
+            <a:r>
+              <a:rPr lang="en-US" sz="2000" b="0" dirty="0">
+                <a:solidFill>
+                  <a:srgbClr val="3B3B3B"/>
+                </a:solidFill>
+                <a:effectLst/>
+                <a:latin typeface="Consolas" panose="020B0609020204030204" pitchFamily="49" charset="0"/>
+              </a:rPr>
+              <a:t>  </a:t>
+            </a:r>
+            <a:r>
+              <a:rPr lang="en-US" sz="2000" b="0" dirty="0" err="1">
+                <a:solidFill>
+                  <a:srgbClr val="267F99"/>
+                </a:solidFill>
+                <a:effectLst/>
+                <a:latin typeface="Consolas" panose="020B0609020204030204" pitchFamily="49" charset="0"/>
+              </a:rPr>
+              <a:t>shared_ptr</a:t>
+            </a:r>
+            <a:r>
+              <a:rPr lang="en-US" sz="2000" b="0" dirty="0">
+                <a:solidFill>
+                  <a:srgbClr val="000000"/>
+                </a:solidFill>
+                <a:effectLst/>
+                <a:latin typeface="Consolas" panose="020B0609020204030204" pitchFamily="49" charset="0"/>
+              </a:rPr>
+              <a:t>&lt;</a:t>
+            </a:r>
+            <a:r>
+              <a:rPr lang="en-US" sz="2000" b="0" dirty="0">
+                <a:solidFill>
+                  <a:srgbClr val="267F99"/>
+                </a:solidFill>
+                <a:effectLst/>
+                <a:latin typeface="Consolas" panose="020B0609020204030204" pitchFamily="49" charset="0"/>
+              </a:rPr>
+              <a:t>Expression</a:t>
+            </a:r>
+            <a:r>
+              <a:rPr lang="en-US" sz="2000" b="0" dirty="0">
+                <a:solidFill>
+                  <a:srgbClr val="000000"/>
+                </a:solidFill>
+                <a:effectLst/>
+                <a:latin typeface="Consolas" panose="020B0609020204030204" pitchFamily="49" charset="0"/>
+              </a:rPr>
+              <a:t>&lt;</a:t>
+            </a:r>
+            <a:r>
+              <a:rPr lang="en-US" sz="2000" b="0" dirty="0">
+                <a:solidFill>
+                  <a:srgbClr val="267F99"/>
+                </a:solidFill>
+                <a:effectLst/>
+                <a:latin typeface="Consolas" panose="020B0609020204030204" pitchFamily="49" charset="0"/>
+              </a:rPr>
+              <a:t>U</a:t>
+            </a:r>
+            <a:r>
+              <a:rPr lang="en-US" sz="2000" b="0" dirty="0">
+                <a:solidFill>
+                  <a:srgbClr val="000000"/>
+                </a:solidFill>
+                <a:effectLst/>
+                <a:latin typeface="Consolas" panose="020B0609020204030204" pitchFamily="49" charset="0"/>
+              </a:rPr>
+              <a:t>&gt;&gt;</a:t>
+            </a:r>
+            <a:r>
+              <a:rPr lang="en-US" sz="2000" b="0" dirty="0">
+                <a:solidFill>
+                  <a:srgbClr val="3B3B3B"/>
+                </a:solidFill>
+                <a:effectLst/>
+                <a:latin typeface="Consolas" panose="020B0609020204030204" pitchFamily="49" charset="0"/>
+              </a:rPr>
+              <a:t> </a:t>
+            </a:r>
+            <a:r>
+              <a:rPr lang="en-US" sz="2000" b="0" dirty="0" err="1">
+                <a:solidFill>
+                  <a:srgbClr val="001080"/>
+                </a:solidFill>
+                <a:effectLst/>
+                <a:latin typeface="Consolas" panose="020B0609020204030204" pitchFamily="49" charset="0"/>
+              </a:rPr>
+              <a:t>rhs</a:t>
+            </a:r>
+            <a:r>
+              <a:rPr lang="en-US" sz="2000" b="0" dirty="0">
+                <a:solidFill>
+                  <a:srgbClr val="001080"/>
+                </a:solidFill>
+                <a:effectLst/>
+                <a:latin typeface="Consolas" panose="020B0609020204030204" pitchFamily="49" charset="0"/>
+              </a:rPr>
+              <a:t>_</a:t>
+            </a:r>
+            <a:r>
+              <a:rPr lang="en-US" sz="2000" b="0" dirty="0">
+                <a:solidFill>
+                  <a:srgbClr val="3B3B3B"/>
+                </a:solidFill>
+                <a:effectLst/>
+                <a:latin typeface="Consolas" panose="020B0609020204030204" pitchFamily="49" charset="0"/>
+              </a:rPr>
+              <a:t>;</a:t>
+            </a:r>
+          </a:p>
+          <a:p>
+            <a:br>
+              <a:rPr lang="en-US" sz="2000" b="0" dirty="0">
+                <a:solidFill>
+                  <a:srgbClr val="3B3B3B"/>
+                </a:solidFill>
+                <a:effectLst/>
+                <a:latin typeface="Consolas" panose="020B0609020204030204" pitchFamily="49" charset="0"/>
+              </a:rPr>
+            </a:br>
+            <a:r>
+              <a:rPr lang="en-US" sz="2000" b="0" dirty="0">
+                <a:solidFill>
+                  <a:srgbClr val="0000FF"/>
+                </a:solidFill>
+                <a:effectLst/>
+                <a:latin typeface="Consolas" panose="020B0609020204030204" pitchFamily="49" charset="0"/>
+              </a:rPr>
+              <a:t>public:</a:t>
+            </a:r>
+            <a:endParaRPr lang="en-US" sz="2000" b="0" dirty="0">
+              <a:solidFill>
+                <a:srgbClr val="3B3B3B"/>
+              </a:solidFill>
+              <a:effectLst/>
+              <a:latin typeface="Consolas" panose="020B0609020204030204" pitchFamily="49" charset="0"/>
+            </a:endParaRPr>
+          </a:p>
+          <a:p>
+            <a:r>
+              <a:rPr lang="en-US" sz="2000" b="0" dirty="0">
+                <a:solidFill>
+                  <a:srgbClr val="3B3B3B"/>
+                </a:solidFill>
+                <a:effectLst/>
+                <a:latin typeface="Consolas" panose="020B0609020204030204" pitchFamily="49" charset="0"/>
+              </a:rPr>
+              <a:t>  </a:t>
+            </a:r>
+            <a:r>
+              <a:rPr lang="en-US" sz="2000" b="0" dirty="0" err="1">
+                <a:solidFill>
+                  <a:srgbClr val="795E26"/>
+                </a:solidFill>
+                <a:effectLst/>
+                <a:latin typeface="Consolas" panose="020B0609020204030204" pitchFamily="49" charset="0"/>
+              </a:rPr>
+              <a:t>BinaryOp</a:t>
+            </a:r>
+            <a:r>
+              <a:rPr lang="en-US" sz="2000" b="0" dirty="0">
+                <a:solidFill>
+                  <a:srgbClr val="3B3B3B"/>
+                </a:solidFill>
+                <a:effectLst/>
+                <a:latin typeface="Consolas" panose="020B0609020204030204" pitchFamily="49" charset="0"/>
+              </a:rPr>
+              <a:t>(</a:t>
+            </a:r>
+            <a:r>
+              <a:rPr lang="en-US" sz="2000" b="0" dirty="0" err="1">
+                <a:solidFill>
+                  <a:srgbClr val="267F99"/>
+                </a:solidFill>
+                <a:effectLst/>
+                <a:latin typeface="Consolas" panose="020B0609020204030204" pitchFamily="49" charset="0"/>
+              </a:rPr>
+              <a:t>shared_ptr</a:t>
+            </a:r>
+            <a:r>
+              <a:rPr lang="en-US" sz="2000" b="0" dirty="0">
+                <a:solidFill>
+                  <a:srgbClr val="3B3B3B"/>
+                </a:solidFill>
+                <a:effectLst/>
+                <a:latin typeface="Consolas" panose="020B0609020204030204" pitchFamily="49" charset="0"/>
+              </a:rPr>
+              <a:t>&lt;</a:t>
+            </a:r>
+            <a:r>
+              <a:rPr lang="en-US" sz="2000" b="0" dirty="0">
+                <a:solidFill>
+                  <a:srgbClr val="267F99"/>
+                </a:solidFill>
+                <a:effectLst/>
+                <a:latin typeface="Consolas" panose="020B0609020204030204" pitchFamily="49" charset="0"/>
+              </a:rPr>
+              <a:t>Expression</a:t>
+            </a:r>
+            <a:r>
+              <a:rPr lang="en-US" sz="2000" b="0" dirty="0">
+                <a:solidFill>
+                  <a:srgbClr val="3B3B3B"/>
+                </a:solidFill>
+                <a:effectLst/>
+                <a:latin typeface="Consolas" panose="020B0609020204030204" pitchFamily="49" charset="0"/>
+              </a:rPr>
+              <a:t>&lt;</a:t>
+            </a:r>
+            <a:r>
+              <a:rPr lang="en-US" sz="2000" b="0" dirty="0">
+                <a:solidFill>
+                  <a:srgbClr val="267F99"/>
+                </a:solidFill>
+                <a:effectLst/>
+                <a:latin typeface="Consolas" panose="020B0609020204030204" pitchFamily="49" charset="0"/>
+              </a:rPr>
+              <a:t>T</a:t>
+            </a:r>
+            <a:r>
+              <a:rPr lang="en-US" sz="2000" b="0" dirty="0">
+                <a:solidFill>
+                  <a:srgbClr val="3B3B3B"/>
+                </a:solidFill>
+                <a:effectLst/>
+                <a:latin typeface="Consolas" panose="020B0609020204030204" pitchFamily="49" charset="0"/>
+              </a:rPr>
+              <a:t>&gt;&gt; </a:t>
+            </a:r>
+            <a:r>
+              <a:rPr lang="en-US" sz="2000" b="0" dirty="0" err="1">
+                <a:solidFill>
+                  <a:srgbClr val="001080"/>
+                </a:solidFill>
+                <a:effectLst/>
+                <a:latin typeface="Consolas" panose="020B0609020204030204" pitchFamily="49" charset="0"/>
+              </a:rPr>
+              <a:t>lhs</a:t>
+            </a:r>
+            <a:r>
+              <a:rPr lang="en-US" sz="2000" b="0" dirty="0">
+                <a:solidFill>
+                  <a:srgbClr val="3B3B3B"/>
+                </a:solidFill>
+                <a:effectLst/>
+                <a:latin typeface="Consolas" panose="020B0609020204030204" pitchFamily="49" charset="0"/>
+              </a:rPr>
+              <a:t>, </a:t>
+            </a:r>
+            <a:r>
+              <a:rPr lang="en-US" sz="2000" b="0" dirty="0" err="1">
+                <a:solidFill>
+                  <a:srgbClr val="267F99"/>
+                </a:solidFill>
+                <a:effectLst/>
+                <a:latin typeface="Consolas" panose="020B0609020204030204" pitchFamily="49" charset="0"/>
+              </a:rPr>
+              <a:t>shared_ptr</a:t>
+            </a:r>
+            <a:r>
+              <a:rPr lang="en-US" sz="2000" b="0" dirty="0">
+                <a:solidFill>
+                  <a:srgbClr val="3B3B3B"/>
+                </a:solidFill>
+                <a:effectLst/>
+                <a:latin typeface="Consolas" panose="020B0609020204030204" pitchFamily="49" charset="0"/>
+              </a:rPr>
+              <a:t>&lt;</a:t>
+            </a:r>
+            <a:r>
+              <a:rPr lang="en-US" sz="2000" b="0" dirty="0">
+                <a:solidFill>
+                  <a:srgbClr val="267F99"/>
+                </a:solidFill>
+                <a:effectLst/>
+                <a:latin typeface="Consolas" panose="020B0609020204030204" pitchFamily="49" charset="0"/>
+              </a:rPr>
+              <a:t>Expression</a:t>
+            </a:r>
+            <a:r>
+              <a:rPr lang="en-US" sz="2000" b="0" dirty="0">
+                <a:solidFill>
+                  <a:srgbClr val="3B3B3B"/>
+                </a:solidFill>
+                <a:effectLst/>
+                <a:latin typeface="Consolas" panose="020B0609020204030204" pitchFamily="49" charset="0"/>
+              </a:rPr>
+              <a:t>&lt;</a:t>
+            </a:r>
+            <a:r>
+              <a:rPr lang="en-US" sz="2000" b="0" dirty="0">
+                <a:solidFill>
+                  <a:srgbClr val="267F99"/>
+                </a:solidFill>
+                <a:effectLst/>
+                <a:latin typeface="Consolas" panose="020B0609020204030204" pitchFamily="49" charset="0"/>
+              </a:rPr>
+              <a:t>U</a:t>
+            </a:r>
+            <a:r>
+              <a:rPr lang="en-US" sz="2000" b="0" dirty="0">
+                <a:solidFill>
+                  <a:srgbClr val="3B3B3B"/>
+                </a:solidFill>
+                <a:effectLst/>
+                <a:latin typeface="Consolas" panose="020B0609020204030204" pitchFamily="49" charset="0"/>
+              </a:rPr>
+              <a:t>&gt;&gt; </a:t>
+            </a:r>
+            <a:r>
+              <a:rPr lang="en-US" sz="2000" b="0" dirty="0" err="1">
+                <a:solidFill>
+                  <a:srgbClr val="001080"/>
+                </a:solidFill>
+                <a:effectLst/>
+                <a:latin typeface="Consolas" panose="020B0609020204030204" pitchFamily="49" charset="0"/>
+              </a:rPr>
+              <a:t>rhs</a:t>
+            </a:r>
+            <a:r>
+              <a:rPr lang="en-US" sz="2000" b="0" dirty="0">
+                <a:solidFill>
+                  <a:srgbClr val="3B3B3B"/>
+                </a:solidFill>
+                <a:effectLst/>
+                <a:latin typeface="Consolas" panose="020B0609020204030204" pitchFamily="49" charset="0"/>
+              </a:rPr>
+              <a:t>)</a:t>
+            </a:r>
+          </a:p>
+          <a:p>
+            <a:r>
+              <a:rPr lang="en-US" sz="2000" b="0" dirty="0">
+                <a:solidFill>
+                  <a:srgbClr val="3B3B3B"/>
+                </a:solidFill>
+                <a:effectLst/>
+                <a:latin typeface="Consolas" panose="020B0609020204030204" pitchFamily="49" charset="0"/>
+              </a:rPr>
+              <a:t>      : </a:t>
+            </a:r>
+            <a:r>
+              <a:rPr lang="en-US" sz="2000" b="0" dirty="0" err="1">
+                <a:solidFill>
+                  <a:srgbClr val="001080"/>
+                </a:solidFill>
+                <a:effectLst/>
+                <a:latin typeface="Consolas" panose="020B0609020204030204" pitchFamily="49" charset="0"/>
+              </a:rPr>
+              <a:t>lhs</a:t>
+            </a:r>
+            <a:r>
+              <a:rPr lang="en-US" sz="2000" b="0" dirty="0">
+                <a:solidFill>
+                  <a:srgbClr val="001080"/>
+                </a:solidFill>
+                <a:effectLst/>
+                <a:latin typeface="Consolas" panose="020B0609020204030204" pitchFamily="49" charset="0"/>
+              </a:rPr>
+              <a:t>_</a:t>
+            </a:r>
+            <a:r>
+              <a:rPr lang="en-US" sz="2000" b="0" dirty="0">
+                <a:solidFill>
+                  <a:srgbClr val="3B3B3B"/>
+                </a:solidFill>
+                <a:effectLst/>
+                <a:latin typeface="Consolas" panose="020B0609020204030204" pitchFamily="49" charset="0"/>
+              </a:rPr>
+              <a:t>(</a:t>
+            </a:r>
+            <a:r>
+              <a:rPr lang="en-US" sz="2000" b="0" dirty="0">
+                <a:solidFill>
+                  <a:srgbClr val="267F99"/>
+                </a:solidFill>
+                <a:effectLst/>
+                <a:latin typeface="Consolas" panose="020B0609020204030204" pitchFamily="49" charset="0"/>
+              </a:rPr>
+              <a:t>std</a:t>
+            </a:r>
+            <a:r>
+              <a:rPr lang="en-US" sz="2000" b="0" dirty="0">
+                <a:solidFill>
+                  <a:srgbClr val="3B3B3B"/>
+                </a:solidFill>
+                <a:effectLst/>
+                <a:latin typeface="Consolas" panose="020B0609020204030204" pitchFamily="49" charset="0"/>
+              </a:rPr>
+              <a:t>::</a:t>
+            </a:r>
+            <a:r>
+              <a:rPr lang="en-US" sz="2000" b="0" dirty="0">
+                <a:solidFill>
+                  <a:srgbClr val="795E26"/>
+                </a:solidFill>
+                <a:effectLst/>
+                <a:latin typeface="Consolas" panose="020B0609020204030204" pitchFamily="49" charset="0"/>
+              </a:rPr>
+              <a:t>move</a:t>
+            </a:r>
+            <a:r>
+              <a:rPr lang="en-US" sz="2000" b="0" dirty="0">
+                <a:solidFill>
+                  <a:srgbClr val="3B3B3B"/>
+                </a:solidFill>
+                <a:effectLst/>
+                <a:latin typeface="Consolas" panose="020B0609020204030204" pitchFamily="49" charset="0"/>
+              </a:rPr>
+              <a:t>(</a:t>
+            </a:r>
+            <a:r>
+              <a:rPr lang="en-US" sz="2000" b="0" dirty="0" err="1">
+                <a:solidFill>
+                  <a:srgbClr val="001080"/>
+                </a:solidFill>
+                <a:effectLst/>
+                <a:latin typeface="Consolas" panose="020B0609020204030204" pitchFamily="49" charset="0"/>
+              </a:rPr>
+              <a:t>lhs</a:t>
+            </a:r>
+            <a:r>
+              <a:rPr lang="en-US" sz="2000" b="0" dirty="0">
+                <a:solidFill>
+                  <a:srgbClr val="3B3B3B"/>
+                </a:solidFill>
+                <a:effectLst/>
+                <a:latin typeface="Consolas" panose="020B0609020204030204" pitchFamily="49" charset="0"/>
+              </a:rPr>
+              <a:t>)), </a:t>
+            </a:r>
+            <a:r>
+              <a:rPr lang="en-US" sz="2000" b="0" dirty="0" err="1">
+                <a:solidFill>
+                  <a:srgbClr val="001080"/>
+                </a:solidFill>
+                <a:effectLst/>
+                <a:latin typeface="Consolas" panose="020B0609020204030204" pitchFamily="49" charset="0"/>
+              </a:rPr>
+              <a:t>rhs</a:t>
+            </a:r>
+            <a:r>
+              <a:rPr lang="en-US" sz="2000" b="0" dirty="0">
+                <a:solidFill>
+                  <a:srgbClr val="001080"/>
+                </a:solidFill>
+                <a:effectLst/>
+                <a:latin typeface="Consolas" panose="020B0609020204030204" pitchFamily="49" charset="0"/>
+              </a:rPr>
+              <a:t>_</a:t>
+            </a:r>
+            <a:r>
+              <a:rPr lang="en-US" sz="2000" b="0" dirty="0">
+                <a:solidFill>
+                  <a:srgbClr val="3B3B3B"/>
+                </a:solidFill>
+                <a:effectLst/>
+                <a:latin typeface="Consolas" panose="020B0609020204030204" pitchFamily="49" charset="0"/>
+              </a:rPr>
+              <a:t>(</a:t>
+            </a:r>
+            <a:r>
+              <a:rPr lang="en-US" sz="2000" b="0" dirty="0">
+                <a:solidFill>
+                  <a:srgbClr val="267F99"/>
+                </a:solidFill>
+                <a:effectLst/>
+                <a:latin typeface="Consolas" panose="020B0609020204030204" pitchFamily="49" charset="0"/>
+              </a:rPr>
+              <a:t>std</a:t>
+            </a:r>
+            <a:r>
+              <a:rPr lang="en-US" sz="2000" b="0" dirty="0">
+                <a:solidFill>
+                  <a:srgbClr val="3B3B3B"/>
+                </a:solidFill>
+                <a:effectLst/>
+                <a:latin typeface="Consolas" panose="020B0609020204030204" pitchFamily="49" charset="0"/>
+              </a:rPr>
+              <a:t>::</a:t>
+            </a:r>
+            <a:r>
+              <a:rPr lang="en-US" sz="2000" b="0" dirty="0">
+                <a:solidFill>
+                  <a:srgbClr val="795E26"/>
+                </a:solidFill>
+                <a:effectLst/>
+                <a:latin typeface="Consolas" panose="020B0609020204030204" pitchFamily="49" charset="0"/>
+              </a:rPr>
+              <a:t>move</a:t>
+            </a:r>
+            <a:r>
+              <a:rPr lang="en-US" sz="2000" b="0" dirty="0">
+                <a:solidFill>
+                  <a:srgbClr val="3B3B3B"/>
+                </a:solidFill>
+                <a:effectLst/>
+                <a:latin typeface="Consolas" panose="020B0609020204030204" pitchFamily="49" charset="0"/>
+              </a:rPr>
+              <a:t>(</a:t>
+            </a:r>
+            <a:r>
+              <a:rPr lang="en-US" sz="2000" b="0" dirty="0" err="1">
+                <a:solidFill>
+                  <a:srgbClr val="001080"/>
+                </a:solidFill>
+                <a:effectLst/>
+                <a:latin typeface="Consolas" panose="020B0609020204030204" pitchFamily="49" charset="0"/>
+              </a:rPr>
+              <a:t>rhs</a:t>
+            </a:r>
+            <a:r>
+              <a:rPr lang="en-US" sz="2000" b="0" dirty="0">
+                <a:solidFill>
+                  <a:srgbClr val="3B3B3B"/>
+                </a:solidFill>
+                <a:effectLst/>
+                <a:latin typeface="Consolas" panose="020B0609020204030204" pitchFamily="49" charset="0"/>
+              </a:rPr>
+              <a:t>)) {}</a:t>
+            </a:r>
+          </a:p>
+          <a:p>
+            <a:br>
+              <a:rPr lang="en-US" sz="2000" b="0" dirty="0">
+                <a:solidFill>
+                  <a:srgbClr val="3B3B3B"/>
+                </a:solidFill>
+                <a:effectLst/>
+                <a:latin typeface="Consolas" panose="020B0609020204030204" pitchFamily="49" charset="0"/>
+              </a:rPr>
+            </a:br>
+            <a:r>
+              <a:rPr lang="en-US" sz="2000" b="0" dirty="0">
+                <a:solidFill>
+                  <a:srgbClr val="3B3B3B"/>
+                </a:solidFill>
+                <a:effectLst/>
+                <a:latin typeface="Consolas" panose="020B0609020204030204" pitchFamily="49" charset="0"/>
+              </a:rPr>
+              <a:t>  </a:t>
+            </a:r>
+            <a:r>
+              <a:rPr lang="en-US" sz="2000" b="0" dirty="0">
+                <a:solidFill>
+                  <a:srgbClr val="0000FF"/>
+                </a:solidFill>
+                <a:effectLst/>
+                <a:latin typeface="Consolas" panose="020B0609020204030204" pitchFamily="49" charset="0"/>
+              </a:rPr>
+              <a:t>void</a:t>
+            </a:r>
+            <a:r>
+              <a:rPr lang="en-US" sz="2000" b="0" dirty="0">
+                <a:solidFill>
+                  <a:srgbClr val="3B3B3B"/>
+                </a:solidFill>
+                <a:effectLst/>
+                <a:latin typeface="Consolas" panose="020B0609020204030204" pitchFamily="49" charset="0"/>
+              </a:rPr>
+              <a:t> </a:t>
+            </a:r>
+            <a:r>
+              <a:rPr lang="en-US" sz="2000" b="0" dirty="0" err="1">
+                <a:solidFill>
+                  <a:srgbClr val="795E26"/>
+                </a:solidFill>
+                <a:effectLst/>
+                <a:latin typeface="Consolas" panose="020B0609020204030204" pitchFamily="49" charset="0"/>
+              </a:rPr>
+              <a:t>FillVariablesTo</a:t>
+            </a:r>
+            <a:r>
+              <a:rPr lang="en-US" sz="2000" b="0" dirty="0">
+                <a:solidFill>
+                  <a:srgbClr val="3B3B3B"/>
+                </a:solidFill>
+                <a:effectLst/>
+                <a:latin typeface="Consolas" panose="020B0609020204030204" pitchFamily="49" charset="0"/>
+              </a:rPr>
+              <a:t>(</a:t>
+            </a:r>
+          </a:p>
+          <a:p>
+            <a:r>
+              <a:rPr lang="en-US" sz="2000" b="0" dirty="0">
+                <a:solidFill>
+                  <a:srgbClr val="3B3B3B"/>
+                </a:solidFill>
+                <a:effectLst/>
+                <a:latin typeface="Consolas" panose="020B0609020204030204" pitchFamily="49" charset="0"/>
+              </a:rPr>
+              <a:t>      </a:t>
+            </a:r>
+            <a:r>
+              <a:rPr lang="en-US" sz="2000" b="0" dirty="0">
+                <a:solidFill>
+                  <a:srgbClr val="267F99"/>
+                </a:solidFill>
+                <a:effectLst/>
+                <a:latin typeface="Consolas" panose="020B0609020204030204" pitchFamily="49" charset="0"/>
+              </a:rPr>
+              <a:t>std</a:t>
+            </a:r>
+            <a:r>
+              <a:rPr lang="en-US" sz="2000" b="0" dirty="0">
+                <a:solidFill>
+                  <a:srgbClr val="3B3B3B"/>
+                </a:solidFill>
+                <a:effectLst/>
+                <a:latin typeface="Consolas" panose="020B0609020204030204" pitchFamily="49" charset="0"/>
+              </a:rPr>
+              <a:t>::</a:t>
+            </a:r>
+            <a:r>
+              <a:rPr lang="en-US" sz="2000" b="0" dirty="0" err="1">
+                <a:solidFill>
+                  <a:srgbClr val="267F99"/>
+                </a:solidFill>
+                <a:effectLst/>
+                <a:latin typeface="Consolas" panose="020B0609020204030204" pitchFamily="49" charset="0"/>
+              </a:rPr>
+              <a:t>unordered_map</a:t>
+            </a:r>
+            <a:r>
+              <a:rPr lang="en-US" sz="2000" b="0" dirty="0">
+                <a:solidFill>
+                  <a:srgbClr val="3B3B3B"/>
+                </a:solidFill>
+                <a:effectLst/>
+                <a:latin typeface="Consolas" panose="020B0609020204030204" pitchFamily="49" charset="0"/>
+              </a:rPr>
+              <a:t>&lt;</a:t>
+            </a:r>
+            <a:r>
+              <a:rPr lang="en-US" sz="2000" b="0" dirty="0">
+                <a:solidFill>
+                  <a:srgbClr val="267F99"/>
+                </a:solidFill>
+                <a:effectLst/>
+                <a:latin typeface="Consolas" panose="020B0609020204030204" pitchFamily="49" charset="0"/>
+              </a:rPr>
+              <a:t>std</a:t>
+            </a:r>
+            <a:r>
+              <a:rPr lang="en-US" sz="2000" b="0" dirty="0">
+                <a:solidFill>
+                  <a:srgbClr val="3B3B3B"/>
+                </a:solidFill>
+                <a:effectLst/>
+                <a:latin typeface="Consolas" panose="020B0609020204030204" pitchFamily="49" charset="0"/>
+              </a:rPr>
+              <a:t>::</a:t>
+            </a:r>
+            <a:r>
+              <a:rPr lang="en-US" sz="2000" b="0" dirty="0">
+                <a:solidFill>
+                  <a:srgbClr val="267F99"/>
+                </a:solidFill>
+                <a:effectLst/>
+                <a:latin typeface="Consolas" panose="020B0609020204030204" pitchFamily="49" charset="0"/>
+              </a:rPr>
+              <a:t>string</a:t>
+            </a:r>
+            <a:r>
+              <a:rPr lang="en-US" sz="2000" b="0" dirty="0">
+                <a:solidFill>
+                  <a:srgbClr val="3B3B3B"/>
+                </a:solidFill>
+                <a:effectLst/>
+                <a:latin typeface="Consolas" panose="020B0609020204030204" pitchFamily="49" charset="0"/>
+              </a:rPr>
+              <a:t>, </a:t>
+            </a:r>
+            <a:r>
+              <a:rPr lang="en-US" sz="2000" b="0" dirty="0">
+                <a:solidFill>
+                  <a:srgbClr val="267F99"/>
+                </a:solidFill>
+                <a:effectLst/>
+                <a:latin typeface="Consolas" panose="020B0609020204030204" pitchFamily="49" charset="0"/>
+              </a:rPr>
+              <a:t>std</a:t>
+            </a:r>
+            <a:r>
+              <a:rPr lang="en-US" sz="2000" b="0" dirty="0">
+                <a:solidFill>
+                  <a:srgbClr val="3B3B3B"/>
+                </a:solidFill>
+                <a:effectLst/>
+                <a:latin typeface="Consolas" panose="020B0609020204030204" pitchFamily="49" charset="0"/>
+              </a:rPr>
+              <a:t>::</a:t>
+            </a:r>
+            <a:r>
+              <a:rPr lang="en-US" sz="2000" b="0" dirty="0">
+                <a:solidFill>
+                  <a:srgbClr val="267F99"/>
+                </a:solidFill>
+                <a:effectLst/>
+                <a:latin typeface="Consolas" panose="020B0609020204030204" pitchFamily="49" charset="0"/>
+              </a:rPr>
+              <a:t>string</a:t>
+            </a:r>
+            <a:r>
+              <a:rPr lang="en-US" sz="2000" b="0" dirty="0">
+                <a:solidFill>
+                  <a:srgbClr val="3B3B3B"/>
+                </a:solidFill>
+                <a:effectLst/>
+                <a:latin typeface="Consolas" panose="020B0609020204030204" pitchFamily="49" charset="0"/>
+              </a:rPr>
+              <a:t>&gt;</a:t>
+            </a:r>
+            <a:r>
+              <a:rPr lang="en-US" sz="2000" b="0" dirty="0">
+                <a:solidFill>
+                  <a:srgbClr val="0000FF"/>
+                </a:solidFill>
+                <a:effectLst/>
+                <a:latin typeface="Consolas" panose="020B0609020204030204" pitchFamily="49" charset="0"/>
+              </a:rPr>
+              <a:t>&amp;</a:t>
+            </a:r>
+            <a:r>
+              <a:rPr lang="en-US" sz="2000" b="0" dirty="0">
+                <a:solidFill>
+                  <a:srgbClr val="3B3B3B"/>
+                </a:solidFill>
+                <a:effectLst/>
+                <a:latin typeface="Consolas" panose="020B0609020204030204" pitchFamily="49" charset="0"/>
+              </a:rPr>
+              <a:t> </a:t>
+            </a:r>
+            <a:r>
+              <a:rPr lang="en-US" sz="2000" b="0" dirty="0">
+                <a:solidFill>
+                  <a:srgbClr val="001080"/>
+                </a:solidFill>
+                <a:effectLst/>
+                <a:latin typeface="Consolas" panose="020B0609020204030204" pitchFamily="49" charset="0"/>
+              </a:rPr>
+              <a:t>variables</a:t>
+            </a:r>
+            <a:r>
+              <a:rPr lang="en-US" sz="2000" b="0" dirty="0">
+                <a:solidFill>
+                  <a:srgbClr val="3B3B3B"/>
+                </a:solidFill>
+                <a:effectLst/>
+                <a:latin typeface="Consolas" panose="020B0609020204030204" pitchFamily="49" charset="0"/>
+              </a:rPr>
+              <a:t>) </a:t>
+            </a:r>
+            <a:r>
+              <a:rPr lang="en-US" sz="2000" b="0" dirty="0">
+                <a:solidFill>
+                  <a:srgbClr val="0000FF"/>
+                </a:solidFill>
+                <a:effectLst/>
+                <a:latin typeface="Consolas" panose="020B0609020204030204" pitchFamily="49" charset="0"/>
+              </a:rPr>
+              <a:t>const</a:t>
+            </a:r>
+            <a:r>
+              <a:rPr lang="en-US" sz="2000" b="0" dirty="0">
+                <a:solidFill>
+                  <a:srgbClr val="3B3B3B"/>
+                </a:solidFill>
+                <a:effectLst/>
+                <a:latin typeface="Consolas" panose="020B0609020204030204" pitchFamily="49" charset="0"/>
+              </a:rPr>
+              <a:t> </a:t>
+            </a:r>
+            <a:r>
+              <a:rPr lang="en-US" sz="2000" b="0" dirty="0">
+                <a:solidFill>
+                  <a:srgbClr val="0000FF"/>
+                </a:solidFill>
+                <a:effectLst/>
+                <a:latin typeface="Consolas" panose="020B0609020204030204" pitchFamily="49" charset="0"/>
+              </a:rPr>
+              <a:t>override</a:t>
+            </a:r>
+            <a:r>
+              <a:rPr lang="en-US" sz="2000" b="0" dirty="0">
+                <a:solidFill>
+                  <a:srgbClr val="3B3B3B"/>
+                </a:solidFill>
+                <a:effectLst/>
+                <a:latin typeface="Consolas" panose="020B0609020204030204" pitchFamily="49" charset="0"/>
+              </a:rPr>
+              <a:t> {</a:t>
+            </a:r>
+          </a:p>
+          <a:p>
+            <a:r>
+              <a:rPr lang="en-US" sz="2000" b="0" dirty="0">
+                <a:solidFill>
+                  <a:srgbClr val="3B3B3B"/>
+                </a:solidFill>
+                <a:effectLst/>
+                <a:latin typeface="Consolas" panose="020B0609020204030204" pitchFamily="49" charset="0"/>
+              </a:rPr>
+              <a:t>    </a:t>
+            </a:r>
+            <a:r>
+              <a:rPr lang="en-US" sz="2000" b="0" dirty="0" err="1">
+                <a:solidFill>
+                  <a:srgbClr val="001080"/>
+                </a:solidFill>
+                <a:effectLst/>
+                <a:latin typeface="Consolas" panose="020B0609020204030204" pitchFamily="49" charset="0"/>
+              </a:rPr>
+              <a:t>lhs</a:t>
+            </a:r>
+            <a:r>
+              <a:rPr lang="en-US" sz="2000" b="0" dirty="0">
+                <a:solidFill>
+                  <a:srgbClr val="001080"/>
+                </a:solidFill>
+                <a:effectLst/>
+                <a:latin typeface="Consolas" panose="020B0609020204030204" pitchFamily="49" charset="0"/>
+              </a:rPr>
+              <a:t>_</a:t>
+            </a:r>
+            <a:r>
+              <a:rPr lang="en-US" sz="2000" b="0" dirty="0">
+                <a:solidFill>
+                  <a:srgbClr val="3B3B3B"/>
+                </a:solidFill>
+                <a:effectLst/>
+                <a:latin typeface="Consolas" panose="020B0609020204030204" pitchFamily="49" charset="0"/>
+              </a:rPr>
+              <a:t>-&gt;</a:t>
+            </a:r>
+            <a:r>
+              <a:rPr lang="en-US" sz="2000" b="0" dirty="0" err="1">
+                <a:solidFill>
+                  <a:srgbClr val="795E26"/>
+                </a:solidFill>
+                <a:effectLst/>
+                <a:latin typeface="Consolas" panose="020B0609020204030204" pitchFamily="49" charset="0"/>
+              </a:rPr>
+              <a:t>FillVariablesTo</a:t>
+            </a:r>
+            <a:r>
+              <a:rPr lang="en-US" sz="2000" b="0" dirty="0">
+                <a:solidFill>
+                  <a:srgbClr val="3B3B3B"/>
+                </a:solidFill>
+                <a:effectLst/>
+                <a:latin typeface="Consolas" panose="020B0609020204030204" pitchFamily="49" charset="0"/>
+              </a:rPr>
+              <a:t>(</a:t>
+            </a:r>
+            <a:r>
+              <a:rPr lang="en-US" sz="2000" b="0" dirty="0">
+                <a:solidFill>
+                  <a:srgbClr val="001080"/>
+                </a:solidFill>
+                <a:effectLst/>
+                <a:latin typeface="Consolas" panose="020B0609020204030204" pitchFamily="49" charset="0"/>
+              </a:rPr>
+              <a:t>variables</a:t>
+            </a:r>
+            <a:r>
+              <a:rPr lang="en-US" sz="2000" b="0" dirty="0">
+                <a:solidFill>
+                  <a:srgbClr val="3B3B3B"/>
+                </a:solidFill>
+                <a:effectLst/>
+                <a:latin typeface="Consolas" panose="020B0609020204030204" pitchFamily="49" charset="0"/>
+              </a:rPr>
+              <a:t>);</a:t>
+            </a:r>
+          </a:p>
+          <a:p>
+            <a:r>
+              <a:rPr lang="en-US" sz="2000" b="0" dirty="0">
+                <a:solidFill>
+                  <a:srgbClr val="3B3B3B"/>
+                </a:solidFill>
+                <a:effectLst/>
+                <a:latin typeface="Consolas" panose="020B0609020204030204" pitchFamily="49" charset="0"/>
+              </a:rPr>
+              <a:t>    </a:t>
+            </a:r>
+            <a:r>
+              <a:rPr lang="en-US" sz="2000" b="0" dirty="0" err="1">
+                <a:solidFill>
+                  <a:srgbClr val="001080"/>
+                </a:solidFill>
+                <a:effectLst/>
+                <a:latin typeface="Consolas" panose="020B0609020204030204" pitchFamily="49" charset="0"/>
+              </a:rPr>
+              <a:t>rhs</a:t>
+            </a:r>
+            <a:r>
+              <a:rPr lang="en-US" sz="2000" b="0" dirty="0">
+                <a:solidFill>
+                  <a:srgbClr val="001080"/>
+                </a:solidFill>
+                <a:effectLst/>
+                <a:latin typeface="Consolas" panose="020B0609020204030204" pitchFamily="49" charset="0"/>
+              </a:rPr>
+              <a:t>_</a:t>
+            </a:r>
+            <a:r>
+              <a:rPr lang="en-US" sz="2000" b="0" dirty="0">
+                <a:solidFill>
+                  <a:srgbClr val="3B3B3B"/>
+                </a:solidFill>
+                <a:effectLst/>
+                <a:latin typeface="Consolas" panose="020B0609020204030204" pitchFamily="49" charset="0"/>
+              </a:rPr>
+              <a:t>-&gt;</a:t>
+            </a:r>
+            <a:r>
+              <a:rPr lang="en-US" sz="2000" b="0" dirty="0" err="1">
+                <a:solidFill>
+                  <a:srgbClr val="795E26"/>
+                </a:solidFill>
+                <a:effectLst/>
+                <a:latin typeface="Consolas" panose="020B0609020204030204" pitchFamily="49" charset="0"/>
+              </a:rPr>
+              <a:t>FillVariablesTo</a:t>
+            </a:r>
+            <a:r>
+              <a:rPr lang="en-US" sz="2000" b="0" dirty="0">
+                <a:solidFill>
+                  <a:srgbClr val="3B3B3B"/>
+                </a:solidFill>
+                <a:effectLst/>
+                <a:latin typeface="Consolas" panose="020B0609020204030204" pitchFamily="49" charset="0"/>
+              </a:rPr>
+              <a:t>(</a:t>
+            </a:r>
+            <a:r>
+              <a:rPr lang="en-US" sz="2000" b="0" dirty="0">
+                <a:solidFill>
+                  <a:srgbClr val="001080"/>
+                </a:solidFill>
+                <a:effectLst/>
+                <a:latin typeface="Consolas" panose="020B0609020204030204" pitchFamily="49" charset="0"/>
+              </a:rPr>
+              <a:t>variables</a:t>
+            </a:r>
+            <a:r>
+              <a:rPr lang="en-US" sz="2000" b="0" dirty="0">
+                <a:solidFill>
+                  <a:srgbClr val="3B3B3B"/>
+                </a:solidFill>
+                <a:effectLst/>
+                <a:latin typeface="Consolas" panose="020B0609020204030204" pitchFamily="49" charset="0"/>
+              </a:rPr>
+              <a:t>);</a:t>
+            </a:r>
+          </a:p>
+          <a:p>
+            <a:r>
+              <a:rPr lang="en-US" sz="2000" b="0" dirty="0">
+                <a:solidFill>
+                  <a:srgbClr val="3B3B3B"/>
+                </a:solidFill>
+                <a:effectLst/>
+                <a:latin typeface="Consolas" panose="020B0609020204030204" pitchFamily="49" charset="0"/>
+              </a:rPr>
+              <a:t>  }</a:t>
+            </a:r>
+          </a:p>
+          <a:p>
+            <a:r>
+              <a:rPr lang="en-US" sz="2000" b="0" dirty="0">
+                <a:solidFill>
+                  <a:srgbClr val="3B3B3B"/>
+                </a:solidFill>
+                <a:effectLst/>
+                <a:latin typeface="Consolas" panose="020B0609020204030204" pitchFamily="49" charset="0"/>
+              </a:rPr>
+              <a:t>};</a:t>
+            </a:r>
+          </a:p>
+        </p:txBody>
+      </p:sp>
+    </p:spTree>
+    <p:extLst>
+      <p:ext uri="{BB962C8B-B14F-4D97-AF65-F5344CB8AC3E}">
+        <p14:creationId xmlns:p14="http://schemas.microsoft.com/office/powerpoint/2010/main" val="2815192898"/>
+      </p:ext>
+    </p:extLst>
+  </p:cSld>
+  <p:clrMapOvr>
+    <a:masterClrMapping/>
+  </p:clrMapOvr>
+  <p:transition spd="slow">
+    <p:push dir="u"/>
+  </p:transition>
+</p:sld>
+</file>
+
+<file path=ppt/slides/slide31.xml><?xml version="1.0" encoding="utf-8"?>
+<p:sld xmlns:a="http://schemas.openxmlformats.org/drawingml/2006/main" xmlns:r="http://schemas.openxmlformats.org/officeDocument/2006/relationships" xmlns:p="http://schemas.openxmlformats.org/presentationml/2006/main">
+  <p:cSld>
+    <p:spTree>
+      <p:nvGrpSpPr>
+        <p:cNvPr id="1" name=""/>
+        <p:cNvGrpSpPr/>
+        <p:nvPr/>
+      </p:nvGrpSpPr>
+      <p:grpSpPr>
+        <a:xfrm>
+          <a:off x="0" y="0"/>
+          <a:ext cx="0" cy="0"/>
+          <a:chOff x="0" y="0"/>
+          <a:chExt cx="0" cy="0"/>
+        </a:xfrm>
+      </p:grpSpPr>
+      <p:sp>
+        <p:nvSpPr>
+          <p:cNvPr id="2" name="Footer Placeholder 1">
+            <a:extLst>
+              <a:ext uri="{FF2B5EF4-FFF2-40B4-BE49-F238E27FC236}">
+                <a16:creationId xmlns:a16="http://schemas.microsoft.com/office/drawing/2014/main" id="{71D5D624-1AA6-4945-BD4E-150CD1DE4D9C}"/>
+              </a:ext>
+            </a:extLst>
+          </p:cNvPr>
+          <p:cNvSpPr>
+            <a:spLocks noGrp="1"/>
+          </p:cNvSpPr>
+          <p:nvPr>
+            <p:ph type="ftr" sz="quarter" idx="11"/>
+          </p:nvPr>
+        </p:nvSpPr>
+        <p:spPr/>
+        <p:txBody>
+          <a:bodyPr/>
+          <a:lstStyle/>
+          <a:p>
+            <a:endParaRPr lang="ru-RU" dirty="0"/>
+          </a:p>
+        </p:txBody>
+      </p:sp>
+      <p:sp>
+        <p:nvSpPr>
+          <p:cNvPr id="3" name="Slide Number Placeholder 2">
+            <a:extLst>
+              <a:ext uri="{FF2B5EF4-FFF2-40B4-BE49-F238E27FC236}">
+                <a16:creationId xmlns:a16="http://schemas.microsoft.com/office/drawing/2014/main" id="{DD3EA27F-D800-4246-A59D-21AC713B42A5}"/>
+              </a:ext>
+            </a:extLst>
+          </p:cNvPr>
+          <p:cNvSpPr>
+            <a:spLocks noGrp="1"/>
+          </p:cNvSpPr>
+          <p:nvPr>
+            <p:ph type="sldNum" sz="quarter" idx="12"/>
+          </p:nvPr>
+        </p:nvSpPr>
+        <p:spPr/>
+        <p:txBody>
+          <a:bodyPr/>
+          <a:lstStyle/>
+          <a:p>
+            <a:fld id="{8DE7FA1B-F957-4F22-889A-E25B642749EF}" type="slidenum">
+              <a:rPr lang="ru-RU" smtClean="0"/>
+              <a:pPr/>
+              <a:t>31</a:t>
+            </a:fld>
+            <a:endParaRPr lang="ru-RU" dirty="0"/>
+          </a:p>
+        </p:txBody>
+      </p:sp>
+      <p:sp>
+        <p:nvSpPr>
+          <p:cNvPr id="4" name="Content Placeholder 3">
+            <a:extLst>
+              <a:ext uri="{FF2B5EF4-FFF2-40B4-BE49-F238E27FC236}">
+                <a16:creationId xmlns:a16="http://schemas.microsoft.com/office/drawing/2014/main" id="{73FA2DE6-4D72-4752-9D2F-4411C2E144A9}"/>
+              </a:ext>
+            </a:extLst>
+          </p:cNvPr>
+          <p:cNvSpPr>
+            <a:spLocks noGrp="1"/>
+          </p:cNvSpPr>
+          <p:nvPr>
+            <p:ph idx="25"/>
+          </p:nvPr>
+        </p:nvSpPr>
+        <p:spPr>
+          <a:xfrm>
+            <a:off x="371474" y="287216"/>
+            <a:ext cx="11449051" cy="6570784"/>
+          </a:xfrm>
+        </p:spPr>
+        <p:txBody>
+          <a:bodyPr>
+            <a:noAutofit/>
+          </a:bodyPr>
+          <a:lstStyle/>
+          <a:p>
+            <a:r>
+              <a:rPr lang="en-US" sz="2000" b="0" dirty="0">
+                <a:solidFill>
+                  <a:srgbClr val="0000FF"/>
+                </a:solidFill>
+                <a:effectLst/>
+                <a:latin typeface="Consolas" panose="020B0609020204030204" pitchFamily="49" charset="0"/>
+              </a:rPr>
+              <a:t>template</a:t>
+            </a:r>
+            <a:r>
+              <a:rPr lang="en-US" sz="2000" b="0" dirty="0">
+                <a:solidFill>
+                  <a:srgbClr val="3B3B3B"/>
+                </a:solidFill>
+                <a:effectLst/>
+                <a:latin typeface="Consolas" panose="020B0609020204030204" pitchFamily="49" charset="0"/>
+              </a:rPr>
+              <a:t> &lt;</a:t>
+            </a:r>
+            <a:r>
+              <a:rPr lang="en-US" sz="2000" b="0" dirty="0" err="1">
+                <a:solidFill>
+                  <a:srgbClr val="0000FF"/>
+                </a:solidFill>
+                <a:effectLst/>
+                <a:latin typeface="Consolas" panose="020B0609020204030204" pitchFamily="49" charset="0"/>
+              </a:rPr>
+              <a:t>typename</a:t>
+            </a:r>
+            <a:r>
+              <a:rPr lang="en-US" sz="2000" b="0" dirty="0">
+                <a:solidFill>
+                  <a:srgbClr val="3B3B3B"/>
+                </a:solidFill>
+                <a:effectLst/>
+                <a:latin typeface="Consolas" panose="020B0609020204030204" pitchFamily="49" charset="0"/>
+              </a:rPr>
+              <a:t> </a:t>
+            </a:r>
+            <a:r>
+              <a:rPr lang="en-US" sz="2000" b="0" dirty="0">
+                <a:solidFill>
+                  <a:srgbClr val="267F99"/>
+                </a:solidFill>
+                <a:effectLst/>
+                <a:latin typeface="Consolas" panose="020B0609020204030204" pitchFamily="49" charset="0"/>
+              </a:rPr>
+              <a:t>T</a:t>
+            </a:r>
+            <a:r>
+              <a:rPr lang="en-US" sz="2000" b="0" dirty="0">
+                <a:solidFill>
+                  <a:srgbClr val="3B3B3B"/>
+                </a:solidFill>
+                <a:effectLst/>
+                <a:latin typeface="Consolas" panose="020B0609020204030204" pitchFamily="49" charset="0"/>
+              </a:rPr>
+              <a:t>, </a:t>
+            </a:r>
+            <a:r>
+              <a:rPr lang="en-US" sz="2000" b="0" dirty="0" err="1">
+                <a:solidFill>
+                  <a:srgbClr val="0000FF"/>
+                </a:solidFill>
+                <a:effectLst/>
+                <a:latin typeface="Consolas" panose="020B0609020204030204" pitchFamily="49" charset="0"/>
+              </a:rPr>
+              <a:t>typename</a:t>
+            </a:r>
+            <a:r>
+              <a:rPr lang="en-US" sz="2000" b="0" dirty="0">
+                <a:solidFill>
+                  <a:srgbClr val="3B3B3B"/>
+                </a:solidFill>
+                <a:effectLst/>
+                <a:latin typeface="Consolas" panose="020B0609020204030204" pitchFamily="49" charset="0"/>
+              </a:rPr>
+              <a:t> </a:t>
+            </a:r>
+            <a:r>
+              <a:rPr lang="en-US" sz="2000" b="0" dirty="0">
+                <a:solidFill>
+                  <a:srgbClr val="267F99"/>
+                </a:solidFill>
+                <a:effectLst/>
+                <a:latin typeface="Consolas" panose="020B0609020204030204" pitchFamily="49" charset="0"/>
+              </a:rPr>
+              <a:t>U</a:t>
+            </a:r>
+            <a:r>
+              <a:rPr lang="en-US" sz="2000" b="0" dirty="0">
+                <a:solidFill>
+                  <a:srgbClr val="3B3B3B"/>
+                </a:solidFill>
+                <a:effectLst/>
+                <a:latin typeface="Consolas" panose="020B0609020204030204" pitchFamily="49" charset="0"/>
+              </a:rPr>
+              <a:t>&gt;</a:t>
+            </a:r>
+          </a:p>
+          <a:p>
+            <a:r>
+              <a:rPr lang="en-US" sz="2000" b="0" dirty="0">
+                <a:solidFill>
+                  <a:srgbClr val="AF00DB"/>
+                </a:solidFill>
+                <a:effectLst/>
+                <a:latin typeface="Consolas" panose="020B0609020204030204" pitchFamily="49" charset="0"/>
+              </a:rPr>
+              <a:t>using</a:t>
+            </a:r>
+            <a:r>
+              <a:rPr lang="en-US" sz="2000" b="0" dirty="0">
+                <a:solidFill>
+                  <a:srgbClr val="3B3B3B"/>
+                </a:solidFill>
+                <a:effectLst/>
+                <a:latin typeface="Consolas" panose="020B0609020204030204" pitchFamily="49" charset="0"/>
+              </a:rPr>
+              <a:t> </a:t>
+            </a:r>
+            <a:r>
+              <a:rPr lang="en-US" sz="2000" b="0" dirty="0" err="1">
+                <a:solidFill>
+                  <a:srgbClr val="267F99"/>
+                </a:solidFill>
+                <a:effectLst/>
+                <a:latin typeface="Consolas" panose="020B0609020204030204" pitchFamily="49" charset="0"/>
+              </a:rPr>
+              <a:t>SumType_t</a:t>
+            </a:r>
+            <a:r>
+              <a:rPr lang="en-US" sz="2000" b="0" dirty="0">
+                <a:solidFill>
+                  <a:srgbClr val="3B3B3B"/>
+                </a:solidFill>
+                <a:effectLst/>
+                <a:latin typeface="Consolas" panose="020B0609020204030204" pitchFamily="49" charset="0"/>
+              </a:rPr>
+              <a:t> </a:t>
+            </a:r>
+            <a:r>
+              <a:rPr lang="en-US" sz="2000" b="0" dirty="0">
+                <a:solidFill>
+                  <a:srgbClr val="000000"/>
+                </a:solidFill>
+                <a:effectLst/>
+                <a:latin typeface="Consolas" panose="020B0609020204030204" pitchFamily="49" charset="0"/>
+              </a:rPr>
+              <a:t>=</a:t>
+            </a:r>
+            <a:r>
+              <a:rPr lang="en-US" sz="2000" b="0" dirty="0">
+                <a:solidFill>
+                  <a:srgbClr val="3B3B3B"/>
+                </a:solidFill>
+                <a:effectLst/>
+                <a:latin typeface="Consolas" panose="020B0609020204030204" pitchFamily="49" charset="0"/>
+              </a:rPr>
+              <a:t> </a:t>
+            </a:r>
+            <a:r>
+              <a:rPr lang="en-US" sz="2000" b="0" dirty="0" err="1">
+                <a:solidFill>
+                  <a:srgbClr val="0000FF"/>
+                </a:solidFill>
+                <a:effectLst/>
+                <a:latin typeface="Consolas" panose="020B0609020204030204" pitchFamily="49" charset="0"/>
+              </a:rPr>
+              <a:t>decltype</a:t>
+            </a:r>
+            <a:r>
+              <a:rPr lang="en-US" sz="2000" b="0" dirty="0">
+                <a:solidFill>
+                  <a:srgbClr val="3B3B3B"/>
+                </a:solidFill>
+                <a:effectLst/>
+                <a:latin typeface="Consolas" panose="020B0609020204030204" pitchFamily="49" charset="0"/>
+              </a:rPr>
+              <a:t>(</a:t>
+            </a:r>
+            <a:r>
+              <a:rPr lang="en-US" sz="2000" b="0" dirty="0">
+                <a:solidFill>
+                  <a:srgbClr val="267F99"/>
+                </a:solidFill>
+                <a:effectLst/>
+                <a:latin typeface="Consolas" panose="020B0609020204030204" pitchFamily="49" charset="0"/>
+              </a:rPr>
+              <a:t>std</a:t>
+            </a:r>
+            <a:r>
+              <a:rPr lang="en-US" sz="2000" b="0" dirty="0">
+                <a:solidFill>
+                  <a:srgbClr val="3B3B3B"/>
+                </a:solidFill>
+                <a:effectLst/>
+                <a:latin typeface="Consolas" panose="020B0609020204030204" pitchFamily="49" charset="0"/>
+              </a:rPr>
+              <a:t>::</a:t>
+            </a:r>
+            <a:r>
+              <a:rPr lang="en-US" sz="2000" b="0" dirty="0" err="1">
+                <a:solidFill>
+                  <a:srgbClr val="795E26"/>
+                </a:solidFill>
+                <a:effectLst/>
+                <a:latin typeface="Consolas" panose="020B0609020204030204" pitchFamily="49" charset="0"/>
+              </a:rPr>
+              <a:t>declval</a:t>
+            </a:r>
+            <a:r>
+              <a:rPr lang="en-US" sz="2000" b="0" dirty="0">
+                <a:solidFill>
+                  <a:srgbClr val="3B3B3B"/>
+                </a:solidFill>
+                <a:effectLst/>
+                <a:latin typeface="Consolas" panose="020B0609020204030204" pitchFamily="49" charset="0"/>
+              </a:rPr>
+              <a:t>&lt;</a:t>
+            </a:r>
+            <a:r>
+              <a:rPr lang="en-US" sz="2000" b="0" dirty="0">
+                <a:solidFill>
+                  <a:srgbClr val="267F99"/>
+                </a:solidFill>
+                <a:effectLst/>
+                <a:latin typeface="Consolas" panose="020B0609020204030204" pitchFamily="49" charset="0"/>
+              </a:rPr>
+              <a:t>T</a:t>
+            </a:r>
+            <a:r>
+              <a:rPr lang="en-US" sz="2000" b="0" dirty="0">
+                <a:solidFill>
+                  <a:srgbClr val="3B3B3B"/>
+                </a:solidFill>
+                <a:effectLst/>
+                <a:latin typeface="Consolas" panose="020B0609020204030204" pitchFamily="49" charset="0"/>
+              </a:rPr>
+              <a:t>&gt;() </a:t>
+            </a:r>
+            <a:r>
+              <a:rPr lang="en-US" sz="2000" b="0" dirty="0">
+                <a:solidFill>
+                  <a:srgbClr val="000000"/>
+                </a:solidFill>
+                <a:effectLst/>
+                <a:latin typeface="Consolas" panose="020B0609020204030204" pitchFamily="49" charset="0"/>
+              </a:rPr>
+              <a:t>+</a:t>
+            </a:r>
+            <a:r>
+              <a:rPr lang="en-US" sz="2000" b="0" dirty="0">
+                <a:solidFill>
+                  <a:srgbClr val="3B3B3B"/>
+                </a:solidFill>
+                <a:effectLst/>
+                <a:latin typeface="Consolas" panose="020B0609020204030204" pitchFamily="49" charset="0"/>
+              </a:rPr>
+              <a:t> </a:t>
+            </a:r>
+            <a:r>
+              <a:rPr lang="en-US" sz="2000" b="0" dirty="0">
+                <a:solidFill>
+                  <a:srgbClr val="267F99"/>
+                </a:solidFill>
+                <a:effectLst/>
+                <a:latin typeface="Consolas" panose="020B0609020204030204" pitchFamily="49" charset="0"/>
+              </a:rPr>
+              <a:t>std</a:t>
+            </a:r>
+            <a:r>
+              <a:rPr lang="en-US" sz="2000" b="0" dirty="0">
+                <a:solidFill>
+                  <a:srgbClr val="3B3B3B"/>
+                </a:solidFill>
+                <a:effectLst/>
+                <a:latin typeface="Consolas" panose="020B0609020204030204" pitchFamily="49" charset="0"/>
+              </a:rPr>
+              <a:t>::</a:t>
+            </a:r>
+            <a:r>
+              <a:rPr lang="en-US" sz="2000" b="0" dirty="0" err="1">
+                <a:solidFill>
+                  <a:srgbClr val="795E26"/>
+                </a:solidFill>
+                <a:effectLst/>
+                <a:latin typeface="Consolas" panose="020B0609020204030204" pitchFamily="49" charset="0"/>
+              </a:rPr>
+              <a:t>declval</a:t>
+            </a:r>
+            <a:r>
+              <a:rPr lang="en-US" sz="2000" b="0" dirty="0">
+                <a:solidFill>
+                  <a:srgbClr val="3B3B3B"/>
+                </a:solidFill>
+                <a:effectLst/>
+                <a:latin typeface="Consolas" panose="020B0609020204030204" pitchFamily="49" charset="0"/>
+              </a:rPr>
+              <a:t>&lt;</a:t>
+            </a:r>
+            <a:r>
+              <a:rPr lang="en-US" sz="2000" b="0" dirty="0">
+                <a:solidFill>
+                  <a:srgbClr val="267F99"/>
+                </a:solidFill>
+                <a:effectLst/>
+                <a:latin typeface="Consolas" panose="020B0609020204030204" pitchFamily="49" charset="0"/>
+              </a:rPr>
+              <a:t>U</a:t>
+            </a:r>
+            <a:r>
+              <a:rPr lang="en-US" sz="2000" b="0" dirty="0">
+                <a:solidFill>
+                  <a:srgbClr val="3B3B3B"/>
+                </a:solidFill>
+                <a:effectLst/>
+                <a:latin typeface="Consolas" panose="020B0609020204030204" pitchFamily="49" charset="0"/>
+              </a:rPr>
+              <a:t>&gt;());</a:t>
+            </a:r>
+          </a:p>
+          <a:p>
+            <a:br>
+              <a:rPr lang="en-US" sz="2000" b="0" dirty="0">
+                <a:solidFill>
+                  <a:srgbClr val="3B3B3B"/>
+                </a:solidFill>
+                <a:effectLst/>
+                <a:latin typeface="Consolas" panose="020B0609020204030204" pitchFamily="49" charset="0"/>
+              </a:rPr>
+            </a:br>
+            <a:r>
+              <a:rPr lang="en-US" sz="2000" b="0" dirty="0">
+                <a:solidFill>
+                  <a:srgbClr val="0000FF"/>
+                </a:solidFill>
+                <a:effectLst/>
+                <a:latin typeface="Consolas" panose="020B0609020204030204" pitchFamily="49" charset="0"/>
+              </a:rPr>
+              <a:t>template</a:t>
+            </a:r>
+            <a:r>
+              <a:rPr lang="en-US" sz="2000" b="0" dirty="0">
+                <a:solidFill>
+                  <a:srgbClr val="3B3B3B"/>
+                </a:solidFill>
+                <a:effectLst/>
+                <a:latin typeface="Consolas" panose="020B0609020204030204" pitchFamily="49" charset="0"/>
+              </a:rPr>
+              <a:t> &lt;</a:t>
+            </a:r>
+            <a:r>
+              <a:rPr lang="en-US" sz="2000" b="0" dirty="0" err="1">
+                <a:solidFill>
+                  <a:srgbClr val="0000FF"/>
+                </a:solidFill>
+                <a:effectLst/>
+                <a:latin typeface="Consolas" panose="020B0609020204030204" pitchFamily="49" charset="0"/>
+              </a:rPr>
+              <a:t>typename</a:t>
+            </a:r>
+            <a:r>
+              <a:rPr lang="en-US" sz="2000" b="0" dirty="0">
+                <a:solidFill>
+                  <a:srgbClr val="3B3B3B"/>
+                </a:solidFill>
+                <a:effectLst/>
+                <a:latin typeface="Consolas" panose="020B0609020204030204" pitchFamily="49" charset="0"/>
+              </a:rPr>
+              <a:t> </a:t>
+            </a:r>
+            <a:r>
+              <a:rPr lang="en-US" sz="2000" b="0" dirty="0">
+                <a:solidFill>
+                  <a:srgbClr val="267F99"/>
+                </a:solidFill>
+                <a:effectLst/>
+                <a:latin typeface="Consolas" panose="020B0609020204030204" pitchFamily="49" charset="0"/>
+              </a:rPr>
+              <a:t>T</a:t>
+            </a:r>
+            <a:r>
+              <a:rPr lang="en-US" sz="2000" b="0" dirty="0">
+                <a:solidFill>
+                  <a:srgbClr val="3B3B3B"/>
+                </a:solidFill>
+                <a:effectLst/>
+                <a:latin typeface="Consolas" panose="020B0609020204030204" pitchFamily="49" charset="0"/>
+              </a:rPr>
+              <a:t>, </a:t>
+            </a:r>
+            <a:r>
+              <a:rPr lang="en-US" sz="2000" b="0" dirty="0" err="1">
+                <a:solidFill>
+                  <a:srgbClr val="0000FF"/>
+                </a:solidFill>
+                <a:effectLst/>
+                <a:latin typeface="Consolas" panose="020B0609020204030204" pitchFamily="49" charset="0"/>
+              </a:rPr>
+              <a:t>typename</a:t>
+            </a:r>
+            <a:r>
+              <a:rPr lang="en-US" sz="2000" b="0" dirty="0">
+                <a:solidFill>
+                  <a:srgbClr val="3B3B3B"/>
+                </a:solidFill>
+                <a:effectLst/>
+                <a:latin typeface="Consolas" panose="020B0609020204030204" pitchFamily="49" charset="0"/>
+              </a:rPr>
+              <a:t> </a:t>
+            </a:r>
+            <a:r>
+              <a:rPr lang="en-US" sz="2000" b="0" dirty="0">
+                <a:solidFill>
+                  <a:srgbClr val="267F99"/>
+                </a:solidFill>
+                <a:effectLst/>
+                <a:latin typeface="Consolas" panose="020B0609020204030204" pitchFamily="49" charset="0"/>
+              </a:rPr>
+              <a:t>U</a:t>
+            </a:r>
+            <a:r>
+              <a:rPr lang="en-US" sz="2000" b="0" dirty="0">
+                <a:solidFill>
+                  <a:srgbClr val="3B3B3B"/>
+                </a:solidFill>
+                <a:effectLst/>
+                <a:latin typeface="Consolas" panose="020B0609020204030204" pitchFamily="49" charset="0"/>
+              </a:rPr>
+              <a:t>&gt;</a:t>
+            </a:r>
+          </a:p>
+          <a:p>
+            <a:r>
+              <a:rPr lang="en-US" sz="2000" b="0" dirty="0">
+                <a:solidFill>
+                  <a:srgbClr val="0000FF"/>
+                </a:solidFill>
+                <a:effectLst/>
+                <a:latin typeface="Consolas" panose="020B0609020204030204" pitchFamily="49" charset="0"/>
+              </a:rPr>
+              <a:t>class</a:t>
+            </a:r>
+            <a:r>
+              <a:rPr lang="en-US" sz="2000" b="0" dirty="0">
+                <a:solidFill>
+                  <a:srgbClr val="3B3B3B"/>
+                </a:solidFill>
+                <a:effectLst/>
+                <a:latin typeface="Consolas" panose="020B0609020204030204" pitchFamily="49" charset="0"/>
+              </a:rPr>
+              <a:t> </a:t>
+            </a:r>
+            <a:r>
+              <a:rPr lang="en-US" sz="2000" b="0" dirty="0">
+                <a:solidFill>
+                  <a:srgbClr val="267F99"/>
+                </a:solidFill>
+                <a:effectLst/>
+                <a:latin typeface="Consolas" panose="020B0609020204030204" pitchFamily="49" charset="0"/>
+              </a:rPr>
+              <a:t>Sum</a:t>
+            </a:r>
+            <a:r>
+              <a:rPr lang="en-US" sz="2000" b="0" dirty="0">
+                <a:solidFill>
+                  <a:srgbClr val="3B3B3B"/>
+                </a:solidFill>
+                <a:effectLst/>
+                <a:latin typeface="Consolas" panose="020B0609020204030204" pitchFamily="49" charset="0"/>
+              </a:rPr>
+              <a:t> : </a:t>
+            </a:r>
+            <a:r>
+              <a:rPr lang="en-US" sz="2000" b="0" dirty="0">
+                <a:solidFill>
+                  <a:srgbClr val="0000FF"/>
+                </a:solidFill>
+                <a:effectLst/>
+                <a:latin typeface="Consolas" panose="020B0609020204030204" pitchFamily="49" charset="0"/>
+              </a:rPr>
+              <a:t>public</a:t>
+            </a:r>
+            <a:r>
+              <a:rPr lang="en-US" sz="2000" b="0" dirty="0">
+                <a:solidFill>
+                  <a:srgbClr val="3B3B3B"/>
+                </a:solidFill>
+                <a:effectLst/>
+                <a:latin typeface="Consolas" panose="020B0609020204030204" pitchFamily="49" charset="0"/>
+              </a:rPr>
+              <a:t> </a:t>
+            </a:r>
+            <a:r>
+              <a:rPr lang="en-US" sz="2000" b="0" dirty="0" err="1">
+                <a:solidFill>
+                  <a:srgbClr val="267F99"/>
+                </a:solidFill>
+                <a:effectLst/>
+                <a:latin typeface="Consolas" panose="020B0609020204030204" pitchFamily="49" charset="0"/>
+              </a:rPr>
+              <a:t>BinaryOp</a:t>
+            </a:r>
+            <a:r>
+              <a:rPr lang="en-US" sz="2000" b="0" dirty="0">
+                <a:solidFill>
+                  <a:srgbClr val="3B3B3B"/>
+                </a:solidFill>
+                <a:effectLst/>
+                <a:latin typeface="Consolas" panose="020B0609020204030204" pitchFamily="49" charset="0"/>
+              </a:rPr>
+              <a:t>&lt;</a:t>
+            </a:r>
+            <a:r>
+              <a:rPr lang="en-US" sz="2000" b="0" dirty="0">
+                <a:solidFill>
+                  <a:srgbClr val="267F99"/>
+                </a:solidFill>
+                <a:effectLst/>
+                <a:latin typeface="Consolas" panose="020B0609020204030204" pitchFamily="49" charset="0"/>
+              </a:rPr>
+              <a:t>T</a:t>
+            </a:r>
+            <a:r>
+              <a:rPr lang="en-US" sz="2000" b="0" dirty="0">
+                <a:solidFill>
+                  <a:srgbClr val="3B3B3B"/>
+                </a:solidFill>
+                <a:effectLst/>
+                <a:latin typeface="Consolas" panose="020B0609020204030204" pitchFamily="49" charset="0"/>
+              </a:rPr>
+              <a:t>, </a:t>
+            </a:r>
+            <a:r>
+              <a:rPr lang="en-US" sz="2000" b="0" dirty="0">
+                <a:solidFill>
+                  <a:srgbClr val="267F99"/>
+                </a:solidFill>
+                <a:effectLst/>
+                <a:latin typeface="Consolas" panose="020B0609020204030204" pitchFamily="49" charset="0"/>
+              </a:rPr>
+              <a:t>U</a:t>
+            </a:r>
+            <a:r>
+              <a:rPr lang="en-US" sz="2000" b="0" dirty="0">
+                <a:solidFill>
+                  <a:srgbClr val="3B3B3B"/>
+                </a:solidFill>
+                <a:effectLst/>
+                <a:latin typeface="Consolas" panose="020B0609020204030204" pitchFamily="49" charset="0"/>
+              </a:rPr>
+              <a:t>, </a:t>
+            </a:r>
+            <a:r>
+              <a:rPr lang="en-US" sz="2000" b="0" dirty="0" err="1">
+                <a:solidFill>
+                  <a:srgbClr val="267F99"/>
+                </a:solidFill>
+                <a:effectLst/>
+                <a:latin typeface="Consolas" panose="020B0609020204030204" pitchFamily="49" charset="0"/>
+              </a:rPr>
+              <a:t>SumType_t</a:t>
+            </a:r>
+            <a:r>
+              <a:rPr lang="en-US" sz="2000" b="0" dirty="0">
+                <a:solidFill>
+                  <a:srgbClr val="3B3B3B"/>
+                </a:solidFill>
+                <a:effectLst/>
+                <a:latin typeface="Consolas" panose="020B0609020204030204" pitchFamily="49" charset="0"/>
+              </a:rPr>
+              <a:t>&lt;</a:t>
+            </a:r>
+            <a:r>
+              <a:rPr lang="en-US" sz="2000" b="0" dirty="0">
+                <a:solidFill>
+                  <a:srgbClr val="267F99"/>
+                </a:solidFill>
+                <a:effectLst/>
+                <a:latin typeface="Consolas" panose="020B0609020204030204" pitchFamily="49" charset="0"/>
+              </a:rPr>
+              <a:t>T</a:t>
+            </a:r>
+            <a:r>
+              <a:rPr lang="en-US" sz="2000" b="0" dirty="0">
+                <a:solidFill>
+                  <a:srgbClr val="3B3B3B"/>
+                </a:solidFill>
+                <a:effectLst/>
+                <a:latin typeface="Consolas" panose="020B0609020204030204" pitchFamily="49" charset="0"/>
+              </a:rPr>
+              <a:t>, </a:t>
+            </a:r>
+            <a:r>
+              <a:rPr lang="en-US" sz="2000" b="0" dirty="0">
+                <a:solidFill>
+                  <a:srgbClr val="267F99"/>
+                </a:solidFill>
+                <a:effectLst/>
+                <a:latin typeface="Consolas" panose="020B0609020204030204" pitchFamily="49" charset="0"/>
+              </a:rPr>
+              <a:t>U</a:t>
+            </a:r>
+            <a:r>
+              <a:rPr lang="en-US" sz="2000" b="0" dirty="0">
+                <a:solidFill>
+                  <a:srgbClr val="3B3B3B"/>
+                </a:solidFill>
+                <a:effectLst/>
+                <a:latin typeface="Consolas" panose="020B0609020204030204" pitchFamily="49" charset="0"/>
+              </a:rPr>
+              <a:t>&gt;&gt; {</a:t>
+            </a:r>
+          </a:p>
+          <a:p>
+            <a:r>
+              <a:rPr lang="en-US" sz="2000" b="0" dirty="0">
+                <a:solidFill>
+                  <a:srgbClr val="0000FF"/>
+                </a:solidFill>
+                <a:effectLst/>
+                <a:latin typeface="Consolas" panose="020B0609020204030204" pitchFamily="49" charset="0"/>
+              </a:rPr>
+              <a:t>public:</a:t>
+            </a:r>
+            <a:endParaRPr lang="en-US" sz="2000" b="0" dirty="0">
+              <a:solidFill>
+                <a:srgbClr val="3B3B3B"/>
+              </a:solidFill>
+              <a:effectLst/>
+              <a:latin typeface="Consolas" panose="020B0609020204030204" pitchFamily="49" charset="0"/>
+            </a:endParaRPr>
+          </a:p>
+          <a:p>
+            <a:r>
+              <a:rPr lang="en-US" sz="2000" b="0" dirty="0">
+                <a:solidFill>
+                  <a:srgbClr val="3B3B3B"/>
+                </a:solidFill>
+                <a:effectLst/>
+                <a:latin typeface="Consolas" panose="020B0609020204030204" pitchFamily="49" charset="0"/>
+              </a:rPr>
+              <a:t>  </a:t>
+            </a:r>
+            <a:r>
+              <a:rPr lang="en-US" sz="2000" b="0" dirty="0">
+                <a:solidFill>
+                  <a:srgbClr val="AF00DB"/>
+                </a:solidFill>
+                <a:effectLst/>
+                <a:latin typeface="Consolas" panose="020B0609020204030204" pitchFamily="49" charset="0"/>
+              </a:rPr>
+              <a:t>using</a:t>
+            </a:r>
+            <a:r>
+              <a:rPr lang="en-US" sz="2000" b="0" dirty="0">
+                <a:solidFill>
+                  <a:srgbClr val="3B3B3B"/>
+                </a:solidFill>
+                <a:effectLst/>
+                <a:latin typeface="Consolas" panose="020B0609020204030204" pitchFamily="49" charset="0"/>
+              </a:rPr>
+              <a:t> </a:t>
+            </a:r>
+            <a:r>
+              <a:rPr lang="en-US" sz="2000" b="0" dirty="0" err="1">
+                <a:solidFill>
+                  <a:srgbClr val="267F99"/>
+                </a:solidFill>
+                <a:effectLst/>
+                <a:latin typeface="Consolas" panose="020B0609020204030204" pitchFamily="49" charset="0"/>
+              </a:rPr>
+              <a:t>BinaryOp</a:t>
+            </a:r>
+            <a:r>
+              <a:rPr lang="en-US" sz="2000" b="0" dirty="0">
+                <a:solidFill>
+                  <a:srgbClr val="3B3B3B"/>
+                </a:solidFill>
+                <a:effectLst/>
+                <a:latin typeface="Consolas" panose="020B0609020204030204" pitchFamily="49" charset="0"/>
+              </a:rPr>
+              <a:t>&lt;</a:t>
+            </a:r>
+            <a:r>
+              <a:rPr lang="en-US" sz="2000" b="0" dirty="0">
+                <a:solidFill>
+                  <a:srgbClr val="267F99"/>
+                </a:solidFill>
+                <a:effectLst/>
+                <a:latin typeface="Consolas" panose="020B0609020204030204" pitchFamily="49" charset="0"/>
+              </a:rPr>
+              <a:t>T</a:t>
+            </a:r>
+            <a:r>
+              <a:rPr lang="en-US" sz="2000" b="0" dirty="0">
+                <a:solidFill>
+                  <a:srgbClr val="3B3B3B"/>
+                </a:solidFill>
+                <a:effectLst/>
+                <a:latin typeface="Consolas" panose="020B0609020204030204" pitchFamily="49" charset="0"/>
+              </a:rPr>
+              <a:t>, </a:t>
+            </a:r>
+            <a:r>
+              <a:rPr lang="en-US" sz="2000" b="0" dirty="0">
+                <a:solidFill>
+                  <a:srgbClr val="267F99"/>
+                </a:solidFill>
+                <a:effectLst/>
+                <a:latin typeface="Consolas" panose="020B0609020204030204" pitchFamily="49" charset="0"/>
+              </a:rPr>
+              <a:t>U</a:t>
+            </a:r>
+            <a:r>
+              <a:rPr lang="en-US" sz="2000" b="0" dirty="0">
+                <a:solidFill>
+                  <a:srgbClr val="3B3B3B"/>
+                </a:solidFill>
+                <a:effectLst/>
+                <a:latin typeface="Consolas" panose="020B0609020204030204" pitchFamily="49" charset="0"/>
+              </a:rPr>
+              <a:t>, </a:t>
+            </a:r>
+            <a:r>
+              <a:rPr lang="en-US" sz="2000" b="0" dirty="0" err="1">
+                <a:solidFill>
+                  <a:srgbClr val="267F99"/>
+                </a:solidFill>
+                <a:effectLst/>
+                <a:latin typeface="Consolas" panose="020B0609020204030204" pitchFamily="49" charset="0"/>
+              </a:rPr>
+              <a:t>SumType_t</a:t>
+            </a:r>
+            <a:r>
+              <a:rPr lang="en-US" sz="2000" b="0" dirty="0">
+                <a:solidFill>
+                  <a:srgbClr val="3B3B3B"/>
+                </a:solidFill>
+                <a:effectLst/>
+                <a:latin typeface="Consolas" panose="020B0609020204030204" pitchFamily="49" charset="0"/>
+              </a:rPr>
+              <a:t>&lt;</a:t>
+            </a:r>
+            <a:r>
+              <a:rPr lang="en-US" sz="2000" b="0" dirty="0">
+                <a:solidFill>
+                  <a:srgbClr val="267F99"/>
+                </a:solidFill>
+                <a:effectLst/>
+                <a:latin typeface="Consolas" panose="020B0609020204030204" pitchFamily="49" charset="0"/>
+              </a:rPr>
+              <a:t>T</a:t>
+            </a:r>
+            <a:r>
+              <a:rPr lang="en-US" sz="2000" b="0" dirty="0">
+                <a:solidFill>
+                  <a:srgbClr val="3B3B3B"/>
+                </a:solidFill>
+                <a:effectLst/>
+                <a:latin typeface="Consolas" panose="020B0609020204030204" pitchFamily="49" charset="0"/>
+              </a:rPr>
+              <a:t>, </a:t>
+            </a:r>
+            <a:r>
+              <a:rPr lang="en-US" sz="2000" b="0" dirty="0">
+                <a:solidFill>
+                  <a:srgbClr val="267F99"/>
+                </a:solidFill>
+                <a:effectLst/>
+                <a:latin typeface="Consolas" panose="020B0609020204030204" pitchFamily="49" charset="0"/>
+              </a:rPr>
+              <a:t>U</a:t>
+            </a:r>
+            <a:r>
+              <a:rPr lang="en-US" sz="2000" b="0" dirty="0">
+                <a:solidFill>
+                  <a:srgbClr val="3B3B3B"/>
+                </a:solidFill>
+                <a:effectLst/>
+                <a:latin typeface="Consolas" panose="020B0609020204030204" pitchFamily="49" charset="0"/>
+              </a:rPr>
+              <a:t>&gt;&gt;::</a:t>
+            </a:r>
+            <a:r>
+              <a:rPr lang="en-US" sz="2000" b="0" dirty="0" err="1">
+                <a:solidFill>
+                  <a:srgbClr val="267F99"/>
+                </a:solidFill>
+                <a:effectLst/>
+                <a:latin typeface="Consolas" panose="020B0609020204030204" pitchFamily="49" charset="0"/>
+              </a:rPr>
+              <a:t>BinaryOp</a:t>
+            </a:r>
+            <a:r>
+              <a:rPr lang="en-US" sz="2000" b="0" dirty="0">
+                <a:solidFill>
+                  <a:srgbClr val="3B3B3B"/>
+                </a:solidFill>
+                <a:effectLst/>
+                <a:latin typeface="Consolas" panose="020B0609020204030204" pitchFamily="49" charset="0"/>
+              </a:rPr>
+              <a:t>;</a:t>
+            </a:r>
+          </a:p>
+          <a:p>
+            <a:br>
+              <a:rPr lang="en-US" sz="2000" b="0" dirty="0">
+                <a:solidFill>
+                  <a:srgbClr val="3B3B3B"/>
+                </a:solidFill>
+                <a:effectLst/>
+                <a:latin typeface="Consolas" panose="020B0609020204030204" pitchFamily="49" charset="0"/>
+              </a:rPr>
+            </a:br>
+            <a:r>
+              <a:rPr lang="en-US" sz="2000" b="0" dirty="0">
+                <a:solidFill>
+                  <a:srgbClr val="3B3B3B"/>
+                </a:solidFill>
+                <a:effectLst/>
+                <a:latin typeface="Consolas" panose="020B0609020204030204" pitchFamily="49" charset="0"/>
+              </a:rPr>
+              <a:t>  </a:t>
+            </a:r>
+            <a:r>
+              <a:rPr lang="en-US" sz="2000" b="0" dirty="0" err="1">
+                <a:solidFill>
+                  <a:srgbClr val="267F99"/>
+                </a:solidFill>
+                <a:effectLst/>
+                <a:latin typeface="Consolas" panose="020B0609020204030204" pitchFamily="49" charset="0"/>
+              </a:rPr>
+              <a:t>SumType_t</a:t>
+            </a:r>
+            <a:r>
+              <a:rPr lang="en-US" sz="2000" b="0" dirty="0">
+                <a:solidFill>
+                  <a:srgbClr val="3B3B3B"/>
+                </a:solidFill>
+                <a:effectLst/>
+                <a:latin typeface="Consolas" panose="020B0609020204030204" pitchFamily="49" charset="0"/>
+              </a:rPr>
+              <a:t>&lt;</a:t>
+            </a:r>
+            <a:r>
+              <a:rPr lang="en-US" sz="2000" b="0" dirty="0">
+                <a:solidFill>
+                  <a:srgbClr val="267F99"/>
+                </a:solidFill>
+                <a:effectLst/>
+                <a:latin typeface="Consolas" panose="020B0609020204030204" pitchFamily="49" charset="0"/>
+              </a:rPr>
+              <a:t>T</a:t>
+            </a:r>
+            <a:r>
+              <a:rPr lang="en-US" sz="2000" b="0" dirty="0">
+                <a:solidFill>
+                  <a:srgbClr val="3B3B3B"/>
+                </a:solidFill>
+                <a:effectLst/>
+                <a:latin typeface="Consolas" panose="020B0609020204030204" pitchFamily="49" charset="0"/>
+              </a:rPr>
+              <a:t>, </a:t>
+            </a:r>
+            <a:r>
+              <a:rPr lang="en-US" sz="2000" b="0" dirty="0">
+                <a:solidFill>
+                  <a:srgbClr val="267F99"/>
+                </a:solidFill>
+                <a:effectLst/>
+                <a:latin typeface="Consolas" panose="020B0609020204030204" pitchFamily="49" charset="0"/>
+              </a:rPr>
+              <a:t>U</a:t>
+            </a:r>
+            <a:r>
+              <a:rPr lang="en-US" sz="2000" b="0" dirty="0">
+                <a:solidFill>
+                  <a:srgbClr val="3B3B3B"/>
+                </a:solidFill>
+                <a:effectLst/>
+                <a:latin typeface="Consolas" panose="020B0609020204030204" pitchFamily="49" charset="0"/>
+              </a:rPr>
+              <a:t>&gt; </a:t>
+            </a:r>
+            <a:r>
+              <a:rPr lang="en-US" sz="2000" b="0" dirty="0">
+                <a:solidFill>
+                  <a:srgbClr val="795E26"/>
+                </a:solidFill>
+                <a:effectLst/>
+                <a:latin typeface="Consolas" panose="020B0609020204030204" pitchFamily="49" charset="0"/>
+              </a:rPr>
+              <a:t>Evaluate</a:t>
+            </a:r>
+            <a:r>
+              <a:rPr lang="en-US" sz="2000" b="0" dirty="0">
+                <a:solidFill>
+                  <a:srgbClr val="3B3B3B"/>
+                </a:solidFill>
+                <a:effectLst/>
+                <a:latin typeface="Consolas" panose="020B0609020204030204" pitchFamily="49" charset="0"/>
+              </a:rPr>
+              <a:t>() </a:t>
+            </a:r>
+            <a:r>
+              <a:rPr lang="en-US" sz="2000" b="0" dirty="0">
+                <a:solidFill>
+                  <a:srgbClr val="0000FF"/>
+                </a:solidFill>
+                <a:effectLst/>
+                <a:latin typeface="Consolas" panose="020B0609020204030204" pitchFamily="49" charset="0"/>
+              </a:rPr>
+              <a:t>const</a:t>
+            </a:r>
+            <a:r>
+              <a:rPr lang="en-US" sz="2000" b="0" dirty="0">
+                <a:solidFill>
+                  <a:srgbClr val="3B3B3B"/>
+                </a:solidFill>
+                <a:effectLst/>
+                <a:latin typeface="Consolas" panose="020B0609020204030204" pitchFamily="49" charset="0"/>
+              </a:rPr>
+              <a:t> </a:t>
+            </a:r>
+            <a:r>
+              <a:rPr lang="en-US" sz="2000" b="0" dirty="0">
+                <a:solidFill>
+                  <a:srgbClr val="0000FF"/>
+                </a:solidFill>
+                <a:effectLst/>
+                <a:latin typeface="Consolas" panose="020B0609020204030204" pitchFamily="49" charset="0"/>
+              </a:rPr>
+              <a:t>override</a:t>
+            </a:r>
+            <a:r>
+              <a:rPr lang="en-US" sz="2000" b="0" dirty="0">
+                <a:solidFill>
+                  <a:srgbClr val="3B3B3B"/>
+                </a:solidFill>
+                <a:effectLst/>
+                <a:latin typeface="Consolas" panose="020B0609020204030204" pitchFamily="49" charset="0"/>
+              </a:rPr>
+              <a:t> {</a:t>
+            </a:r>
+          </a:p>
+          <a:p>
+            <a:r>
+              <a:rPr lang="en-US" sz="2000" b="0" dirty="0">
+                <a:solidFill>
+                  <a:srgbClr val="3B3B3B"/>
+                </a:solidFill>
+                <a:effectLst/>
+                <a:latin typeface="Consolas" panose="020B0609020204030204" pitchFamily="49" charset="0"/>
+              </a:rPr>
+              <a:t>    </a:t>
+            </a:r>
+            <a:r>
+              <a:rPr lang="en-US" sz="2000" b="0" dirty="0">
+                <a:solidFill>
+                  <a:srgbClr val="AF00DB"/>
+                </a:solidFill>
+                <a:effectLst/>
+                <a:latin typeface="Consolas" panose="020B0609020204030204" pitchFamily="49" charset="0"/>
+              </a:rPr>
+              <a:t>return</a:t>
+            </a:r>
+            <a:r>
+              <a:rPr lang="en-US" sz="2000" b="0" dirty="0">
+                <a:solidFill>
+                  <a:srgbClr val="3B3B3B"/>
+                </a:solidFill>
+                <a:effectLst/>
+                <a:latin typeface="Consolas" panose="020B0609020204030204" pitchFamily="49" charset="0"/>
+              </a:rPr>
+              <a:t> </a:t>
+            </a:r>
+            <a:r>
+              <a:rPr lang="en-US" sz="2000" b="0" dirty="0">
+                <a:solidFill>
+                  <a:srgbClr val="0000FF"/>
+                </a:solidFill>
+                <a:effectLst/>
+                <a:latin typeface="Consolas" panose="020B0609020204030204" pitchFamily="49" charset="0"/>
+              </a:rPr>
+              <a:t>this</a:t>
+            </a:r>
+            <a:r>
+              <a:rPr lang="en-US" sz="2000" b="0" dirty="0">
+                <a:solidFill>
+                  <a:srgbClr val="3B3B3B"/>
+                </a:solidFill>
+                <a:effectLst/>
+                <a:latin typeface="Consolas" panose="020B0609020204030204" pitchFamily="49" charset="0"/>
+              </a:rPr>
+              <a:t>-&gt;</a:t>
+            </a:r>
+            <a:r>
+              <a:rPr lang="en-US" sz="2000" b="0" dirty="0" err="1">
+                <a:solidFill>
+                  <a:srgbClr val="001080"/>
+                </a:solidFill>
+                <a:effectLst/>
+                <a:latin typeface="Consolas" panose="020B0609020204030204" pitchFamily="49" charset="0"/>
+              </a:rPr>
+              <a:t>lhs</a:t>
+            </a:r>
+            <a:r>
+              <a:rPr lang="en-US" sz="2000" b="0" dirty="0">
+                <a:solidFill>
+                  <a:srgbClr val="001080"/>
+                </a:solidFill>
+                <a:effectLst/>
+                <a:latin typeface="Consolas" panose="020B0609020204030204" pitchFamily="49" charset="0"/>
+              </a:rPr>
+              <a:t>_</a:t>
+            </a:r>
+            <a:r>
+              <a:rPr lang="en-US" sz="2000" b="0" dirty="0">
+                <a:solidFill>
+                  <a:srgbClr val="3B3B3B"/>
+                </a:solidFill>
+                <a:effectLst/>
+                <a:latin typeface="Consolas" panose="020B0609020204030204" pitchFamily="49" charset="0"/>
+              </a:rPr>
+              <a:t>-&gt;</a:t>
+            </a:r>
+            <a:r>
+              <a:rPr lang="en-US" sz="2000" b="0" dirty="0">
+                <a:solidFill>
+                  <a:srgbClr val="795E26"/>
+                </a:solidFill>
+                <a:effectLst/>
+                <a:latin typeface="Consolas" panose="020B0609020204030204" pitchFamily="49" charset="0"/>
+              </a:rPr>
+              <a:t>Evaluate</a:t>
+            </a:r>
+            <a:r>
+              <a:rPr lang="en-US" sz="2000" b="0" dirty="0">
+                <a:solidFill>
+                  <a:srgbClr val="3B3B3B"/>
+                </a:solidFill>
+                <a:effectLst/>
+                <a:latin typeface="Consolas" panose="020B0609020204030204" pitchFamily="49" charset="0"/>
+              </a:rPr>
+              <a:t>() </a:t>
+            </a:r>
+            <a:r>
+              <a:rPr lang="en-US" sz="2000" b="0" dirty="0">
+                <a:solidFill>
+                  <a:srgbClr val="000000"/>
+                </a:solidFill>
+                <a:effectLst/>
+                <a:latin typeface="Consolas" panose="020B0609020204030204" pitchFamily="49" charset="0"/>
+              </a:rPr>
+              <a:t>+</a:t>
+            </a:r>
+            <a:r>
+              <a:rPr lang="en-US" sz="2000" b="0" dirty="0">
+                <a:solidFill>
+                  <a:srgbClr val="3B3B3B"/>
+                </a:solidFill>
+                <a:effectLst/>
+                <a:latin typeface="Consolas" panose="020B0609020204030204" pitchFamily="49" charset="0"/>
+              </a:rPr>
+              <a:t> </a:t>
+            </a:r>
+            <a:r>
+              <a:rPr lang="en-US" sz="2000" b="0" dirty="0">
+                <a:solidFill>
+                  <a:srgbClr val="0000FF"/>
+                </a:solidFill>
+                <a:effectLst/>
+                <a:latin typeface="Consolas" panose="020B0609020204030204" pitchFamily="49" charset="0"/>
+              </a:rPr>
+              <a:t>this</a:t>
+            </a:r>
+            <a:r>
+              <a:rPr lang="en-US" sz="2000" b="0" dirty="0">
+                <a:solidFill>
+                  <a:srgbClr val="3B3B3B"/>
+                </a:solidFill>
+                <a:effectLst/>
+                <a:latin typeface="Consolas" panose="020B0609020204030204" pitchFamily="49" charset="0"/>
+              </a:rPr>
+              <a:t>-&gt;</a:t>
+            </a:r>
+            <a:r>
+              <a:rPr lang="en-US" sz="2000" b="0" dirty="0" err="1">
+                <a:solidFill>
+                  <a:srgbClr val="001080"/>
+                </a:solidFill>
+                <a:effectLst/>
+                <a:latin typeface="Consolas" panose="020B0609020204030204" pitchFamily="49" charset="0"/>
+              </a:rPr>
+              <a:t>rhs</a:t>
+            </a:r>
+            <a:r>
+              <a:rPr lang="en-US" sz="2000" b="0" dirty="0">
+                <a:solidFill>
+                  <a:srgbClr val="001080"/>
+                </a:solidFill>
+                <a:effectLst/>
+                <a:latin typeface="Consolas" panose="020B0609020204030204" pitchFamily="49" charset="0"/>
+              </a:rPr>
+              <a:t>_</a:t>
+            </a:r>
+            <a:r>
+              <a:rPr lang="en-US" sz="2000" b="0" dirty="0">
+                <a:solidFill>
+                  <a:srgbClr val="3B3B3B"/>
+                </a:solidFill>
+                <a:effectLst/>
+                <a:latin typeface="Consolas" panose="020B0609020204030204" pitchFamily="49" charset="0"/>
+              </a:rPr>
+              <a:t>-&gt;</a:t>
+            </a:r>
+            <a:r>
+              <a:rPr lang="en-US" sz="2000" b="0" dirty="0">
+                <a:solidFill>
+                  <a:srgbClr val="795E26"/>
+                </a:solidFill>
+                <a:effectLst/>
+                <a:latin typeface="Consolas" panose="020B0609020204030204" pitchFamily="49" charset="0"/>
+              </a:rPr>
+              <a:t>Evaluate</a:t>
+            </a:r>
+            <a:r>
+              <a:rPr lang="en-US" sz="2000" b="0" dirty="0">
+                <a:solidFill>
+                  <a:srgbClr val="3B3B3B"/>
+                </a:solidFill>
+                <a:effectLst/>
+                <a:latin typeface="Consolas" panose="020B0609020204030204" pitchFamily="49" charset="0"/>
+              </a:rPr>
+              <a:t>();</a:t>
+            </a:r>
+          </a:p>
+          <a:p>
+            <a:r>
+              <a:rPr lang="en-US" sz="2000" b="0" dirty="0">
+                <a:solidFill>
+                  <a:srgbClr val="3B3B3B"/>
+                </a:solidFill>
+                <a:effectLst/>
+                <a:latin typeface="Consolas" panose="020B0609020204030204" pitchFamily="49" charset="0"/>
+              </a:rPr>
+              <a:t>  }</a:t>
+            </a:r>
+          </a:p>
+          <a:p>
+            <a:r>
+              <a:rPr lang="en-US" sz="2000" b="0" dirty="0">
+                <a:solidFill>
+                  <a:srgbClr val="3B3B3B"/>
+                </a:solidFill>
+                <a:effectLst/>
+                <a:latin typeface="Consolas" panose="020B0609020204030204" pitchFamily="49" charset="0"/>
+              </a:rPr>
+              <a:t>  </a:t>
+            </a:r>
+            <a:r>
+              <a:rPr lang="en-US" sz="2000" b="0" dirty="0">
+                <a:solidFill>
+                  <a:srgbClr val="0000FF"/>
+                </a:solidFill>
+                <a:effectLst/>
+                <a:latin typeface="Consolas" panose="020B0609020204030204" pitchFamily="49" charset="0"/>
+              </a:rPr>
+              <a:t>void</a:t>
+            </a:r>
+            <a:r>
+              <a:rPr lang="en-US" sz="2000" b="0" dirty="0">
+                <a:solidFill>
+                  <a:srgbClr val="3B3B3B"/>
+                </a:solidFill>
+                <a:effectLst/>
+                <a:latin typeface="Consolas" panose="020B0609020204030204" pitchFamily="49" charset="0"/>
+              </a:rPr>
+              <a:t> </a:t>
+            </a:r>
+            <a:r>
+              <a:rPr lang="en-US" sz="2000" b="0" dirty="0" err="1">
+                <a:solidFill>
+                  <a:srgbClr val="795E26"/>
+                </a:solidFill>
+                <a:effectLst/>
+                <a:latin typeface="Consolas" panose="020B0609020204030204" pitchFamily="49" charset="0"/>
+              </a:rPr>
+              <a:t>FillFormulaTo</a:t>
+            </a:r>
+            <a:r>
+              <a:rPr lang="en-US" sz="2000" b="0" dirty="0">
+                <a:solidFill>
+                  <a:srgbClr val="3B3B3B"/>
+                </a:solidFill>
+                <a:effectLst/>
+                <a:latin typeface="Consolas" panose="020B0609020204030204" pitchFamily="49" charset="0"/>
+              </a:rPr>
+              <a:t>(</a:t>
+            </a:r>
+            <a:r>
+              <a:rPr lang="en-US" sz="2000" b="0" dirty="0">
+                <a:solidFill>
+                  <a:srgbClr val="267F99"/>
+                </a:solidFill>
+                <a:effectLst/>
+                <a:latin typeface="Consolas" panose="020B0609020204030204" pitchFamily="49" charset="0"/>
+              </a:rPr>
+              <a:t>std</a:t>
+            </a:r>
+            <a:r>
+              <a:rPr lang="en-US" sz="2000" b="0" dirty="0">
+                <a:solidFill>
+                  <a:srgbClr val="3B3B3B"/>
+                </a:solidFill>
+                <a:effectLst/>
+                <a:latin typeface="Consolas" panose="020B0609020204030204" pitchFamily="49" charset="0"/>
+              </a:rPr>
+              <a:t>::</a:t>
+            </a:r>
+            <a:r>
+              <a:rPr lang="en-US" sz="2000" b="0" dirty="0" err="1">
+                <a:solidFill>
+                  <a:srgbClr val="267F99"/>
+                </a:solidFill>
+                <a:effectLst/>
+                <a:latin typeface="Consolas" panose="020B0609020204030204" pitchFamily="49" charset="0"/>
+              </a:rPr>
+              <a:t>ostream</a:t>
+            </a:r>
+            <a:r>
+              <a:rPr lang="en-US" sz="2000" b="0" dirty="0">
+                <a:solidFill>
+                  <a:srgbClr val="0000FF"/>
+                </a:solidFill>
+                <a:effectLst/>
+                <a:latin typeface="Consolas" panose="020B0609020204030204" pitchFamily="49" charset="0"/>
+              </a:rPr>
+              <a:t>&amp;</a:t>
+            </a:r>
+            <a:r>
+              <a:rPr lang="en-US" sz="2000" b="0" dirty="0">
+                <a:solidFill>
+                  <a:srgbClr val="3B3B3B"/>
+                </a:solidFill>
+                <a:effectLst/>
+                <a:latin typeface="Consolas" panose="020B0609020204030204" pitchFamily="49" charset="0"/>
+              </a:rPr>
+              <a:t> </a:t>
+            </a:r>
+            <a:r>
+              <a:rPr lang="en-US" sz="2000" b="0" dirty="0">
+                <a:solidFill>
+                  <a:srgbClr val="001080"/>
+                </a:solidFill>
+                <a:effectLst/>
+                <a:latin typeface="Consolas" panose="020B0609020204030204" pitchFamily="49" charset="0"/>
+              </a:rPr>
+              <a:t>output</a:t>
+            </a:r>
+            <a:r>
+              <a:rPr lang="en-US" sz="2000" b="0" dirty="0">
+                <a:solidFill>
+                  <a:srgbClr val="3B3B3B"/>
+                </a:solidFill>
+                <a:effectLst/>
+                <a:latin typeface="Consolas" panose="020B0609020204030204" pitchFamily="49" charset="0"/>
+              </a:rPr>
+              <a:t>) </a:t>
+            </a:r>
+            <a:r>
+              <a:rPr lang="en-US" sz="2000" b="0" dirty="0">
+                <a:solidFill>
+                  <a:srgbClr val="0000FF"/>
+                </a:solidFill>
+                <a:effectLst/>
+                <a:latin typeface="Consolas" panose="020B0609020204030204" pitchFamily="49" charset="0"/>
+              </a:rPr>
+              <a:t>const</a:t>
+            </a:r>
+            <a:r>
+              <a:rPr lang="en-US" sz="2000" b="0" dirty="0">
+                <a:solidFill>
+                  <a:srgbClr val="3B3B3B"/>
+                </a:solidFill>
+                <a:effectLst/>
+                <a:latin typeface="Consolas" panose="020B0609020204030204" pitchFamily="49" charset="0"/>
+              </a:rPr>
+              <a:t> </a:t>
+            </a:r>
+            <a:r>
+              <a:rPr lang="en-US" sz="2000" b="0" dirty="0">
+                <a:solidFill>
+                  <a:srgbClr val="0000FF"/>
+                </a:solidFill>
+                <a:effectLst/>
+                <a:latin typeface="Consolas" panose="020B0609020204030204" pitchFamily="49" charset="0"/>
+              </a:rPr>
+              <a:t>override</a:t>
+            </a:r>
+            <a:r>
+              <a:rPr lang="en-US" sz="2000" b="0" dirty="0">
+                <a:solidFill>
+                  <a:srgbClr val="3B3B3B"/>
+                </a:solidFill>
+                <a:effectLst/>
+                <a:latin typeface="Consolas" panose="020B0609020204030204" pitchFamily="49" charset="0"/>
+              </a:rPr>
+              <a:t> {</a:t>
+            </a:r>
+          </a:p>
+          <a:p>
+            <a:r>
+              <a:rPr lang="en-US" sz="2000" b="0" dirty="0">
+                <a:solidFill>
+                  <a:srgbClr val="3B3B3B"/>
+                </a:solidFill>
+                <a:effectLst/>
+                <a:latin typeface="Consolas" panose="020B0609020204030204" pitchFamily="49" charset="0"/>
+              </a:rPr>
+              <a:t>    </a:t>
+            </a:r>
+            <a:r>
+              <a:rPr lang="en-US" sz="2000" b="0" dirty="0">
+                <a:solidFill>
+                  <a:srgbClr val="0000FF"/>
+                </a:solidFill>
+                <a:effectLst/>
+                <a:latin typeface="Consolas" panose="020B0609020204030204" pitchFamily="49" charset="0"/>
+              </a:rPr>
+              <a:t>this</a:t>
+            </a:r>
+            <a:r>
+              <a:rPr lang="en-US" sz="2000" b="0" dirty="0">
+                <a:solidFill>
+                  <a:srgbClr val="3B3B3B"/>
+                </a:solidFill>
+                <a:effectLst/>
+                <a:latin typeface="Consolas" panose="020B0609020204030204" pitchFamily="49" charset="0"/>
+              </a:rPr>
+              <a:t>-&gt;</a:t>
+            </a:r>
+            <a:r>
+              <a:rPr lang="en-US" sz="2000" b="0" dirty="0" err="1">
+                <a:solidFill>
+                  <a:srgbClr val="001080"/>
+                </a:solidFill>
+                <a:effectLst/>
+                <a:latin typeface="Consolas" panose="020B0609020204030204" pitchFamily="49" charset="0"/>
+              </a:rPr>
+              <a:t>lhs</a:t>
+            </a:r>
+            <a:r>
+              <a:rPr lang="en-US" sz="2000" b="0" dirty="0">
+                <a:solidFill>
+                  <a:srgbClr val="001080"/>
+                </a:solidFill>
+                <a:effectLst/>
+                <a:latin typeface="Consolas" panose="020B0609020204030204" pitchFamily="49" charset="0"/>
+              </a:rPr>
+              <a:t>_</a:t>
+            </a:r>
+            <a:r>
+              <a:rPr lang="en-US" sz="2000" b="0" dirty="0">
+                <a:solidFill>
+                  <a:srgbClr val="3B3B3B"/>
+                </a:solidFill>
+                <a:effectLst/>
+                <a:latin typeface="Consolas" panose="020B0609020204030204" pitchFamily="49" charset="0"/>
+              </a:rPr>
+              <a:t>-&gt;</a:t>
+            </a:r>
+            <a:r>
+              <a:rPr lang="en-US" sz="2000" b="0" dirty="0" err="1">
+                <a:solidFill>
+                  <a:srgbClr val="795E26"/>
+                </a:solidFill>
+                <a:effectLst/>
+                <a:latin typeface="Consolas" panose="020B0609020204030204" pitchFamily="49" charset="0"/>
+              </a:rPr>
+              <a:t>FillFormulaTo</a:t>
+            </a:r>
+            <a:r>
+              <a:rPr lang="en-US" sz="2000" b="0" dirty="0">
+                <a:solidFill>
+                  <a:srgbClr val="3B3B3B"/>
+                </a:solidFill>
+                <a:effectLst/>
+                <a:latin typeface="Consolas" panose="020B0609020204030204" pitchFamily="49" charset="0"/>
+              </a:rPr>
+              <a:t>(</a:t>
+            </a:r>
+            <a:r>
+              <a:rPr lang="en-US" sz="2000" b="0" dirty="0">
+                <a:solidFill>
+                  <a:srgbClr val="001080"/>
+                </a:solidFill>
+                <a:effectLst/>
+                <a:latin typeface="Consolas" panose="020B0609020204030204" pitchFamily="49" charset="0"/>
+              </a:rPr>
+              <a:t>output</a:t>
+            </a:r>
+            <a:r>
+              <a:rPr lang="en-US" sz="2000" b="0" dirty="0">
+                <a:solidFill>
+                  <a:srgbClr val="3B3B3B"/>
+                </a:solidFill>
+                <a:effectLst/>
+                <a:latin typeface="Consolas" panose="020B0609020204030204" pitchFamily="49" charset="0"/>
+              </a:rPr>
+              <a:t>);</a:t>
+            </a:r>
+          </a:p>
+          <a:p>
+            <a:r>
+              <a:rPr lang="en-US" sz="2000" b="0" dirty="0">
+                <a:solidFill>
+                  <a:srgbClr val="3B3B3B"/>
+                </a:solidFill>
+                <a:effectLst/>
+                <a:latin typeface="Consolas" panose="020B0609020204030204" pitchFamily="49" charset="0"/>
+              </a:rPr>
+              <a:t>    </a:t>
+            </a:r>
+            <a:r>
+              <a:rPr lang="en-US" sz="2000" b="0" dirty="0">
+                <a:solidFill>
+                  <a:srgbClr val="001080"/>
+                </a:solidFill>
+                <a:effectLst/>
+                <a:latin typeface="Consolas" panose="020B0609020204030204" pitchFamily="49" charset="0"/>
+              </a:rPr>
+              <a:t>output</a:t>
+            </a:r>
+            <a:r>
+              <a:rPr lang="en-US" sz="2000" b="0" dirty="0">
+                <a:solidFill>
+                  <a:srgbClr val="3B3B3B"/>
+                </a:solidFill>
+                <a:effectLst/>
+                <a:latin typeface="Consolas" panose="020B0609020204030204" pitchFamily="49" charset="0"/>
+              </a:rPr>
+              <a:t> </a:t>
+            </a:r>
+            <a:r>
+              <a:rPr lang="en-US" sz="2000" b="0" dirty="0">
+                <a:solidFill>
+                  <a:srgbClr val="795E26"/>
+                </a:solidFill>
+                <a:effectLst/>
+                <a:latin typeface="Consolas" panose="020B0609020204030204" pitchFamily="49" charset="0"/>
+              </a:rPr>
+              <a:t>&lt;&lt;</a:t>
+            </a:r>
+            <a:r>
+              <a:rPr lang="en-US" sz="2000" b="0" dirty="0">
+                <a:solidFill>
+                  <a:srgbClr val="3B3B3B"/>
+                </a:solidFill>
+                <a:effectLst/>
+                <a:latin typeface="Consolas" panose="020B0609020204030204" pitchFamily="49" charset="0"/>
+              </a:rPr>
+              <a:t> </a:t>
+            </a:r>
+            <a:r>
+              <a:rPr lang="en-US" sz="2000" b="0" dirty="0">
+                <a:solidFill>
+                  <a:srgbClr val="A31515"/>
+                </a:solidFill>
+                <a:effectLst/>
+                <a:latin typeface="Consolas" panose="020B0609020204030204" pitchFamily="49" charset="0"/>
+              </a:rPr>
+              <a:t>" + "</a:t>
+            </a:r>
+            <a:r>
+              <a:rPr lang="en-US" sz="2000" b="0" dirty="0">
+                <a:solidFill>
+                  <a:srgbClr val="3B3B3B"/>
+                </a:solidFill>
+                <a:effectLst/>
+                <a:latin typeface="Consolas" panose="020B0609020204030204" pitchFamily="49" charset="0"/>
+              </a:rPr>
+              <a:t>;</a:t>
+            </a:r>
+          </a:p>
+          <a:p>
+            <a:r>
+              <a:rPr lang="en-US" sz="2000" b="0" dirty="0">
+                <a:solidFill>
+                  <a:srgbClr val="3B3B3B"/>
+                </a:solidFill>
+                <a:effectLst/>
+                <a:latin typeface="Consolas" panose="020B0609020204030204" pitchFamily="49" charset="0"/>
+              </a:rPr>
+              <a:t>    </a:t>
+            </a:r>
+            <a:r>
+              <a:rPr lang="en-US" sz="2000" b="0" dirty="0">
+                <a:solidFill>
+                  <a:srgbClr val="0000FF"/>
+                </a:solidFill>
+                <a:effectLst/>
+                <a:latin typeface="Consolas" panose="020B0609020204030204" pitchFamily="49" charset="0"/>
+              </a:rPr>
+              <a:t>this</a:t>
+            </a:r>
+            <a:r>
+              <a:rPr lang="en-US" sz="2000" b="0" dirty="0">
+                <a:solidFill>
+                  <a:srgbClr val="3B3B3B"/>
+                </a:solidFill>
+                <a:effectLst/>
+                <a:latin typeface="Consolas" panose="020B0609020204030204" pitchFamily="49" charset="0"/>
+              </a:rPr>
+              <a:t>-&gt;</a:t>
+            </a:r>
+            <a:r>
+              <a:rPr lang="en-US" sz="2000" b="0" dirty="0" err="1">
+                <a:solidFill>
+                  <a:srgbClr val="001080"/>
+                </a:solidFill>
+                <a:effectLst/>
+                <a:latin typeface="Consolas" panose="020B0609020204030204" pitchFamily="49" charset="0"/>
+              </a:rPr>
+              <a:t>rhs</a:t>
+            </a:r>
+            <a:r>
+              <a:rPr lang="en-US" sz="2000" b="0" dirty="0">
+                <a:solidFill>
+                  <a:srgbClr val="001080"/>
+                </a:solidFill>
+                <a:effectLst/>
+                <a:latin typeface="Consolas" panose="020B0609020204030204" pitchFamily="49" charset="0"/>
+              </a:rPr>
+              <a:t>_</a:t>
+            </a:r>
+            <a:r>
+              <a:rPr lang="en-US" sz="2000" b="0" dirty="0">
+                <a:solidFill>
+                  <a:srgbClr val="3B3B3B"/>
+                </a:solidFill>
+                <a:effectLst/>
+                <a:latin typeface="Consolas" panose="020B0609020204030204" pitchFamily="49" charset="0"/>
+              </a:rPr>
+              <a:t>-&gt;</a:t>
+            </a:r>
+            <a:r>
+              <a:rPr lang="en-US" sz="2000" b="0" dirty="0" err="1">
+                <a:solidFill>
+                  <a:srgbClr val="795E26"/>
+                </a:solidFill>
+                <a:effectLst/>
+                <a:latin typeface="Consolas" panose="020B0609020204030204" pitchFamily="49" charset="0"/>
+              </a:rPr>
+              <a:t>FillFormulaTo</a:t>
+            </a:r>
+            <a:r>
+              <a:rPr lang="en-US" sz="2000" b="0" dirty="0">
+                <a:solidFill>
+                  <a:srgbClr val="3B3B3B"/>
+                </a:solidFill>
+                <a:effectLst/>
+                <a:latin typeface="Consolas" panose="020B0609020204030204" pitchFamily="49" charset="0"/>
+              </a:rPr>
+              <a:t>(</a:t>
+            </a:r>
+            <a:r>
+              <a:rPr lang="en-US" sz="2000" b="0" dirty="0">
+                <a:solidFill>
+                  <a:srgbClr val="001080"/>
+                </a:solidFill>
+                <a:effectLst/>
+                <a:latin typeface="Consolas" panose="020B0609020204030204" pitchFamily="49" charset="0"/>
+              </a:rPr>
+              <a:t>output</a:t>
+            </a:r>
+            <a:r>
+              <a:rPr lang="en-US" sz="2000" b="0" dirty="0">
+                <a:solidFill>
+                  <a:srgbClr val="3B3B3B"/>
+                </a:solidFill>
+                <a:effectLst/>
+                <a:latin typeface="Consolas" panose="020B0609020204030204" pitchFamily="49" charset="0"/>
+              </a:rPr>
+              <a:t>);</a:t>
+            </a:r>
+          </a:p>
+          <a:p>
+            <a:r>
+              <a:rPr lang="en-US" sz="2000" b="0" dirty="0">
+                <a:solidFill>
+                  <a:srgbClr val="3B3B3B"/>
+                </a:solidFill>
+                <a:effectLst/>
+                <a:latin typeface="Consolas" panose="020B0609020204030204" pitchFamily="49" charset="0"/>
+              </a:rPr>
+              <a:t>  }</a:t>
+            </a:r>
+          </a:p>
+          <a:p>
+            <a:r>
+              <a:rPr lang="en-US" sz="2000" b="0" dirty="0">
+                <a:solidFill>
+                  <a:srgbClr val="3B3B3B"/>
+                </a:solidFill>
+                <a:effectLst/>
+                <a:latin typeface="Consolas" panose="020B0609020204030204" pitchFamily="49" charset="0"/>
+              </a:rPr>
+              <a:t>};</a:t>
+            </a:r>
+          </a:p>
+          <a:p>
+            <a:br>
+              <a:rPr lang="en-US" sz="2000" b="0" dirty="0">
+                <a:solidFill>
+                  <a:srgbClr val="3B3B3B"/>
+                </a:solidFill>
+                <a:effectLst/>
+                <a:latin typeface="Consolas" panose="020B0609020204030204" pitchFamily="49" charset="0"/>
+              </a:rPr>
+            </a:br>
+            <a:endParaRPr lang="en-US" sz="2000" b="0" dirty="0">
+              <a:solidFill>
+                <a:srgbClr val="3B3B3B"/>
+              </a:solidFill>
+              <a:effectLst/>
+              <a:latin typeface="Consolas" panose="020B0609020204030204" pitchFamily="49" charset="0"/>
+            </a:endParaRPr>
+          </a:p>
+        </p:txBody>
+      </p:sp>
+    </p:spTree>
+    <p:extLst>
+      <p:ext uri="{BB962C8B-B14F-4D97-AF65-F5344CB8AC3E}">
+        <p14:creationId xmlns:p14="http://schemas.microsoft.com/office/powerpoint/2010/main" val="3667607361"/>
+      </p:ext>
+    </p:extLst>
+  </p:cSld>
+  <p:clrMapOvr>
+    <a:masterClrMapping/>
+  </p:clrMapOvr>
+  <p:transition spd="slow">
+    <p:push dir="u"/>
+  </p:transition>
+</p:sld>
+</file>
+
+<file path=ppt/slides/slide32.xml><?xml version="1.0" encoding="utf-8"?>
+<p:sld xmlns:a="http://schemas.openxmlformats.org/drawingml/2006/main" xmlns:r="http://schemas.openxmlformats.org/officeDocument/2006/relationships" xmlns:p="http://schemas.openxmlformats.org/presentationml/2006/main">
+  <p:cSld>
+    <p:spTree>
+      <p:nvGrpSpPr>
+        <p:cNvPr id="1" name=""/>
+        <p:cNvGrpSpPr/>
+        <p:nvPr/>
+      </p:nvGrpSpPr>
+      <p:grpSpPr>
+        <a:xfrm>
+          <a:off x="0" y="0"/>
+          <a:ext cx="0" cy="0"/>
+          <a:chOff x="0" y="0"/>
+          <a:chExt cx="0" cy="0"/>
+        </a:xfrm>
+      </p:grpSpPr>
+      <p:sp>
+        <p:nvSpPr>
+          <p:cNvPr id="2" name="Footer Placeholder 1">
+            <a:extLst>
+              <a:ext uri="{FF2B5EF4-FFF2-40B4-BE49-F238E27FC236}">
+                <a16:creationId xmlns:a16="http://schemas.microsoft.com/office/drawing/2014/main" id="{71D5D624-1AA6-4945-BD4E-150CD1DE4D9C}"/>
+              </a:ext>
+            </a:extLst>
+          </p:cNvPr>
+          <p:cNvSpPr>
+            <a:spLocks noGrp="1"/>
+          </p:cNvSpPr>
+          <p:nvPr>
+            <p:ph type="ftr" sz="quarter" idx="11"/>
+          </p:nvPr>
+        </p:nvSpPr>
+        <p:spPr/>
+        <p:txBody>
+          <a:bodyPr/>
+          <a:lstStyle/>
+          <a:p>
+            <a:endParaRPr lang="ru-RU" dirty="0"/>
+          </a:p>
+        </p:txBody>
+      </p:sp>
+      <p:sp>
+        <p:nvSpPr>
+          <p:cNvPr id="3" name="Slide Number Placeholder 2">
+            <a:extLst>
+              <a:ext uri="{FF2B5EF4-FFF2-40B4-BE49-F238E27FC236}">
+                <a16:creationId xmlns:a16="http://schemas.microsoft.com/office/drawing/2014/main" id="{DD3EA27F-D800-4246-A59D-21AC713B42A5}"/>
+              </a:ext>
+            </a:extLst>
+          </p:cNvPr>
+          <p:cNvSpPr>
+            <a:spLocks noGrp="1"/>
+          </p:cNvSpPr>
+          <p:nvPr>
+            <p:ph type="sldNum" sz="quarter" idx="12"/>
+          </p:nvPr>
+        </p:nvSpPr>
+        <p:spPr/>
+        <p:txBody>
+          <a:bodyPr/>
+          <a:lstStyle/>
+          <a:p>
+            <a:fld id="{8DE7FA1B-F957-4F22-889A-E25B642749EF}" type="slidenum">
+              <a:rPr lang="ru-RU" smtClean="0"/>
+              <a:pPr/>
+              <a:t>32</a:t>
+            </a:fld>
+            <a:endParaRPr lang="ru-RU" dirty="0"/>
+          </a:p>
+        </p:txBody>
+      </p:sp>
+      <p:sp>
+        <p:nvSpPr>
+          <p:cNvPr id="4" name="Content Placeholder 3">
+            <a:extLst>
+              <a:ext uri="{FF2B5EF4-FFF2-40B4-BE49-F238E27FC236}">
+                <a16:creationId xmlns:a16="http://schemas.microsoft.com/office/drawing/2014/main" id="{73FA2DE6-4D72-4752-9D2F-4411C2E144A9}"/>
+              </a:ext>
+            </a:extLst>
+          </p:cNvPr>
+          <p:cNvSpPr>
+            <a:spLocks noGrp="1"/>
+          </p:cNvSpPr>
+          <p:nvPr>
+            <p:ph idx="25"/>
+          </p:nvPr>
+        </p:nvSpPr>
+        <p:spPr>
+          <a:xfrm>
+            <a:off x="371474" y="287216"/>
+            <a:ext cx="11449051" cy="6570784"/>
+          </a:xfrm>
+        </p:spPr>
+        <p:txBody>
+          <a:bodyPr>
+            <a:noAutofit/>
+          </a:bodyPr>
+          <a:lstStyle/>
+          <a:p>
+            <a:r>
+              <a:rPr lang="en-US" sz="2000" b="0" dirty="0">
+                <a:solidFill>
+                  <a:srgbClr val="0000FF"/>
+                </a:solidFill>
+                <a:effectLst/>
+                <a:latin typeface="Consolas" panose="020B0609020204030204" pitchFamily="49" charset="0"/>
+              </a:rPr>
+              <a:t>template</a:t>
+            </a:r>
+            <a:r>
+              <a:rPr lang="en-US" sz="2000" b="0" dirty="0">
+                <a:solidFill>
+                  <a:srgbClr val="3B3B3B"/>
+                </a:solidFill>
+                <a:effectLst/>
+                <a:latin typeface="Consolas" panose="020B0609020204030204" pitchFamily="49" charset="0"/>
+              </a:rPr>
+              <a:t> &lt;</a:t>
+            </a:r>
+            <a:r>
+              <a:rPr lang="en-US" sz="2000" b="0" dirty="0" err="1">
+                <a:solidFill>
+                  <a:srgbClr val="0000FF"/>
+                </a:solidFill>
+                <a:effectLst/>
+                <a:latin typeface="Consolas" panose="020B0609020204030204" pitchFamily="49" charset="0"/>
+              </a:rPr>
+              <a:t>typename</a:t>
+            </a:r>
+            <a:r>
+              <a:rPr lang="en-US" sz="2000" b="0" dirty="0">
+                <a:solidFill>
+                  <a:srgbClr val="3B3B3B"/>
+                </a:solidFill>
+                <a:effectLst/>
+                <a:latin typeface="Consolas" panose="020B0609020204030204" pitchFamily="49" charset="0"/>
+              </a:rPr>
+              <a:t> </a:t>
+            </a:r>
+            <a:r>
+              <a:rPr lang="en-US" sz="2000" b="0" dirty="0">
+                <a:solidFill>
+                  <a:srgbClr val="267F99"/>
+                </a:solidFill>
+                <a:effectLst/>
+                <a:latin typeface="Consolas" panose="020B0609020204030204" pitchFamily="49" charset="0"/>
+              </a:rPr>
+              <a:t>U</a:t>
+            </a:r>
+            <a:r>
+              <a:rPr lang="en-US" sz="2000" b="0" dirty="0">
+                <a:solidFill>
+                  <a:srgbClr val="3B3B3B"/>
+                </a:solidFill>
+                <a:effectLst/>
+                <a:latin typeface="Consolas" panose="020B0609020204030204" pitchFamily="49" charset="0"/>
+              </a:rPr>
+              <a:t>, </a:t>
+            </a:r>
+            <a:r>
+              <a:rPr lang="en-US" sz="2000" b="0" dirty="0">
+                <a:solidFill>
+                  <a:srgbClr val="0000FF"/>
+                </a:solidFill>
+                <a:effectLst/>
+                <a:latin typeface="Consolas" panose="020B0609020204030204" pitchFamily="49" charset="0"/>
+              </a:rPr>
+              <a:t>template</a:t>
+            </a:r>
+            <a:r>
+              <a:rPr lang="en-US" sz="2000" b="0" dirty="0">
+                <a:solidFill>
+                  <a:srgbClr val="3B3B3B"/>
+                </a:solidFill>
+                <a:effectLst/>
+                <a:latin typeface="Consolas" panose="020B0609020204030204" pitchFamily="49" charset="0"/>
+              </a:rPr>
+              <a:t> &lt;</a:t>
+            </a:r>
+            <a:r>
+              <a:rPr lang="en-US" sz="2000" b="0" dirty="0">
+                <a:solidFill>
+                  <a:srgbClr val="0000FF"/>
+                </a:solidFill>
+                <a:effectLst/>
+                <a:latin typeface="Consolas" panose="020B0609020204030204" pitchFamily="49" charset="0"/>
+              </a:rPr>
+              <a:t>class</a:t>
+            </a:r>
+            <a:r>
+              <a:rPr lang="en-US" sz="2000" b="0" dirty="0">
+                <a:solidFill>
+                  <a:srgbClr val="3B3B3B"/>
+                </a:solidFill>
+                <a:effectLst/>
+                <a:latin typeface="Consolas" panose="020B0609020204030204" pitchFamily="49" charset="0"/>
+              </a:rPr>
+              <a:t>&gt; </a:t>
+            </a:r>
+            <a:r>
+              <a:rPr lang="en-US" sz="2000" b="0" dirty="0" err="1">
+                <a:solidFill>
+                  <a:srgbClr val="0000FF"/>
+                </a:solidFill>
+                <a:effectLst/>
+                <a:latin typeface="Consolas" panose="020B0609020204030204" pitchFamily="49" charset="0"/>
+              </a:rPr>
+              <a:t>typename</a:t>
+            </a:r>
+            <a:r>
+              <a:rPr lang="en-US" sz="2000" b="0" dirty="0">
+                <a:solidFill>
+                  <a:srgbClr val="3B3B3B"/>
+                </a:solidFill>
+                <a:effectLst/>
+                <a:latin typeface="Consolas" panose="020B0609020204030204" pitchFamily="49" charset="0"/>
+              </a:rPr>
+              <a:t> </a:t>
+            </a:r>
+            <a:r>
+              <a:rPr lang="en-US" sz="2000" b="0" dirty="0">
+                <a:solidFill>
+                  <a:srgbClr val="267F99"/>
+                </a:solidFill>
+                <a:effectLst/>
+                <a:latin typeface="Consolas" panose="020B0609020204030204" pitchFamily="49" charset="0"/>
+              </a:rPr>
+              <a:t>T</a:t>
+            </a:r>
+            <a:r>
+              <a:rPr lang="en-US" sz="2000" b="0" dirty="0">
+                <a:solidFill>
+                  <a:srgbClr val="3B3B3B"/>
+                </a:solidFill>
+                <a:effectLst/>
+                <a:latin typeface="Consolas" panose="020B0609020204030204" pitchFamily="49" charset="0"/>
+              </a:rPr>
+              <a:t>, </a:t>
+            </a:r>
+            <a:endParaRPr lang="ru-RU" sz="2000" b="0" dirty="0">
+              <a:solidFill>
+                <a:srgbClr val="3B3B3B"/>
+              </a:solidFill>
+              <a:effectLst/>
+              <a:latin typeface="Consolas" panose="020B0609020204030204" pitchFamily="49" charset="0"/>
+            </a:endParaRPr>
+          </a:p>
+          <a:p>
+            <a:r>
+              <a:rPr lang="ru-RU" sz="2000" dirty="0">
+                <a:solidFill>
+                  <a:srgbClr val="3B3B3B"/>
+                </a:solidFill>
+                <a:latin typeface="Consolas" panose="020B0609020204030204" pitchFamily="49" charset="0"/>
+              </a:rPr>
+              <a:t>          </a:t>
+            </a:r>
+            <a:r>
+              <a:rPr lang="en-US" sz="2000" b="0" dirty="0" err="1">
+                <a:solidFill>
+                  <a:srgbClr val="0000FF"/>
+                </a:solidFill>
+                <a:effectLst/>
+                <a:latin typeface="Consolas" panose="020B0609020204030204" pitchFamily="49" charset="0"/>
+              </a:rPr>
+              <a:t>typename</a:t>
+            </a:r>
+            <a:r>
+              <a:rPr lang="en-US" sz="2000" b="0" dirty="0">
+                <a:solidFill>
+                  <a:srgbClr val="3B3B3B"/>
+                </a:solidFill>
+                <a:effectLst/>
+                <a:latin typeface="Consolas" panose="020B0609020204030204" pitchFamily="49" charset="0"/>
+              </a:rPr>
+              <a:t> </a:t>
+            </a:r>
+            <a:r>
+              <a:rPr lang="en-US" sz="2000" b="0" dirty="0">
+                <a:solidFill>
+                  <a:srgbClr val="267F99"/>
+                </a:solidFill>
+                <a:effectLst/>
+                <a:latin typeface="Consolas" panose="020B0609020204030204" pitchFamily="49" charset="0"/>
+              </a:rPr>
+              <a:t>V</a:t>
+            </a:r>
+            <a:r>
+              <a:rPr lang="en-US" sz="2000" b="0" dirty="0">
+                <a:solidFill>
+                  <a:srgbClr val="3B3B3B"/>
+                </a:solidFill>
+                <a:effectLst/>
+                <a:latin typeface="Consolas" panose="020B0609020204030204" pitchFamily="49" charset="0"/>
+              </a:rPr>
+              <a:t>, </a:t>
+            </a:r>
+            <a:r>
+              <a:rPr lang="en-US" sz="2000" b="0" dirty="0">
+                <a:solidFill>
+                  <a:srgbClr val="0000FF"/>
+                </a:solidFill>
+                <a:effectLst/>
+                <a:latin typeface="Consolas" panose="020B0609020204030204" pitchFamily="49" charset="0"/>
+              </a:rPr>
+              <a:t>template</a:t>
+            </a:r>
+            <a:r>
+              <a:rPr lang="en-US" sz="2000" b="0" dirty="0">
+                <a:solidFill>
+                  <a:srgbClr val="3B3B3B"/>
+                </a:solidFill>
+                <a:effectLst/>
+                <a:latin typeface="Consolas" panose="020B0609020204030204" pitchFamily="49" charset="0"/>
+              </a:rPr>
+              <a:t> &lt;</a:t>
+            </a:r>
+            <a:r>
+              <a:rPr lang="en-US" sz="2000" b="0" dirty="0">
+                <a:solidFill>
+                  <a:srgbClr val="0000FF"/>
+                </a:solidFill>
+                <a:effectLst/>
+                <a:latin typeface="Consolas" panose="020B0609020204030204" pitchFamily="49" charset="0"/>
+              </a:rPr>
+              <a:t>class</a:t>
+            </a:r>
+            <a:r>
+              <a:rPr lang="en-US" sz="2000" b="0" dirty="0">
+                <a:solidFill>
+                  <a:srgbClr val="3B3B3B"/>
+                </a:solidFill>
+                <a:effectLst/>
+                <a:latin typeface="Consolas" panose="020B0609020204030204" pitchFamily="49" charset="0"/>
+              </a:rPr>
+              <a:t>&gt; </a:t>
+            </a:r>
+            <a:r>
+              <a:rPr lang="en-US" sz="2000" b="0" dirty="0" err="1">
+                <a:solidFill>
+                  <a:srgbClr val="0000FF"/>
+                </a:solidFill>
+                <a:effectLst/>
+                <a:latin typeface="Consolas" panose="020B0609020204030204" pitchFamily="49" charset="0"/>
+              </a:rPr>
+              <a:t>typename</a:t>
+            </a:r>
+            <a:r>
+              <a:rPr lang="en-US" sz="2000" b="0" dirty="0">
+                <a:solidFill>
+                  <a:srgbClr val="3B3B3B"/>
+                </a:solidFill>
+                <a:effectLst/>
+                <a:latin typeface="Consolas" panose="020B0609020204030204" pitchFamily="49" charset="0"/>
+              </a:rPr>
+              <a:t> </a:t>
+            </a:r>
+            <a:r>
+              <a:rPr lang="en-US" sz="2000" b="0" dirty="0">
+                <a:solidFill>
+                  <a:srgbClr val="267F99"/>
+                </a:solidFill>
+                <a:effectLst/>
+                <a:latin typeface="Consolas" panose="020B0609020204030204" pitchFamily="49" charset="0"/>
+              </a:rPr>
+              <a:t>W</a:t>
+            </a:r>
+            <a:r>
+              <a:rPr lang="en-US" sz="2000" b="0" dirty="0">
+                <a:solidFill>
+                  <a:srgbClr val="3B3B3B"/>
+                </a:solidFill>
+                <a:effectLst/>
+                <a:latin typeface="Consolas" panose="020B0609020204030204" pitchFamily="49" charset="0"/>
+              </a:rPr>
+              <a:t>&gt;</a:t>
+            </a:r>
+          </a:p>
+          <a:p>
+            <a:r>
+              <a:rPr lang="en-US" sz="2000" b="0" dirty="0">
+                <a:solidFill>
+                  <a:srgbClr val="267F99"/>
+                </a:solidFill>
+                <a:effectLst/>
+                <a:latin typeface="Consolas" panose="020B0609020204030204" pitchFamily="49" charset="0"/>
+              </a:rPr>
+              <a:t>std</a:t>
+            </a:r>
+            <a:r>
+              <a:rPr lang="en-US" sz="2000" b="0" dirty="0">
+                <a:solidFill>
+                  <a:srgbClr val="3B3B3B"/>
+                </a:solidFill>
+                <a:effectLst/>
+                <a:latin typeface="Consolas" panose="020B0609020204030204" pitchFamily="49" charset="0"/>
+              </a:rPr>
+              <a:t>::</a:t>
+            </a:r>
+            <a:r>
+              <a:rPr lang="en-US" sz="2000" b="0" dirty="0" err="1">
+                <a:solidFill>
+                  <a:srgbClr val="267F99"/>
+                </a:solidFill>
+                <a:effectLst/>
+                <a:latin typeface="Consolas" panose="020B0609020204030204" pitchFamily="49" charset="0"/>
+              </a:rPr>
+              <a:t>enable_if_t</a:t>
+            </a:r>
+            <a:r>
+              <a:rPr lang="en-US" sz="2000" b="0" dirty="0">
+                <a:solidFill>
+                  <a:srgbClr val="000000"/>
+                </a:solidFill>
+                <a:effectLst/>
+                <a:latin typeface="Consolas" panose="020B0609020204030204" pitchFamily="49" charset="0"/>
+              </a:rPr>
+              <a:t>&lt;</a:t>
+            </a:r>
+            <a:r>
+              <a:rPr lang="en-US" sz="2000" b="0" dirty="0">
+                <a:solidFill>
+                  <a:srgbClr val="267F99"/>
+                </a:solidFill>
+                <a:effectLst/>
+                <a:latin typeface="Consolas" panose="020B0609020204030204" pitchFamily="49" charset="0"/>
+              </a:rPr>
+              <a:t>std</a:t>
+            </a:r>
+            <a:r>
+              <a:rPr lang="en-US" sz="2000" b="0" dirty="0">
+                <a:solidFill>
+                  <a:srgbClr val="3B3B3B"/>
+                </a:solidFill>
+                <a:effectLst/>
+                <a:latin typeface="Consolas" panose="020B0609020204030204" pitchFamily="49" charset="0"/>
+              </a:rPr>
+              <a:t>::</a:t>
+            </a:r>
+            <a:r>
+              <a:rPr lang="en-US" sz="2000" b="0" dirty="0" err="1">
+                <a:solidFill>
+                  <a:srgbClr val="001080"/>
+                </a:solidFill>
+                <a:effectLst/>
+                <a:latin typeface="Consolas" panose="020B0609020204030204" pitchFamily="49" charset="0"/>
+              </a:rPr>
+              <a:t>is_base_of_v</a:t>
+            </a:r>
+            <a:r>
+              <a:rPr lang="en-US" sz="2000" b="0" dirty="0">
+                <a:solidFill>
+                  <a:srgbClr val="000000"/>
+                </a:solidFill>
+                <a:effectLst/>
+                <a:latin typeface="Consolas" panose="020B0609020204030204" pitchFamily="49" charset="0"/>
+              </a:rPr>
+              <a:t>&lt;</a:t>
+            </a:r>
+            <a:r>
+              <a:rPr lang="en-US" sz="2000" b="0" dirty="0">
+                <a:solidFill>
+                  <a:srgbClr val="267F99"/>
+                </a:solidFill>
+                <a:effectLst/>
+                <a:latin typeface="Consolas" panose="020B0609020204030204" pitchFamily="49" charset="0"/>
+              </a:rPr>
+              <a:t>Expression</a:t>
+            </a:r>
+            <a:r>
+              <a:rPr lang="en-US" sz="2000" b="0" dirty="0">
+                <a:solidFill>
+                  <a:srgbClr val="000000"/>
+                </a:solidFill>
+                <a:effectLst/>
+                <a:latin typeface="Consolas" panose="020B0609020204030204" pitchFamily="49" charset="0"/>
+              </a:rPr>
+              <a:t>&lt;</a:t>
+            </a:r>
+            <a:r>
+              <a:rPr lang="en-US" sz="2000" b="0" dirty="0">
+                <a:solidFill>
+                  <a:srgbClr val="267F99"/>
+                </a:solidFill>
+                <a:effectLst/>
+                <a:latin typeface="Consolas" panose="020B0609020204030204" pitchFamily="49" charset="0"/>
+              </a:rPr>
+              <a:t>U</a:t>
+            </a:r>
+            <a:r>
+              <a:rPr lang="en-US" sz="2000" b="0" dirty="0">
+                <a:solidFill>
+                  <a:srgbClr val="000000"/>
+                </a:solidFill>
+                <a:effectLst/>
+                <a:latin typeface="Consolas" panose="020B0609020204030204" pitchFamily="49" charset="0"/>
+              </a:rPr>
+              <a:t>&gt;</a:t>
+            </a:r>
+            <a:r>
+              <a:rPr lang="en-US" sz="2000" b="0" dirty="0">
+                <a:solidFill>
+                  <a:srgbClr val="3B3B3B"/>
+                </a:solidFill>
+                <a:effectLst/>
+                <a:latin typeface="Consolas" panose="020B0609020204030204" pitchFamily="49" charset="0"/>
+              </a:rPr>
+              <a:t>, </a:t>
+            </a:r>
+            <a:r>
+              <a:rPr lang="en-US" sz="2000" b="0" dirty="0">
+                <a:solidFill>
+                  <a:srgbClr val="267F99"/>
+                </a:solidFill>
+                <a:effectLst/>
+                <a:latin typeface="Consolas" panose="020B0609020204030204" pitchFamily="49" charset="0"/>
+              </a:rPr>
+              <a:t>T</a:t>
+            </a:r>
+            <a:r>
+              <a:rPr lang="en-US" sz="2000" b="0" dirty="0">
+                <a:solidFill>
+                  <a:srgbClr val="000000"/>
+                </a:solidFill>
+                <a:effectLst/>
+                <a:latin typeface="Consolas" panose="020B0609020204030204" pitchFamily="49" charset="0"/>
+              </a:rPr>
+              <a:t>&lt;</a:t>
+            </a:r>
+            <a:r>
+              <a:rPr lang="en-US" sz="2000" b="0" dirty="0">
+                <a:solidFill>
+                  <a:srgbClr val="267F99"/>
+                </a:solidFill>
+                <a:effectLst/>
+                <a:latin typeface="Consolas" panose="020B0609020204030204" pitchFamily="49" charset="0"/>
+              </a:rPr>
+              <a:t>U</a:t>
+            </a:r>
+            <a:r>
+              <a:rPr lang="en-US" sz="2000" b="0" dirty="0">
+                <a:solidFill>
+                  <a:srgbClr val="000000"/>
+                </a:solidFill>
+                <a:effectLst/>
+                <a:latin typeface="Consolas" panose="020B0609020204030204" pitchFamily="49" charset="0"/>
+              </a:rPr>
+              <a:t>&gt;&gt;</a:t>
+            </a:r>
+            <a:r>
+              <a:rPr lang="en-US" sz="2000" b="0" dirty="0">
+                <a:solidFill>
+                  <a:srgbClr val="3B3B3B"/>
+                </a:solidFill>
+                <a:effectLst/>
+                <a:latin typeface="Consolas" panose="020B0609020204030204" pitchFamily="49" charset="0"/>
+              </a:rPr>
+              <a:t> </a:t>
+            </a:r>
+            <a:r>
+              <a:rPr lang="en-US" sz="2000" b="0" dirty="0">
+                <a:solidFill>
+                  <a:srgbClr val="000000"/>
+                </a:solidFill>
+                <a:effectLst/>
+                <a:latin typeface="Consolas" panose="020B0609020204030204" pitchFamily="49" charset="0"/>
+              </a:rPr>
+              <a:t>&amp;&amp;</a:t>
+            </a:r>
+            <a:endParaRPr lang="en-US" sz="2000" b="0" dirty="0">
+              <a:solidFill>
+                <a:srgbClr val="3B3B3B"/>
+              </a:solidFill>
+              <a:effectLst/>
+              <a:latin typeface="Consolas" panose="020B0609020204030204" pitchFamily="49" charset="0"/>
+            </a:endParaRPr>
+          </a:p>
+          <a:p>
+            <a:r>
+              <a:rPr lang="en-US" sz="2000" b="0" dirty="0">
+                <a:solidFill>
+                  <a:srgbClr val="3B3B3B"/>
+                </a:solidFill>
+                <a:effectLst/>
+                <a:latin typeface="Consolas" panose="020B0609020204030204" pitchFamily="49" charset="0"/>
+              </a:rPr>
+              <a:t>                     </a:t>
+            </a:r>
+            <a:r>
+              <a:rPr lang="en-US" sz="2000" b="0" dirty="0">
+                <a:solidFill>
+                  <a:srgbClr val="267F99"/>
+                </a:solidFill>
+                <a:effectLst/>
+                <a:latin typeface="Consolas" panose="020B0609020204030204" pitchFamily="49" charset="0"/>
+              </a:rPr>
+              <a:t>std</a:t>
+            </a:r>
+            <a:r>
+              <a:rPr lang="en-US" sz="2000" b="0" dirty="0">
+                <a:solidFill>
+                  <a:srgbClr val="3B3B3B"/>
+                </a:solidFill>
+                <a:effectLst/>
+                <a:latin typeface="Consolas" panose="020B0609020204030204" pitchFamily="49" charset="0"/>
+              </a:rPr>
+              <a:t>::</a:t>
+            </a:r>
+            <a:r>
+              <a:rPr lang="en-US" sz="2000" b="0" dirty="0" err="1">
+                <a:solidFill>
+                  <a:srgbClr val="001080"/>
+                </a:solidFill>
+                <a:effectLst/>
+                <a:latin typeface="Consolas" panose="020B0609020204030204" pitchFamily="49" charset="0"/>
+              </a:rPr>
+              <a:t>is_base_of_v</a:t>
+            </a:r>
+            <a:r>
+              <a:rPr lang="en-US" sz="2000" b="0" dirty="0">
+                <a:solidFill>
+                  <a:srgbClr val="000000"/>
+                </a:solidFill>
+                <a:effectLst/>
+                <a:latin typeface="Consolas" panose="020B0609020204030204" pitchFamily="49" charset="0"/>
+              </a:rPr>
+              <a:t>&lt;</a:t>
+            </a:r>
+            <a:r>
+              <a:rPr lang="en-US" sz="2000" b="0" dirty="0">
+                <a:solidFill>
+                  <a:srgbClr val="267F99"/>
+                </a:solidFill>
+                <a:effectLst/>
+                <a:latin typeface="Consolas" panose="020B0609020204030204" pitchFamily="49" charset="0"/>
+              </a:rPr>
+              <a:t>Expression</a:t>
+            </a:r>
+            <a:r>
+              <a:rPr lang="en-US" sz="2000" b="0" dirty="0">
+                <a:solidFill>
+                  <a:srgbClr val="000000"/>
+                </a:solidFill>
+                <a:effectLst/>
+                <a:latin typeface="Consolas" panose="020B0609020204030204" pitchFamily="49" charset="0"/>
+              </a:rPr>
+              <a:t>&lt;</a:t>
+            </a:r>
+            <a:r>
+              <a:rPr lang="en-US" sz="2000" b="0" dirty="0">
+                <a:solidFill>
+                  <a:srgbClr val="267F99"/>
+                </a:solidFill>
+                <a:effectLst/>
+                <a:latin typeface="Consolas" panose="020B0609020204030204" pitchFamily="49" charset="0"/>
+              </a:rPr>
+              <a:t>V</a:t>
+            </a:r>
+            <a:r>
+              <a:rPr lang="en-US" sz="2000" b="0" dirty="0">
+                <a:solidFill>
+                  <a:srgbClr val="000000"/>
+                </a:solidFill>
+                <a:effectLst/>
+                <a:latin typeface="Consolas" panose="020B0609020204030204" pitchFamily="49" charset="0"/>
+              </a:rPr>
+              <a:t>&gt;</a:t>
+            </a:r>
+            <a:r>
+              <a:rPr lang="en-US" sz="2000" b="0" dirty="0">
+                <a:solidFill>
+                  <a:srgbClr val="3B3B3B"/>
+                </a:solidFill>
+                <a:effectLst/>
+                <a:latin typeface="Consolas" panose="020B0609020204030204" pitchFamily="49" charset="0"/>
+              </a:rPr>
+              <a:t>, </a:t>
+            </a:r>
+            <a:r>
+              <a:rPr lang="en-US" sz="2000" b="0" dirty="0">
+                <a:solidFill>
+                  <a:srgbClr val="267F99"/>
+                </a:solidFill>
+                <a:effectLst/>
+                <a:latin typeface="Consolas" panose="020B0609020204030204" pitchFamily="49" charset="0"/>
+              </a:rPr>
+              <a:t>W</a:t>
+            </a:r>
+            <a:r>
+              <a:rPr lang="en-US" sz="2000" b="0" dirty="0">
+                <a:solidFill>
+                  <a:srgbClr val="000000"/>
+                </a:solidFill>
+                <a:effectLst/>
+                <a:latin typeface="Consolas" panose="020B0609020204030204" pitchFamily="49" charset="0"/>
+              </a:rPr>
+              <a:t>&lt;</a:t>
+            </a:r>
+            <a:r>
+              <a:rPr lang="en-US" sz="2000" b="0" dirty="0">
+                <a:solidFill>
+                  <a:srgbClr val="267F99"/>
+                </a:solidFill>
+                <a:effectLst/>
+                <a:latin typeface="Consolas" panose="020B0609020204030204" pitchFamily="49" charset="0"/>
+              </a:rPr>
+              <a:t>V</a:t>
+            </a:r>
+            <a:r>
+              <a:rPr lang="en-US" sz="2000" b="0" dirty="0">
+                <a:solidFill>
+                  <a:srgbClr val="000000"/>
+                </a:solidFill>
+                <a:effectLst/>
+                <a:latin typeface="Consolas" panose="020B0609020204030204" pitchFamily="49" charset="0"/>
+              </a:rPr>
+              <a:t>&gt;&gt;</a:t>
+            </a:r>
+            <a:r>
+              <a:rPr lang="en-US" sz="2000" b="0" dirty="0">
+                <a:solidFill>
+                  <a:srgbClr val="3B3B3B"/>
+                </a:solidFill>
+                <a:effectLst/>
+                <a:latin typeface="Consolas" panose="020B0609020204030204" pitchFamily="49" charset="0"/>
+              </a:rPr>
+              <a:t>,</a:t>
+            </a:r>
+          </a:p>
+          <a:p>
+            <a:r>
+              <a:rPr lang="en-US" sz="2000" b="0" dirty="0">
+                <a:solidFill>
+                  <a:srgbClr val="3B3B3B"/>
+                </a:solidFill>
+                <a:effectLst/>
+                <a:latin typeface="Consolas" panose="020B0609020204030204" pitchFamily="49" charset="0"/>
+              </a:rPr>
+              <a:t>                 </a:t>
+            </a:r>
+            <a:r>
+              <a:rPr lang="en-US" sz="2000" b="0" dirty="0" err="1">
+                <a:solidFill>
+                  <a:srgbClr val="267F99"/>
+                </a:solidFill>
+                <a:effectLst/>
+                <a:latin typeface="Consolas" panose="020B0609020204030204" pitchFamily="49" charset="0"/>
+              </a:rPr>
+              <a:t>shared_ptr</a:t>
+            </a:r>
+            <a:r>
+              <a:rPr lang="en-US" sz="2000" b="0" dirty="0">
+                <a:solidFill>
+                  <a:srgbClr val="000000"/>
+                </a:solidFill>
+                <a:effectLst/>
+                <a:latin typeface="Consolas" panose="020B0609020204030204" pitchFamily="49" charset="0"/>
+              </a:rPr>
+              <a:t>&lt;</a:t>
+            </a:r>
+            <a:r>
+              <a:rPr lang="en-US" sz="2000" b="0" dirty="0">
+                <a:solidFill>
+                  <a:srgbClr val="267F99"/>
+                </a:solidFill>
+                <a:effectLst/>
+                <a:latin typeface="Consolas" panose="020B0609020204030204" pitchFamily="49" charset="0"/>
+              </a:rPr>
+              <a:t>Sum</a:t>
+            </a:r>
+            <a:r>
+              <a:rPr lang="en-US" sz="2000" b="0" dirty="0">
+                <a:solidFill>
+                  <a:srgbClr val="000000"/>
+                </a:solidFill>
+                <a:effectLst/>
+                <a:latin typeface="Consolas" panose="020B0609020204030204" pitchFamily="49" charset="0"/>
+              </a:rPr>
+              <a:t>&lt;</a:t>
+            </a:r>
+            <a:r>
+              <a:rPr lang="en-US" sz="2000" b="0" dirty="0">
+                <a:solidFill>
+                  <a:srgbClr val="267F99"/>
+                </a:solidFill>
+                <a:effectLst/>
+                <a:latin typeface="Consolas" panose="020B0609020204030204" pitchFamily="49" charset="0"/>
+              </a:rPr>
+              <a:t>U</a:t>
+            </a:r>
+            <a:r>
+              <a:rPr lang="en-US" sz="2000" b="0" dirty="0">
+                <a:solidFill>
+                  <a:srgbClr val="3B3B3B"/>
+                </a:solidFill>
+                <a:effectLst/>
+                <a:latin typeface="Consolas" panose="020B0609020204030204" pitchFamily="49" charset="0"/>
+              </a:rPr>
+              <a:t>, </a:t>
+            </a:r>
+            <a:r>
+              <a:rPr lang="en-US" sz="2000" b="0" dirty="0">
+                <a:solidFill>
+                  <a:srgbClr val="267F99"/>
+                </a:solidFill>
+                <a:effectLst/>
+                <a:latin typeface="Consolas" panose="020B0609020204030204" pitchFamily="49" charset="0"/>
+              </a:rPr>
+              <a:t>V</a:t>
+            </a:r>
+            <a:r>
+              <a:rPr lang="en-US" sz="2000" b="0" dirty="0">
+                <a:solidFill>
+                  <a:srgbClr val="000000"/>
+                </a:solidFill>
+                <a:effectLst/>
+                <a:latin typeface="Consolas" panose="020B0609020204030204" pitchFamily="49" charset="0"/>
+              </a:rPr>
+              <a:t>&gt;&gt;&gt;</a:t>
+            </a:r>
+            <a:endParaRPr lang="en-US" sz="2000" b="0" dirty="0">
+              <a:solidFill>
+                <a:srgbClr val="3B3B3B"/>
+              </a:solidFill>
+              <a:effectLst/>
+              <a:latin typeface="Consolas" panose="020B0609020204030204" pitchFamily="49" charset="0"/>
+            </a:endParaRPr>
+          </a:p>
+          <a:p>
+            <a:r>
+              <a:rPr lang="en-US" sz="2000" b="0" dirty="0">
+                <a:solidFill>
+                  <a:srgbClr val="795E26"/>
+                </a:solidFill>
+                <a:effectLst/>
+                <a:latin typeface="Consolas" panose="020B0609020204030204" pitchFamily="49" charset="0"/>
+              </a:rPr>
+              <a:t>operator+</a:t>
+            </a:r>
+            <a:r>
+              <a:rPr lang="en-US" sz="2000" b="0" dirty="0">
+                <a:solidFill>
+                  <a:srgbClr val="3B3B3B"/>
+                </a:solidFill>
+                <a:effectLst/>
+                <a:latin typeface="Consolas" panose="020B0609020204030204" pitchFamily="49" charset="0"/>
+              </a:rPr>
+              <a:t>(</a:t>
+            </a:r>
+            <a:r>
+              <a:rPr lang="en-US" sz="2000" b="0" dirty="0" err="1">
+                <a:solidFill>
+                  <a:srgbClr val="267F99"/>
+                </a:solidFill>
+                <a:effectLst/>
+                <a:latin typeface="Consolas" panose="020B0609020204030204" pitchFamily="49" charset="0"/>
+              </a:rPr>
+              <a:t>shared_ptr</a:t>
+            </a:r>
+            <a:r>
+              <a:rPr lang="en-US" sz="2000" b="0" dirty="0">
+                <a:solidFill>
+                  <a:srgbClr val="3B3B3B"/>
+                </a:solidFill>
+                <a:effectLst/>
+                <a:latin typeface="Consolas" panose="020B0609020204030204" pitchFamily="49" charset="0"/>
+              </a:rPr>
+              <a:t>&lt;</a:t>
+            </a:r>
+            <a:r>
+              <a:rPr lang="en-US" sz="2000" b="0" dirty="0">
+                <a:solidFill>
+                  <a:srgbClr val="267F99"/>
+                </a:solidFill>
+                <a:effectLst/>
+                <a:latin typeface="Consolas" panose="020B0609020204030204" pitchFamily="49" charset="0"/>
+              </a:rPr>
+              <a:t>T</a:t>
+            </a:r>
+            <a:r>
+              <a:rPr lang="en-US" sz="2000" b="0" dirty="0">
+                <a:solidFill>
+                  <a:srgbClr val="3B3B3B"/>
+                </a:solidFill>
+                <a:effectLst/>
+                <a:latin typeface="Consolas" panose="020B0609020204030204" pitchFamily="49" charset="0"/>
+              </a:rPr>
+              <a:t>&lt;</a:t>
+            </a:r>
+            <a:r>
+              <a:rPr lang="en-US" sz="2000" b="0" dirty="0">
+                <a:solidFill>
+                  <a:srgbClr val="267F99"/>
+                </a:solidFill>
+                <a:effectLst/>
+                <a:latin typeface="Consolas" panose="020B0609020204030204" pitchFamily="49" charset="0"/>
+              </a:rPr>
+              <a:t>U</a:t>
+            </a:r>
+            <a:r>
+              <a:rPr lang="en-US" sz="2000" b="0" dirty="0">
+                <a:solidFill>
+                  <a:srgbClr val="3B3B3B"/>
+                </a:solidFill>
+                <a:effectLst/>
+                <a:latin typeface="Consolas" panose="020B0609020204030204" pitchFamily="49" charset="0"/>
+              </a:rPr>
+              <a:t>&gt;&gt; </a:t>
+            </a:r>
+            <a:r>
+              <a:rPr lang="en-US" sz="2000" b="0" dirty="0" err="1">
+                <a:solidFill>
+                  <a:srgbClr val="001080"/>
+                </a:solidFill>
+                <a:effectLst/>
+                <a:latin typeface="Consolas" panose="020B0609020204030204" pitchFamily="49" charset="0"/>
+              </a:rPr>
+              <a:t>lhs</a:t>
+            </a:r>
+            <a:r>
+              <a:rPr lang="en-US" sz="2000" b="0" dirty="0">
+                <a:solidFill>
+                  <a:srgbClr val="3B3B3B"/>
+                </a:solidFill>
+                <a:effectLst/>
+                <a:latin typeface="Consolas" panose="020B0609020204030204" pitchFamily="49" charset="0"/>
+              </a:rPr>
+              <a:t>, </a:t>
+            </a:r>
+            <a:r>
+              <a:rPr lang="en-US" sz="2000" b="0" dirty="0" err="1">
+                <a:solidFill>
+                  <a:srgbClr val="267F99"/>
+                </a:solidFill>
+                <a:effectLst/>
+                <a:latin typeface="Consolas" panose="020B0609020204030204" pitchFamily="49" charset="0"/>
+              </a:rPr>
+              <a:t>shared_ptr</a:t>
+            </a:r>
+            <a:r>
+              <a:rPr lang="en-US" sz="2000" b="0" dirty="0">
+                <a:solidFill>
+                  <a:srgbClr val="3B3B3B"/>
+                </a:solidFill>
+                <a:effectLst/>
+                <a:latin typeface="Consolas" panose="020B0609020204030204" pitchFamily="49" charset="0"/>
+              </a:rPr>
+              <a:t>&lt;</a:t>
+            </a:r>
+            <a:r>
+              <a:rPr lang="en-US" sz="2000" b="0" dirty="0">
+                <a:solidFill>
+                  <a:srgbClr val="267F99"/>
+                </a:solidFill>
+                <a:effectLst/>
+                <a:latin typeface="Consolas" panose="020B0609020204030204" pitchFamily="49" charset="0"/>
+              </a:rPr>
+              <a:t>W</a:t>
+            </a:r>
+            <a:r>
+              <a:rPr lang="en-US" sz="2000" b="0" dirty="0">
+                <a:solidFill>
+                  <a:srgbClr val="3B3B3B"/>
+                </a:solidFill>
+                <a:effectLst/>
+                <a:latin typeface="Consolas" panose="020B0609020204030204" pitchFamily="49" charset="0"/>
+              </a:rPr>
+              <a:t>&lt;</a:t>
+            </a:r>
+            <a:r>
+              <a:rPr lang="en-US" sz="2000" b="0" dirty="0">
+                <a:solidFill>
+                  <a:srgbClr val="267F99"/>
+                </a:solidFill>
+                <a:effectLst/>
+                <a:latin typeface="Consolas" panose="020B0609020204030204" pitchFamily="49" charset="0"/>
+              </a:rPr>
+              <a:t>V</a:t>
+            </a:r>
+            <a:r>
+              <a:rPr lang="en-US" sz="2000" b="0" dirty="0">
+                <a:solidFill>
+                  <a:srgbClr val="3B3B3B"/>
+                </a:solidFill>
+                <a:effectLst/>
+                <a:latin typeface="Consolas" panose="020B0609020204030204" pitchFamily="49" charset="0"/>
+              </a:rPr>
+              <a:t>&gt;&gt; </a:t>
+            </a:r>
+            <a:r>
+              <a:rPr lang="en-US" sz="2000" b="0" dirty="0" err="1">
+                <a:solidFill>
+                  <a:srgbClr val="001080"/>
+                </a:solidFill>
+                <a:effectLst/>
+                <a:latin typeface="Consolas" panose="020B0609020204030204" pitchFamily="49" charset="0"/>
+              </a:rPr>
+              <a:t>rhs</a:t>
+            </a:r>
+            <a:r>
+              <a:rPr lang="en-US" sz="2000" b="0" dirty="0">
+                <a:solidFill>
+                  <a:srgbClr val="3B3B3B"/>
+                </a:solidFill>
+                <a:effectLst/>
+                <a:latin typeface="Consolas" panose="020B0609020204030204" pitchFamily="49" charset="0"/>
+              </a:rPr>
+              <a:t>) {</a:t>
+            </a:r>
+          </a:p>
+          <a:p>
+            <a:r>
+              <a:rPr lang="en-US" sz="2000" b="0" dirty="0">
+                <a:solidFill>
+                  <a:srgbClr val="3B3B3B"/>
+                </a:solidFill>
+                <a:effectLst/>
+                <a:latin typeface="Consolas" panose="020B0609020204030204" pitchFamily="49" charset="0"/>
+              </a:rPr>
+              <a:t>  </a:t>
+            </a:r>
+            <a:r>
+              <a:rPr lang="en-US" sz="2000" b="0" dirty="0">
+                <a:solidFill>
+                  <a:srgbClr val="AF00DB"/>
+                </a:solidFill>
+                <a:effectLst/>
+                <a:latin typeface="Consolas" panose="020B0609020204030204" pitchFamily="49" charset="0"/>
+              </a:rPr>
+              <a:t>return</a:t>
+            </a:r>
+            <a:r>
+              <a:rPr lang="en-US" sz="2000" b="0" dirty="0">
+                <a:solidFill>
+                  <a:srgbClr val="3B3B3B"/>
+                </a:solidFill>
+                <a:effectLst/>
+                <a:latin typeface="Consolas" panose="020B0609020204030204" pitchFamily="49" charset="0"/>
+              </a:rPr>
+              <a:t> </a:t>
+            </a:r>
+            <a:r>
+              <a:rPr lang="en-US" sz="2000" b="0" dirty="0">
+                <a:solidFill>
+                  <a:srgbClr val="267F99"/>
+                </a:solidFill>
+                <a:effectLst/>
+                <a:latin typeface="Consolas" panose="020B0609020204030204" pitchFamily="49" charset="0"/>
+              </a:rPr>
+              <a:t>std</a:t>
+            </a:r>
+            <a:r>
+              <a:rPr lang="en-US" sz="2000" b="0" dirty="0">
+                <a:solidFill>
+                  <a:srgbClr val="3B3B3B"/>
+                </a:solidFill>
+                <a:effectLst/>
+                <a:latin typeface="Consolas" panose="020B0609020204030204" pitchFamily="49" charset="0"/>
+              </a:rPr>
+              <a:t>::</a:t>
+            </a:r>
+            <a:r>
+              <a:rPr lang="en-US" sz="2000" b="0" dirty="0" err="1">
+                <a:solidFill>
+                  <a:srgbClr val="795E26"/>
+                </a:solidFill>
+                <a:effectLst/>
+                <a:latin typeface="Consolas" panose="020B0609020204030204" pitchFamily="49" charset="0"/>
+              </a:rPr>
+              <a:t>make_shared</a:t>
+            </a:r>
+            <a:r>
+              <a:rPr lang="en-US" sz="2000" b="0" dirty="0">
+                <a:solidFill>
+                  <a:srgbClr val="3B3B3B"/>
+                </a:solidFill>
+                <a:effectLst/>
+                <a:latin typeface="Consolas" panose="020B0609020204030204" pitchFamily="49" charset="0"/>
+              </a:rPr>
+              <a:t>&lt;</a:t>
+            </a:r>
+            <a:r>
+              <a:rPr lang="en-US" sz="2000" b="0" dirty="0">
+                <a:solidFill>
+                  <a:srgbClr val="267F99"/>
+                </a:solidFill>
+                <a:effectLst/>
+                <a:latin typeface="Consolas" panose="020B0609020204030204" pitchFamily="49" charset="0"/>
+              </a:rPr>
+              <a:t>Sum</a:t>
+            </a:r>
+            <a:r>
+              <a:rPr lang="en-US" sz="2000" b="0" dirty="0">
+                <a:solidFill>
+                  <a:srgbClr val="3B3B3B"/>
+                </a:solidFill>
+                <a:effectLst/>
+                <a:latin typeface="Consolas" panose="020B0609020204030204" pitchFamily="49" charset="0"/>
+              </a:rPr>
+              <a:t>&lt;</a:t>
+            </a:r>
+            <a:r>
+              <a:rPr lang="en-US" sz="2000" b="0" dirty="0">
+                <a:solidFill>
+                  <a:srgbClr val="267F99"/>
+                </a:solidFill>
+                <a:effectLst/>
+                <a:latin typeface="Consolas" panose="020B0609020204030204" pitchFamily="49" charset="0"/>
+              </a:rPr>
+              <a:t>U</a:t>
+            </a:r>
+            <a:r>
+              <a:rPr lang="en-US" sz="2000" b="0" dirty="0">
+                <a:solidFill>
+                  <a:srgbClr val="3B3B3B"/>
+                </a:solidFill>
+                <a:effectLst/>
+                <a:latin typeface="Consolas" panose="020B0609020204030204" pitchFamily="49" charset="0"/>
+              </a:rPr>
+              <a:t>, </a:t>
+            </a:r>
+            <a:r>
+              <a:rPr lang="en-US" sz="2000" b="0" dirty="0">
+                <a:solidFill>
+                  <a:srgbClr val="267F99"/>
+                </a:solidFill>
+                <a:effectLst/>
+                <a:latin typeface="Consolas" panose="020B0609020204030204" pitchFamily="49" charset="0"/>
+              </a:rPr>
+              <a:t>V</a:t>
+            </a:r>
+            <a:r>
+              <a:rPr lang="en-US" sz="2000" b="0" dirty="0">
+                <a:solidFill>
+                  <a:srgbClr val="3B3B3B"/>
+                </a:solidFill>
+                <a:effectLst/>
+                <a:latin typeface="Consolas" panose="020B0609020204030204" pitchFamily="49" charset="0"/>
+              </a:rPr>
+              <a:t>&gt;&gt;(</a:t>
+            </a:r>
+            <a:r>
+              <a:rPr lang="en-US" sz="2000" b="0" dirty="0">
+                <a:solidFill>
+                  <a:srgbClr val="267F99"/>
+                </a:solidFill>
+                <a:effectLst/>
+                <a:latin typeface="Consolas" panose="020B0609020204030204" pitchFamily="49" charset="0"/>
+              </a:rPr>
+              <a:t>std</a:t>
+            </a:r>
+            <a:r>
+              <a:rPr lang="en-US" sz="2000" b="0" dirty="0">
+                <a:solidFill>
+                  <a:srgbClr val="3B3B3B"/>
+                </a:solidFill>
+                <a:effectLst/>
+                <a:latin typeface="Consolas" panose="020B0609020204030204" pitchFamily="49" charset="0"/>
+              </a:rPr>
+              <a:t>::</a:t>
+            </a:r>
+            <a:r>
+              <a:rPr lang="en-US" sz="2000" b="0" dirty="0">
+                <a:solidFill>
+                  <a:srgbClr val="795E26"/>
+                </a:solidFill>
+                <a:effectLst/>
+                <a:latin typeface="Consolas" panose="020B0609020204030204" pitchFamily="49" charset="0"/>
+              </a:rPr>
+              <a:t>move</a:t>
+            </a:r>
+            <a:r>
+              <a:rPr lang="en-US" sz="2000" b="0" dirty="0">
+                <a:solidFill>
+                  <a:srgbClr val="3B3B3B"/>
+                </a:solidFill>
+                <a:effectLst/>
+                <a:latin typeface="Consolas" panose="020B0609020204030204" pitchFamily="49" charset="0"/>
+              </a:rPr>
+              <a:t>(</a:t>
+            </a:r>
+            <a:r>
+              <a:rPr lang="en-US" sz="2000" b="0" dirty="0" err="1">
+                <a:solidFill>
+                  <a:srgbClr val="001080"/>
+                </a:solidFill>
+                <a:effectLst/>
+                <a:latin typeface="Consolas" panose="020B0609020204030204" pitchFamily="49" charset="0"/>
+              </a:rPr>
+              <a:t>lhs</a:t>
+            </a:r>
+            <a:r>
+              <a:rPr lang="en-US" sz="2000" b="0" dirty="0">
+                <a:solidFill>
+                  <a:srgbClr val="3B3B3B"/>
+                </a:solidFill>
+                <a:effectLst/>
+                <a:latin typeface="Consolas" panose="020B0609020204030204" pitchFamily="49" charset="0"/>
+              </a:rPr>
+              <a:t>), </a:t>
+            </a:r>
+            <a:r>
+              <a:rPr lang="en-US" sz="2000" b="0" dirty="0">
+                <a:solidFill>
+                  <a:srgbClr val="267F99"/>
+                </a:solidFill>
+                <a:effectLst/>
+                <a:latin typeface="Consolas" panose="020B0609020204030204" pitchFamily="49" charset="0"/>
+              </a:rPr>
+              <a:t>std</a:t>
+            </a:r>
+            <a:r>
+              <a:rPr lang="en-US" sz="2000" b="0" dirty="0">
+                <a:solidFill>
+                  <a:srgbClr val="3B3B3B"/>
+                </a:solidFill>
+                <a:effectLst/>
+                <a:latin typeface="Consolas" panose="020B0609020204030204" pitchFamily="49" charset="0"/>
+              </a:rPr>
+              <a:t>::</a:t>
+            </a:r>
+            <a:r>
+              <a:rPr lang="en-US" sz="2000" b="0" dirty="0">
+                <a:solidFill>
+                  <a:srgbClr val="795E26"/>
+                </a:solidFill>
+                <a:effectLst/>
+                <a:latin typeface="Consolas" panose="020B0609020204030204" pitchFamily="49" charset="0"/>
+              </a:rPr>
+              <a:t>move</a:t>
+            </a:r>
+            <a:r>
+              <a:rPr lang="en-US" sz="2000" b="0" dirty="0">
+                <a:solidFill>
+                  <a:srgbClr val="3B3B3B"/>
+                </a:solidFill>
+                <a:effectLst/>
+                <a:latin typeface="Consolas" panose="020B0609020204030204" pitchFamily="49" charset="0"/>
+              </a:rPr>
+              <a:t>(</a:t>
+            </a:r>
+            <a:r>
+              <a:rPr lang="en-US" sz="2000" b="0" dirty="0" err="1">
+                <a:solidFill>
+                  <a:srgbClr val="001080"/>
+                </a:solidFill>
+                <a:effectLst/>
+                <a:latin typeface="Consolas" panose="020B0609020204030204" pitchFamily="49" charset="0"/>
+              </a:rPr>
+              <a:t>rhs</a:t>
+            </a:r>
+            <a:r>
+              <a:rPr lang="en-US" sz="2000" b="0" dirty="0">
+                <a:solidFill>
+                  <a:srgbClr val="3B3B3B"/>
+                </a:solidFill>
+                <a:effectLst/>
+                <a:latin typeface="Consolas" panose="020B0609020204030204" pitchFamily="49" charset="0"/>
+              </a:rPr>
+              <a:t>));</a:t>
+            </a:r>
+          </a:p>
+          <a:p>
+            <a:r>
+              <a:rPr lang="en-US" sz="2000" b="0" dirty="0">
+                <a:solidFill>
+                  <a:srgbClr val="3B3B3B"/>
+                </a:solidFill>
+                <a:effectLst/>
+                <a:latin typeface="Consolas" panose="020B0609020204030204" pitchFamily="49" charset="0"/>
+              </a:rPr>
+              <a:t>}</a:t>
+            </a:r>
+          </a:p>
+        </p:txBody>
+      </p:sp>
+    </p:spTree>
+    <p:extLst>
+      <p:ext uri="{BB962C8B-B14F-4D97-AF65-F5344CB8AC3E}">
+        <p14:creationId xmlns:p14="http://schemas.microsoft.com/office/powerpoint/2010/main" val="2657983563"/>
+      </p:ext>
+    </p:extLst>
+  </p:cSld>
+  <p:clrMapOvr>
+    <a:masterClrMapping/>
+  </p:clrMapOvr>
+  <p:transition spd="slow">
+    <p:push dir="u"/>
+  </p:transition>
+</p:sld>
+</file>
+
+<file path=ppt/slides/slide33.xml><?xml version="1.0" encoding="utf-8"?>
+<p:sld xmlns:a="http://schemas.openxmlformats.org/drawingml/2006/main" xmlns:r="http://schemas.openxmlformats.org/officeDocument/2006/relationships" xmlns:p="http://schemas.openxmlformats.org/presentationml/2006/main">
+  <p:cSld>
+    <p:spTree>
+      <p:nvGrpSpPr>
+        <p:cNvPr id="1" name=""/>
+        <p:cNvGrpSpPr/>
+        <p:nvPr/>
+      </p:nvGrpSpPr>
+      <p:grpSpPr>
+        <a:xfrm>
+          <a:off x="0" y="0"/>
+          <a:ext cx="0" cy="0"/>
+          <a:chOff x="0" y="0"/>
+          <a:chExt cx="0" cy="0"/>
+        </a:xfrm>
+      </p:grpSpPr>
+      <p:sp>
+        <p:nvSpPr>
+          <p:cNvPr id="2" name="Footer Placeholder 1">
+            <a:extLst>
+              <a:ext uri="{FF2B5EF4-FFF2-40B4-BE49-F238E27FC236}">
+                <a16:creationId xmlns:a16="http://schemas.microsoft.com/office/drawing/2014/main" id="{71D5D624-1AA6-4945-BD4E-150CD1DE4D9C}"/>
+              </a:ext>
+            </a:extLst>
+          </p:cNvPr>
+          <p:cNvSpPr>
+            <a:spLocks noGrp="1"/>
+          </p:cNvSpPr>
+          <p:nvPr>
+            <p:ph type="ftr" sz="quarter" idx="11"/>
+          </p:nvPr>
+        </p:nvSpPr>
+        <p:spPr/>
+        <p:txBody>
+          <a:bodyPr/>
+          <a:lstStyle/>
+          <a:p>
+            <a:endParaRPr lang="ru-RU" dirty="0"/>
+          </a:p>
+        </p:txBody>
+      </p:sp>
+      <p:sp>
+        <p:nvSpPr>
+          <p:cNvPr id="3" name="Slide Number Placeholder 2">
+            <a:extLst>
+              <a:ext uri="{FF2B5EF4-FFF2-40B4-BE49-F238E27FC236}">
+                <a16:creationId xmlns:a16="http://schemas.microsoft.com/office/drawing/2014/main" id="{DD3EA27F-D800-4246-A59D-21AC713B42A5}"/>
+              </a:ext>
+            </a:extLst>
+          </p:cNvPr>
+          <p:cNvSpPr>
+            <a:spLocks noGrp="1"/>
+          </p:cNvSpPr>
+          <p:nvPr>
+            <p:ph type="sldNum" sz="quarter" idx="12"/>
+          </p:nvPr>
+        </p:nvSpPr>
+        <p:spPr/>
+        <p:txBody>
+          <a:bodyPr/>
+          <a:lstStyle/>
+          <a:p>
+            <a:fld id="{8DE7FA1B-F957-4F22-889A-E25B642749EF}" type="slidenum">
+              <a:rPr lang="ru-RU" smtClean="0"/>
+              <a:pPr/>
+              <a:t>33</a:t>
+            </a:fld>
+            <a:endParaRPr lang="ru-RU" dirty="0"/>
+          </a:p>
+        </p:txBody>
+      </p:sp>
+      <p:sp>
+        <p:nvSpPr>
+          <p:cNvPr id="4" name="Content Placeholder 3">
+            <a:extLst>
+              <a:ext uri="{FF2B5EF4-FFF2-40B4-BE49-F238E27FC236}">
+                <a16:creationId xmlns:a16="http://schemas.microsoft.com/office/drawing/2014/main" id="{73FA2DE6-4D72-4752-9D2F-4411C2E144A9}"/>
+              </a:ext>
+            </a:extLst>
+          </p:cNvPr>
+          <p:cNvSpPr>
+            <a:spLocks noGrp="1"/>
+          </p:cNvSpPr>
+          <p:nvPr>
+            <p:ph idx="25"/>
+          </p:nvPr>
+        </p:nvSpPr>
+        <p:spPr>
+          <a:xfrm>
+            <a:off x="371474" y="287216"/>
+            <a:ext cx="11449051" cy="6570784"/>
+          </a:xfrm>
+        </p:spPr>
+        <p:txBody>
+          <a:bodyPr>
+            <a:noAutofit/>
+          </a:bodyPr>
+          <a:lstStyle/>
+          <a:p>
+            <a:r>
+              <a:rPr lang="en-US" sz="2000" b="0" dirty="0">
+                <a:solidFill>
+                  <a:srgbClr val="AF00DB"/>
+                </a:solidFill>
+                <a:effectLst/>
+                <a:latin typeface="Consolas" panose="020B0609020204030204" pitchFamily="49" charset="0"/>
+              </a:rPr>
+              <a:t>#define</a:t>
+            </a:r>
+            <a:r>
+              <a:rPr lang="en-US" sz="2000" b="0" dirty="0">
+                <a:solidFill>
+                  <a:srgbClr val="0000FF"/>
+                </a:solidFill>
+                <a:effectLst/>
+                <a:latin typeface="Consolas" panose="020B0609020204030204" pitchFamily="49" charset="0"/>
+              </a:rPr>
+              <a:t> V(</a:t>
+            </a:r>
+            <a:r>
+              <a:rPr lang="en-US" sz="2000" b="0" dirty="0">
+                <a:solidFill>
+                  <a:srgbClr val="001080"/>
+                </a:solidFill>
+                <a:effectLst/>
+                <a:latin typeface="Consolas" panose="020B0609020204030204" pitchFamily="49" charset="0"/>
+              </a:rPr>
+              <a:t>x</a:t>
+            </a:r>
+            <a:r>
+              <a:rPr lang="en-US" sz="2000" b="0" dirty="0">
+                <a:solidFill>
+                  <a:srgbClr val="0000FF"/>
+                </a:solidFill>
+                <a:effectLst/>
+                <a:latin typeface="Consolas" panose="020B0609020204030204" pitchFamily="49" charset="0"/>
+              </a:rPr>
+              <a:t>) </a:t>
+            </a:r>
+            <a:r>
+              <a:rPr lang="en-US" sz="2000" b="0" dirty="0" err="1">
+                <a:solidFill>
+                  <a:srgbClr val="795E26"/>
+                </a:solidFill>
+                <a:effectLst/>
+                <a:latin typeface="Consolas" panose="020B0609020204030204" pitchFamily="49" charset="0"/>
+              </a:rPr>
+              <a:t>MakeValue</a:t>
+            </a:r>
+            <a:r>
+              <a:rPr lang="en-US" sz="2000" b="0" dirty="0">
+                <a:solidFill>
+                  <a:srgbClr val="0000FF"/>
+                </a:solidFill>
+                <a:effectLst/>
+                <a:latin typeface="Consolas" panose="020B0609020204030204" pitchFamily="49" charset="0"/>
+              </a:rPr>
+              <a:t>(x, </a:t>
+            </a:r>
+            <a:r>
+              <a:rPr lang="en-US" sz="2000" b="0" dirty="0">
+                <a:solidFill>
+                  <a:srgbClr val="001080"/>
+                </a:solidFill>
+                <a:effectLst/>
+                <a:latin typeface="Consolas" panose="020B0609020204030204" pitchFamily="49" charset="0"/>
+              </a:rPr>
+              <a:t>#x</a:t>
+            </a:r>
+            <a:r>
+              <a:rPr lang="en-US" sz="2000" b="0" dirty="0">
+                <a:solidFill>
+                  <a:srgbClr val="0000FF"/>
+                </a:solidFill>
+                <a:effectLst/>
+                <a:latin typeface="Consolas" panose="020B0609020204030204" pitchFamily="49" charset="0"/>
+              </a:rPr>
+              <a:t>)</a:t>
+            </a:r>
+            <a:endParaRPr lang="en-US" sz="2000" b="0" dirty="0">
+              <a:solidFill>
+                <a:srgbClr val="3B3B3B"/>
+              </a:solidFill>
+              <a:effectLst/>
+              <a:latin typeface="Consolas" panose="020B0609020204030204" pitchFamily="49" charset="0"/>
+            </a:endParaRPr>
+          </a:p>
+          <a:p>
+            <a:br>
+              <a:rPr lang="en-US" sz="2000" b="0" dirty="0">
+                <a:solidFill>
+                  <a:srgbClr val="3B3B3B"/>
+                </a:solidFill>
+                <a:effectLst/>
+                <a:latin typeface="Consolas" panose="020B0609020204030204" pitchFamily="49" charset="0"/>
+              </a:rPr>
+            </a:br>
+            <a:r>
+              <a:rPr lang="en-US" sz="2000" b="0" dirty="0">
+                <a:solidFill>
+                  <a:srgbClr val="267F99"/>
+                </a:solidFill>
+                <a:effectLst/>
+                <a:latin typeface="Consolas" panose="020B0609020204030204" pitchFamily="49" charset="0"/>
+              </a:rPr>
+              <a:t>Estimated</a:t>
+            </a:r>
+            <a:r>
+              <a:rPr lang="en-US" sz="2000" b="0" dirty="0">
+                <a:solidFill>
+                  <a:srgbClr val="3B3B3B"/>
+                </a:solidFill>
+                <a:effectLst/>
+                <a:latin typeface="Consolas" panose="020B0609020204030204" pitchFamily="49" charset="0"/>
+              </a:rPr>
+              <a:t> </a:t>
+            </a:r>
+            <a:r>
+              <a:rPr lang="en-US" sz="2000" b="0" dirty="0" err="1">
+                <a:solidFill>
+                  <a:srgbClr val="795E26"/>
+                </a:solidFill>
+                <a:effectLst/>
+                <a:latin typeface="Consolas" panose="020B0609020204030204" pitchFamily="49" charset="0"/>
+              </a:rPr>
+              <a:t>CalcCompleteAt</a:t>
+            </a:r>
+            <a:r>
+              <a:rPr lang="en-US" sz="2000" b="0" dirty="0">
+                <a:solidFill>
+                  <a:srgbClr val="3B3B3B"/>
+                </a:solidFill>
+                <a:effectLst/>
+                <a:latin typeface="Consolas" panose="020B0609020204030204" pitchFamily="49" charset="0"/>
+              </a:rPr>
+              <a:t>(</a:t>
+            </a:r>
+            <a:r>
+              <a:rPr lang="en-US" sz="2000" b="0" dirty="0">
+                <a:solidFill>
+                  <a:srgbClr val="0000FF"/>
+                </a:solidFill>
+                <a:effectLst/>
+                <a:latin typeface="Consolas" panose="020B0609020204030204" pitchFamily="49" charset="0"/>
+              </a:rPr>
+              <a:t>const</a:t>
+            </a:r>
+            <a:r>
+              <a:rPr lang="en-US" sz="2000" b="0" dirty="0">
+                <a:solidFill>
+                  <a:srgbClr val="3B3B3B"/>
+                </a:solidFill>
+                <a:effectLst/>
+                <a:latin typeface="Consolas" panose="020B0609020204030204" pitchFamily="49" charset="0"/>
+              </a:rPr>
+              <a:t> </a:t>
+            </a:r>
+            <a:r>
+              <a:rPr lang="en-US" sz="2000" b="0" dirty="0" err="1">
+                <a:solidFill>
+                  <a:srgbClr val="267F99"/>
+                </a:solidFill>
+                <a:effectLst/>
+                <a:latin typeface="Consolas" panose="020B0609020204030204" pitchFamily="49" charset="0"/>
+              </a:rPr>
+              <a:t>EstimationData</a:t>
+            </a:r>
+            <a:r>
+              <a:rPr lang="en-US" sz="2000" b="0" dirty="0">
+                <a:solidFill>
+                  <a:srgbClr val="0000FF"/>
+                </a:solidFill>
+                <a:effectLst/>
+                <a:latin typeface="Consolas" panose="020B0609020204030204" pitchFamily="49" charset="0"/>
+              </a:rPr>
+              <a:t>&amp;</a:t>
+            </a:r>
+            <a:r>
+              <a:rPr lang="en-US" sz="2000" b="0" dirty="0">
+                <a:solidFill>
+                  <a:srgbClr val="3B3B3B"/>
+                </a:solidFill>
+                <a:effectLst/>
+                <a:latin typeface="Consolas" panose="020B0609020204030204" pitchFamily="49" charset="0"/>
+              </a:rPr>
+              <a:t> </a:t>
+            </a:r>
+            <a:r>
+              <a:rPr lang="en-US" sz="2000" b="0" dirty="0">
+                <a:solidFill>
+                  <a:srgbClr val="001080"/>
+                </a:solidFill>
+                <a:effectLst/>
+                <a:latin typeface="Consolas" panose="020B0609020204030204" pitchFamily="49" charset="0"/>
+              </a:rPr>
+              <a:t>eta</a:t>
+            </a:r>
+            <a:r>
+              <a:rPr lang="en-US" sz="2000" b="0" dirty="0">
+                <a:solidFill>
+                  <a:srgbClr val="3B3B3B"/>
+                </a:solidFill>
+                <a:effectLst/>
+                <a:latin typeface="Consolas" panose="020B0609020204030204" pitchFamily="49" charset="0"/>
+              </a:rPr>
+              <a:t>) {</a:t>
+            </a:r>
+          </a:p>
+          <a:p>
+            <a:r>
+              <a:rPr lang="en-US" sz="2000" b="0" dirty="0">
+                <a:solidFill>
+                  <a:srgbClr val="3B3B3B"/>
+                </a:solidFill>
+                <a:effectLst/>
+                <a:latin typeface="Consolas" panose="020B0609020204030204" pitchFamily="49" charset="0"/>
+              </a:rPr>
+              <a:t>  </a:t>
+            </a:r>
+            <a:r>
+              <a:rPr lang="en-US" sz="2000" b="0" dirty="0">
+                <a:solidFill>
+                  <a:srgbClr val="AF00DB"/>
+                </a:solidFill>
+                <a:effectLst/>
+                <a:latin typeface="Consolas" panose="020B0609020204030204" pitchFamily="49" charset="0"/>
+              </a:rPr>
+              <a:t>return</a:t>
+            </a:r>
+            <a:r>
+              <a:rPr lang="en-US" sz="2000" b="0" dirty="0">
+                <a:solidFill>
+                  <a:srgbClr val="3B3B3B"/>
+                </a:solidFill>
+                <a:effectLst/>
+                <a:latin typeface="Consolas" panose="020B0609020204030204" pitchFamily="49" charset="0"/>
+              </a:rPr>
+              <a:t> </a:t>
+            </a:r>
+            <a:r>
+              <a:rPr lang="en-US" sz="2000" b="0" dirty="0">
+                <a:solidFill>
+                  <a:srgbClr val="795E26"/>
+                </a:solidFill>
+                <a:effectLst/>
+                <a:latin typeface="Consolas" panose="020B0609020204030204" pitchFamily="49" charset="0"/>
+              </a:rPr>
+              <a:t>*</a:t>
+            </a:r>
+            <a:r>
+              <a:rPr lang="en-US" sz="2000" b="0" dirty="0">
+                <a:solidFill>
+                  <a:srgbClr val="3B3B3B"/>
+                </a:solidFill>
+                <a:effectLst/>
+                <a:latin typeface="Consolas" panose="020B0609020204030204" pitchFamily="49" charset="0"/>
+              </a:rPr>
+              <a:t>(</a:t>
+            </a:r>
+            <a:r>
+              <a:rPr lang="en-US" sz="2000" b="0" dirty="0">
+                <a:solidFill>
+                  <a:srgbClr val="0000FF"/>
+                </a:solidFill>
+                <a:effectLst/>
+                <a:latin typeface="Consolas" panose="020B0609020204030204" pitchFamily="49" charset="0"/>
+              </a:rPr>
+              <a:t>V</a:t>
+            </a:r>
+            <a:r>
+              <a:rPr lang="en-US" sz="2000" b="0" dirty="0">
+                <a:solidFill>
+                  <a:srgbClr val="3B3B3B"/>
+                </a:solidFill>
+                <a:effectLst/>
+                <a:latin typeface="Consolas" panose="020B0609020204030204" pitchFamily="49" charset="0"/>
+              </a:rPr>
+              <a:t>(</a:t>
+            </a:r>
+            <a:r>
+              <a:rPr lang="en-US" sz="2000" b="0" dirty="0" err="1">
+                <a:solidFill>
+                  <a:srgbClr val="001080"/>
+                </a:solidFill>
+                <a:effectLst/>
+                <a:latin typeface="Consolas" panose="020B0609020204030204" pitchFamily="49" charset="0"/>
+              </a:rPr>
+              <a:t>eta</a:t>
+            </a:r>
+            <a:r>
+              <a:rPr lang="en-US" sz="2000" b="0" dirty="0" err="1">
+                <a:solidFill>
+                  <a:srgbClr val="3B3B3B"/>
+                </a:solidFill>
+                <a:effectLst/>
+                <a:latin typeface="Consolas" panose="020B0609020204030204" pitchFamily="49" charset="0"/>
+              </a:rPr>
+              <a:t>.</a:t>
+            </a:r>
+            <a:r>
+              <a:rPr lang="en-US" sz="2000" b="0" dirty="0" err="1">
+                <a:solidFill>
+                  <a:srgbClr val="001080"/>
+                </a:solidFill>
+                <a:effectLst/>
+                <a:latin typeface="Consolas" panose="020B0609020204030204" pitchFamily="49" charset="0"/>
+              </a:rPr>
+              <a:t>delivery_started_at</a:t>
+            </a:r>
+            <a:r>
+              <a:rPr lang="en-US" sz="2000" b="0" dirty="0">
+                <a:solidFill>
+                  <a:srgbClr val="3B3B3B"/>
+                </a:solidFill>
+                <a:effectLst/>
+                <a:latin typeface="Consolas" panose="020B0609020204030204" pitchFamily="49" charset="0"/>
+              </a:rPr>
+              <a:t>) </a:t>
+            </a:r>
+            <a:r>
+              <a:rPr lang="en-US" sz="2000" b="0" dirty="0">
+                <a:solidFill>
+                  <a:srgbClr val="795E26"/>
+                </a:solidFill>
+                <a:effectLst/>
+                <a:latin typeface="Consolas" panose="020B0609020204030204" pitchFamily="49" charset="0"/>
+              </a:rPr>
+              <a:t>+</a:t>
+            </a:r>
+            <a:r>
+              <a:rPr lang="en-US" sz="2000" b="0" dirty="0">
+                <a:solidFill>
+                  <a:srgbClr val="3B3B3B"/>
+                </a:solidFill>
+                <a:effectLst/>
+                <a:latin typeface="Consolas" panose="020B0609020204030204" pitchFamily="49" charset="0"/>
+              </a:rPr>
+              <a:t> </a:t>
+            </a:r>
+            <a:r>
+              <a:rPr lang="en-US" sz="2000" b="0" dirty="0">
+                <a:solidFill>
+                  <a:srgbClr val="0000FF"/>
+                </a:solidFill>
+                <a:effectLst/>
+                <a:latin typeface="Consolas" panose="020B0609020204030204" pitchFamily="49" charset="0"/>
+              </a:rPr>
+              <a:t>V</a:t>
+            </a:r>
+            <a:r>
+              <a:rPr lang="en-US" sz="2000" b="0" dirty="0">
+                <a:solidFill>
+                  <a:srgbClr val="3B3B3B"/>
+                </a:solidFill>
+                <a:effectLst/>
+                <a:latin typeface="Consolas" panose="020B0609020204030204" pitchFamily="49" charset="0"/>
+              </a:rPr>
+              <a:t>(</a:t>
+            </a:r>
+            <a:r>
+              <a:rPr lang="en-US" sz="2000" b="0" dirty="0" err="1">
+                <a:solidFill>
+                  <a:srgbClr val="001080"/>
+                </a:solidFill>
+                <a:effectLst/>
+                <a:latin typeface="Consolas" panose="020B0609020204030204" pitchFamily="49" charset="0"/>
+              </a:rPr>
+              <a:t>eta</a:t>
+            </a:r>
+            <a:r>
+              <a:rPr lang="en-US" sz="2000" b="0" dirty="0" err="1">
+                <a:solidFill>
+                  <a:srgbClr val="3B3B3B"/>
+                </a:solidFill>
+                <a:effectLst/>
+                <a:latin typeface="Consolas" panose="020B0609020204030204" pitchFamily="49" charset="0"/>
+              </a:rPr>
+              <a:t>.</a:t>
+            </a:r>
+            <a:r>
+              <a:rPr lang="en-US" sz="2000" b="0" dirty="0" err="1">
+                <a:solidFill>
+                  <a:srgbClr val="001080"/>
+                </a:solidFill>
+                <a:effectLst/>
+                <a:latin typeface="Consolas" panose="020B0609020204030204" pitchFamily="49" charset="0"/>
+              </a:rPr>
+              <a:t>delivery_duration</a:t>
+            </a:r>
+            <a:r>
+              <a:rPr lang="en-US" sz="2000" b="0" dirty="0">
+                <a:solidFill>
+                  <a:srgbClr val="3B3B3B"/>
+                </a:solidFill>
+                <a:effectLst/>
+                <a:latin typeface="Consolas" panose="020B0609020204030204" pitchFamily="49" charset="0"/>
+              </a:rPr>
+              <a:t>));</a:t>
+            </a:r>
+          </a:p>
+          <a:p>
+            <a:r>
+              <a:rPr lang="en-US" sz="2000" b="0" dirty="0">
+                <a:solidFill>
+                  <a:srgbClr val="3B3B3B"/>
+                </a:solidFill>
+                <a:effectLst/>
+                <a:latin typeface="Consolas" panose="020B0609020204030204" pitchFamily="49" charset="0"/>
+              </a:rPr>
+              <a:t>}</a:t>
+            </a:r>
+          </a:p>
+        </p:txBody>
+      </p:sp>
+    </p:spTree>
+    <p:extLst>
+      <p:ext uri="{BB962C8B-B14F-4D97-AF65-F5344CB8AC3E}">
+        <p14:creationId xmlns:p14="http://schemas.microsoft.com/office/powerpoint/2010/main" val="3426773562"/>
+      </p:ext>
+    </p:extLst>
+  </p:cSld>
+  <p:clrMapOvr>
+    <a:masterClrMapping/>
+  </p:clrMapOvr>
+  <p:transition spd="slow">
+    <p:push dir="u"/>
+  </p:transition>
 </p:sld>
 </file>
 
